--- a/01_DipolesSources/TD_02_JaugeExtensometrie_Wheatstone/images/Figures.pptx
+++ b/01_DipolesSources/TD_02_JaugeExtensometrie_Wheatstone/images/Figures.pptx
@@ -5,9 +5,10 @@
     <p:sldMasterId id="2147483648" r:id="rId1"/>
   </p:sldMasterIdLst>
   <p:sldIdLst>
-    <p:sldId id="256" r:id="rId2"/>
-    <p:sldId id="257" r:id="rId3"/>
-    <p:sldId id="258" r:id="rId4"/>
+    <p:sldId id="259" r:id="rId2"/>
+    <p:sldId id="256" r:id="rId3"/>
+    <p:sldId id="257" r:id="rId4"/>
+    <p:sldId id="258" r:id="rId5"/>
   </p:sldIdLst>
   <p:sldSz cx="9144000" cy="6858000" type="screen4x3"/>
   <p:notesSz cx="6858000" cy="9144000"/>
@@ -291,7 +292,7 @@
             <a:fld id="{47C414CA-3B1E-4C42-B862-7A4C61ED653A}" type="datetimeFigureOut">
               <a:rPr lang="fr-FR" smtClean="0"/>
               <a:pPr/>
-              <a:t>22/09/2014</a:t>
+              <a:t>23/09/2014</a:t>
             </a:fld>
             <a:endParaRPr lang="fr-FR"/>
           </a:p>
@@ -343,7 +344,7 @@
     </p:spTree>
     <p:extLst>
       <p:ext uri="{BB962C8B-B14F-4D97-AF65-F5344CB8AC3E}">
-        <p14:creationId xmlns="" xmlns:p14="http://schemas.microsoft.com/office/powerpoint/2010/main" val="2856293908"/>
+        <p14:creationId xmlns:p14="http://schemas.microsoft.com/office/powerpoint/2010/main" val="2856293908"/>
       </p:ext>
     </p:extLst>
   </p:cSld>
@@ -463,7 +464,7 @@
             <a:fld id="{47C414CA-3B1E-4C42-B862-7A4C61ED653A}" type="datetimeFigureOut">
               <a:rPr lang="fr-FR" smtClean="0"/>
               <a:pPr/>
-              <a:t>22/09/2014</a:t>
+              <a:t>23/09/2014</a:t>
             </a:fld>
             <a:endParaRPr lang="fr-FR"/>
           </a:p>
@@ -515,7 +516,7 @@
     </p:spTree>
     <p:extLst>
       <p:ext uri="{BB962C8B-B14F-4D97-AF65-F5344CB8AC3E}">
-        <p14:creationId xmlns="" xmlns:p14="http://schemas.microsoft.com/office/powerpoint/2010/main" val="1582927163"/>
+        <p14:creationId xmlns:p14="http://schemas.microsoft.com/office/powerpoint/2010/main" val="1582927163"/>
       </p:ext>
     </p:extLst>
   </p:cSld>
@@ -645,7 +646,7 @@
             <a:fld id="{47C414CA-3B1E-4C42-B862-7A4C61ED653A}" type="datetimeFigureOut">
               <a:rPr lang="fr-FR" smtClean="0"/>
               <a:pPr/>
-              <a:t>22/09/2014</a:t>
+              <a:t>23/09/2014</a:t>
             </a:fld>
             <a:endParaRPr lang="fr-FR"/>
           </a:p>
@@ -697,7 +698,7 @@
     </p:spTree>
     <p:extLst>
       <p:ext uri="{BB962C8B-B14F-4D97-AF65-F5344CB8AC3E}">
-        <p14:creationId xmlns="" xmlns:p14="http://schemas.microsoft.com/office/powerpoint/2010/main" val="1059976137"/>
+        <p14:creationId xmlns:p14="http://schemas.microsoft.com/office/powerpoint/2010/main" val="1059976137"/>
       </p:ext>
     </p:extLst>
   </p:cSld>
@@ -817,7 +818,7 @@
             <a:fld id="{47C414CA-3B1E-4C42-B862-7A4C61ED653A}" type="datetimeFigureOut">
               <a:rPr lang="fr-FR" smtClean="0"/>
               <a:pPr/>
-              <a:t>22/09/2014</a:t>
+              <a:t>23/09/2014</a:t>
             </a:fld>
             <a:endParaRPr lang="fr-FR"/>
           </a:p>
@@ -869,7 +870,7 @@
     </p:spTree>
     <p:extLst>
       <p:ext uri="{BB962C8B-B14F-4D97-AF65-F5344CB8AC3E}">
-        <p14:creationId xmlns="" xmlns:p14="http://schemas.microsoft.com/office/powerpoint/2010/main" val="4269837739"/>
+        <p14:creationId xmlns:p14="http://schemas.microsoft.com/office/powerpoint/2010/main" val="4269837739"/>
       </p:ext>
     </p:extLst>
   </p:cSld>
@@ -1065,7 +1066,7 @@
             <a:fld id="{47C414CA-3B1E-4C42-B862-7A4C61ED653A}" type="datetimeFigureOut">
               <a:rPr lang="fr-FR" smtClean="0"/>
               <a:pPr/>
-              <a:t>22/09/2014</a:t>
+              <a:t>23/09/2014</a:t>
             </a:fld>
             <a:endParaRPr lang="fr-FR"/>
           </a:p>
@@ -1117,7 +1118,7 @@
     </p:spTree>
     <p:extLst>
       <p:ext uri="{BB962C8B-B14F-4D97-AF65-F5344CB8AC3E}">
-        <p14:creationId xmlns="" xmlns:p14="http://schemas.microsoft.com/office/powerpoint/2010/main" val="2897250723"/>
+        <p14:creationId xmlns:p14="http://schemas.microsoft.com/office/powerpoint/2010/main" val="2897250723"/>
       </p:ext>
     </p:extLst>
   </p:cSld>
@@ -1355,7 +1356,7 @@
             <a:fld id="{47C414CA-3B1E-4C42-B862-7A4C61ED653A}" type="datetimeFigureOut">
               <a:rPr lang="fr-FR" smtClean="0"/>
               <a:pPr/>
-              <a:t>22/09/2014</a:t>
+              <a:t>23/09/2014</a:t>
             </a:fld>
             <a:endParaRPr lang="fr-FR"/>
           </a:p>
@@ -1407,7 +1408,7 @@
     </p:spTree>
     <p:extLst>
       <p:ext uri="{BB962C8B-B14F-4D97-AF65-F5344CB8AC3E}">
-        <p14:creationId xmlns="" xmlns:p14="http://schemas.microsoft.com/office/powerpoint/2010/main" val="3582910325"/>
+        <p14:creationId xmlns:p14="http://schemas.microsoft.com/office/powerpoint/2010/main" val="3582910325"/>
       </p:ext>
     </p:extLst>
   </p:cSld>
@@ -1779,7 +1780,7 @@
             <a:fld id="{47C414CA-3B1E-4C42-B862-7A4C61ED653A}" type="datetimeFigureOut">
               <a:rPr lang="fr-FR" smtClean="0"/>
               <a:pPr/>
-              <a:t>22/09/2014</a:t>
+              <a:t>23/09/2014</a:t>
             </a:fld>
             <a:endParaRPr lang="fr-FR"/>
           </a:p>
@@ -1831,7 +1832,7 @@
     </p:spTree>
     <p:extLst>
       <p:ext uri="{BB962C8B-B14F-4D97-AF65-F5344CB8AC3E}">
-        <p14:creationId xmlns="" xmlns:p14="http://schemas.microsoft.com/office/powerpoint/2010/main" val="1324806398"/>
+        <p14:creationId xmlns:p14="http://schemas.microsoft.com/office/powerpoint/2010/main" val="1324806398"/>
       </p:ext>
     </p:extLst>
   </p:cSld>
@@ -1899,7 +1900,7 @@
             <a:fld id="{47C414CA-3B1E-4C42-B862-7A4C61ED653A}" type="datetimeFigureOut">
               <a:rPr lang="fr-FR" smtClean="0"/>
               <a:pPr/>
-              <a:t>22/09/2014</a:t>
+              <a:t>23/09/2014</a:t>
             </a:fld>
             <a:endParaRPr lang="fr-FR"/>
           </a:p>
@@ -1951,7 +1952,7 @@
     </p:spTree>
     <p:extLst>
       <p:ext uri="{BB962C8B-B14F-4D97-AF65-F5344CB8AC3E}">
-        <p14:creationId xmlns="" xmlns:p14="http://schemas.microsoft.com/office/powerpoint/2010/main" val="2168317633"/>
+        <p14:creationId xmlns:p14="http://schemas.microsoft.com/office/powerpoint/2010/main" val="2168317633"/>
       </p:ext>
     </p:extLst>
   </p:cSld>
@@ -1996,7 +1997,7 @@
             <a:fld id="{47C414CA-3B1E-4C42-B862-7A4C61ED653A}" type="datetimeFigureOut">
               <a:rPr lang="fr-FR" smtClean="0"/>
               <a:pPr/>
-              <a:t>22/09/2014</a:t>
+              <a:t>23/09/2014</a:t>
             </a:fld>
             <a:endParaRPr lang="fr-FR"/>
           </a:p>
@@ -2048,7 +2049,7 @@
     </p:spTree>
     <p:extLst>
       <p:ext uri="{BB962C8B-B14F-4D97-AF65-F5344CB8AC3E}">
-        <p14:creationId xmlns="" xmlns:p14="http://schemas.microsoft.com/office/powerpoint/2010/main" val="721889609"/>
+        <p14:creationId xmlns:p14="http://schemas.microsoft.com/office/powerpoint/2010/main" val="721889609"/>
       </p:ext>
     </p:extLst>
   </p:cSld>
@@ -2275,7 +2276,7 @@
             <a:fld id="{47C414CA-3B1E-4C42-B862-7A4C61ED653A}" type="datetimeFigureOut">
               <a:rPr lang="fr-FR" smtClean="0"/>
               <a:pPr/>
-              <a:t>22/09/2014</a:t>
+              <a:t>23/09/2014</a:t>
             </a:fld>
             <a:endParaRPr lang="fr-FR"/>
           </a:p>
@@ -2327,7 +2328,7 @@
     </p:spTree>
     <p:extLst>
       <p:ext uri="{BB962C8B-B14F-4D97-AF65-F5344CB8AC3E}">
-        <p14:creationId xmlns="" xmlns:p14="http://schemas.microsoft.com/office/powerpoint/2010/main" val="2704931599"/>
+        <p14:creationId xmlns:p14="http://schemas.microsoft.com/office/powerpoint/2010/main" val="2704931599"/>
       </p:ext>
     </p:extLst>
   </p:cSld>
@@ -2530,7 +2531,7 @@
             <a:fld id="{47C414CA-3B1E-4C42-B862-7A4C61ED653A}" type="datetimeFigureOut">
               <a:rPr lang="fr-FR" smtClean="0"/>
               <a:pPr/>
-              <a:t>22/09/2014</a:t>
+              <a:t>23/09/2014</a:t>
             </a:fld>
             <a:endParaRPr lang="fr-FR"/>
           </a:p>
@@ -2582,7 +2583,7 @@
     </p:spTree>
     <p:extLst>
       <p:ext uri="{BB962C8B-B14F-4D97-AF65-F5344CB8AC3E}">
-        <p14:creationId xmlns="" xmlns:p14="http://schemas.microsoft.com/office/powerpoint/2010/main" val="2299115974"/>
+        <p14:creationId xmlns:p14="http://schemas.microsoft.com/office/powerpoint/2010/main" val="2299115974"/>
       </p:ext>
     </p:extLst>
   </p:cSld>
@@ -2745,7 +2746,7 @@
             <a:fld id="{47C414CA-3B1E-4C42-B862-7A4C61ED653A}" type="datetimeFigureOut">
               <a:rPr lang="fr-FR" smtClean="0"/>
               <a:pPr/>
-              <a:t>22/09/2014</a:t>
+              <a:t>23/09/2014</a:t>
             </a:fld>
             <a:endParaRPr lang="fr-FR"/>
           </a:p>
@@ -2833,7 +2834,7 @@
     </p:spTree>
     <p:extLst>
       <p:ext uri="{BB962C8B-B14F-4D97-AF65-F5344CB8AC3E}">
-        <p14:creationId xmlns="" xmlns:p14="http://schemas.microsoft.com/office/powerpoint/2010/main" val="407458268"/>
+        <p14:creationId xmlns:p14="http://schemas.microsoft.com/office/powerpoint/2010/main" val="407458268"/>
       </p:ext>
     </p:extLst>
   </p:cSld>
@@ -3105,6 +3106,1165 @@
 </file>
 
 <file path=ppt/slides/slide1.xml><?xml version="1.0" encoding="utf-8"?>
+<p:sld xmlns:a="http://schemas.openxmlformats.org/drawingml/2006/main" xmlns:r="http://schemas.openxmlformats.org/officeDocument/2006/relationships" xmlns:p="http://schemas.openxmlformats.org/presentationml/2006/main">
+  <p:cSld>
+    <p:spTree>
+      <p:nvGrpSpPr>
+        <p:cNvPr id="1" name=""/>
+        <p:cNvGrpSpPr/>
+        <p:nvPr/>
+      </p:nvGrpSpPr>
+      <p:grpSpPr>
+        <a:xfrm>
+          <a:off x="0" y="0"/>
+          <a:ext cx="0" cy="0"/>
+          <a:chOff x="0" y="0"/>
+          <a:chExt cx="0" cy="0"/>
+        </a:xfrm>
+      </p:grpSpPr>
+      <p:grpSp>
+        <p:nvGrpSpPr>
+          <p:cNvPr id="33" name="Groupe 32"/>
+          <p:cNvGrpSpPr/>
+          <p:nvPr/>
+        </p:nvGrpSpPr>
+        <p:grpSpPr>
+          <a:xfrm>
+            <a:off x="2221069" y="1015218"/>
+            <a:ext cx="1845463" cy="1836819"/>
+            <a:chOff x="788328" y="382251"/>
+            <a:chExt cx="1845463" cy="1836819"/>
+          </a:xfrm>
+        </p:grpSpPr>
+        <p:grpSp>
+          <p:nvGrpSpPr>
+            <p:cNvPr id="8" name="Groupe 7"/>
+            <p:cNvGrpSpPr/>
+            <p:nvPr/>
+          </p:nvGrpSpPr>
+          <p:grpSpPr>
+            <a:xfrm rot="2700000">
+              <a:off x="1238328" y="382251"/>
+              <a:ext cx="180000" cy="1080000"/>
+              <a:chOff x="2555776" y="1062184"/>
+              <a:chExt cx="180000" cy="1080000"/>
+            </a:xfrm>
+          </p:grpSpPr>
+          <p:sp>
+            <p:nvSpPr>
+              <p:cNvPr id="4" name="Rectangle 3"/>
+              <p:cNvSpPr/>
+              <p:nvPr/>
+            </p:nvSpPr>
+            <p:spPr>
+              <a:xfrm>
+                <a:off x="2555776" y="1422184"/>
+                <a:ext cx="180000" cy="360000"/>
+              </a:xfrm>
+              <a:prstGeom prst="rect">
+                <a:avLst/>
+              </a:prstGeom>
+              <a:noFill/>
+              <a:ln w="12700">
+                <a:solidFill>
+                  <a:srgbClr val="0070C0"/>
+                </a:solidFill>
+              </a:ln>
+            </p:spPr>
+            <p:style>
+              <a:lnRef idx="2">
+                <a:schemeClr val="accent1">
+                  <a:shade val="50000"/>
+                </a:schemeClr>
+              </a:lnRef>
+              <a:fillRef idx="1">
+                <a:schemeClr val="accent1"/>
+              </a:fillRef>
+              <a:effectRef idx="0">
+                <a:schemeClr val="accent1"/>
+              </a:effectRef>
+              <a:fontRef idx="minor">
+                <a:schemeClr val="lt1"/>
+              </a:fontRef>
+            </p:style>
+            <p:txBody>
+              <a:bodyPr rtlCol="0" anchor="ctr"/>
+              <a:lstStyle/>
+              <a:p>
+                <a:pPr algn="ctr"/>
+                <a:endParaRPr lang="fr-FR"/>
+              </a:p>
+            </p:txBody>
+          </p:sp>
+          <p:cxnSp>
+            <p:nvCxnSpPr>
+              <p:cNvPr id="5" name="Connecteur droit 4"/>
+              <p:cNvCxnSpPr>
+                <a:endCxn id="4" idx="2"/>
+              </p:cNvCxnSpPr>
+              <p:nvPr/>
+            </p:nvCxnSpPr>
+            <p:spPr>
+              <a:xfrm flipV="1">
+                <a:off x="2645776" y="1782184"/>
+                <a:ext cx="0" cy="360000"/>
+              </a:xfrm>
+              <a:prstGeom prst="line">
+                <a:avLst/>
+              </a:prstGeom>
+              <a:noFill/>
+              <a:ln w="12700">
+                <a:solidFill>
+                  <a:srgbClr val="0070C0"/>
+                </a:solidFill>
+                <a:headEnd type="oval" w="sm" len="sm"/>
+              </a:ln>
+            </p:spPr>
+            <p:style>
+              <a:lnRef idx="2">
+                <a:schemeClr val="accent1">
+                  <a:shade val="50000"/>
+                </a:schemeClr>
+              </a:lnRef>
+              <a:fillRef idx="1">
+                <a:schemeClr val="accent1"/>
+              </a:fillRef>
+              <a:effectRef idx="0">
+                <a:schemeClr val="accent1"/>
+              </a:effectRef>
+              <a:fontRef idx="minor">
+                <a:schemeClr val="lt1"/>
+              </a:fontRef>
+            </p:style>
+          </p:cxnSp>
+          <p:cxnSp>
+            <p:nvCxnSpPr>
+              <p:cNvPr id="6" name="Connecteur droit 5"/>
+              <p:cNvCxnSpPr>
+                <a:stCxn id="4" idx="0"/>
+              </p:cNvCxnSpPr>
+              <p:nvPr/>
+            </p:nvCxnSpPr>
+            <p:spPr>
+              <a:xfrm flipV="1">
+                <a:off x="2645776" y="1062184"/>
+                <a:ext cx="0" cy="360000"/>
+              </a:xfrm>
+              <a:prstGeom prst="line">
+                <a:avLst/>
+              </a:prstGeom>
+              <a:noFill/>
+              <a:ln w="12700">
+                <a:solidFill>
+                  <a:srgbClr val="0070C0"/>
+                </a:solidFill>
+                <a:headEnd type="none"/>
+                <a:tailEnd type="oval" w="sm" len="sm"/>
+              </a:ln>
+            </p:spPr>
+            <p:style>
+              <a:lnRef idx="2">
+                <a:schemeClr val="accent1">
+                  <a:shade val="50000"/>
+                </a:schemeClr>
+              </a:lnRef>
+              <a:fillRef idx="1">
+                <a:schemeClr val="accent1"/>
+              </a:fillRef>
+              <a:effectRef idx="0">
+                <a:schemeClr val="accent1"/>
+              </a:effectRef>
+              <a:fontRef idx="minor">
+                <a:schemeClr val="lt1"/>
+              </a:fontRef>
+            </p:style>
+          </p:cxnSp>
+        </p:grpSp>
+        <p:grpSp>
+          <p:nvGrpSpPr>
+            <p:cNvPr id="21" name="Groupe 20"/>
+            <p:cNvGrpSpPr/>
+            <p:nvPr/>
+          </p:nvGrpSpPr>
+          <p:grpSpPr>
+            <a:xfrm rot="2700000">
+              <a:off x="2003791" y="1142212"/>
+              <a:ext cx="180000" cy="1080000"/>
+              <a:chOff x="2555776" y="1062184"/>
+              <a:chExt cx="180000" cy="1080000"/>
+            </a:xfrm>
+          </p:grpSpPr>
+          <p:sp>
+            <p:nvSpPr>
+              <p:cNvPr id="22" name="Rectangle 21"/>
+              <p:cNvSpPr/>
+              <p:nvPr/>
+            </p:nvSpPr>
+            <p:spPr>
+              <a:xfrm>
+                <a:off x="2555776" y="1422184"/>
+                <a:ext cx="180000" cy="360000"/>
+              </a:xfrm>
+              <a:prstGeom prst="rect">
+                <a:avLst/>
+              </a:prstGeom>
+              <a:noFill/>
+              <a:ln w="12700">
+                <a:solidFill>
+                  <a:srgbClr val="0070C0"/>
+                </a:solidFill>
+              </a:ln>
+            </p:spPr>
+            <p:style>
+              <a:lnRef idx="2">
+                <a:schemeClr val="accent1">
+                  <a:shade val="50000"/>
+                </a:schemeClr>
+              </a:lnRef>
+              <a:fillRef idx="1">
+                <a:schemeClr val="accent1"/>
+              </a:fillRef>
+              <a:effectRef idx="0">
+                <a:schemeClr val="accent1"/>
+              </a:effectRef>
+              <a:fontRef idx="minor">
+                <a:schemeClr val="lt1"/>
+              </a:fontRef>
+            </p:style>
+            <p:txBody>
+              <a:bodyPr rtlCol="0" anchor="ctr"/>
+              <a:lstStyle/>
+              <a:p>
+                <a:pPr algn="ctr"/>
+                <a:endParaRPr lang="fr-FR"/>
+              </a:p>
+            </p:txBody>
+          </p:sp>
+          <p:cxnSp>
+            <p:nvCxnSpPr>
+              <p:cNvPr id="23" name="Connecteur droit 22"/>
+              <p:cNvCxnSpPr>
+                <a:endCxn id="22" idx="2"/>
+              </p:cNvCxnSpPr>
+              <p:nvPr/>
+            </p:nvCxnSpPr>
+            <p:spPr>
+              <a:xfrm flipV="1">
+                <a:off x="2645776" y="1782184"/>
+                <a:ext cx="0" cy="360000"/>
+              </a:xfrm>
+              <a:prstGeom prst="line">
+                <a:avLst/>
+              </a:prstGeom>
+              <a:noFill/>
+              <a:ln w="12700">
+                <a:solidFill>
+                  <a:srgbClr val="0070C0"/>
+                </a:solidFill>
+                <a:headEnd type="oval" w="sm" len="sm"/>
+              </a:ln>
+            </p:spPr>
+            <p:style>
+              <a:lnRef idx="2">
+                <a:schemeClr val="accent1">
+                  <a:shade val="50000"/>
+                </a:schemeClr>
+              </a:lnRef>
+              <a:fillRef idx="1">
+                <a:schemeClr val="accent1"/>
+              </a:fillRef>
+              <a:effectRef idx="0">
+                <a:schemeClr val="accent1"/>
+              </a:effectRef>
+              <a:fontRef idx="minor">
+                <a:schemeClr val="lt1"/>
+              </a:fontRef>
+            </p:style>
+          </p:cxnSp>
+          <p:cxnSp>
+            <p:nvCxnSpPr>
+              <p:cNvPr id="24" name="Connecteur droit 23"/>
+              <p:cNvCxnSpPr>
+                <a:stCxn id="22" idx="0"/>
+              </p:cNvCxnSpPr>
+              <p:nvPr/>
+            </p:nvCxnSpPr>
+            <p:spPr>
+              <a:xfrm flipV="1">
+                <a:off x="2645776" y="1062184"/>
+                <a:ext cx="0" cy="360000"/>
+              </a:xfrm>
+              <a:prstGeom prst="line">
+                <a:avLst/>
+              </a:prstGeom>
+              <a:noFill/>
+              <a:ln w="12700">
+                <a:solidFill>
+                  <a:srgbClr val="0070C0"/>
+                </a:solidFill>
+                <a:headEnd type="none"/>
+                <a:tailEnd type="oval" w="sm" len="sm"/>
+              </a:ln>
+            </p:spPr>
+            <p:style>
+              <a:lnRef idx="2">
+                <a:schemeClr val="accent1">
+                  <a:shade val="50000"/>
+                </a:schemeClr>
+              </a:lnRef>
+              <a:fillRef idx="1">
+                <a:schemeClr val="accent1"/>
+              </a:fillRef>
+              <a:effectRef idx="0">
+                <a:schemeClr val="accent1"/>
+              </a:effectRef>
+              <a:fontRef idx="minor">
+                <a:schemeClr val="lt1"/>
+              </a:fontRef>
+            </p:style>
+          </p:cxnSp>
+        </p:grpSp>
+        <p:grpSp>
+          <p:nvGrpSpPr>
+            <p:cNvPr id="25" name="Groupe 24"/>
+            <p:cNvGrpSpPr/>
+            <p:nvPr/>
+          </p:nvGrpSpPr>
+          <p:grpSpPr>
+            <a:xfrm rot="8100000">
+              <a:off x="1238328" y="1139070"/>
+              <a:ext cx="180000" cy="1080000"/>
+              <a:chOff x="2555776" y="1062184"/>
+              <a:chExt cx="180000" cy="1080000"/>
+            </a:xfrm>
+          </p:grpSpPr>
+          <p:sp>
+            <p:nvSpPr>
+              <p:cNvPr id="26" name="Rectangle 25"/>
+              <p:cNvSpPr/>
+              <p:nvPr/>
+            </p:nvSpPr>
+            <p:spPr>
+              <a:xfrm>
+                <a:off x="2555776" y="1422184"/>
+                <a:ext cx="180000" cy="360000"/>
+              </a:xfrm>
+              <a:prstGeom prst="rect">
+                <a:avLst/>
+              </a:prstGeom>
+              <a:noFill/>
+              <a:ln w="12700">
+                <a:solidFill>
+                  <a:srgbClr val="0070C0"/>
+                </a:solidFill>
+              </a:ln>
+            </p:spPr>
+            <p:style>
+              <a:lnRef idx="2">
+                <a:schemeClr val="accent1">
+                  <a:shade val="50000"/>
+                </a:schemeClr>
+              </a:lnRef>
+              <a:fillRef idx="1">
+                <a:schemeClr val="accent1"/>
+              </a:fillRef>
+              <a:effectRef idx="0">
+                <a:schemeClr val="accent1"/>
+              </a:effectRef>
+              <a:fontRef idx="minor">
+                <a:schemeClr val="lt1"/>
+              </a:fontRef>
+            </p:style>
+            <p:txBody>
+              <a:bodyPr rtlCol="0" anchor="ctr"/>
+              <a:lstStyle/>
+              <a:p>
+                <a:pPr algn="ctr"/>
+                <a:endParaRPr lang="fr-FR"/>
+              </a:p>
+            </p:txBody>
+          </p:sp>
+          <p:cxnSp>
+            <p:nvCxnSpPr>
+              <p:cNvPr id="27" name="Connecteur droit 26"/>
+              <p:cNvCxnSpPr>
+                <a:endCxn id="26" idx="2"/>
+              </p:cNvCxnSpPr>
+              <p:nvPr/>
+            </p:nvCxnSpPr>
+            <p:spPr>
+              <a:xfrm flipV="1">
+                <a:off x="2645776" y="1782184"/>
+                <a:ext cx="0" cy="360000"/>
+              </a:xfrm>
+              <a:prstGeom prst="line">
+                <a:avLst/>
+              </a:prstGeom>
+              <a:noFill/>
+              <a:ln w="12700">
+                <a:solidFill>
+                  <a:srgbClr val="0070C0"/>
+                </a:solidFill>
+                <a:headEnd type="oval" w="sm" len="sm"/>
+              </a:ln>
+            </p:spPr>
+            <p:style>
+              <a:lnRef idx="2">
+                <a:schemeClr val="accent1">
+                  <a:shade val="50000"/>
+                </a:schemeClr>
+              </a:lnRef>
+              <a:fillRef idx="1">
+                <a:schemeClr val="accent1"/>
+              </a:fillRef>
+              <a:effectRef idx="0">
+                <a:schemeClr val="accent1"/>
+              </a:effectRef>
+              <a:fontRef idx="minor">
+                <a:schemeClr val="lt1"/>
+              </a:fontRef>
+            </p:style>
+          </p:cxnSp>
+          <p:cxnSp>
+            <p:nvCxnSpPr>
+              <p:cNvPr id="28" name="Connecteur droit 27"/>
+              <p:cNvCxnSpPr>
+                <a:stCxn id="26" idx="0"/>
+              </p:cNvCxnSpPr>
+              <p:nvPr/>
+            </p:nvCxnSpPr>
+            <p:spPr>
+              <a:xfrm flipV="1">
+                <a:off x="2645776" y="1062184"/>
+                <a:ext cx="0" cy="360000"/>
+              </a:xfrm>
+              <a:prstGeom prst="line">
+                <a:avLst/>
+              </a:prstGeom>
+              <a:noFill/>
+              <a:ln w="12700">
+                <a:solidFill>
+                  <a:srgbClr val="0070C0"/>
+                </a:solidFill>
+                <a:headEnd type="none"/>
+                <a:tailEnd type="oval" w="sm" len="sm"/>
+              </a:ln>
+            </p:spPr>
+            <p:style>
+              <a:lnRef idx="2">
+                <a:schemeClr val="accent1">
+                  <a:shade val="50000"/>
+                </a:schemeClr>
+              </a:lnRef>
+              <a:fillRef idx="1">
+                <a:schemeClr val="accent1"/>
+              </a:fillRef>
+              <a:effectRef idx="0">
+                <a:schemeClr val="accent1"/>
+              </a:effectRef>
+              <a:fontRef idx="minor">
+                <a:schemeClr val="lt1"/>
+              </a:fontRef>
+            </p:style>
+          </p:cxnSp>
+        </p:grpSp>
+        <p:grpSp>
+          <p:nvGrpSpPr>
+            <p:cNvPr id="29" name="Groupe 28"/>
+            <p:cNvGrpSpPr/>
+            <p:nvPr/>
+          </p:nvGrpSpPr>
+          <p:grpSpPr>
+            <a:xfrm rot="8100000">
+              <a:off x="2003792" y="382251"/>
+              <a:ext cx="180000" cy="1080000"/>
+              <a:chOff x="2555776" y="1062184"/>
+              <a:chExt cx="180000" cy="1080000"/>
+            </a:xfrm>
+          </p:grpSpPr>
+          <p:sp>
+            <p:nvSpPr>
+              <p:cNvPr id="30" name="Rectangle 29"/>
+              <p:cNvSpPr/>
+              <p:nvPr/>
+            </p:nvSpPr>
+            <p:spPr>
+              <a:xfrm>
+                <a:off x="2555776" y="1422184"/>
+                <a:ext cx="180000" cy="360000"/>
+              </a:xfrm>
+              <a:prstGeom prst="rect">
+                <a:avLst/>
+              </a:prstGeom>
+              <a:noFill/>
+              <a:ln w="12700">
+                <a:solidFill>
+                  <a:srgbClr val="0070C0"/>
+                </a:solidFill>
+              </a:ln>
+            </p:spPr>
+            <p:style>
+              <a:lnRef idx="2">
+                <a:schemeClr val="accent1">
+                  <a:shade val="50000"/>
+                </a:schemeClr>
+              </a:lnRef>
+              <a:fillRef idx="1">
+                <a:schemeClr val="accent1"/>
+              </a:fillRef>
+              <a:effectRef idx="0">
+                <a:schemeClr val="accent1"/>
+              </a:effectRef>
+              <a:fontRef idx="minor">
+                <a:schemeClr val="lt1"/>
+              </a:fontRef>
+            </p:style>
+            <p:txBody>
+              <a:bodyPr rtlCol="0" anchor="ctr"/>
+              <a:lstStyle/>
+              <a:p>
+                <a:pPr algn="ctr"/>
+                <a:endParaRPr lang="fr-FR"/>
+              </a:p>
+            </p:txBody>
+          </p:sp>
+          <p:cxnSp>
+            <p:nvCxnSpPr>
+              <p:cNvPr id="31" name="Connecteur droit 30"/>
+              <p:cNvCxnSpPr>
+                <a:endCxn id="30" idx="2"/>
+              </p:cNvCxnSpPr>
+              <p:nvPr/>
+            </p:nvCxnSpPr>
+            <p:spPr>
+              <a:xfrm flipV="1">
+                <a:off x="2645776" y="1782184"/>
+                <a:ext cx="0" cy="360000"/>
+              </a:xfrm>
+              <a:prstGeom prst="line">
+                <a:avLst/>
+              </a:prstGeom>
+              <a:noFill/>
+              <a:ln w="12700">
+                <a:solidFill>
+                  <a:srgbClr val="0070C0"/>
+                </a:solidFill>
+                <a:headEnd type="oval" w="sm" len="sm"/>
+              </a:ln>
+            </p:spPr>
+            <p:style>
+              <a:lnRef idx="2">
+                <a:schemeClr val="accent1">
+                  <a:shade val="50000"/>
+                </a:schemeClr>
+              </a:lnRef>
+              <a:fillRef idx="1">
+                <a:schemeClr val="accent1"/>
+              </a:fillRef>
+              <a:effectRef idx="0">
+                <a:schemeClr val="accent1"/>
+              </a:effectRef>
+              <a:fontRef idx="minor">
+                <a:schemeClr val="lt1"/>
+              </a:fontRef>
+            </p:style>
+          </p:cxnSp>
+          <p:cxnSp>
+            <p:nvCxnSpPr>
+              <p:cNvPr id="32" name="Connecteur droit 31"/>
+              <p:cNvCxnSpPr>
+                <a:stCxn id="30" idx="0"/>
+              </p:cNvCxnSpPr>
+              <p:nvPr/>
+            </p:nvCxnSpPr>
+            <p:spPr>
+              <a:xfrm flipV="1">
+                <a:off x="2645776" y="1062184"/>
+                <a:ext cx="0" cy="360000"/>
+              </a:xfrm>
+              <a:prstGeom prst="line">
+                <a:avLst/>
+              </a:prstGeom>
+              <a:noFill/>
+              <a:ln w="12700">
+                <a:solidFill>
+                  <a:srgbClr val="0070C0"/>
+                </a:solidFill>
+                <a:headEnd type="none"/>
+                <a:tailEnd type="oval" w="sm" len="sm"/>
+              </a:ln>
+            </p:spPr>
+            <p:style>
+              <a:lnRef idx="2">
+                <a:schemeClr val="accent1">
+                  <a:shade val="50000"/>
+                </a:schemeClr>
+              </a:lnRef>
+              <a:fillRef idx="1">
+                <a:schemeClr val="accent1"/>
+              </a:fillRef>
+              <a:effectRef idx="0">
+                <a:schemeClr val="accent1"/>
+              </a:effectRef>
+              <a:fontRef idx="minor">
+                <a:schemeClr val="lt1"/>
+              </a:fontRef>
+            </p:style>
+          </p:cxnSp>
+        </p:grpSp>
+      </p:grpSp>
+      <p:cxnSp>
+        <p:nvCxnSpPr>
+          <p:cNvPr id="34" name="Connecteur droit 33"/>
+          <p:cNvCxnSpPr/>
+          <p:nvPr/>
+        </p:nvCxnSpPr>
+        <p:spPr>
+          <a:xfrm flipH="1">
+            <a:off x="1703714" y="1172930"/>
+            <a:ext cx="1439193" cy="449"/>
+          </a:xfrm>
+          <a:prstGeom prst="line">
+            <a:avLst/>
+          </a:prstGeom>
+          <a:noFill/>
+          <a:ln w="12700">
+            <a:solidFill>
+              <a:srgbClr val="0070C0"/>
+            </a:solidFill>
+            <a:headEnd type="none" w="med" len="med"/>
+            <a:tailEnd type="none" w="med" len="med"/>
+          </a:ln>
+        </p:spPr>
+        <p:style>
+          <a:lnRef idx="2">
+            <a:schemeClr val="accent1">
+              <a:shade val="50000"/>
+            </a:schemeClr>
+          </a:lnRef>
+          <a:fillRef idx="1">
+            <a:schemeClr val="accent1"/>
+          </a:fillRef>
+          <a:effectRef idx="0">
+            <a:schemeClr val="accent1"/>
+          </a:effectRef>
+          <a:fontRef idx="minor">
+            <a:schemeClr val="lt1"/>
+          </a:fontRef>
+        </p:style>
+      </p:cxnSp>
+      <p:cxnSp>
+        <p:nvCxnSpPr>
+          <p:cNvPr id="36" name="Connecteur droit 35"/>
+          <p:cNvCxnSpPr/>
+          <p:nvPr/>
+        </p:nvCxnSpPr>
+        <p:spPr>
+          <a:xfrm flipH="1">
+            <a:off x="1703713" y="2697017"/>
+            <a:ext cx="1439193" cy="449"/>
+          </a:xfrm>
+          <a:prstGeom prst="line">
+            <a:avLst/>
+          </a:prstGeom>
+          <a:noFill/>
+          <a:ln w="12700">
+            <a:solidFill>
+              <a:srgbClr val="0070C0"/>
+            </a:solidFill>
+            <a:headEnd type="none" w="med" len="med"/>
+            <a:tailEnd type="none" w="med" len="med"/>
+          </a:ln>
+        </p:spPr>
+        <p:style>
+          <a:lnRef idx="2">
+            <a:schemeClr val="accent1">
+              <a:shade val="50000"/>
+            </a:schemeClr>
+          </a:lnRef>
+          <a:fillRef idx="1">
+            <a:schemeClr val="accent1"/>
+          </a:fillRef>
+          <a:effectRef idx="0">
+            <a:schemeClr val="accent1"/>
+          </a:effectRef>
+          <a:fontRef idx="minor">
+            <a:schemeClr val="lt1"/>
+          </a:fontRef>
+        </p:style>
+      </p:cxnSp>
+      <p:cxnSp>
+        <p:nvCxnSpPr>
+          <p:cNvPr id="37" name="Connecteur droit 36"/>
+          <p:cNvCxnSpPr/>
+          <p:nvPr/>
+        </p:nvCxnSpPr>
+        <p:spPr>
+          <a:xfrm>
+            <a:off x="1703713" y="1172930"/>
+            <a:ext cx="1" cy="1524536"/>
+          </a:xfrm>
+          <a:prstGeom prst="line">
+            <a:avLst/>
+          </a:prstGeom>
+          <a:noFill/>
+          <a:ln w="12700">
+            <a:solidFill>
+              <a:srgbClr val="0070C0"/>
+            </a:solidFill>
+            <a:headEnd type="none" w="med" len="med"/>
+            <a:tailEnd type="none" w="med" len="med"/>
+          </a:ln>
+        </p:spPr>
+        <p:style>
+          <a:lnRef idx="2">
+            <a:schemeClr val="accent1">
+              <a:shade val="50000"/>
+            </a:schemeClr>
+          </a:lnRef>
+          <a:fillRef idx="1">
+            <a:schemeClr val="accent1"/>
+          </a:fillRef>
+          <a:effectRef idx="0">
+            <a:schemeClr val="accent1"/>
+          </a:effectRef>
+          <a:fontRef idx="minor">
+            <a:schemeClr val="lt1"/>
+          </a:fontRef>
+        </p:style>
+      </p:cxnSp>
+      <p:sp>
+        <p:nvSpPr>
+          <p:cNvPr id="40" name="Ellipse 39"/>
+          <p:cNvSpPr/>
+          <p:nvPr/>
+        </p:nvSpPr>
+        <p:spPr>
+          <a:xfrm>
+            <a:off x="1574652" y="1772816"/>
+            <a:ext cx="270040" cy="270040"/>
+          </a:xfrm>
+          <a:prstGeom prst="ellipse">
+            <a:avLst/>
+          </a:prstGeom>
+          <a:noFill/>
+          <a:ln w="12700">
+            <a:solidFill>
+              <a:srgbClr val="0070C0"/>
+            </a:solidFill>
+          </a:ln>
+        </p:spPr>
+        <p:style>
+          <a:lnRef idx="2">
+            <a:schemeClr val="accent1">
+              <a:shade val="50000"/>
+            </a:schemeClr>
+          </a:lnRef>
+          <a:fillRef idx="1">
+            <a:schemeClr val="accent1"/>
+          </a:fillRef>
+          <a:effectRef idx="0">
+            <a:schemeClr val="accent1"/>
+          </a:effectRef>
+          <a:fontRef idx="minor">
+            <a:schemeClr val="lt1"/>
+          </a:fontRef>
+        </p:style>
+        <p:txBody>
+          <a:bodyPr rtlCol="0" anchor="ctr"/>
+          <a:lstStyle/>
+          <a:p>
+            <a:pPr algn="ctr"/>
+            <a:endParaRPr lang="fr-FR"/>
+          </a:p>
+        </p:txBody>
+      </p:sp>
+      <p:sp>
+        <p:nvSpPr>
+          <p:cNvPr id="41" name="ZoneTexte 40"/>
+          <p:cNvSpPr txBox="1"/>
+          <p:nvPr/>
+        </p:nvSpPr>
+        <p:spPr>
+          <a:xfrm>
+            <a:off x="1205616" y="1781246"/>
+            <a:ext cx="504056" cy="261610"/>
+          </a:xfrm>
+          <a:prstGeom prst="rect">
+            <a:avLst/>
+          </a:prstGeom>
+          <a:noFill/>
+        </p:spPr>
+        <p:txBody>
+          <a:bodyPr wrap="square" rtlCol="0">
+            <a:spAutoFit/>
+          </a:bodyPr>
+          <a:lstStyle/>
+          <a:p>
+            <a:r>
+              <a:rPr lang="fr-FR" sz="1100" dirty="0" smtClean="0"/>
+              <a:t>E</a:t>
+            </a:r>
+            <a:endParaRPr lang="fr-FR" sz="1100" baseline="-25000" dirty="0"/>
+          </a:p>
+        </p:txBody>
+      </p:sp>
+      <p:cxnSp>
+        <p:nvCxnSpPr>
+          <p:cNvPr id="42" name="Connecteur droit 41"/>
+          <p:cNvCxnSpPr/>
+          <p:nvPr/>
+        </p:nvCxnSpPr>
+        <p:spPr>
+          <a:xfrm flipV="1">
+            <a:off x="1481287" y="1736812"/>
+            <a:ext cx="0" cy="342048"/>
+          </a:xfrm>
+          <a:prstGeom prst="line">
+            <a:avLst/>
+          </a:prstGeom>
+          <a:noFill/>
+          <a:ln w="12700">
+            <a:solidFill>
+              <a:srgbClr val="0070C0"/>
+            </a:solidFill>
+            <a:tailEnd type="stealth" w="med" len="lg"/>
+          </a:ln>
+        </p:spPr>
+        <p:style>
+          <a:lnRef idx="2">
+            <a:schemeClr val="accent1">
+              <a:shade val="50000"/>
+            </a:schemeClr>
+          </a:lnRef>
+          <a:fillRef idx="1">
+            <a:schemeClr val="accent1"/>
+          </a:fillRef>
+          <a:effectRef idx="0">
+            <a:schemeClr val="accent1"/>
+          </a:effectRef>
+          <a:fontRef idx="minor">
+            <a:schemeClr val="lt1"/>
+          </a:fontRef>
+        </p:style>
+      </p:cxnSp>
+      <p:cxnSp>
+        <p:nvCxnSpPr>
+          <p:cNvPr id="43" name="Connecteur droit 42"/>
+          <p:cNvCxnSpPr/>
+          <p:nvPr/>
+        </p:nvCxnSpPr>
+        <p:spPr>
+          <a:xfrm flipV="1">
+            <a:off x="1703714" y="1782212"/>
+            <a:ext cx="0" cy="342048"/>
+          </a:xfrm>
+          <a:prstGeom prst="line">
+            <a:avLst/>
+          </a:prstGeom>
+          <a:noFill/>
+          <a:ln w="12700">
+            <a:solidFill>
+              <a:srgbClr val="0070C0"/>
+            </a:solidFill>
+            <a:tailEnd type="triangle" w="sm" len="sm"/>
+          </a:ln>
+        </p:spPr>
+        <p:style>
+          <a:lnRef idx="2">
+            <a:schemeClr val="accent1">
+              <a:shade val="50000"/>
+            </a:schemeClr>
+          </a:lnRef>
+          <a:fillRef idx="1">
+            <a:schemeClr val="accent1"/>
+          </a:fillRef>
+          <a:effectRef idx="0">
+            <a:schemeClr val="accent1"/>
+          </a:effectRef>
+          <a:fontRef idx="minor">
+            <a:schemeClr val="lt1"/>
+          </a:fontRef>
+        </p:style>
+      </p:cxnSp>
+      <p:sp>
+        <p:nvSpPr>
+          <p:cNvPr id="45" name="ZoneTexte 44"/>
+          <p:cNvSpPr txBox="1"/>
+          <p:nvPr/>
+        </p:nvSpPr>
+        <p:spPr>
+          <a:xfrm>
+            <a:off x="2379231" y="2304985"/>
+            <a:ext cx="504056" cy="261610"/>
+          </a:xfrm>
+          <a:prstGeom prst="rect">
+            <a:avLst/>
+          </a:prstGeom>
+          <a:noFill/>
+        </p:spPr>
+        <p:txBody>
+          <a:bodyPr wrap="square" rtlCol="0">
+            <a:spAutoFit/>
+          </a:bodyPr>
+          <a:lstStyle/>
+          <a:p>
+            <a:pPr algn="ctr"/>
+            <a:r>
+              <a:rPr lang="fr-FR" sz="1100" dirty="0" smtClean="0"/>
+              <a:t>R</a:t>
+            </a:r>
+            <a:r>
+              <a:rPr lang="fr-FR" sz="1100" baseline="-25000" dirty="0" smtClean="0"/>
+              <a:t>1</a:t>
+            </a:r>
+            <a:endParaRPr lang="fr-FR" sz="1100" baseline="-25000" dirty="0"/>
+          </a:p>
+        </p:txBody>
+      </p:sp>
+      <p:sp>
+        <p:nvSpPr>
+          <p:cNvPr id="46" name="ZoneTexte 45"/>
+          <p:cNvSpPr txBox="1"/>
+          <p:nvPr/>
+        </p:nvSpPr>
+        <p:spPr>
+          <a:xfrm>
+            <a:off x="3411641" y="2304985"/>
+            <a:ext cx="504056" cy="261610"/>
+          </a:xfrm>
+          <a:prstGeom prst="rect">
+            <a:avLst/>
+          </a:prstGeom>
+          <a:noFill/>
+        </p:spPr>
+        <p:txBody>
+          <a:bodyPr wrap="square" rtlCol="0">
+            <a:spAutoFit/>
+          </a:bodyPr>
+          <a:lstStyle/>
+          <a:p>
+            <a:pPr algn="ctr"/>
+            <a:r>
+              <a:rPr lang="fr-FR" sz="1100" dirty="0" smtClean="0"/>
+              <a:t>R</a:t>
+            </a:r>
+            <a:r>
+              <a:rPr lang="fr-FR" sz="1100" baseline="-25000" dirty="0" smtClean="0"/>
+              <a:t>2</a:t>
+            </a:r>
+            <a:endParaRPr lang="fr-FR" sz="1100" baseline="-25000" dirty="0"/>
+          </a:p>
+        </p:txBody>
+      </p:sp>
+      <p:sp>
+        <p:nvSpPr>
+          <p:cNvPr id="47" name="ZoneTexte 46"/>
+          <p:cNvSpPr txBox="1"/>
+          <p:nvPr/>
+        </p:nvSpPr>
+        <p:spPr>
+          <a:xfrm>
+            <a:off x="3411641" y="1268760"/>
+            <a:ext cx="504056" cy="261610"/>
+          </a:xfrm>
+          <a:prstGeom prst="rect">
+            <a:avLst/>
+          </a:prstGeom>
+          <a:noFill/>
+        </p:spPr>
+        <p:txBody>
+          <a:bodyPr wrap="square" rtlCol="0">
+            <a:spAutoFit/>
+          </a:bodyPr>
+          <a:lstStyle/>
+          <a:p>
+            <a:pPr algn="ctr"/>
+            <a:r>
+              <a:rPr lang="fr-FR" sz="1100" dirty="0" smtClean="0"/>
+              <a:t>R</a:t>
+            </a:r>
+            <a:r>
+              <a:rPr lang="fr-FR" sz="1100" baseline="-25000" dirty="0" smtClean="0"/>
+              <a:t>3</a:t>
+            </a:r>
+            <a:endParaRPr lang="fr-FR" sz="1100" baseline="-25000" dirty="0"/>
+          </a:p>
+        </p:txBody>
+      </p:sp>
+      <p:sp>
+        <p:nvSpPr>
+          <p:cNvPr id="48" name="ZoneTexte 47"/>
+          <p:cNvSpPr txBox="1"/>
+          <p:nvPr/>
+        </p:nvSpPr>
+        <p:spPr>
+          <a:xfrm>
+            <a:off x="2295189" y="1341597"/>
+            <a:ext cx="504056" cy="261610"/>
+          </a:xfrm>
+          <a:prstGeom prst="rect">
+            <a:avLst/>
+          </a:prstGeom>
+          <a:noFill/>
+        </p:spPr>
+        <p:txBody>
+          <a:bodyPr wrap="square" rtlCol="0">
+            <a:spAutoFit/>
+          </a:bodyPr>
+          <a:lstStyle/>
+          <a:p>
+            <a:pPr algn="ctr"/>
+            <a:r>
+              <a:rPr lang="fr-FR" sz="1100" dirty="0" smtClean="0"/>
+              <a:t>R</a:t>
+            </a:r>
+            <a:r>
+              <a:rPr lang="fr-FR" sz="1100" baseline="-25000" dirty="0" smtClean="0"/>
+              <a:t>4</a:t>
+            </a:r>
+            <a:endParaRPr lang="fr-FR" sz="1100" baseline="-25000" dirty="0"/>
+          </a:p>
+        </p:txBody>
+      </p:sp>
+      <p:sp>
+        <p:nvSpPr>
+          <p:cNvPr id="49" name="ZoneTexte 48"/>
+          <p:cNvSpPr txBox="1"/>
+          <p:nvPr/>
+        </p:nvSpPr>
+        <p:spPr>
+          <a:xfrm>
+            <a:off x="2890878" y="911770"/>
+            <a:ext cx="504056" cy="261610"/>
+          </a:xfrm>
+          <a:prstGeom prst="rect">
+            <a:avLst/>
+          </a:prstGeom>
+          <a:noFill/>
+        </p:spPr>
+        <p:txBody>
+          <a:bodyPr wrap="square" rtlCol="0">
+            <a:spAutoFit/>
+          </a:bodyPr>
+          <a:lstStyle/>
+          <a:p>
+            <a:pPr algn="ctr"/>
+            <a:r>
+              <a:rPr lang="fr-FR" sz="1100" dirty="0" smtClean="0"/>
+              <a:t>A</a:t>
+            </a:r>
+            <a:endParaRPr lang="fr-FR" sz="1100" baseline="-25000" dirty="0"/>
+          </a:p>
+        </p:txBody>
+      </p:sp>
+      <p:sp>
+        <p:nvSpPr>
+          <p:cNvPr id="50" name="ZoneTexte 49"/>
+          <p:cNvSpPr txBox="1"/>
+          <p:nvPr/>
+        </p:nvSpPr>
+        <p:spPr>
+          <a:xfrm>
+            <a:off x="2890878" y="2697466"/>
+            <a:ext cx="504056" cy="261610"/>
+          </a:xfrm>
+          <a:prstGeom prst="rect">
+            <a:avLst/>
+          </a:prstGeom>
+          <a:noFill/>
+        </p:spPr>
+        <p:txBody>
+          <a:bodyPr wrap="square" rtlCol="0">
+            <a:spAutoFit/>
+          </a:bodyPr>
+          <a:lstStyle/>
+          <a:p>
+            <a:pPr algn="ctr"/>
+            <a:r>
+              <a:rPr lang="fr-FR" sz="1100" dirty="0" smtClean="0"/>
+              <a:t>B</a:t>
+            </a:r>
+            <a:endParaRPr lang="fr-FR" sz="1100" baseline="-25000" dirty="0"/>
+          </a:p>
+        </p:txBody>
+      </p:sp>
+      <p:sp>
+        <p:nvSpPr>
+          <p:cNvPr id="51" name="ZoneTexte 50"/>
+          <p:cNvSpPr txBox="1"/>
+          <p:nvPr/>
+        </p:nvSpPr>
+        <p:spPr>
+          <a:xfrm>
+            <a:off x="2002455" y="1795869"/>
+            <a:ext cx="504056" cy="261610"/>
+          </a:xfrm>
+          <a:prstGeom prst="rect">
+            <a:avLst/>
+          </a:prstGeom>
+          <a:noFill/>
+        </p:spPr>
+        <p:txBody>
+          <a:bodyPr wrap="square" rtlCol="0">
+            <a:spAutoFit/>
+          </a:bodyPr>
+          <a:lstStyle/>
+          <a:p>
+            <a:pPr algn="ctr"/>
+            <a:r>
+              <a:rPr lang="fr-FR" sz="1100" dirty="0" smtClean="0"/>
+              <a:t>C</a:t>
+            </a:r>
+            <a:endParaRPr lang="fr-FR" sz="1100" baseline="-25000" dirty="0"/>
+          </a:p>
+        </p:txBody>
+      </p:sp>
+      <p:sp>
+        <p:nvSpPr>
+          <p:cNvPr id="52" name="ZoneTexte 51"/>
+          <p:cNvSpPr txBox="1"/>
+          <p:nvPr/>
+        </p:nvSpPr>
+        <p:spPr>
+          <a:xfrm>
+            <a:off x="3777199" y="1806251"/>
+            <a:ext cx="504056" cy="261610"/>
+          </a:xfrm>
+          <a:prstGeom prst="rect">
+            <a:avLst/>
+          </a:prstGeom>
+          <a:noFill/>
+        </p:spPr>
+        <p:txBody>
+          <a:bodyPr wrap="square" rtlCol="0">
+            <a:spAutoFit/>
+          </a:bodyPr>
+          <a:lstStyle/>
+          <a:p>
+            <a:pPr algn="ctr"/>
+            <a:r>
+              <a:rPr lang="fr-FR" sz="1100" dirty="0" smtClean="0"/>
+              <a:t>D</a:t>
+            </a:r>
+            <a:endParaRPr lang="fr-FR" sz="1100" baseline="-25000" dirty="0"/>
+          </a:p>
+        </p:txBody>
+      </p:sp>
+    </p:spTree>
+    <p:extLst>
+      <p:ext uri="{BB962C8B-B14F-4D97-AF65-F5344CB8AC3E}">
+        <p14:creationId xmlns:p14="http://schemas.microsoft.com/office/powerpoint/2010/main" val="2170859971"/>
+      </p:ext>
+    </p:extLst>
+  </p:cSld>
+  <p:clrMapOvr>
+    <a:masterClrMapping/>
+  </p:clrMapOvr>
+</p:sld>
+</file>
+
+<file path=ppt/slides/slide2.xml><?xml version="1.0" encoding="utf-8"?>
 <p:sld xmlns:a="http://schemas.openxmlformats.org/drawingml/2006/main" xmlns:r="http://schemas.openxmlformats.org/officeDocument/2006/relationships" xmlns:p="http://schemas.openxmlformats.org/presentationml/2006/main">
   <p:cSld>
     <p:spTree>
@@ -4203,7 +5363,7 @@
     </p:spTree>
     <p:extLst>
       <p:ext uri="{BB962C8B-B14F-4D97-AF65-F5344CB8AC3E}">
-        <p14:creationId xmlns="" xmlns:p14="http://schemas.microsoft.com/office/powerpoint/2010/main" val="4178650199"/>
+        <p14:creationId xmlns:p14="http://schemas.microsoft.com/office/powerpoint/2010/main" val="4178650199"/>
       </p:ext>
     </p:extLst>
   </p:cSld>
@@ -4213,7 +5373,7 @@
 </p:sld>
 </file>
 
-<file path=ppt/slides/slide2.xml><?xml version="1.0" encoding="utf-8"?>
+<file path=ppt/slides/slide3.xml><?xml version="1.0" encoding="utf-8"?>
 <p:sld xmlns:a="http://schemas.openxmlformats.org/drawingml/2006/main" xmlns:r="http://schemas.openxmlformats.org/officeDocument/2006/relationships" xmlns:p="http://schemas.openxmlformats.org/presentationml/2006/main">
   <p:cSld>
     <p:spTree>
@@ -5696,7 +6856,7 @@
     </p:spTree>
     <p:extLst>
       <p:ext uri="{BB962C8B-B14F-4D97-AF65-F5344CB8AC3E}">
-        <p14:creationId xmlns="" xmlns:p14="http://schemas.microsoft.com/office/powerpoint/2010/main" val="2633434160"/>
+        <p14:creationId xmlns:p14="http://schemas.microsoft.com/office/powerpoint/2010/main" val="2633434160"/>
       </p:ext>
     </p:extLst>
   </p:cSld>
@@ -5706,7 +6866,7 @@
 </p:sld>
 </file>
 
-<file path=ppt/slides/slide3.xml><?xml version="1.0" encoding="utf-8"?>
+<file path=ppt/slides/slide4.xml><?xml version="1.0" encoding="utf-8"?>
 <p:sld xmlns:a="http://schemas.openxmlformats.org/drawingml/2006/main" xmlns:r="http://schemas.openxmlformats.org/officeDocument/2006/relationships" xmlns:p="http://schemas.openxmlformats.org/presentationml/2006/main">
   <p:cSld>
     <p:spTree>
@@ -9368,7 +10528,7 @@
     </p:spTree>
     <p:extLst>
       <p:ext uri="{BB962C8B-B14F-4D97-AF65-F5344CB8AC3E}">
-        <p14:creationId xmlns="" xmlns:p14="http://schemas.microsoft.com/office/powerpoint/2010/main" val="1769286779"/>
+        <p14:creationId xmlns:p14="http://schemas.microsoft.com/office/powerpoint/2010/main" val="1769286779"/>
       </p:ext>
     </p:extLst>
   </p:cSld>

--- a/01_DipolesSources/TD_02_JaugeExtensometrie_Wheatstone/images/Figures.pptx
+++ b/01_DipolesSources/TD_02_JaugeExtensometrie_Wheatstone/images/Figures.pptx
@@ -6,9 +6,11 @@
   </p:sldMasterIdLst>
   <p:sldIdLst>
     <p:sldId id="259" r:id="rId2"/>
-    <p:sldId id="256" r:id="rId3"/>
-    <p:sldId id="257" r:id="rId4"/>
-    <p:sldId id="258" r:id="rId5"/>
+    <p:sldId id="260" r:id="rId3"/>
+    <p:sldId id="261" r:id="rId4"/>
+    <p:sldId id="256" r:id="rId5"/>
+    <p:sldId id="257" r:id="rId6"/>
+    <p:sldId id="258" r:id="rId7"/>
   </p:sldIdLst>
   <p:sldSz cx="9144000" cy="6858000" type="screen4x3"/>
   <p:notesSz cx="6858000" cy="9144000"/>
@@ -292,7 +294,7 @@
             <a:fld id="{47C414CA-3B1E-4C42-B862-7A4C61ED653A}" type="datetimeFigureOut">
               <a:rPr lang="fr-FR" smtClean="0"/>
               <a:pPr/>
-              <a:t>23/09/2014</a:t>
+              <a:t>25/09/2014</a:t>
             </a:fld>
             <a:endParaRPr lang="fr-FR"/>
           </a:p>
@@ -464,7 +466,7 @@
             <a:fld id="{47C414CA-3B1E-4C42-B862-7A4C61ED653A}" type="datetimeFigureOut">
               <a:rPr lang="fr-FR" smtClean="0"/>
               <a:pPr/>
-              <a:t>23/09/2014</a:t>
+              <a:t>25/09/2014</a:t>
             </a:fld>
             <a:endParaRPr lang="fr-FR"/>
           </a:p>
@@ -646,7 +648,7 @@
             <a:fld id="{47C414CA-3B1E-4C42-B862-7A4C61ED653A}" type="datetimeFigureOut">
               <a:rPr lang="fr-FR" smtClean="0"/>
               <a:pPr/>
-              <a:t>23/09/2014</a:t>
+              <a:t>25/09/2014</a:t>
             </a:fld>
             <a:endParaRPr lang="fr-FR"/>
           </a:p>
@@ -818,7 +820,7 @@
             <a:fld id="{47C414CA-3B1E-4C42-B862-7A4C61ED653A}" type="datetimeFigureOut">
               <a:rPr lang="fr-FR" smtClean="0"/>
               <a:pPr/>
-              <a:t>23/09/2014</a:t>
+              <a:t>25/09/2014</a:t>
             </a:fld>
             <a:endParaRPr lang="fr-FR"/>
           </a:p>
@@ -1066,7 +1068,7 @@
             <a:fld id="{47C414CA-3B1E-4C42-B862-7A4C61ED653A}" type="datetimeFigureOut">
               <a:rPr lang="fr-FR" smtClean="0"/>
               <a:pPr/>
-              <a:t>23/09/2014</a:t>
+              <a:t>25/09/2014</a:t>
             </a:fld>
             <a:endParaRPr lang="fr-FR"/>
           </a:p>
@@ -1356,7 +1358,7 @@
             <a:fld id="{47C414CA-3B1E-4C42-B862-7A4C61ED653A}" type="datetimeFigureOut">
               <a:rPr lang="fr-FR" smtClean="0"/>
               <a:pPr/>
-              <a:t>23/09/2014</a:t>
+              <a:t>25/09/2014</a:t>
             </a:fld>
             <a:endParaRPr lang="fr-FR"/>
           </a:p>
@@ -1780,7 +1782,7 @@
             <a:fld id="{47C414CA-3B1E-4C42-B862-7A4C61ED653A}" type="datetimeFigureOut">
               <a:rPr lang="fr-FR" smtClean="0"/>
               <a:pPr/>
-              <a:t>23/09/2014</a:t>
+              <a:t>25/09/2014</a:t>
             </a:fld>
             <a:endParaRPr lang="fr-FR"/>
           </a:p>
@@ -1900,7 +1902,7 @@
             <a:fld id="{47C414CA-3B1E-4C42-B862-7A4C61ED653A}" type="datetimeFigureOut">
               <a:rPr lang="fr-FR" smtClean="0"/>
               <a:pPr/>
-              <a:t>23/09/2014</a:t>
+              <a:t>25/09/2014</a:t>
             </a:fld>
             <a:endParaRPr lang="fr-FR"/>
           </a:p>
@@ -1997,7 +1999,7 @@
             <a:fld id="{47C414CA-3B1E-4C42-B862-7A4C61ED653A}" type="datetimeFigureOut">
               <a:rPr lang="fr-FR" smtClean="0"/>
               <a:pPr/>
-              <a:t>23/09/2014</a:t>
+              <a:t>25/09/2014</a:t>
             </a:fld>
             <a:endParaRPr lang="fr-FR"/>
           </a:p>
@@ -2276,7 +2278,7 @@
             <a:fld id="{47C414CA-3B1E-4C42-B862-7A4C61ED653A}" type="datetimeFigureOut">
               <a:rPr lang="fr-FR" smtClean="0"/>
               <a:pPr/>
-              <a:t>23/09/2014</a:t>
+              <a:t>25/09/2014</a:t>
             </a:fld>
             <a:endParaRPr lang="fr-FR"/>
           </a:p>
@@ -2531,7 +2533,7 @@
             <a:fld id="{47C414CA-3B1E-4C42-B862-7A4C61ED653A}" type="datetimeFigureOut">
               <a:rPr lang="fr-FR" smtClean="0"/>
               <a:pPr/>
-              <a:t>23/09/2014</a:t>
+              <a:t>25/09/2014</a:t>
             </a:fld>
             <a:endParaRPr lang="fr-FR"/>
           </a:p>
@@ -2746,7 +2748,7 @@
             <a:fld id="{47C414CA-3B1E-4C42-B862-7A4C61ED653A}" type="datetimeFigureOut">
               <a:rPr lang="fr-FR" smtClean="0"/>
               <a:pPr/>
-              <a:t>23/09/2014</a:t>
+              <a:t>25/09/2014</a:t>
             </a:fld>
             <a:endParaRPr lang="fr-FR"/>
           </a:p>
@@ -4265,6 +4267,1476 @@
 </file>
 
 <file path=ppt/slides/slide2.xml><?xml version="1.0" encoding="utf-8"?>
+<p:sld xmlns:a="http://schemas.openxmlformats.org/drawingml/2006/main" xmlns:r="http://schemas.openxmlformats.org/officeDocument/2006/relationships" xmlns:p="http://schemas.openxmlformats.org/presentationml/2006/main">
+  <p:cSld>
+    <p:spTree>
+      <p:nvGrpSpPr>
+        <p:cNvPr id="1" name=""/>
+        <p:cNvGrpSpPr/>
+        <p:nvPr/>
+      </p:nvGrpSpPr>
+      <p:grpSpPr>
+        <a:xfrm>
+          <a:off x="0" y="0"/>
+          <a:ext cx="0" cy="0"/>
+          <a:chOff x="0" y="0"/>
+          <a:chExt cx="0" cy="0"/>
+        </a:xfrm>
+      </p:grpSpPr>
+      <p:grpSp>
+        <p:nvGrpSpPr>
+          <p:cNvPr id="35" name="Groupe 34"/>
+          <p:cNvGrpSpPr/>
+          <p:nvPr/>
+        </p:nvGrpSpPr>
+        <p:grpSpPr>
+          <a:xfrm>
+            <a:off x="3808889" y="574851"/>
+            <a:ext cx="2877559" cy="2683962"/>
+            <a:chOff x="349699" y="645452"/>
+            <a:chExt cx="2877559" cy="2683962"/>
+          </a:xfrm>
+        </p:grpSpPr>
+        <p:sp>
+          <p:nvSpPr>
+            <p:cNvPr id="4" name="Ellipse 3"/>
+            <p:cNvSpPr/>
+            <p:nvPr/>
+          </p:nvSpPr>
+          <p:spPr>
+            <a:xfrm>
+              <a:off x="1619672" y="1916832"/>
+              <a:ext cx="144016" cy="144016"/>
+            </a:xfrm>
+            <a:prstGeom prst="ellipse">
+              <a:avLst/>
+            </a:prstGeom>
+            <a:noFill/>
+            <a:ln w="28575">
+              <a:solidFill>
+                <a:srgbClr val="7030A0"/>
+              </a:solidFill>
+            </a:ln>
+          </p:spPr>
+          <p:style>
+            <a:lnRef idx="2">
+              <a:schemeClr val="accent1">
+                <a:shade val="50000"/>
+              </a:schemeClr>
+            </a:lnRef>
+            <a:fillRef idx="1">
+              <a:schemeClr val="accent1"/>
+            </a:fillRef>
+            <a:effectRef idx="0">
+              <a:schemeClr val="accent1"/>
+            </a:effectRef>
+            <a:fontRef idx="minor">
+              <a:schemeClr val="lt1"/>
+            </a:fontRef>
+          </p:style>
+          <p:txBody>
+            <a:bodyPr rtlCol="0" anchor="ctr"/>
+            <a:lstStyle/>
+            <a:p>
+              <a:pPr algn="ctr"/>
+              <a:endParaRPr lang="fr-FR"/>
+            </a:p>
+          </p:txBody>
+        </p:sp>
+        <p:sp>
+          <p:nvSpPr>
+            <p:cNvPr id="5" name="Ellipse 4"/>
+            <p:cNvSpPr/>
+            <p:nvPr/>
+          </p:nvSpPr>
+          <p:spPr>
+            <a:xfrm>
+              <a:off x="3059832" y="1196752"/>
+              <a:ext cx="144016" cy="144016"/>
+            </a:xfrm>
+            <a:prstGeom prst="ellipse">
+              <a:avLst/>
+            </a:prstGeom>
+            <a:noFill/>
+            <a:ln w="28575">
+              <a:solidFill>
+                <a:srgbClr val="7030A0"/>
+              </a:solidFill>
+            </a:ln>
+          </p:spPr>
+          <p:style>
+            <a:lnRef idx="2">
+              <a:schemeClr val="accent1">
+                <a:shade val="50000"/>
+              </a:schemeClr>
+            </a:lnRef>
+            <a:fillRef idx="1">
+              <a:schemeClr val="accent1"/>
+            </a:fillRef>
+            <a:effectRef idx="0">
+              <a:schemeClr val="accent1"/>
+            </a:effectRef>
+            <a:fontRef idx="minor">
+              <a:schemeClr val="lt1"/>
+            </a:fontRef>
+          </p:style>
+          <p:txBody>
+            <a:bodyPr rtlCol="0" anchor="ctr"/>
+            <a:lstStyle/>
+            <a:p>
+              <a:pPr algn="ctr"/>
+              <a:endParaRPr lang="fr-FR"/>
+            </a:p>
+          </p:txBody>
+        </p:sp>
+        <p:sp>
+          <p:nvSpPr>
+            <p:cNvPr id="6" name="Ellipse 5"/>
+            <p:cNvSpPr/>
+            <p:nvPr/>
+          </p:nvSpPr>
+          <p:spPr>
+            <a:xfrm>
+              <a:off x="3059832" y="2636912"/>
+              <a:ext cx="144016" cy="144016"/>
+            </a:xfrm>
+            <a:prstGeom prst="ellipse">
+              <a:avLst/>
+            </a:prstGeom>
+            <a:noFill/>
+            <a:ln w="28575">
+              <a:solidFill>
+                <a:srgbClr val="7030A0"/>
+              </a:solidFill>
+            </a:ln>
+          </p:spPr>
+          <p:style>
+            <a:lnRef idx="2">
+              <a:schemeClr val="accent1">
+                <a:shade val="50000"/>
+              </a:schemeClr>
+            </a:lnRef>
+            <a:fillRef idx="1">
+              <a:schemeClr val="accent1"/>
+            </a:fillRef>
+            <a:effectRef idx="0">
+              <a:schemeClr val="accent1"/>
+            </a:effectRef>
+            <a:fontRef idx="minor">
+              <a:schemeClr val="lt1"/>
+            </a:fontRef>
+          </p:style>
+          <p:txBody>
+            <a:bodyPr rtlCol="0" anchor="ctr"/>
+            <a:lstStyle/>
+            <a:p>
+              <a:pPr algn="ctr"/>
+              <a:endParaRPr lang="fr-FR"/>
+            </a:p>
+          </p:txBody>
+        </p:sp>
+        <p:cxnSp>
+          <p:nvCxnSpPr>
+            <p:cNvPr id="11" name="Connecteur droit 10"/>
+            <p:cNvCxnSpPr>
+              <a:stCxn id="4" idx="6"/>
+            </p:cNvCxnSpPr>
+            <p:nvPr/>
+          </p:nvCxnSpPr>
+          <p:spPr>
+            <a:xfrm>
+              <a:off x="1763688" y="1988840"/>
+              <a:ext cx="1368152" cy="0"/>
+            </a:xfrm>
+            <a:prstGeom prst="line">
+              <a:avLst/>
+            </a:prstGeom>
+            <a:noFill/>
+            <a:ln w="28575">
+              <a:solidFill>
+                <a:srgbClr val="7030A0"/>
+              </a:solidFill>
+            </a:ln>
+          </p:spPr>
+          <p:style>
+            <a:lnRef idx="2">
+              <a:schemeClr val="accent1">
+                <a:shade val="50000"/>
+              </a:schemeClr>
+            </a:lnRef>
+            <a:fillRef idx="1">
+              <a:schemeClr val="accent1"/>
+            </a:fillRef>
+            <a:effectRef idx="0">
+              <a:schemeClr val="accent1"/>
+            </a:effectRef>
+            <a:fontRef idx="minor">
+              <a:schemeClr val="lt1"/>
+            </a:fontRef>
+          </p:style>
+        </p:cxnSp>
+        <p:cxnSp>
+          <p:nvCxnSpPr>
+            <p:cNvPr id="12" name="Connecteur droit 11"/>
+            <p:cNvCxnSpPr>
+              <a:stCxn id="6" idx="0"/>
+              <a:endCxn id="5" idx="4"/>
+            </p:cNvCxnSpPr>
+            <p:nvPr/>
+          </p:nvCxnSpPr>
+          <p:spPr>
+            <a:xfrm flipV="1">
+              <a:off x="3131840" y="1340768"/>
+              <a:ext cx="0" cy="1296144"/>
+            </a:xfrm>
+            <a:prstGeom prst="line">
+              <a:avLst/>
+            </a:prstGeom>
+            <a:noFill/>
+            <a:ln w="28575">
+              <a:solidFill>
+                <a:srgbClr val="7030A0"/>
+              </a:solidFill>
+            </a:ln>
+          </p:spPr>
+          <p:style>
+            <a:lnRef idx="2">
+              <a:schemeClr val="accent1">
+                <a:shade val="50000"/>
+              </a:schemeClr>
+            </a:lnRef>
+            <a:fillRef idx="1">
+              <a:schemeClr val="accent1"/>
+            </a:fillRef>
+            <a:effectRef idx="0">
+              <a:schemeClr val="accent1"/>
+            </a:effectRef>
+            <a:fontRef idx="minor">
+              <a:schemeClr val="lt1"/>
+            </a:fontRef>
+          </p:style>
+        </p:cxnSp>
+        <p:grpSp>
+          <p:nvGrpSpPr>
+            <p:cNvPr id="27" name="Groupe 26"/>
+            <p:cNvGrpSpPr/>
+            <p:nvPr/>
+          </p:nvGrpSpPr>
+          <p:grpSpPr>
+            <a:xfrm>
+              <a:off x="1753148" y="835179"/>
+              <a:ext cx="1450699" cy="1584176"/>
+              <a:chOff x="1753148" y="835179"/>
+              <a:chExt cx="1450699" cy="1584176"/>
+            </a:xfrm>
+          </p:grpSpPr>
+          <p:grpSp>
+            <p:nvGrpSpPr>
+              <p:cNvPr id="20" name="Groupe 19"/>
+              <p:cNvGrpSpPr/>
+              <p:nvPr/>
+            </p:nvGrpSpPr>
+            <p:grpSpPr>
+              <a:xfrm rot="20700000">
+                <a:off x="3059831" y="835179"/>
+                <a:ext cx="144016" cy="1584176"/>
+                <a:chOff x="3212232" y="1349152"/>
+                <a:chExt cx="144016" cy="1584176"/>
+              </a:xfrm>
+            </p:grpSpPr>
+            <p:sp>
+              <p:nvSpPr>
+                <p:cNvPr id="16" name="Ellipse 15"/>
+                <p:cNvSpPr/>
+                <p:nvPr/>
+              </p:nvSpPr>
+              <p:spPr>
+                <a:xfrm>
+                  <a:off x="3212232" y="1349152"/>
+                  <a:ext cx="144016" cy="144016"/>
+                </a:xfrm>
+                <a:prstGeom prst="ellipse">
+                  <a:avLst/>
+                </a:prstGeom>
+                <a:noFill/>
+                <a:ln w="12700">
+                  <a:solidFill>
+                    <a:srgbClr val="7030A0"/>
+                  </a:solidFill>
+                  <a:prstDash val="dash"/>
+                </a:ln>
+              </p:spPr>
+              <p:style>
+                <a:lnRef idx="2">
+                  <a:schemeClr val="accent1">
+                    <a:shade val="50000"/>
+                  </a:schemeClr>
+                </a:lnRef>
+                <a:fillRef idx="1">
+                  <a:schemeClr val="accent1"/>
+                </a:fillRef>
+                <a:effectRef idx="0">
+                  <a:schemeClr val="accent1"/>
+                </a:effectRef>
+                <a:fontRef idx="minor">
+                  <a:schemeClr val="lt1"/>
+                </a:fontRef>
+              </p:style>
+              <p:txBody>
+                <a:bodyPr rtlCol="0" anchor="ctr"/>
+                <a:lstStyle/>
+                <a:p>
+                  <a:pPr algn="ctr"/>
+                  <a:endParaRPr lang="fr-FR"/>
+                </a:p>
+              </p:txBody>
+            </p:sp>
+            <p:sp>
+              <p:nvSpPr>
+                <p:cNvPr id="17" name="Ellipse 16"/>
+                <p:cNvSpPr/>
+                <p:nvPr/>
+              </p:nvSpPr>
+              <p:spPr>
+                <a:xfrm>
+                  <a:off x="3212232" y="2789312"/>
+                  <a:ext cx="144016" cy="144016"/>
+                </a:xfrm>
+                <a:prstGeom prst="ellipse">
+                  <a:avLst/>
+                </a:prstGeom>
+                <a:noFill/>
+                <a:ln w="12700">
+                  <a:solidFill>
+                    <a:srgbClr val="7030A0"/>
+                  </a:solidFill>
+                  <a:prstDash val="dash"/>
+                </a:ln>
+              </p:spPr>
+              <p:style>
+                <a:lnRef idx="2">
+                  <a:schemeClr val="accent1">
+                    <a:shade val="50000"/>
+                  </a:schemeClr>
+                </a:lnRef>
+                <a:fillRef idx="1">
+                  <a:schemeClr val="accent1"/>
+                </a:fillRef>
+                <a:effectRef idx="0">
+                  <a:schemeClr val="accent1"/>
+                </a:effectRef>
+                <a:fontRef idx="minor">
+                  <a:schemeClr val="lt1"/>
+                </a:fontRef>
+              </p:style>
+              <p:txBody>
+                <a:bodyPr rtlCol="0" anchor="ctr"/>
+                <a:lstStyle/>
+                <a:p>
+                  <a:pPr algn="ctr"/>
+                  <a:endParaRPr lang="fr-FR"/>
+                </a:p>
+              </p:txBody>
+            </p:sp>
+            <p:cxnSp>
+              <p:nvCxnSpPr>
+                <p:cNvPr id="19" name="Connecteur droit 18"/>
+                <p:cNvCxnSpPr>
+                  <a:stCxn id="17" idx="0"/>
+                  <a:endCxn id="16" idx="4"/>
+                </p:cNvCxnSpPr>
+                <p:nvPr/>
+              </p:nvCxnSpPr>
+              <p:spPr>
+                <a:xfrm flipV="1">
+                  <a:off x="3284240" y="1493168"/>
+                  <a:ext cx="0" cy="1296144"/>
+                </a:xfrm>
+                <a:prstGeom prst="line">
+                  <a:avLst/>
+                </a:prstGeom>
+                <a:noFill/>
+                <a:ln w="12700">
+                  <a:solidFill>
+                    <a:srgbClr val="7030A0"/>
+                  </a:solidFill>
+                  <a:prstDash val="dash"/>
+                </a:ln>
+              </p:spPr>
+              <p:style>
+                <a:lnRef idx="2">
+                  <a:schemeClr val="accent1">
+                    <a:shade val="50000"/>
+                  </a:schemeClr>
+                </a:lnRef>
+                <a:fillRef idx="1">
+                  <a:schemeClr val="accent1"/>
+                </a:fillRef>
+                <a:effectRef idx="0">
+                  <a:schemeClr val="accent1"/>
+                </a:effectRef>
+                <a:fontRef idx="minor">
+                  <a:schemeClr val="lt1"/>
+                </a:fontRef>
+              </p:style>
+            </p:cxnSp>
+          </p:grpSp>
+          <p:sp>
+            <p:nvSpPr>
+              <p:cNvPr id="26" name="Forme libre 25"/>
+              <p:cNvSpPr/>
+              <p:nvPr/>
+            </p:nvSpPr>
+            <p:spPr>
+              <a:xfrm>
+                <a:off x="1753148" y="1621580"/>
+                <a:ext cx="1381468" cy="365853"/>
+              </a:xfrm>
+              <a:custGeom>
+                <a:avLst/>
+                <a:gdLst>
+                  <a:gd name="connsiteX0" fmla="*/ 0 w 1381468"/>
+                  <a:gd name="connsiteY0" fmla="*/ 365102 h 365102"/>
+                  <a:gd name="connsiteX1" fmla="*/ 1381468 w 1381468"/>
+                  <a:gd name="connsiteY1" fmla="*/ 0 h 365102"/>
+                  <a:gd name="connsiteX2" fmla="*/ 1381468 w 1381468"/>
+                  <a:gd name="connsiteY2" fmla="*/ 0 h 365102"/>
+                  <a:gd name="connsiteX0" fmla="*/ 0 w 1381468"/>
+                  <a:gd name="connsiteY0" fmla="*/ 365102 h 365102"/>
+                  <a:gd name="connsiteX1" fmla="*/ 694023 w 1381468"/>
+                  <a:gd name="connsiteY1" fmla="*/ 292739 h 365102"/>
+                  <a:gd name="connsiteX2" fmla="*/ 1381468 w 1381468"/>
+                  <a:gd name="connsiteY2" fmla="*/ 0 h 365102"/>
+                  <a:gd name="connsiteX3" fmla="*/ 1381468 w 1381468"/>
+                  <a:gd name="connsiteY3" fmla="*/ 0 h 365102"/>
+                  <a:gd name="connsiteX0" fmla="*/ 0 w 1381468"/>
+                  <a:gd name="connsiteY0" fmla="*/ 365102 h 365102"/>
+                  <a:gd name="connsiteX1" fmla="*/ 1381468 w 1381468"/>
+                  <a:gd name="connsiteY1" fmla="*/ 0 h 365102"/>
+                  <a:gd name="connsiteX2" fmla="*/ 1381468 w 1381468"/>
+                  <a:gd name="connsiteY2" fmla="*/ 0 h 365102"/>
+                  <a:gd name="connsiteX0" fmla="*/ 0 w 1381468"/>
+                  <a:gd name="connsiteY0" fmla="*/ 365102 h 365589"/>
+                  <a:gd name="connsiteX1" fmla="*/ 1381468 w 1381468"/>
+                  <a:gd name="connsiteY1" fmla="*/ 0 h 365589"/>
+                  <a:gd name="connsiteX2" fmla="*/ 1381468 w 1381468"/>
+                  <a:gd name="connsiteY2" fmla="*/ 0 h 365589"/>
+                  <a:gd name="connsiteX0" fmla="*/ 0 w 1381468"/>
+                  <a:gd name="connsiteY0" fmla="*/ 365102 h 365853"/>
+                  <a:gd name="connsiteX1" fmla="*/ 1381468 w 1381468"/>
+                  <a:gd name="connsiteY1" fmla="*/ 0 h 365853"/>
+                  <a:gd name="connsiteX2" fmla="*/ 1381468 w 1381468"/>
+                  <a:gd name="connsiteY2" fmla="*/ 0 h 365853"/>
+                </a:gdLst>
+                <a:ahLst/>
+                <a:cxnLst>
+                  <a:cxn ang="0">
+                    <a:pos x="connsiteX0" y="connsiteY0"/>
+                  </a:cxn>
+                  <a:cxn ang="0">
+                    <a:pos x="connsiteX1" y="connsiteY1"/>
+                  </a:cxn>
+                  <a:cxn ang="0">
+                    <a:pos x="connsiteX2" y="connsiteY2"/>
+                  </a:cxn>
+                </a:cxnLst>
+                <a:rect l="l" t="t" r="r" b="b"/>
+                <a:pathLst>
+                  <a:path w="1381468" h="365853">
+                    <a:moveTo>
+                      <a:pt x="0" y="365102"/>
+                    </a:moveTo>
+                    <a:cubicBezTo>
+                      <a:pt x="647974" y="378258"/>
+                      <a:pt x="999920" y="217088"/>
+                      <a:pt x="1381468" y="0"/>
+                    </a:cubicBezTo>
+                    <a:lnTo>
+                      <a:pt x="1381468" y="0"/>
+                    </a:lnTo>
+                  </a:path>
+                </a:pathLst>
+              </a:custGeom>
+              <a:noFill/>
+              <a:ln w="12700">
+                <a:solidFill>
+                  <a:srgbClr val="7030A0"/>
+                </a:solidFill>
+                <a:prstDash val="dash"/>
+              </a:ln>
+            </p:spPr>
+            <p:style>
+              <a:lnRef idx="2">
+                <a:schemeClr val="accent1">
+                  <a:shade val="50000"/>
+                </a:schemeClr>
+              </a:lnRef>
+              <a:fillRef idx="1">
+                <a:schemeClr val="accent1"/>
+              </a:fillRef>
+              <a:effectRef idx="0">
+                <a:schemeClr val="accent1"/>
+              </a:effectRef>
+              <a:fontRef idx="minor">
+                <a:schemeClr val="lt1"/>
+              </a:fontRef>
+            </p:style>
+            <p:txBody>
+              <a:bodyPr rtlCol="0" anchor="ctr"/>
+              <a:lstStyle/>
+              <a:p>
+                <a:pPr algn="ctr"/>
+                <a:endParaRPr lang="fr-FR"/>
+              </a:p>
+            </p:txBody>
+          </p:sp>
+        </p:grpSp>
+        <p:grpSp>
+          <p:nvGrpSpPr>
+            <p:cNvPr id="28" name="Groupe 27"/>
+            <p:cNvGrpSpPr/>
+            <p:nvPr/>
+          </p:nvGrpSpPr>
+          <p:grpSpPr>
+            <a:xfrm flipV="1">
+              <a:off x="1776559" y="1556792"/>
+              <a:ext cx="1450699" cy="1584176"/>
+              <a:chOff x="1753148" y="835179"/>
+              <a:chExt cx="1450699" cy="1584176"/>
+            </a:xfrm>
+          </p:grpSpPr>
+          <p:grpSp>
+            <p:nvGrpSpPr>
+              <p:cNvPr id="29" name="Groupe 28"/>
+              <p:cNvGrpSpPr/>
+              <p:nvPr/>
+            </p:nvGrpSpPr>
+            <p:grpSpPr>
+              <a:xfrm rot="20700000">
+                <a:off x="3059831" y="835179"/>
+                <a:ext cx="144016" cy="1584176"/>
+                <a:chOff x="3212232" y="1349152"/>
+                <a:chExt cx="144016" cy="1584176"/>
+              </a:xfrm>
+            </p:grpSpPr>
+            <p:sp>
+              <p:nvSpPr>
+                <p:cNvPr id="31" name="Ellipse 30"/>
+                <p:cNvSpPr/>
+                <p:nvPr/>
+              </p:nvSpPr>
+              <p:spPr>
+                <a:xfrm>
+                  <a:off x="3212232" y="1349152"/>
+                  <a:ext cx="144016" cy="144016"/>
+                </a:xfrm>
+                <a:prstGeom prst="ellipse">
+                  <a:avLst/>
+                </a:prstGeom>
+                <a:noFill/>
+                <a:ln w="12700">
+                  <a:solidFill>
+                    <a:srgbClr val="7030A0"/>
+                  </a:solidFill>
+                  <a:prstDash val="dash"/>
+                </a:ln>
+              </p:spPr>
+              <p:style>
+                <a:lnRef idx="2">
+                  <a:schemeClr val="accent1">
+                    <a:shade val="50000"/>
+                  </a:schemeClr>
+                </a:lnRef>
+                <a:fillRef idx="1">
+                  <a:schemeClr val="accent1"/>
+                </a:fillRef>
+                <a:effectRef idx="0">
+                  <a:schemeClr val="accent1"/>
+                </a:effectRef>
+                <a:fontRef idx="minor">
+                  <a:schemeClr val="lt1"/>
+                </a:fontRef>
+              </p:style>
+              <p:txBody>
+                <a:bodyPr rtlCol="0" anchor="ctr"/>
+                <a:lstStyle/>
+                <a:p>
+                  <a:pPr algn="ctr"/>
+                  <a:endParaRPr lang="fr-FR"/>
+                </a:p>
+              </p:txBody>
+            </p:sp>
+            <p:sp>
+              <p:nvSpPr>
+                <p:cNvPr id="32" name="Ellipse 31"/>
+                <p:cNvSpPr/>
+                <p:nvPr/>
+              </p:nvSpPr>
+              <p:spPr>
+                <a:xfrm>
+                  <a:off x="3212232" y="2789312"/>
+                  <a:ext cx="144016" cy="144016"/>
+                </a:xfrm>
+                <a:prstGeom prst="ellipse">
+                  <a:avLst/>
+                </a:prstGeom>
+                <a:noFill/>
+                <a:ln w="12700">
+                  <a:solidFill>
+                    <a:srgbClr val="7030A0"/>
+                  </a:solidFill>
+                  <a:prstDash val="dash"/>
+                </a:ln>
+              </p:spPr>
+              <p:style>
+                <a:lnRef idx="2">
+                  <a:schemeClr val="accent1">
+                    <a:shade val="50000"/>
+                  </a:schemeClr>
+                </a:lnRef>
+                <a:fillRef idx="1">
+                  <a:schemeClr val="accent1"/>
+                </a:fillRef>
+                <a:effectRef idx="0">
+                  <a:schemeClr val="accent1"/>
+                </a:effectRef>
+                <a:fontRef idx="minor">
+                  <a:schemeClr val="lt1"/>
+                </a:fontRef>
+              </p:style>
+              <p:txBody>
+                <a:bodyPr rtlCol="0" anchor="ctr"/>
+                <a:lstStyle/>
+                <a:p>
+                  <a:pPr algn="ctr"/>
+                  <a:endParaRPr lang="fr-FR"/>
+                </a:p>
+              </p:txBody>
+            </p:sp>
+            <p:cxnSp>
+              <p:nvCxnSpPr>
+                <p:cNvPr id="33" name="Connecteur droit 32"/>
+                <p:cNvCxnSpPr>
+                  <a:stCxn id="32" idx="0"/>
+                  <a:endCxn id="31" idx="4"/>
+                </p:cNvCxnSpPr>
+                <p:nvPr/>
+              </p:nvCxnSpPr>
+              <p:spPr>
+                <a:xfrm flipV="1">
+                  <a:off x="3284240" y="1493168"/>
+                  <a:ext cx="0" cy="1296144"/>
+                </a:xfrm>
+                <a:prstGeom prst="line">
+                  <a:avLst/>
+                </a:prstGeom>
+                <a:noFill/>
+                <a:ln w="12700">
+                  <a:solidFill>
+                    <a:srgbClr val="7030A0"/>
+                  </a:solidFill>
+                  <a:prstDash val="dash"/>
+                </a:ln>
+              </p:spPr>
+              <p:style>
+                <a:lnRef idx="2">
+                  <a:schemeClr val="accent1">
+                    <a:shade val="50000"/>
+                  </a:schemeClr>
+                </a:lnRef>
+                <a:fillRef idx="1">
+                  <a:schemeClr val="accent1"/>
+                </a:fillRef>
+                <a:effectRef idx="0">
+                  <a:schemeClr val="accent1"/>
+                </a:effectRef>
+                <a:fontRef idx="minor">
+                  <a:schemeClr val="lt1"/>
+                </a:fontRef>
+              </p:style>
+            </p:cxnSp>
+          </p:grpSp>
+          <p:sp>
+            <p:nvSpPr>
+              <p:cNvPr id="30" name="Forme libre 29"/>
+              <p:cNvSpPr/>
+              <p:nvPr/>
+            </p:nvSpPr>
+            <p:spPr>
+              <a:xfrm>
+                <a:off x="1753148" y="1621580"/>
+                <a:ext cx="1381468" cy="365853"/>
+              </a:xfrm>
+              <a:custGeom>
+                <a:avLst/>
+                <a:gdLst>
+                  <a:gd name="connsiteX0" fmla="*/ 0 w 1381468"/>
+                  <a:gd name="connsiteY0" fmla="*/ 365102 h 365102"/>
+                  <a:gd name="connsiteX1" fmla="*/ 1381468 w 1381468"/>
+                  <a:gd name="connsiteY1" fmla="*/ 0 h 365102"/>
+                  <a:gd name="connsiteX2" fmla="*/ 1381468 w 1381468"/>
+                  <a:gd name="connsiteY2" fmla="*/ 0 h 365102"/>
+                  <a:gd name="connsiteX0" fmla="*/ 0 w 1381468"/>
+                  <a:gd name="connsiteY0" fmla="*/ 365102 h 365102"/>
+                  <a:gd name="connsiteX1" fmla="*/ 694023 w 1381468"/>
+                  <a:gd name="connsiteY1" fmla="*/ 292739 h 365102"/>
+                  <a:gd name="connsiteX2" fmla="*/ 1381468 w 1381468"/>
+                  <a:gd name="connsiteY2" fmla="*/ 0 h 365102"/>
+                  <a:gd name="connsiteX3" fmla="*/ 1381468 w 1381468"/>
+                  <a:gd name="connsiteY3" fmla="*/ 0 h 365102"/>
+                  <a:gd name="connsiteX0" fmla="*/ 0 w 1381468"/>
+                  <a:gd name="connsiteY0" fmla="*/ 365102 h 365102"/>
+                  <a:gd name="connsiteX1" fmla="*/ 1381468 w 1381468"/>
+                  <a:gd name="connsiteY1" fmla="*/ 0 h 365102"/>
+                  <a:gd name="connsiteX2" fmla="*/ 1381468 w 1381468"/>
+                  <a:gd name="connsiteY2" fmla="*/ 0 h 365102"/>
+                  <a:gd name="connsiteX0" fmla="*/ 0 w 1381468"/>
+                  <a:gd name="connsiteY0" fmla="*/ 365102 h 365589"/>
+                  <a:gd name="connsiteX1" fmla="*/ 1381468 w 1381468"/>
+                  <a:gd name="connsiteY1" fmla="*/ 0 h 365589"/>
+                  <a:gd name="connsiteX2" fmla="*/ 1381468 w 1381468"/>
+                  <a:gd name="connsiteY2" fmla="*/ 0 h 365589"/>
+                  <a:gd name="connsiteX0" fmla="*/ 0 w 1381468"/>
+                  <a:gd name="connsiteY0" fmla="*/ 365102 h 365853"/>
+                  <a:gd name="connsiteX1" fmla="*/ 1381468 w 1381468"/>
+                  <a:gd name="connsiteY1" fmla="*/ 0 h 365853"/>
+                  <a:gd name="connsiteX2" fmla="*/ 1381468 w 1381468"/>
+                  <a:gd name="connsiteY2" fmla="*/ 0 h 365853"/>
+                </a:gdLst>
+                <a:ahLst/>
+                <a:cxnLst>
+                  <a:cxn ang="0">
+                    <a:pos x="connsiteX0" y="connsiteY0"/>
+                  </a:cxn>
+                  <a:cxn ang="0">
+                    <a:pos x="connsiteX1" y="connsiteY1"/>
+                  </a:cxn>
+                  <a:cxn ang="0">
+                    <a:pos x="connsiteX2" y="connsiteY2"/>
+                  </a:cxn>
+                </a:cxnLst>
+                <a:rect l="l" t="t" r="r" b="b"/>
+                <a:pathLst>
+                  <a:path w="1381468" h="365853">
+                    <a:moveTo>
+                      <a:pt x="0" y="365102"/>
+                    </a:moveTo>
+                    <a:cubicBezTo>
+                      <a:pt x="647974" y="378258"/>
+                      <a:pt x="999920" y="217088"/>
+                      <a:pt x="1381468" y="0"/>
+                    </a:cubicBezTo>
+                    <a:lnTo>
+                      <a:pt x="1381468" y="0"/>
+                    </a:lnTo>
+                  </a:path>
+                </a:pathLst>
+              </a:custGeom>
+              <a:noFill/>
+              <a:ln w="12700">
+                <a:solidFill>
+                  <a:srgbClr val="7030A0"/>
+                </a:solidFill>
+                <a:prstDash val="dash"/>
+              </a:ln>
+            </p:spPr>
+            <p:style>
+              <a:lnRef idx="2">
+                <a:schemeClr val="accent1">
+                  <a:shade val="50000"/>
+                </a:schemeClr>
+              </a:lnRef>
+              <a:fillRef idx="1">
+                <a:schemeClr val="accent1"/>
+              </a:fillRef>
+              <a:effectRef idx="0">
+                <a:schemeClr val="accent1"/>
+              </a:effectRef>
+              <a:fontRef idx="minor">
+                <a:schemeClr val="lt1"/>
+              </a:fontRef>
+            </p:style>
+            <p:txBody>
+              <a:bodyPr rtlCol="0" anchor="ctr"/>
+              <a:lstStyle/>
+              <a:p>
+                <a:pPr algn="ctr"/>
+                <a:endParaRPr lang="fr-FR"/>
+              </a:p>
+            </p:txBody>
+          </p:sp>
+        </p:grpSp>
+        <p:sp>
+          <p:nvSpPr>
+            <p:cNvPr id="34" name="Arc 33"/>
+            <p:cNvSpPr/>
+            <p:nvPr/>
+          </p:nvSpPr>
+          <p:spPr>
+            <a:xfrm>
+              <a:off x="349699" y="645452"/>
+              <a:ext cx="2683962" cy="2683962"/>
+            </a:xfrm>
+            <a:prstGeom prst="arc">
+              <a:avLst>
+                <a:gd name="adj1" fmla="val 20988116"/>
+                <a:gd name="adj2" fmla="val 635360"/>
+              </a:avLst>
+            </a:prstGeom>
+            <a:ln>
+              <a:solidFill>
+                <a:srgbClr val="FF0000"/>
+              </a:solidFill>
+              <a:headEnd type="stealth" w="sm" len="med"/>
+              <a:tailEnd type="stealth" w="sm" len="med"/>
+            </a:ln>
+          </p:spPr>
+          <p:style>
+            <a:lnRef idx="1">
+              <a:schemeClr val="accent1"/>
+            </a:lnRef>
+            <a:fillRef idx="0">
+              <a:schemeClr val="accent1"/>
+            </a:fillRef>
+            <a:effectRef idx="0">
+              <a:schemeClr val="accent1"/>
+            </a:effectRef>
+            <a:fontRef idx="minor">
+              <a:schemeClr val="tx1"/>
+            </a:fontRef>
+          </p:style>
+          <p:txBody>
+            <a:bodyPr rtlCol="0" anchor="ctr"/>
+            <a:lstStyle/>
+            <a:p>
+              <a:pPr algn="ctr"/>
+              <a:endParaRPr lang="fr-FR"/>
+            </a:p>
+          </p:txBody>
+        </p:sp>
+      </p:grpSp>
+      <p:pic>
+        <p:nvPicPr>
+          <p:cNvPr id="1027" name="Picture 3"/>
+          <p:cNvPicPr>
+            <a:picLocks noChangeAspect="1" noChangeArrowheads="1"/>
+          </p:cNvPicPr>
+          <p:nvPr/>
+        </p:nvPicPr>
+        <p:blipFill>
+          <a:blip r:embed="rId2" cstate="print">
+            <a:extLst>
+              <a:ext uri="{28A0092B-C50C-407E-A947-70E740481C1C}">
+                <a14:useLocalDpi xmlns:a14="http://schemas.microsoft.com/office/drawing/2010/main" val="0"/>
+              </a:ext>
+            </a:extLst>
+          </a:blip>
+          <a:srcRect/>
+          <a:stretch>
+            <a:fillRect/>
+          </a:stretch>
+        </p:blipFill>
+        <p:spPr bwMode="auto">
+          <a:xfrm>
+            <a:off x="2672549" y="1209129"/>
+            <a:ext cx="2046708" cy="1415405"/>
+          </a:xfrm>
+          <a:prstGeom prst="rect">
+            <a:avLst/>
+          </a:prstGeom>
+          <a:noFill/>
+          <a:ln>
+            <a:noFill/>
+          </a:ln>
+          <a:effectLst/>
+          <a:extLst>
+            <a:ext uri="{909E8E84-426E-40DD-AFC4-6F175D3DCCD1}">
+              <a14:hiddenFill xmlns:a14="http://schemas.microsoft.com/office/drawing/2010/main">
+                <a:solidFill>
+                  <a:schemeClr val="accent1"/>
+                </a:solidFill>
+              </a14:hiddenFill>
+            </a:ext>
+            <a:ext uri="{91240B29-F687-4F45-9708-019B960494DF}">
+              <a14:hiddenLine xmlns:a14="http://schemas.microsoft.com/office/drawing/2010/main" w="9525">
+                <a:solidFill>
+                  <a:schemeClr val="tx1"/>
+                </a:solidFill>
+                <a:miter lim="800000"/>
+                <a:headEnd/>
+                <a:tailEnd/>
+              </a14:hiddenLine>
+            </a:ext>
+            <a:ext uri="{AF507438-7753-43E0-B8FC-AC1667EBCBE1}">
+              <a14:hiddenEffects xmlns:a14="http://schemas.microsoft.com/office/drawing/2010/main">
+                <a:effectLst>
+                  <a:outerShdw dist="35921" dir="2700000" algn="ctr" rotWithShape="0">
+                    <a:schemeClr val="bg2"/>
+                  </a:outerShdw>
+                </a:effectLst>
+              </a14:hiddenEffects>
+            </a:ext>
+          </a:extLst>
+        </p:spPr>
+      </p:pic>
+      <p:sp>
+        <p:nvSpPr>
+          <p:cNvPr id="36" name="ZoneTexte 35"/>
+          <p:cNvSpPr txBox="1"/>
+          <p:nvPr/>
+        </p:nvSpPr>
+        <p:spPr>
+          <a:xfrm>
+            <a:off x="2672921" y="3275692"/>
+            <a:ext cx="2046708" cy="369332"/>
+          </a:xfrm>
+          <a:prstGeom prst="rect">
+            <a:avLst/>
+          </a:prstGeom>
+          <a:noFill/>
+        </p:spPr>
+        <p:txBody>
+          <a:bodyPr wrap="square" rtlCol="0">
+            <a:spAutoFit/>
+          </a:bodyPr>
+          <a:lstStyle/>
+          <a:p>
+            <a:r>
+              <a:rPr lang="fr-FR" dirty="0" smtClean="0"/>
+              <a:t>Corps d’épreuve</a:t>
+            </a:r>
+            <a:endParaRPr lang="fr-FR" dirty="0"/>
+          </a:p>
+        </p:txBody>
+      </p:sp>
+      <p:sp>
+        <p:nvSpPr>
+          <p:cNvPr id="39" name="ZoneTexte 38"/>
+          <p:cNvSpPr txBox="1"/>
+          <p:nvPr/>
+        </p:nvSpPr>
+        <p:spPr>
+          <a:xfrm>
+            <a:off x="4725149" y="3275692"/>
+            <a:ext cx="2698404" cy="369332"/>
+          </a:xfrm>
+          <a:prstGeom prst="rect">
+            <a:avLst/>
+          </a:prstGeom>
+          <a:noFill/>
+        </p:spPr>
+        <p:txBody>
+          <a:bodyPr wrap="square" rtlCol="0">
+            <a:spAutoFit/>
+          </a:bodyPr>
+          <a:lstStyle/>
+          <a:p>
+            <a:r>
+              <a:rPr lang="fr-FR" dirty="0" smtClean="0"/>
+              <a:t>Flexion du corps d’épreuve</a:t>
+            </a:r>
+            <a:endParaRPr lang="fr-FR" dirty="0"/>
+          </a:p>
+        </p:txBody>
+      </p:sp>
+      <p:cxnSp>
+        <p:nvCxnSpPr>
+          <p:cNvPr id="40" name="Connecteur droit 39"/>
+          <p:cNvCxnSpPr/>
+          <p:nvPr/>
+        </p:nvCxnSpPr>
+        <p:spPr>
+          <a:xfrm>
+            <a:off x="3275856" y="2060848"/>
+            <a:ext cx="0" cy="279554"/>
+          </a:xfrm>
+          <a:prstGeom prst="line">
+            <a:avLst/>
+          </a:prstGeom>
+          <a:ln w="38100">
+            <a:solidFill>
+              <a:srgbClr val="FF0000"/>
+            </a:solidFill>
+          </a:ln>
+        </p:spPr>
+        <p:style>
+          <a:lnRef idx="1">
+            <a:schemeClr val="accent1"/>
+          </a:lnRef>
+          <a:fillRef idx="0">
+            <a:schemeClr val="accent1"/>
+          </a:fillRef>
+          <a:effectRef idx="0">
+            <a:schemeClr val="accent1"/>
+          </a:effectRef>
+          <a:fontRef idx="minor">
+            <a:schemeClr val="tx1"/>
+          </a:fontRef>
+        </p:style>
+      </p:cxnSp>
+      <p:cxnSp>
+        <p:nvCxnSpPr>
+          <p:cNvPr id="43" name="Connecteur droit 42"/>
+          <p:cNvCxnSpPr/>
+          <p:nvPr/>
+        </p:nvCxnSpPr>
+        <p:spPr>
+          <a:xfrm>
+            <a:off x="3491880" y="1933694"/>
+            <a:ext cx="0" cy="279554"/>
+          </a:xfrm>
+          <a:prstGeom prst="line">
+            <a:avLst/>
+          </a:prstGeom>
+          <a:ln w="38100">
+            <a:solidFill>
+              <a:srgbClr val="FF0000"/>
+            </a:solidFill>
+          </a:ln>
+        </p:spPr>
+        <p:style>
+          <a:lnRef idx="1">
+            <a:schemeClr val="accent1"/>
+          </a:lnRef>
+          <a:fillRef idx="0">
+            <a:schemeClr val="accent1"/>
+          </a:fillRef>
+          <a:effectRef idx="0">
+            <a:schemeClr val="accent1"/>
+          </a:effectRef>
+          <a:fontRef idx="minor">
+            <a:schemeClr val="tx1"/>
+          </a:fontRef>
+        </p:style>
+      </p:cxnSp>
+      <p:cxnSp>
+        <p:nvCxnSpPr>
+          <p:cNvPr id="44" name="Connecteur droit 43"/>
+          <p:cNvCxnSpPr/>
+          <p:nvPr/>
+        </p:nvCxnSpPr>
+        <p:spPr>
+          <a:xfrm flipH="1">
+            <a:off x="3275856" y="1940005"/>
+            <a:ext cx="216024" cy="133466"/>
+          </a:xfrm>
+          <a:prstGeom prst="line">
+            <a:avLst/>
+          </a:prstGeom>
+          <a:ln w="38100">
+            <a:solidFill>
+              <a:srgbClr val="FF0000"/>
+            </a:solidFill>
+          </a:ln>
+        </p:spPr>
+        <p:style>
+          <a:lnRef idx="1">
+            <a:schemeClr val="accent1"/>
+          </a:lnRef>
+          <a:fillRef idx="0">
+            <a:schemeClr val="accent1"/>
+          </a:fillRef>
+          <a:effectRef idx="0">
+            <a:schemeClr val="accent1"/>
+          </a:effectRef>
+          <a:fontRef idx="minor">
+            <a:schemeClr val="tx1"/>
+          </a:fontRef>
+        </p:style>
+      </p:cxnSp>
+      <p:cxnSp>
+        <p:nvCxnSpPr>
+          <p:cNvPr id="47" name="Connecteur droit 46"/>
+          <p:cNvCxnSpPr/>
+          <p:nvPr/>
+        </p:nvCxnSpPr>
+        <p:spPr>
+          <a:xfrm flipH="1">
+            <a:off x="3275856" y="2194297"/>
+            <a:ext cx="216024" cy="133466"/>
+          </a:xfrm>
+          <a:prstGeom prst="line">
+            <a:avLst/>
+          </a:prstGeom>
+          <a:ln w="38100">
+            <a:solidFill>
+              <a:srgbClr val="FF0000"/>
+            </a:solidFill>
+          </a:ln>
+        </p:spPr>
+        <p:style>
+          <a:lnRef idx="1">
+            <a:schemeClr val="accent1"/>
+          </a:lnRef>
+          <a:fillRef idx="0">
+            <a:schemeClr val="accent1"/>
+          </a:fillRef>
+          <a:effectRef idx="0">
+            <a:schemeClr val="accent1"/>
+          </a:effectRef>
+          <a:fontRef idx="minor">
+            <a:schemeClr val="tx1"/>
+          </a:fontRef>
+        </p:style>
+      </p:cxnSp>
+      <p:cxnSp>
+        <p:nvCxnSpPr>
+          <p:cNvPr id="48" name="Connecteur droit 47"/>
+          <p:cNvCxnSpPr/>
+          <p:nvPr/>
+        </p:nvCxnSpPr>
+        <p:spPr>
+          <a:xfrm>
+            <a:off x="3131840" y="1980259"/>
+            <a:ext cx="0" cy="279554"/>
+          </a:xfrm>
+          <a:prstGeom prst="line">
+            <a:avLst/>
+          </a:prstGeom>
+          <a:ln w="19050">
+            <a:solidFill>
+              <a:srgbClr val="FF0000"/>
+            </a:solidFill>
+            <a:prstDash val="dash"/>
+          </a:ln>
+        </p:spPr>
+        <p:style>
+          <a:lnRef idx="1">
+            <a:schemeClr val="accent1"/>
+          </a:lnRef>
+          <a:fillRef idx="0">
+            <a:schemeClr val="accent1"/>
+          </a:fillRef>
+          <a:effectRef idx="0">
+            <a:schemeClr val="accent1"/>
+          </a:effectRef>
+          <a:fontRef idx="minor">
+            <a:schemeClr val="tx1"/>
+          </a:fontRef>
+        </p:style>
+      </p:cxnSp>
+      <p:cxnSp>
+        <p:nvCxnSpPr>
+          <p:cNvPr id="49" name="Connecteur droit 48"/>
+          <p:cNvCxnSpPr/>
+          <p:nvPr/>
+        </p:nvCxnSpPr>
+        <p:spPr>
+          <a:xfrm>
+            <a:off x="3347864" y="1853105"/>
+            <a:ext cx="0" cy="279554"/>
+          </a:xfrm>
+          <a:prstGeom prst="line">
+            <a:avLst/>
+          </a:prstGeom>
+          <a:ln w="19050">
+            <a:solidFill>
+              <a:srgbClr val="FF0000"/>
+            </a:solidFill>
+            <a:prstDash val="dash"/>
+          </a:ln>
+        </p:spPr>
+        <p:style>
+          <a:lnRef idx="1">
+            <a:schemeClr val="accent1"/>
+          </a:lnRef>
+          <a:fillRef idx="0">
+            <a:schemeClr val="accent1"/>
+          </a:fillRef>
+          <a:effectRef idx="0">
+            <a:schemeClr val="accent1"/>
+          </a:effectRef>
+          <a:fontRef idx="minor">
+            <a:schemeClr val="tx1"/>
+          </a:fontRef>
+        </p:style>
+      </p:cxnSp>
+      <p:cxnSp>
+        <p:nvCxnSpPr>
+          <p:cNvPr id="50" name="Connecteur droit 49"/>
+          <p:cNvCxnSpPr/>
+          <p:nvPr/>
+        </p:nvCxnSpPr>
+        <p:spPr>
+          <a:xfrm flipH="1">
+            <a:off x="3131840" y="1859416"/>
+            <a:ext cx="216024" cy="133466"/>
+          </a:xfrm>
+          <a:prstGeom prst="line">
+            <a:avLst/>
+          </a:prstGeom>
+          <a:ln w="19050">
+            <a:solidFill>
+              <a:srgbClr val="FF0000"/>
+            </a:solidFill>
+            <a:prstDash val="dash"/>
+          </a:ln>
+        </p:spPr>
+        <p:style>
+          <a:lnRef idx="1">
+            <a:schemeClr val="accent1"/>
+          </a:lnRef>
+          <a:fillRef idx="0">
+            <a:schemeClr val="accent1"/>
+          </a:fillRef>
+          <a:effectRef idx="0">
+            <a:schemeClr val="accent1"/>
+          </a:effectRef>
+          <a:fontRef idx="minor">
+            <a:schemeClr val="tx1"/>
+          </a:fontRef>
+        </p:style>
+      </p:cxnSp>
+      <p:cxnSp>
+        <p:nvCxnSpPr>
+          <p:cNvPr id="51" name="Connecteur droit 50"/>
+          <p:cNvCxnSpPr/>
+          <p:nvPr/>
+        </p:nvCxnSpPr>
+        <p:spPr>
+          <a:xfrm flipH="1">
+            <a:off x="3131840" y="2113708"/>
+            <a:ext cx="216024" cy="133466"/>
+          </a:xfrm>
+          <a:prstGeom prst="line">
+            <a:avLst/>
+          </a:prstGeom>
+          <a:ln w="19050">
+            <a:solidFill>
+              <a:srgbClr val="FF0000"/>
+            </a:solidFill>
+            <a:prstDash val="dash"/>
+          </a:ln>
+        </p:spPr>
+        <p:style>
+          <a:lnRef idx="1">
+            <a:schemeClr val="accent1"/>
+          </a:lnRef>
+          <a:fillRef idx="0">
+            <a:schemeClr val="accent1"/>
+          </a:fillRef>
+          <a:effectRef idx="0">
+            <a:schemeClr val="accent1"/>
+          </a:effectRef>
+          <a:fontRef idx="minor">
+            <a:schemeClr val="tx1"/>
+          </a:fontRef>
+        </p:style>
+      </p:cxnSp>
+      <p:sp>
+        <p:nvSpPr>
+          <p:cNvPr id="52" name="ZoneTexte 51"/>
+          <p:cNvSpPr txBox="1"/>
+          <p:nvPr/>
+        </p:nvSpPr>
+        <p:spPr>
+          <a:xfrm>
+            <a:off x="3789117" y="2417319"/>
+            <a:ext cx="2698404" cy="276999"/>
+          </a:xfrm>
+          <a:prstGeom prst="rect">
+            <a:avLst/>
+          </a:prstGeom>
+          <a:noFill/>
+        </p:spPr>
+        <p:txBody>
+          <a:bodyPr wrap="square" rtlCol="0">
+            <a:spAutoFit/>
+          </a:bodyPr>
+          <a:lstStyle/>
+          <a:p>
+            <a:r>
+              <a:rPr lang="fr-FR" sz="1200" dirty="0" smtClean="0"/>
+              <a:t>Zone d’implantation des jauges</a:t>
+            </a:r>
+            <a:endParaRPr lang="fr-FR" sz="1200" dirty="0"/>
+          </a:p>
+        </p:txBody>
+      </p:sp>
+      <p:cxnSp>
+        <p:nvCxnSpPr>
+          <p:cNvPr id="46" name="Connecteur droit avec flèche 45"/>
+          <p:cNvCxnSpPr>
+            <a:stCxn id="52" idx="1"/>
+          </p:cNvCxnSpPr>
+          <p:nvPr/>
+        </p:nvCxnSpPr>
+        <p:spPr>
+          <a:xfrm flipH="1" flipV="1">
+            <a:off x="3491880" y="2213248"/>
+            <a:ext cx="297237" cy="342571"/>
+          </a:xfrm>
+          <a:prstGeom prst="straightConnector1">
+            <a:avLst/>
+          </a:prstGeom>
+          <a:ln>
+            <a:solidFill>
+              <a:srgbClr val="FF0000"/>
+            </a:solidFill>
+            <a:tailEnd type="stealth" w="sm" len="med"/>
+          </a:ln>
+        </p:spPr>
+        <p:style>
+          <a:lnRef idx="1">
+            <a:schemeClr val="accent1"/>
+          </a:lnRef>
+          <a:fillRef idx="0">
+            <a:schemeClr val="accent1"/>
+          </a:fillRef>
+          <a:effectRef idx="0">
+            <a:schemeClr val="accent1"/>
+          </a:effectRef>
+          <a:fontRef idx="minor">
+            <a:schemeClr val="tx1"/>
+          </a:fontRef>
+        </p:style>
+      </p:cxnSp>
+      <p:cxnSp>
+        <p:nvCxnSpPr>
+          <p:cNvPr id="55" name="Connecteur droit avec flèche 54"/>
+          <p:cNvCxnSpPr>
+            <a:stCxn id="52" idx="1"/>
+          </p:cNvCxnSpPr>
+          <p:nvPr/>
+        </p:nvCxnSpPr>
+        <p:spPr>
+          <a:xfrm flipH="1" flipV="1">
+            <a:off x="3203849" y="2247174"/>
+            <a:ext cx="585268" cy="308645"/>
+          </a:xfrm>
+          <a:prstGeom prst="straightConnector1">
+            <a:avLst/>
+          </a:prstGeom>
+          <a:ln>
+            <a:solidFill>
+              <a:srgbClr val="FF0000"/>
+            </a:solidFill>
+            <a:tailEnd type="stealth" w="sm" len="med"/>
+          </a:ln>
+        </p:spPr>
+        <p:style>
+          <a:lnRef idx="1">
+            <a:schemeClr val="accent1"/>
+          </a:lnRef>
+          <a:fillRef idx="0">
+            <a:schemeClr val="accent1"/>
+          </a:fillRef>
+          <a:effectRef idx="0">
+            <a:schemeClr val="accent1"/>
+          </a:effectRef>
+          <a:fontRef idx="minor">
+            <a:schemeClr val="tx1"/>
+          </a:fontRef>
+        </p:style>
+      </p:cxnSp>
+    </p:spTree>
+    <p:extLst>
+      <p:ext uri="{BB962C8B-B14F-4D97-AF65-F5344CB8AC3E}">
+        <p14:creationId xmlns:p14="http://schemas.microsoft.com/office/powerpoint/2010/main" val="2475797463"/>
+      </p:ext>
+    </p:extLst>
+  </p:cSld>
+  <p:clrMapOvr>
+    <a:masterClrMapping/>
+  </p:clrMapOvr>
+</p:sld>
+</file>
+
+<file path=ppt/slides/slide3.xml><?xml version="1.0" encoding="utf-8"?>
+<p:sld xmlns:a="http://schemas.openxmlformats.org/drawingml/2006/main" xmlns:r="http://schemas.openxmlformats.org/officeDocument/2006/relationships" xmlns:p="http://schemas.openxmlformats.org/presentationml/2006/main">
+  <p:cSld>
+    <p:spTree>
+      <p:nvGrpSpPr>
+        <p:cNvPr id="1" name=""/>
+        <p:cNvGrpSpPr/>
+        <p:nvPr/>
+      </p:nvGrpSpPr>
+      <p:grpSpPr>
+        <a:xfrm>
+          <a:off x="0" y="0"/>
+          <a:ext cx="0" cy="0"/>
+          <a:chOff x="0" y="0"/>
+          <a:chExt cx="0" cy="0"/>
+        </a:xfrm>
+      </p:grpSpPr>
+      <p:pic>
+        <p:nvPicPr>
+          <p:cNvPr id="2050" name="Picture 2"/>
+          <p:cNvPicPr>
+            <a:picLocks noChangeAspect="1" noChangeArrowheads="1"/>
+          </p:cNvPicPr>
+          <p:nvPr/>
+        </p:nvPicPr>
+        <p:blipFill>
+          <a:blip r:embed="rId2">
+            <a:extLst>
+              <a:ext uri="{28A0092B-C50C-407E-A947-70E740481C1C}">
+                <a14:useLocalDpi xmlns:a14="http://schemas.microsoft.com/office/drawing/2010/main" val="0"/>
+              </a:ext>
+            </a:extLst>
+          </a:blip>
+          <a:srcRect/>
+          <a:stretch>
+            <a:fillRect/>
+          </a:stretch>
+        </p:blipFill>
+        <p:spPr bwMode="auto">
+          <a:xfrm>
+            <a:off x="2390775" y="0"/>
+            <a:ext cx="4467225" cy="4381500"/>
+          </a:xfrm>
+          <a:prstGeom prst="rect">
+            <a:avLst/>
+          </a:prstGeom>
+          <a:noFill/>
+          <a:ln>
+            <a:noFill/>
+          </a:ln>
+          <a:effectLst/>
+          <a:extLst>
+            <a:ext uri="{909E8E84-426E-40DD-AFC4-6F175D3DCCD1}">
+              <a14:hiddenFill xmlns:a14="http://schemas.microsoft.com/office/drawing/2010/main">
+                <a:solidFill>
+                  <a:schemeClr val="accent1"/>
+                </a:solidFill>
+              </a14:hiddenFill>
+            </a:ext>
+            <a:ext uri="{91240B29-F687-4F45-9708-019B960494DF}">
+              <a14:hiddenLine xmlns:a14="http://schemas.microsoft.com/office/drawing/2010/main" w="9525">
+                <a:solidFill>
+                  <a:schemeClr val="tx1"/>
+                </a:solidFill>
+                <a:miter lim="800000"/>
+                <a:headEnd/>
+                <a:tailEnd/>
+              </a14:hiddenLine>
+            </a:ext>
+            <a:ext uri="{AF507438-7753-43E0-B8FC-AC1667EBCBE1}">
+              <a14:hiddenEffects xmlns:a14="http://schemas.microsoft.com/office/drawing/2010/main">
+                <a:effectLst>
+                  <a:outerShdw dist="35921" dir="2700000" algn="ctr" rotWithShape="0">
+                    <a:schemeClr val="bg2"/>
+                  </a:outerShdw>
+                </a:effectLst>
+              </a14:hiddenEffects>
+            </a:ext>
+          </a:extLst>
+        </p:spPr>
+      </p:pic>
+    </p:spTree>
+    <p:extLst>
+      <p:ext uri="{BB962C8B-B14F-4D97-AF65-F5344CB8AC3E}">
+        <p14:creationId xmlns:p14="http://schemas.microsoft.com/office/powerpoint/2010/main" val="1729977541"/>
+      </p:ext>
+    </p:extLst>
+  </p:cSld>
+  <p:clrMapOvr>
+    <a:masterClrMapping/>
+  </p:clrMapOvr>
+</p:sld>
+</file>
+
+<file path=ppt/slides/slide4.xml><?xml version="1.0" encoding="utf-8"?>
 <p:sld xmlns:a="http://schemas.openxmlformats.org/drawingml/2006/main" xmlns:r="http://schemas.openxmlformats.org/officeDocument/2006/relationships" xmlns:p="http://schemas.openxmlformats.org/presentationml/2006/main">
   <p:cSld>
     <p:spTree>
@@ -5373,7 +6845,7 @@
 </p:sld>
 </file>
 
-<file path=ppt/slides/slide3.xml><?xml version="1.0" encoding="utf-8"?>
+<file path=ppt/slides/slide5.xml><?xml version="1.0" encoding="utf-8"?>
 <p:sld xmlns:a="http://schemas.openxmlformats.org/drawingml/2006/main" xmlns:r="http://schemas.openxmlformats.org/officeDocument/2006/relationships" xmlns:p="http://schemas.openxmlformats.org/presentationml/2006/main">
   <p:cSld>
     <p:spTree>
@@ -6866,7 +8338,7 @@
 </p:sld>
 </file>
 
-<file path=ppt/slides/slide4.xml><?xml version="1.0" encoding="utf-8"?>
+<file path=ppt/slides/slide6.xml><?xml version="1.0" encoding="utf-8"?>
 <p:sld xmlns:a="http://schemas.openxmlformats.org/drawingml/2006/main" xmlns:r="http://schemas.openxmlformats.org/officeDocument/2006/relationships" xmlns:p="http://schemas.openxmlformats.org/presentationml/2006/main">
   <p:cSld>
     <p:spTree>

--- a/01_DipolesSources/TD_02_JaugeExtensometrie_Wheatstone/images/Figures.pptx
+++ b/01_DipolesSources/TD_02_JaugeExtensometrie_Wheatstone/images/Figures.pptx
@@ -294,7 +294,7 @@
             <a:fld id="{47C414CA-3B1E-4C42-B862-7A4C61ED653A}" type="datetimeFigureOut">
               <a:rPr lang="fr-FR" smtClean="0"/>
               <a:pPr/>
-              <a:t>25/09/2014</a:t>
+              <a:t>05/10/2014</a:t>
             </a:fld>
             <a:endParaRPr lang="fr-FR"/>
           </a:p>
@@ -466,7 +466,7 @@
             <a:fld id="{47C414CA-3B1E-4C42-B862-7A4C61ED653A}" type="datetimeFigureOut">
               <a:rPr lang="fr-FR" smtClean="0"/>
               <a:pPr/>
-              <a:t>25/09/2014</a:t>
+              <a:t>05/10/2014</a:t>
             </a:fld>
             <a:endParaRPr lang="fr-FR"/>
           </a:p>
@@ -648,7 +648,7 @@
             <a:fld id="{47C414CA-3B1E-4C42-B862-7A4C61ED653A}" type="datetimeFigureOut">
               <a:rPr lang="fr-FR" smtClean="0"/>
               <a:pPr/>
-              <a:t>25/09/2014</a:t>
+              <a:t>05/10/2014</a:t>
             </a:fld>
             <a:endParaRPr lang="fr-FR"/>
           </a:p>
@@ -820,7 +820,7 @@
             <a:fld id="{47C414CA-3B1E-4C42-B862-7A4C61ED653A}" type="datetimeFigureOut">
               <a:rPr lang="fr-FR" smtClean="0"/>
               <a:pPr/>
-              <a:t>25/09/2014</a:t>
+              <a:t>05/10/2014</a:t>
             </a:fld>
             <a:endParaRPr lang="fr-FR"/>
           </a:p>
@@ -1068,7 +1068,7 @@
             <a:fld id="{47C414CA-3B1E-4C42-B862-7A4C61ED653A}" type="datetimeFigureOut">
               <a:rPr lang="fr-FR" smtClean="0"/>
               <a:pPr/>
-              <a:t>25/09/2014</a:t>
+              <a:t>05/10/2014</a:t>
             </a:fld>
             <a:endParaRPr lang="fr-FR"/>
           </a:p>
@@ -1358,7 +1358,7 @@
             <a:fld id="{47C414CA-3B1E-4C42-B862-7A4C61ED653A}" type="datetimeFigureOut">
               <a:rPr lang="fr-FR" smtClean="0"/>
               <a:pPr/>
-              <a:t>25/09/2014</a:t>
+              <a:t>05/10/2014</a:t>
             </a:fld>
             <a:endParaRPr lang="fr-FR"/>
           </a:p>
@@ -1782,7 +1782,7 @@
             <a:fld id="{47C414CA-3B1E-4C42-B862-7A4C61ED653A}" type="datetimeFigureOut">
               <a:rPr lang="fr-FR" smtClean="0"/>
               <a:pPr/>
-              <a:t>25/09/2014</a:t>
+              <a:t>05/10/2014</a:t>
             </a:fld>
             <a:endParaRPr lang="fr-FR"/>
           </a:p>
@@ -1902,7 +1902,7 @@
             <a:fld id="{47C414CA-3B1E-4C42-B862-7A4C61ED653A}" type="datetimeFigureOut">
               <a:rPr lang="fr-FR" smtClean="0"/>
               <a:pPr/>
-              <a:t>25/09/2014</a:t>
+              <a:t>05/10/2014</a:t>
             </a:fld>
             <a:endParaRPr lang="fr-FR"/>
           </a:p>
@@ -1999,7 +1999,7 @@
             <a:fld id="{47C414CA-3B1E-4C42-B862-7A4C61ED653A}" type="datetimeFigureOut">
               <a:rPr lang="fr-FR" smtClean="0"/>
               <a:pPr/>
-              <a:t>25/09/2014</a:t>
+              <a:t>05/10/2014</a:t>
             </a:fld>
             <a:endParaRPr lang="fr-FR"/>
           </a:p>
@@ -2278,7 +2278,7 @@
             <a:fld id="{47C414CA-3B1E-4C42-B862-7A4C61ED653A}" type="datetimeFigureOut">
               <a:rPr lang="fr-FR" smtClean="0"/>
               <a:pPr/>
-              <a:t>25/09/2014</a:t>
+              <a:t>05/10/2014</a:t>
             </a:fld>
             <a:endParaRPr lang="fr-FR"/>
           </a:p>
@@ -2533,7 +2533,7 @@
             <a:fld id="{47C414CA-3B1E-4C42-B862-7A4C61ED653A}" type="datetimeFigureOut">
               <a:rPr lang="fr-FR" smtClean="0"/>
               <a:pPr/>
-              <a:t>25/09/2014</a:t>
+              <a:t>05/10/2014</a:t>
             </a:fld>
             <a:endParaRPr lang="fr-FR"/>
           </a:p>
@@ -2748,7 +2748,7 @@
             <a:fld id="{47C414CA-3B1E-4C42-B862-7A4C61ED653A}" type="datetimeFigureOut">
               <a:rPr lang="fr-FR" smtClean="0"/>
               <a:pPr/>
-              <a:t>25/09/2014</a:t>
+              <a:t>05/10/2014</a:t>
             </a:fld>
             <a:endParaRPr lang="fr-FR"/>
           </a:p>
@@ -3126,750 +3126,1517 @@
       </p:grpSpPr>
       <p:grpSp>
         <p:nvGrpSpPr>
-          <p:cNvPr id="33" name="Groupe 32"/>
+          <p:cNvPr id="3" name="Groupe 2"/>
           <p:cNvGrpSpPr/>
           <p:nvPr/>
         </p:nvGrpSpPr>
         <p:grpSpPr>
           <a:xfrm>
-            <a:off x="2221069" y="1015218"/>
-            <a:ext cx="1845463" cy="1836819"/>
-            <a:chOff x="788328" y="382251"/>
-            <a:chExt cx="1845463" cy="1836819"/>
+            <a:off x="2915816" y="1402530"/>
+            <a:ext cx="3995111" cy="2047306"/>
+            <a:chOff x="1205616" y="911770"/>
+            <a:chExt cx="3995111" cy="2047306"/>
           </a:xfrm>
         </p:grpSpPr>
         <p:grpSp>
           <p:nvGrpSpPr>
-            <p:cNvPr id="8" name="Groupe 7"/>
+            <p:cNvPr id="33" name="Groupe 32"/>
             <p:cNvGrpSpPr/>
             <p:nvPr/>
           </p:nvGrpSpPr>
           <p:grpSpPr>
-            <a:xfrm rot="2700000">
-              <a:off x="1238328" y="382251"/>
-              <a:ext cx="180000" cy="1080000"/>
-              <a:chOff x="2555776" y="1062184"/>
-              <a:chExt cx="180000" cy="1080000"/>
+            <a:xfrm>
+              <a:off x="2221069" y="1015218"/>
+              <a:ext cx="1845463" cy="1836819"/>
+              <a:chOff x="788328" y="382251"/>
+              <a:chExt cx="1845463" cy="1836819"/>
             </a:xfrm>
           </p:grpSpPr>
-          <p:sp>
-            <p:nvSpPr>
-              <p:cNvPr id="4" name="Rectangle 3"/>
-              <p:cNvSpPr/>
+          <p:grpSp>
+            <p:nvGrpSpPr>
+              <p:cNvPr id="8" name="Groupe 7"/>
+              <p:cNvGrpSpPr/>
               <p:nvPr/>
-            </p:nvSpPr>
-            <p:spPr>
-              <a:xfrm>
-                <a:off x="2555776" y="1422184"/>
-                <a:ext cx="180000" cy="360000"/>
+            </p:nvGrpSpPr>
+            <p:grpSpPr>
+              <a:xfrm rot="2700000">
+                <a:off x="1238328" y="382251"/>
+                <a:ext cx="180000" cy="1080000"/>
+                <a:chOff x="2555776" y="1062184"/>
+                <a:chExt cx="180000" cy="1080000"/>
               </a:xfrm>
-              <a:prstGeom prst="rect">
-                <a:avLst/>
-              </a:prstGeom>
+            </p:grpSpPr>
+            <p:sp>
+              <p:nvSpPr>
+                <p:cNvPr id="4" name="Rectangle 3"/>
+                <p:cNvSpPr/>
+                <p:nvPr/>
+              </p:nvSpPr>
+              <p:spPr>
+                <a:xfrm>
+                  <a:off x="2555776" y="1422184"/>
+                  <a:ext cx="180000" cy="360000"/>
+                </a:xfrm>
+                <a:prstGeom prst="rect">
+                  <a:avLst/>
+                </a:prstGeom>
+                <a:noFill/>
+                <a:ln w="12700">
+                  <a:solidFill>
+                    <a:srgbClr val="7030A0"/>
+                  </a:solidFill>
+                </a:ln>
+              </p:spPr>
+              <p:style>
+                <a:lnRef idx="2">
+                  <a:schemeClr val="accent1">
+                    <a:shade val="50000"/>
+                  </a:schemeClr>
+                </a:lnRef>
+                <a:fillRef idx="1">
+                  <a:schemeClr val="accent1"/>
+                </a:fillRef>
+                <a:effectRef idx="0">
+                  <a:schemeClr val="accent1"/>
+                </a:effectRef>
+                <a:fontRef idx="minor">
+                  <a:schemeClr val="lt1"/>
+                </a:fontRef>
+              </p:style>
+              <p:txBody>
+                <a:bodyPr rtlCol="0" anchor="ctr"/>
+                <a:lstStyle/>
+                <a:p>
+                  <a:pPr algn="ctr"/>
+                  <a:endParaRPr lang="fr-FR"/>
+                </a:p>
+              </p:txBody>
+            </p:sp>
+            <p:cxnSp>
+              <p:nvCxnSpPr>
+                <p:cNvPr id="5" name="Connecteur droit 4"/>
+                <p:cNvCxnSpPr>
+                  <a:endCxn id="4" idx="2"/>
+                </p:cNvCxnSpPr>
+                <p:nvPr/>
+              </p:nvCxnSpPr>
+              <p:spPr>
+                <a:xfrm flipV="1">
+                  <a:off x="2645776" y="1782184"/>
+                  <a:ext cx="0" cy="360000"/>
+                </a:xfrm>
+                <a:prstGeom prst="line">
+                  <a:avLst/>
+                </a:prstGeom>
+                <a:noFill/>
+                <a:ln w="12700">
+                  <a:solidFill>
+                    <a:srgbClr val="0070C0"/>
+                  </a:solidFill>
+                  <a:headEnd type="oval" w="sm" len="sm"/>
+                </a:ln>
+              </p:spPr>
+              <p:style>
+                <a:lnRef idx="2">
+                  <a:schemeClr val="accent1">
+                    <a:shade val="50000"/>
+                  </a:schemeClr>
+                </a:lnRef>
+                <a:fillRef idx="1">
+                  <a:schemeClr val="accent1"/>
+                </a:fillRef>
+                <a:effectRef idx="0">
+                  <a:schemeClr val="accent1"/>
+                </a:effectRef>
+                <a:fontRef idx="minor">
+                  <a:schemeClr val="lt1"/>
+                </a:fontRef>
+              </p:style>
+            </p:cxnSp>
+            <p:cxnSp>
+              <p:nvCxnSpPr>
+                <p:cNvPr id="6" name="Connecteur droit 5"/>
+                <p:cNvCxnSpPr>
+                  <a:stCxn id="4" idx="0"/>
+                </p:cNvCxnSpPr>
+                <p:nvPr/>
+              </p:nvCxnSpPr>
+              <p:spPr>
+                <a:xfrm flipV="1">
+                  <a:off x="2645776" y="1062184"/>
+                  <a:ext cx="0" cy="360000"/>
+                </a:xfrm>
+                <a:prstGeom prst="line">
+                  <a:avLst/>
+                </a:prstGeom>
+                <a:noFill/>
+                <a:ln w="12700">
+                  <a:solidFill>
+                    <a:srgbClr val="0070C0"/>
+                  </a:solidFill>
+                  <a:headEnd type="none"/>
+                  <a:tailEnd type="oval" w="sm" len="sm"/>
+                </a:ln>
+              </p:spPr>
+              <p:style>
+                <a:lnRef idx="2">
+                  <a:schemeClr val="accent1">
+                    <a:shade val="50000"/>
+                  </a:schemeClr>
+                </a:lnRef>
+                <a:fillRef idx="1">
+                  <a:schemeClr val="accent1"/>
+                </a:fillRef>
+                <a:effectRef idx="0">
+                  <a:schemeClr val="accent1"/>
+                </a:effectRef>
+                <a:fontRef idx="minor">
+                  <a:schemeClr val="lt1"/>
+                </a:fontRef>
+              </p:style>
+            </p:cxnSp>
+          </p:grpSp>
+          <p:grpSp>
+            <p:nvGrpSpPr>
+              <p:cNvPr id="21" name="Groupe 20"/>
+              <p:cNvGrpSpPr/>
+              <p:nvPr/>
+            </p:nvGrpSpPr>
+            <p:grpSpPr>
+              <a:xfrm rot="2700000">
+                <a:off x="2003791" y="1142212"/>
+                <a:ext cx="180000" cy="1080000"/>
+                <a:chOff x="2555776" y="1062184"/>
+                <a:chExt cx="180000" cy="1080000"/>
+              </a:xfrm>
+            </p:grpSpPr>
+            <p:sp>
+              <p:nvSpPr>
+                <p:cNvPr id="22" name="Rectangle 21"/>
+                <p:cNvSpPr/>
+                <p:nvPr/>
+              </p:nvSpPr>
+              <p:spPr>
+                <a:xfrm>
+                  <a:off x="2555776" y="1422184"/>
+                  <a:ext cx="180000" cy="360000"/>
+                </a:xfrm>
+                <a:prstGeom prst="rect">
+                  <a:avLst/>
+                </a:prstGeom>
+                <a:noFill/>
+                <a:ln w="12700">
+                  <a:solidFill>
+                    <a:srgbClr val="FFC000"/>
+                  </a:solidFill>
+                </a:ln>
+              </p:spPr>
+              <p:style>
+                <a:lnRef idx="2">
+                  <a:schemeClr val="accent1">
+                    <a:shade val="50000"/>
+                  </a:schemeClr>
+                </a:lnRef>
+                <a:fillRef idx="1">
+                  <a:schemeClr val="accent1"/>
+                </a:fillRef>
+                <a:effectRef idx="0">
+                  <a:schemeClr val="accent1"/>
+                </a:effectRef>
+                <a:fontRef idx="minor">
+                  <a:schemeClr val="lt1"/>
+                </a:fontRef>
+              </p:style>
+              <p:txBody>
+                <a:bodyPr rtlCol="0" anchor="ctr"/>
+                <a:lstStyle/>
+                <a:p>
+                  <a:pPr algn="ctr"/>
+                  <a:endParaRPr lang="fr-FR"/>
+                </a:p>
+              </p:txBody>
+            </p:sp>
+            <p:cxnSp>
+              <p:nvCxnSpPr>
+                <p:cNvPr id="23" name="Connecteur droit 22"/>
+                <p:cNvCxnSpPr>
+                  <a:endCxn id="22" idx="2"/>
+                </p:cNvCxnSpPr>
+                <p:nvPr/>
+              </p:nvCxnSpPr>
+              <p:spPr>
+                <a:xfrm flipV="1">
+                  <a:off x="2645776" y="1782184"/>
+                  <a:ext cx="0" cy="360000"/>
+                </a:xfrm>
+                <a:prstGeom prst="line">
+                  <a:avLst/>
+                </a:prstGeom>
+                <a:noFill/>
+                <a:ln w="12700">
+                  <a:solidFill>
+                    <a:srgbClr val="0070C0"/>
+                  </a:solidFill>
+                  <a:headEnd type="oval" w="sm" len="sm"/>
+                </a:ln>
+              </p:spPr>
+              <p:style>
+                <a:lnRef idx="2">
+                  <a:schemeClr val="accent1">
+                    <a:shade val="50000"/>
+                  </a:schemeClr>
+                </a:lnRef>
+                <a:fillRef idx="1">
+                  <a:schemeClr val="accent1"/>
+                </a:fillRef>
+                <a:effectRef idx="0">
+                  <a:schemeClr val="accent1"/>
+                </a:effectRef>
+                <a:fontRef idx="minor">
+                  <a:schemeClr val="lt1"/>
+                </a:fontRef>
+              </p:style>
+            </p:cxnSp>
+            <p:cxnSp>
+              <p:nvCxnSpPr>
+                <p:cNvPr id="24" name="Connecteur droit 23"/>
+                <p:cNvCxnSpPr>
+                  <a:stCxn id="22" idx="0"/>
+                </p:cNvCxnSpPr>
+                <p:nvPr/>
+              </p:nvCxnSpPr>
+              <p:spPr>
+                <a:xfrm flipV="1">
+                  <a:off x="2645776" y="1062184"/>
+                  <a:ext cx="0" cy="360000"/>
+                </a:xfrm>
+                <a:prstGeom prst="line">
+                  <a:avLst/>
+                </a:prstGeom>
+                <a:noFill/>
+                <a:ln w="12700">
+                  <a:solidFill>
+                    <a:srgbClr val="0070C0"/>
+                  </a:solidFill>
+                  <a:headEnd type="none"/>
+                  <a:tailEnd type="oval" w="sm" len="sm"/>
+                </a:ln>
+              </p:spPr>
+              <p:style>
+                <a:lnRef idx="2">
+                  <a:schemeClr val="accent1">
+                    <a:shade val="50000"/>
+                  </a:schemeClr>
+                </a:lnRef>
+                <a:fillRef idx="1">
+                  <a:schemeClr val="accent1"/>
+                </a:fillRef>
+                <a:effectRef idx="0">
+                  <a:schemeClr val="accent1"/>
+                </a:effectRef>
+                <a:fontRef idx="minor">
+                  <a:schemeClr val="lt1"/>
+                </a:fontRef>
+              </p:style>
+            </p:cxnSp>
+          </p:grpSp>
+          <p:grpSp>
+            <p:nvGrpSpPr>
+              <p:cNvPr id="25" name="Groupe 24"/>
+              <p:cNvGrpSpPr/>
+              <p:nvPr/>
+            </p:nvGrpSpPr>
+            <p:grpSpPr>
+              <a:xfrm rot="8100000">
+                <a:off x="1238328" y="1139070"/>
+                <a:ext cx="180000" cy="1080000"/>
+                <a:chOff x="2555776" y="1062184"/>
+                <a:chExt cx="180000" cy="1080000"/>
+              </a:xfrm>
+            </p:grpSpPr>
+            <p:sp>
+              <p:nvSpPr>
+                <p:cNvPr id="26" name="Rectangle 25"/>
+                <p:cNvSpPr/>
+                <p:nvPr/>
+              </p:nvSpPr>
+              <p:spPr>
+                <a:xfrm>
+                  <a:off x="2555776" y="1422184"/>
+                  <a:ext cx="180000" cy="360000"/>
+                </a:xfrm>
+                <a:prstGeom prst="rect">
+                  <a:avLst/>
+                </a:prstGeom>
+                <a:noFill/>
+                <a:ln w="12700">
+                  <a:solidFill>
+                    <a:srgbClr val="00B050"/>
+                  </a:solidFill>
+                </a:ln>
+              </p:spPr>
+              <p:style>
+                <a:lnRef idx="2">
+                  <a:schemeClr val="accent1">
+                    <a:shade val="50000"/>
+                  </a:schemeClr>
+                </a:lnRef>
+                <a:fillRef idx="1">
+                  <a:schemeClr val="accent1"/>
+                </a:fillRef>
+                <a:effectRef idx="0">
+                  <a:schemeClr val="accent1"/>
+                </a:effectRef>
+                <a:fontRef idx="minor">
+                  <a:schemeClr val="lt1"/>
+                </a:fontRef>
+              </p:style>
+              <p:txBody>
+                <a:bodyPr rtlCol="0" anchor="ctr"/>
+                <a:lstStyle/>
+                <a:p>
+                  <a:pPr algn="ctr"/>
+                  <a:endParaRPr lang="fr-FR"/>
+                </a:p>
+              </p:txBody>
+            </p:sp>
+            <p:cxnSp>
+              <p:nvCxnSpPr>
+                <p:cNvPr id="27" name="Connecteur droit 26"/>
+                <p:cNvCxnSpPr>
+                  <a:endCxn id="26" idx="2"/>
+                </p:cNvCxnSpPr>
+                <p:nvPr/>
+              </p:nvCxnSpPr>
+              <p:spPr>
+                <a:xfrm flipV="1">
+                  <a:off x="2645776" y="1782184"/>
+                  <a:ext cx="0" cy="360000"/>
+                </a:xfrm>
+                <a:prstGeom prst="line">
+                  <a:avLst/>
+                </a:prstGeom>
+                <a:noFill/>
+                <a:ln w="12700">
+                  <a:solidFill>
+                    <a:srgbClr val="0070C0"/>
+                  </a:solidFill>
+                  <a:headEnd type="oval" w="sm" len="sm"/>
+                </a:ln>
+              </p:spPr>
+              <p:style>
+                <a:lnRef idx="2">
+                  <a:schemeClr val="accent1">
+                    <a:shade val="50000"/>
+                  </a:schemeClr>
+                </a:lnRef>
+                <a:fillRef idx="1">
+                  <a:schemeClr val="accent1"/>
+                </a:fillRef>
+                <a:effectRef idx="0">
+                  <a:schemeClr val="accent1"/>
+                </a:effectRef>
+                <a:fontRef idx="minor">
+                  <a:schemeClr val="lt1"/>
+                </a:fontRef>
+              </p:style>
+            </p:cxnSp>
+            <p:cxnSp>
+              <p:nvCxnSpPr>
+                <p:cNvPr id="28" name="Connecteur droit 27"/>
+                <p:cNvCxnSpPr>
+                  <a:stCxn id="26" idx="0"/>
+                </p:cNvCxnSpPr>
+                <p:nvPr/>
+              </p:nvCxnSpPr>
+              <p:spPr>
+                <a:xfrm flipV="1">
+                  <a:off x="2645776" y="1062184"/>
+                  <a:ext cx="0" cy="360000"/>
+                </a:xfrm>
+                <a:prstGeom prst="line">
+                  <a:avLst/>
+                </a:prstGeom>
+                <a:noFill/>
+                <a:ln w="12700">
+                  <a:solidFill>
+                    <a:srgbClr val="0070C0"/>
+                  </a:solidFill>
+                  <a:headEnd type="none"/>
+                  <a:tailEnd type="oval" w="sm" len="sm"/>
+                </a:ln>
+              </p:spPr>
+              <p:style>
+                <a:lnRef idx="2">
+                  <a:schemeClr val="accent1">
+                    <a:shade val="50000"/>
+                  </a:schemeClr>
+                </a:lnRef>
+                <a:fillRef idx="1">
+                  <a:schemeClr val="accent1"/>
+                </a:fillRef>
+                <a:effectRef idx="0">
+                  <a:schemeClr val="accent1"/>
+                </a:effectRef>
+                <a:fontRef idx="minor">
+                  <a:schemeClr val="lt1"/>
+                </a:fontRef>
+              </p:style>
+            </p:cxnSp>
+          </p:grpSp>
+          <p:grpSp>
+            <p:nvGrpSpPr>
+              <p:cNvPr id="29" name="Groupe 28"/>
+              <p:cNvGrpSpPr/>
+              <p:nvPr/>
+            </p:nvGrpSpPr>
+            <p:grpSpPr>
+              <a:xfrm rot="8100000">
+                <a:off x="2003792" y="382251"/>
+                <a:ext cx="180000" cy="1080000"/>
+                <a:chOff x="2555776" y="1062184"/>
+                <a:chExt cx="180000" cy="1080000"/>
+              </a:xfrm>
+            </p:grpSpPr>
+            <p:sp>
+              <p:nvSpPr>
+                <p:cNvPr id="30" name="Rectangle 29"/>
+                <p:cNvSpPr/>
+                <p:nvPr/>
+              </p:nvSpPr>
+              <p:spPr>
+                <a:xfrm>
+                  <a:off x="2555776" y="1422184"/>
+                  <a:ext cx="180000" cy="360000"/>
+                </a:xfrm>
+                <a:prstGeom prst="rect">
+                  <a:avLst/>
+                </a:prstGeom>
+                <a:noFill/>
+                <a:ln w="12700">
+                  <a:solidFill>
+                    <a:srgbClr val="FF0000"/>
+                  </a:solidFill>
+                </a:ln>
+              </p:spPr>
+              <p:style>
+                <a:lnRef idx="2">
+                  <a:schemeClr val="accent1">
+                    <a:shade val="50000"/>
+                  </a:schemeClr>
+                </a:lnRef>
+                <a:fillRef idx="1">
+                  <a:schemeClr val="accent1"/>
+                </a:fillRef>
+                <a:effectRef idx="0">
+                  <a:schemeClr val="accent1"/>
+                </a:effectRef>
+                <a:fontRef idx="minor">
+                  <a:schemeClr val="lt1"/>
+                </a:fontRef>
+              </p:style>
+              <p:txBody>
+                <a:bodyPr rtlCol="0" anchor="ctr"/>
+                <a:lstStyle/>
+                <a:p>
+                  <a:pPr algn="ctr"/>
+                  <a:endParaRPr lang="fr-FR"/>
+                </a:p>
+              </p:txBody>
+            </p:sp>
+            <p:cxnSp>
+              <p:nvCxnSpPr>
+                <p:cNvPr id="31" name="Connecteur droit 30"/>
+                <p:cNvCxnSpPr>
+                  <a:endCxn id="30" idx="2"/>
+                </p:cNvCxnSpPr>
+                <p:nvPr/>
+              </p:nvCxnSpPr>
+              <p:spPr>
+                <a:xfrm flipV="1">
+                  <a:off x="2645776" y="1782184"/>
+                  <a:ext cx="0" cy="360000"/>
+                </a:xfrm>
+                <a:prstGeom prst="line">
+                  <a:avLst/>
+                </a:prstGeom>
+                <a:noFill/>
+                <a:ln w="12700">
+                  <a:solidFill>
+                    <a:srgbClr val="0070C0"/>
+                  </a:solidFill>
+                  <a:headEnd type="oval" w="sm" len="sm"/>
+                </a:ln>
+              </p:spPr>
+              <p:style>
+                <a:lnRef idx="2">
+                  <a:schemeClr val="accent1">
+                    <a:shade val="50000"/>
+                  </a:schemeClr>
+                </a:lnRef>
+                <a:fillRef idx="1">
+                  <a:schemeClr val="accent1"/>
+                </a:fillRef>
+                <a:effectRef idx="0">
+                  <a:schemeClr val="accent1"/>
+                </a:effectRef>
+                <a:fontRef idx="minor">
+                  <a:schemeClr val="lt1"/>
+                </a:fontRef>
+              </p:style>
+            </p:cxnSp>
+            <p:cxnSp>
+              <p:nvCxnSpPr>
+                <p:cNvPr id="32" name="Connecteur droit 31"/>
+                <p:cNvCxnSpPr>
+                  <a:stCxn id="30" idx="0"/>
+                </p:cNvCxnSpPr>
+                <p:nvPr/>
+              </p:nvCxnSpPr>
+              <p:spPr>
+                <a:xfrm flipV="1">
+                  <a:off x="2645776" y="1062184"/>
+                  <a:ext cx="0" cy="360000"/>
+                </a:xfrm>
+                <a:prstGeom prst="line">
+                  <a:avLst/>
+                </a:prstGeom>
+                <a:noFill/>
+                <a:ln w="12700">
+                  <a:solidFill>
+                    <a:srgbClr val="0070C0"/>
+                  </a:solidFill>
+                  <a:headEnd type="none"/>
+                  <a:tailEnd type="oval" w="sm" len="sm"/>
+                </a:ln>
+              </p:spPr>
+              <p:style>
+                <a:lnRef idx="2">
+                  <a:schemeClr val="accent1">
+                    <a:shade val="50000"/>
+                  </a:schemeClr>
+                </a:lnRef>
+                <a:fillRef idx="1">
+                  <a:schemeClr val="accent1"/>
+                </a:fillRef>
+                <a:effectRef idx="0">
+                  <a:schemeClr val="accent1"/>
+                </a:effectRef>
+                <a:fontRef idx="minor">
+                  <a:schemeClr val="lt1"/>
+                </a:fontRef>
+              </p:style>
+            </p:cxnSp>
+          </p:grpSp>
+        </p:grpSp>
+        <p:cxnSp>
+          <p:nvCxnSpPr>
+            <p:cNvPr id="34" name="Connecteur droit 33"/>
+            <p:cNvCxnSpPr/>
+            <p:nvPr/>
+          </p:nvCxnSpPr>
+          <p:spPr>
+            <a:xfrm flipH="1">
+              <a:off x="1703714" y="1172930"/>
+              <a:ext cx="1439193" cy="449"/>
+            </a:xfrm>
+            <a:prstGeom prst="line">
+              <a:avLst/>
+            </a:prstGeom>
+            <a:noFill/>
+            <a:ln w="12700">
+              <a:solidFill>
+                <a:srgbClr val="0070C0"/>
+              </a:solidFill>
+              <a:headEnd type="none" w="med" len="med"/>
+              <a:tailEnd type="none" w="med" len="med"/>
+            </a:ln>
+          </p:spPr>
+          <p:style>
+            <a:lnRef idx="2">
+              <a:schemeClr val="accent1">
+                <a:shade val="50000"/>
+              </a:schemeClr>
+            </a:lnRef>
+            <a:fillRef idx="1">
+              <a:schemeClr val="accent1"/>
+            </a:fillRef>
+            <a:effectRef idx="0">
+              <a:schemeClr val="accent1"/>
+            </a:effectRef>
+            <a:fontRef idx="minor">
+              <a:schemeClr val="lt1"/>
+            </a:fontRef>
+          </p:style>
+        </p:cxnSp>
+        <p:cxnSp>
+          <p:nvCxnSpPr>
+            <p:cNvPr id="36" name="Connecteur droit 35"/>
+            <p:cNvCxnSpPr/>
+            <p:nvPr/>
+          </p:nvCxnSpPr>
+          <p:spPr>
+            <a:xfrm flipH="1">
+              <a:off x="1703713" y="2697017"/>
+              <a:ext cx="1439193" cy="449"/>
+            </a:xfrm>
+            <a:prstGeom prst="line">
+              <a:avLst/>
+            </a:prstGeom>
+            <a:noFill/>
+            <a:ln w="12700">
+              <a:solidFill>
+                <a:srgbClr val="0070C0"/>
+              </a:solidFill>
+              <a:headEnd type="none" w="med" len="med"/>
+              <a:tailEnd type="none" w="med" len="med"/>
+            </a:ln>
+          </p:spPr>
+          <p:style>
+            <a:lnRef idx="2">
+              <a:schemeClr val="accent1">
+                <a:shade val="50000"/>
+              </a:schemeClr>
+            </a:lnRef>
+            <a:fillRef idx="1">
+              <a:schemeClr val="accent1"/>
+            </a:fillRef>
+            <a:effectRef idx="0">
+              <a:schemeClr val="accent1"/>
+            </a:effectRef>
+            <a:fontRef idx="minor">
+              <a:schemeClr val="lt1"/>
+            </a:fontRef>
+          </p:style>
+        </p:cxnSp>
+        <p:cxnSp>
+          <p:nvCxnSpPr>
+            <p:cNvPr id="37" name="Connecteur droit 36"/>
+            <p:cNvCxnSpPr/>
+            <p:nvPr/>
+          </p:nvCxnSpPr>
+          <p:spPr>
+            <a:xfrm>
+              <a:off x="1703713" y="1172930"/>
+              <a:ext cx="1" cy="1524536"/>
+            </a:xfrm>
+            <a:prstGeom prst="line">
+              <a:avLst/>
+            </a:prstGeom>
+            <a:noFill/>
+            <a:ln w="12700">
+              <a:solidFill>
+                <a:srgbClr val="0070C0"/>
+              </a:solidFill>
+              <a:headEnd type="none" w="med" len="med"/>
+              <a:tailEnd type="none" w="med" len="med"/>
+            </a:ln>
+          </p:spPr>
+          <p:style>
+            <a:lnRef idx="2">
+              <a:schemeClr val="accent1">
+                <a:shade val="50000"/>
+              </a:schemeClr>
+            </a:lnRef>
+            <a:fillRef idx="1">
+              <a:schemeClr val="accent1"/>
+            </a:fillRef>
+            <a:effectRef idx="0">
+              <a:schemeClr val="accent1"/>
+            </a:effectRef>
+            <a:fontRef idx="minor">
+              <a:schemeClr val="lt1"/>
+            </a:fontRef>
+          </p:style>
+        </p:cxnSp>
+        <p:sp>
+          <p:nvSpPr>
+            <p:cNvPr id="40" name="Ellipse 39"/>
+            <p:cNvSpPr/>
+            <p:nvPr/>
+          </p:nvSpPr>
+          <p:spPr>
+            <a:xfrm>
+              <a:off x="1574652" y="1772816"/>
+              <a:ext cx="270040" cy="270040"/>
+            </a:xfrm>
+            <a:prstGeom prst="ellipse">
+              <a:avLst/>
+            </a:prstGeom>
+            <a:noFill/>
+            <a:ln w="12700">
+              <a:solidFill>
+                <a:srgbClr val="0070C0"/>
+              </a:solidFill>
+            </a:ln>
+          </p:spPr>
+          <p:style>
+            <a:lnRef idx="2">
+              <a:schemeClr val="accent1">
+                <a:shade val="50000"/>
+              </a:schemeClr>
+            </a:lnRef>
+            <a:fillRef idx="1">
+              <a:schemeClr val="accent1"/>
+            </a:fillRef>
+            <a:effectRef idx="0">
+              <a:schemeClr val="accent1"/>
+            </a:effectRef>
+            <a:fontRef idx="minor">
+              <a:schemeClr val="lt1"/>
+            </a:fontRef>
+          </p:style>
+          <p:txBody>
+            <a:bodyPr rtlCol="0" anchor="ctr"/>
+            <a:lstStyle/>
+            <a:p>
+              <a:pPr algn="ctr"/>
+              <a:endParaRPr lang="fr-FR"/>
+            </a:p>
+          </p:txBody>
+        </p:sp>
+        <p:sp>
+          <p:nvSpPr>
+            <p:cNvPr id="41" name="ZoneTexte 40"/>
+            <p:cNvSpPr txBox="1"/>
+            <p:nvPr/>
+          </p:nvSpPr>
+          <p:spPr>
+            <a:xfrm>
+              <a:off x="1205616" y="1781246"/>
+              <a:ext cx="504056" cy="261610"/>
+            </a:xfrm>
+            <a:prstGeom prst="rect">
+              <a:avLst/>
+            </a:prstGeom>
+            <a:noFill/>
+          </p:spPr>
+          <p:txBody>
+            <a:bodyPr wrap="square" rtlCol="0">
+              <a:spAutoFit/>
+            </a:bodyPr>
+            <a:lstStyle/>
+            <a:p>
+              <a:r>
+                <a:rPr lang="fr-FR" sz="1100" dirty="0" smtClean="0"/>
+                <a:t>E</a:t>
+              </a:r>
+              <a:endParaRPr lang="fr-FR" sz="1100" baseline="-25000" dirty="0"/>
+            </a:p>
+          </p:txBody>
+        </p:sp>
+        <p:cxnSp>
+          <p:nvCxnSpPr>
+            <p:cNvPr id="42" name="Connecteur droit 41"/>
+            <p:cNvCxnSpPr/>
+            <p:nvPr/>
+          </p:nvCxnSpPr>
+          <p:spPr>
+            <a:xfrm flipV="1">
+              <a:off x="1481287" y="1736812"/>
+              <a:ext cx="0" cy="342048"/>
+            </a:xfrm>
+            <a:prstGeom prst="line">
+              <a:avLst/>
+            </a:prstGeom>
+            <a:noFill/>
+            <a:ln w="12700">
+              <a:solidFill>
+                <a:srgbClr val="0070C0"/>
+              </a:solidFill>
+              <a:tailEnd type="stealth" w="med" len="lg"/>
+            </a:ln>
+          </p:spPr>
+          <p:style>
+            <a:lnRef idx="2">
+              <a:schemeClr val="accent1">
+                <a:shade val="50000"/>
+              </a:schemeClr>
+            </a:lnRef>
+            <a:fillRef idx="1">
+              <a:schemeClr val="accent1"/>
+            </a:fillRef>
+            <a:effectRef idx="0">
+              <a:schemeClr val="accent1"/>
+            </a:effectRef>
+            <a:fontRef idx="minor">
+              <a:schemeClr val="lt1"/>
+            </a:fontRef>
+          </p:style>
+        </p:cxnSp>
+        <p:cxnSp>
+          <p:nvCxnSpPr>
+            <p:cNvPr id="43" name="Connecteur droit 42"/>
+            <p:cNvCxnSpPr/>
+            <p:nvPr/>
+          </p:nvCxnSpPr>
+          <p:spPr>
+            <a:xfrm flipV="1">
+              <a:off x="1703714" y="1782212"/>
+              <a:ext cx="0" cy="342048"/>
+            </a:xfrm>
+            <a:prstGeom prst="line">
+              <a:avLst/>
+            </a:prstGeom>
+            <a:noFill/>
+            <a:ln w="12700">
+              <a:solidFill>
+                <a:srgbClr val="0070C0"/>
+              </a:solidFill>
+              <a:tailEnd type="triangle" w="sm" len="sm"/>
+            </a:ln>
+          </p:spPr>
+          <p:style>
+            <a:lnRef idx="2">
+              <a:schemeClr val="accent1">
+                <a:shade val="50000"/>
+              </a:schemeClr>
+            </a:lnRef>
+            <a:fillRef idx="1">
+              <a:schemeClr val="accent1"/>
+            </a:fillRef>
+            <a:effectRef idx="0">
+              <a:schemeClr val="accent1"/>
+            </a:effectRef>
+            <a:fontRef idx="minor">
+              <a:schemeClr val="lt1"/>
+            </a:fontRef>
+          </p:style>
+        </p:cxnSp>
+        <p:sp>
+          <p:nvSpPr>
+            <p:cNvPr id="45" name="ZoneTexte 44"/>
+            <p:cNvSpPr txBox="1"/>
+            <p:nvPr/>
+          </p:nvSpPr>
+          <p:spPr>
+            <a:xfrm>
+              <a:off x="2379231" y="2304985"/>
+              <a:ext cx="504056" cy="261610"/>
+            </a:xfrm>
+            <a:prstGeom prst="rect">
+              <a:avLst/>
+            </a:prstGeom>
+            <a:noFill/>
+          </p:spPr>
+          <p:txBody>
+            <a:bodyPr wrap="square" rtlCol="0">
+              <a:spAutoFit/>
+            </a:bodyPr>
+            <a:lstStyle/>
+            <a:p>
+              <a:pPr algn="ctr"/>
+              <a:r>
+                <a:rPr lang="fr-FR" sz="1100" dirty="0" smtClean="0"/>
+                <a:t>R</a:t>
+              </a:r>
+              <a:r>
+                <a:rPr lang="fr-FR" sz="1100" baseline="-25000" dirty="0" smtClean="0"/>
+                <a:t>1</a:t>
+              </a:r>
+              <a:endParaRPr lang="fr-FR" sz="1100" baseline="-25000" dirty="0"/>
+            </a:p>
+          </p:txBody>
+        </p:sp>
+        <p:sp>
+          <p:nvSpPr>
+            <p:cNvPr id="46" name="ZoneTexte 45"/>
+            <p:cNvSpPr txBox="1"/>
+            <p:nvPr/>
+          </p:nvSpPr>
+          <p:spPr>
+            <a:xfrm>
+              <a:off x="3411641" y="2304985"/>
+              <a:ext cx="504056" cy="261610"/>
+            </a:xfrm>
+            <a:prstGeom prst="rect">
+              <a:avLst/>
+            </a:prstGeom>
+            <a:noFill/>
+          </p:spPr>
+          <p:txBody>
+            <a:bodyPr wrap="square" rtlCol="0">
+              <a:spAutoFit/>
+            </a:bodyPr>
+            <a:lstStyle/>
+            <a:p>
+              <a:pPr algn="ctr"/>
+              <a:r>
+                <a:rPr lang="fr-FR" sz="1100" dirty="0" smtClean="0"/>
+                <a:t>R</a:t>
+              </a:r>
+              <a:r>
+                <a:rPr lang="fr-FR" sz="1100" baseline="-25000" dirty="0" smtClean="0"/>
+                <a:t>2</a:t>
+              </a:r>
+              <a:endParaRPr lang="fr-FR" sz="1100" baseline="-25000" dirty="0"/>
+            </a:p>
+          </p:txBody>
+        </p:sp>
+        <p:sp>
+          <p:nvSpPr>
+            <p:cNvPr id="47" name="ZoneTexte 46"/>
+            <p:cNvSpPr txBox="1"/>
+            <p:nvPr/>
+          </p:nvSpPr>
+          <p:spPr>
+            <a:xfrm>
+              <a:off x="3411641" y="1268760"/>
+              <a:ext cx="504056" cy="261610"/>
+            </a:xfrm>
+            <a:prstGeom prst="rect">
+              <a:avLst/>
+            </a:prstGeom>
+            <a:noFill/>
+          </p:spPr>
+          <p:txBody>
+            <a:bodyPr wrap="square" rtlCol="0">
+              <a:spAutoFit/>
+            </a:bodyPr>
+            <a:lstStyle/>
+            <a:p>
+              <a:pPr algn="ctr"/>
+              <a:r>
+                <a:rPr lang="fr-FR" sz="1100" dirty="0" smtClean="0"/>
+                <a:t>R</a:t>
+              </a:r>
+              <a:r>
+                <a:rPr lang="fr-FR" sz="1100" baseline="-25000" dirty="0" smtClean="0"/>
+                <a:t>3</a:t>
+              </a:r>
+              <a:endParaRPr lang="fr-FR" sz="1100" baseline="-25000" dirty="0"/>
+            </a:p>
+          </p:txBody>
+        </p:sp>
+        <p:sp>
+          <p:nvSpPr>
+            <p:cNvPr id="48" name="ZoneTexte 47"/>
+            <p:cNvSpPr txBox="1"/>
+            <p:nvPr/>
+          </p:nvSpPr>
+          <p:spPr>
+            <a:xfrm>
+              <a:off x="2295189" y="1341597"/>
+              <a:ext cx="504056" cy="261610"/>
+            </a:xfrm>
+            <a:prstGeom prst="rect">
+              <a:avLst/>
+            </a:prstGeom>
+            <a:noFill/>
+          </p:spPr>
+          <p:txBody>
+            <a:bodyPr wrap="square" rtlCol="0">
+              <a:spAutoFit/>
+            </a:bodyPr>
+            <a:lstStyle/>
+            <a:p>
+              <a:pPr algn="ctr"/>
+              <a:r>
+                <a:rPr lang="fr-FR" sz="1100" dirty="0" smtClean="0"/>
+                <a:t>R</a:t>
+              </a:r>
+              <a:r>
+                <a:rPr lang="fr-FR" sz="1100" baseline="-25000" dirty="0" smtClean="0"/>
+                <a:t>4</a:t>
+              </a:r>
+              <a:endParaRPr lang="fr-FR" sz="1100" baseline="-25000" dirty="0"/>
+            </a:p>
+          </p:txBody>
+        </p:sp>
+        <p:sp>
+          <p:nvSpPr>
+            <p:cNvPr id="49" name="ZoneTexte 48"/>
+            <p:cNvSpPr txBox="1"/>
+            <p:nvPr/>
+          </p:nvSpPr>
+          <p:spPr>
+            <a:xfrm>
+              <a:off x="2890878" y="911770"/>
+              <a:ext cx="504056" cy="261610"/>
+            </a:xfrm>
+            <a:prstGeom prst="rect">
+              <a:avLst/>
+            </a:prstGeom>
+            <a:noFill/>
+          </p:spPr>
+          <p:txBody>
+            <a:bodyPr wrap="square" rtlCol="0">
+              <a:spAutoFit/>
+            </a:bodyPr>
+            <a:lstStyle/>
+            <a:p>
+              <a:pPr algn="ctr"/>
+              <a:r>
+                <a:rPr lang="fr-FR" sz="1100" dirty="0" smtClean="0"/>
+                <a:t>A</a:t>
+              </a:r>
+              <a:endParaRPr lang="fr-FR" sz="1100" baseline="-25000" dirty="0"/>
+            </a:p>
+          </p:txBody>
+        </p:sp>
+        <p:sp>
+          <p:nvSpPr>
+            <p:cNvPr id="50" name="ZoneTexte 49"/>
+            <p:cNvSpPr txBox="1"/>
+            <p:nvPr/>
+          </p:nvSpPr>
+          <p:spPr>
+            <a:xfrm>
+              <a:off x="2890878" y="2697466"/>
+              <a:ext cx="504056" cy="261610"/>
+            </a:xfrm>
+            <a:prstGeom prst="rect">
+              <a:avLst/>
+            </a:prstGeom>
+            <a:noFill/>
+          </p:spPr>
+          <p:txBody>
+            <a:bodyPr wrap="square" rtlCol="0">
+              <a:spAutoFit/>
+            </a:bodyPr>
+            <a:lstStyle/>
+            <a:p>
+              <a:pPr algn="ctr"/>
+              <a:r>
+                <a:rPr lang="fr-FR" sz="1100" dirty="0" smtClean="0"/>
+                <a:t>B</a:t>
+              </a:r>
+              <a:endParaRPr lang="fr-FR" sz="1100" baseline="-25000" dirty="0"/>
+            </a:p>
+          </p:txBody>
+        </p:sp>
+        <p:sp>
+          <p:nvSpPr>
+            <p:cNvPr id="51" name="ZoneTexte 50"/>
+            <p:cNvSpPr txBox="1"/>
+            <p:nvPr/>
+          </p:nvSpPr>
+          <p:spPr>
+            <a:xfrm>
+              <a:off x="1992953" y="1795339"/>
+              <a:ext cx="580815" cy="384721"/>
+            </a:xfrm>
+            <a:prstGeom prst="rect">
+              <a:avLst/>
+            </a:prstGeom>
+            <a:noFill/>
+          </p:spPr>
+          <p:txBody>
+            <a:bodyPr wrap="square" rtlCol="0">
+              <a:spAutoFit/>
+            </a:bodyPr>
+            <a:lstStyle/>
+            <a:p>
+              <a:pPr algn="ctr"/>
+              <a:r>
+                <a:rPr lang="fr-FR" sz="1100" dirty="0" smtClean="0"/>
+                <a:t>C</a:t>
+              </a:r>
+            </a:p>
+            <a:p>
+              <a:pPr algn="ctr"/>
+              <a:r>
+                <a:rPr lang="fr-FR" sz="800" dirty="0"/>
+                <a:t>(Signal </a:t>
+              </a:r>
+              <a:r>
+                <a:rPr lang="fr-FR" sz="800" dirty="0" smtClean="0"/>
+                <a:t>+)</a:t>
+              </a:r>
+              <a:endParaRPr lang="fr-FR" sz="1100" baseline="-25000" dirty="0"/>
+            </a:p>
+          </p:txBody>
+        </p:sp>
+        <p:sp>
+          <p:nvSpPr>
+            <p:cNvPr id="52" name="ZoneTexte 51"/>
+            <p:cNvSpPr txBox="1"/>
+            <p:nvPr/>
+          </p:nvSpPr>
+          <p:spPr>
+            <a:xfrm>
+              <a:off x="3883878" y="1806251"/>
+              <a:ext cx="1316849" cy="261610"/>
+            </a:xfrm>
+            <a:prstGeom prst="rect">
+              <a:avLst/>
+            </a:prstGeom>
+            <a:noFill/>
+          </p:spPr>
+          <p:txBody>
+            <a:bodyPr wrap="square" rtlCol="0">
+              <a:spAutoFit/>
+            </a:bodyPr>
+            <a:lstStyle/>
+            <a:p>
+              <a:r>
+                <a:rPr lang="fr-FR" sz="1100" dirty="0" smtClean="0"/>
+                <a:t>D </a:t>
+              </a:r>
+              <a:r>
+                <a:rPr lang="fr-FR" sz="800" dirty="0" smtClean="0"/>
+                <a:t>(Signal -)</a:t>
+              </a:r>
+              <a:endParaRPr lang="fr-FR" sz="1100" baseline="-25000" dirty="0"/>
+            </a:p>
+          </p:txBody>
+        </p:sp>
+      </p:grpSp>
+      <p:grpSp>
+        <p:nvGrpSpPr>
+          <p:cNvPr id="2" name="Groupe 1"/>
+          <p:cNvGrpSpPr/>
+          <p:nvPr/>
+        </p:nvGrpSpPr>
+        <p:grpSpPr>
+          <a:xfrm>
+            <a:off x="467544" y="700599"/>
+            <a:ext cx="2085975" cy="2854214"/>
+            <a:chOff x="5004048" y="-119548"/>
+            <a:chExt cx="2085975" cy="2854214"/>
+          </a:xfrm>
+        </p:grpSpPr>
+        <p:pic>
+          <p:nvPicPr>
+            <p:cNvPr id="1026" name="Picture 2"/>
+            <p:cNvPicPr>
+              <a:picLocks noChangeAspect="1" noChangeArrowheads="1"/>
+            </p:cNvPicPr>
+            <p:nvPr/>
+          </p:nvPicPr>
+          <p:blipFill>
+            <a:blip r:embed="rId2">
+              <a:extLst>
+                <a:ext uri="{28A0092B-C50C-407E-A947-70E740481C1C}">
+                  <a14:useLocalDpi xmlns:a14="http://schemas.microsoft.com/office/drawing/2010/main" val="0"/>
+                </a:ext>
+              </a:extLst>
+            </a:blip>
+            <a:srcRect/>
+            <a:stretch>
+              <a:fillRect/>
+            </a:stretch>
+          </p:blipFill>
+          <p:spPr bwMode="auto">
+            <a:xfrm>
+              <a:off x="5004048" y="1239241"/>
+              <a:ext cx="2085975" cy="1495425"/>
+            </a:xfrm>
+            <a:prstGeom prst="rect">
+              <a:avLst/>
+            </a:prstGeom>
+            <a:noFill/>
+            <a:ln>
               <a:noFill/>
-              <a:ln w="12700">
-                <a:solidFill>
-                  <a:srgbClr val="0070C0"/>
-                </a:solidFill>
-              </a:ln>
-            </p:spPr>
-            <p:style>
-              <a:lnRef idx="2">
-                <a:schemeClr val="accent1">
-                  <a:shade val="50000"/>
-                </a:schemeClr>
-              </a:lnRef>
-              <a:fillRef idx="1">
-                <a:schemeClr val="accent1"/>
-              </a:fillRef>
-              <a:effectRef idx="0">
-                <a:schemeClr val="accent1"/>
-              </a:effectRef>
-              <a:fontRef idx="minor">
-                <a:schemeClr val="lt1"/>
-              </a:fontRef>
-            </p:style>
-            <p:txBody>
-              <a:bodyPr rtlCol="0" anchor="ctr"/>
-              <a:lstStyle/>
-              <a:p>
-                <a:pPr algn="ctr"/>
-                <a:endParaRPr lang="fr-FR"/>
-              </a:p>
-            </p:txBody>
-          </p:sp>
-          <p:cxnSp>
-            <p:nvCxnSpPr>
-              <p:cNvPr id="5" name="Connecteur droit 4"/>
-              <p:cNvCxnSpPr>
-                <a:endCxn id="4" idx="2"/>
-              </p:cNvCxnSpPr>
-              <p:nvPr/>
-            </p:nvCxnSpPr>
-            <p:spPr>
-              <a:xfrm flipV="1">
-                <a:off x="2645776" y="1782184"/>
-                <a:ext cx="0" cy="360000"/>
-              </a:xfrm>
-              <a:prstGeom prst="line">
-                <a:avLst/>
-              </a:prstGeom>
-              <a:noFill/>
-              <a:ln w="12700">
-                <a:solidFill>
-                  <a:srgbClr val="0070C0"/>
-                </a:solidFill>
-                <a:headEnd type="oval" w="sm" len="sm"/>
-              </a:ln>
-            </p:spPr>
-            <p:style>
-              <a:lnRef idx="2">
-                <a:schemeClr val="accent1">
-                  <a:shade val="50000"/>
-                </a:schemeClr>
-              </a:lnRef>
-              <a:fillRef idx="1">
-                <a:schemeClr val="accent1"/>
-              </a:fillRef>
-              <a:effectRef idx="0">
-                <a:schemeClr val="accent1"/>
-              </a:effectRef>
-              <a:fontRef idx="minor">
-                <a:schemeClr val="lt1"/>
-              </a:fontRef>
-            </p:style>
-          </p:cxnSp>
-          <p:cxnSp>
-            <p:nvCxnSpPr>
-              <p:cNvPr id="6" name="Connecteur droit 5"/>
-              <p:cNvCxnSpPr>
-                <a:stCxn id="4" idx="0"/>
-              </p:cNvCxnSpPr>
-              <p:nvPr/>
-            </p:nvCxnSpPr>
-            <p:spPr>
-              <a:xfrm flipV="1">
-                <a:off x="2645776" y="1062184"/>
-                <a:ext cx="0" cy="360000"/>
-              </a:xfrm>
-              <a:prstGeom prst="line">
-                <a:avLst/>
-              </a:prstGeom>
-              <a:noFill/>
-              <a:ln w="12700">
-                <a:solidFill>
-                  <a:srgbClr val="0070C0"/>
-                </a:solidFill>
-                <a:headEnd type="none"/>
-                <a:tailEnd type="oval" w="sm" len="sm"/>
-              </a:ln>
-            </p:spPr>
-            <p:style>
-              <a:lnRef idx="2">
-                <a:schemeClr val="accent1">
-                  <a:shade val="50000"/>
-                </a:schemeClr>
-              </a:lnRef>
-              <a:fillRef idx="1">
-                <a:schemeClr val="accent1"/>
-              </a:fillRef>
-              <a:effectRef idx="0">
-                <a:schemeClr val="accent1"/>
-              </a:effectRef>
-              <a:fontRef idx="minor">
-                <a:schemeClr val="lt1"/>
-              </a:fontRef>
-            </p:style>
-          </p:cxnSp>
-        </p:grpSp>
-        <p:grpSp>
-          <p:nvGrpSpPr>
-            <p:cNvPr id="21" name="Groupe 20"/>
-            <p:cNvGrpSpPr/>
+            </a:ln>
+            <a:effectLst/>
+            <a:extLst>
+              <a:ext uri="{909E8E84-426E-40DD-AFC4-6F175D3DCCD1}">
+                <a14:hiddenFill xmlns:a14="http://schemas.microsoft.com/office/drawing/2010/main">
+                  <a:solidFill>
+                    <a:schemeClr val="accent1"/>
+                  </a:solidFill>
+                </a14:hiddenFill>
+              </a:ext>
+              <a:ext uri="{91240B29-F687-4F45-9708-019B960494DF}">
+                <a14:hiddenLine xmlns:a14="http://schemas.microsoft.com/office/drawing/2010/main" w="9525">
+                  <a:solidFill>
+                    <a:schemeClr val="tx1"/>
+                  </a:solidFill>
+                  <a:miter lim="800000"/>
+                  <a:headEnd/>
+                  <a:tailEnd/>
+                </a14:hiddenLine>
+              </a:ext>
+              <a:ext uri="{AF507438-7753-43E0-B8FC-AC1667EBCBE1}">
+                <a14:hiddenEffects xmlns:a14="http://schemas.microsoft.com/office/drawing/2010/main">
+                  <a:effectLst>
+                    <a:outerShdw dist="35921" dir="2700000" algn="ctr" rotWithShape="0">
+                      <a:schemeClr val="bg2"/>
+                    </a:outerShdw>
+                  </a:effectLst>
+                </a14:hiddenEffects>
+              </a:ext>
+            </a:extLst>
+          </p:spPr>
+        </p:pic>
+        <p:sp>
+          <p:nvSpPr>
+            <p:cNvPr id="38" name="ZoneTexte 37"/>
+            <p:cNvSpPr txBox="1"/>
             <p:nvPr/>
-          </p:nvGrpSpPr>
-          <p:grpSpPr>
-            <a:xfrm rot="2700000">
-              <a:off x="2003791" y="1142212"/>
-              <a:ext cx="180000" cy="1080000"/>
-              <a:chOff x="2555776" y="1062184"/>
-              <a:chExt cx="180000" cy="1080000"/>
+          </p:nvSpPr>
+          <p:spPr>
+            <a:xfrm rot="16200000">
+              <a:off x="4608004" y="433723"/>
+              <a:ext cx="1368152" cy="261610"/>
             </a:xfrm>
-          </p:grpSpPr>
-          <p:sp>
-            <p:nvSpPr>
-              <p:cNvPr id="22" name="Rectangle 21"/>
-              <p:cNvSpPr/>
-              <p:nvPr/>
-            </p:nvSpPr>
-            <p:spPr>
-              <a:xfrm>
-                <a:off x="2555776" y="1422184"/>
-                <a:ext cx="180000" cy="360000"/>
-              </a:xfrm>
-              <a:prstGeom prst="rect">
-                <a:avLst/>
-              </a:prstGeom>
-              <a:noFill/>
-              <a:ln w="12700">
-                <a:solidFill>
-                  <a:srgbClr val="0070C0"/>
-                </a:solidFill>
-              </a:ln>
-            </p:spPr>
-            <p:style>
-              <a:lnRef idx="2">
-                <a:schemeClr val="accent1">
-                  <a:shade val="50000"/>
-                </a:schemeClr>
-              </a:lnRef>
-              <a:fillRef idx="1">
-                <a:schemeClr val="accent1"/>
-              </a:fillRef>
-              <a:effectRef idx="0">
-                <a:schemeClr val="accent1"/>
-              </a:effectRef>
-              <a:fontRef idx="minor">
-                <a:schemeClr val="lt1"/>
-              </a:fontRef>
-            </p:style>
-            <p:txBody>
-              <a:bodyPr rtlCol="0" anchor="ctr"/>
-              <a:lstStyle/>
-              <a:p>
-                <a:pPr algn="ctr"/>
-                <a:endParaRPr lang="fr-FR"/>
-              </a:p>
-            </p:txBody>
-          </p:sp>
-          <p:cxnSp>
-            <p:nvCxnSpPr>
-              <p:cNvPr id="23" name="Connecteur droit 22"/>
-              <p:cNvCxnSpPr>
-                <a:endCxn id="22" idx="2"/>
-              </p:cNvCxnSpPr>
-              <p:nvPr/>
-            </p:nvCxnSpPr>
-            <p:spPr>
-              <a:xfrm flipV="1">
-                <a:off x="2645776" y="1782184"/>
-                <a:ext cx="0" cy="360000"/>
-              </a:xfrm>
-              <a:prstGeom prst="line">
-                <a:avLst/>
-              </a:prstGeom>
-              <a:noFill/>
-              <a:ln w="12700">
-                <a:solidFill>
-                  <a:srgbClr val="0070C0"/>
-                </a:solidFill>
-                <a:headEnd type="oval" w="sm" len="sm"/>
-              </a:ln>
-            </p:spPr>
-            <p:style>
-              <a:lnRef idx="2">
-                <a:schemeClr val="accent1">
-                  <a:shade val="50000"/>
-                </a:schemeClr>
-              </a:lnRef>
-              <a:fillRef idx="1">
-                <a:schemeClr val="accent1"/>
-              </a:fillRef>
-              <a:effectRef idx="0">
-                <a:schemeClr val="accent1"/>
-              </a:effectRef>
-              <a:fontRef idx="minor">
-                <a:schemeClr val="lt1"/>
-              </a:fontRef>
-            </p:style>
-          </p:cxnSp>
-          <p:cxnSp>
-            <p:nvCxnSpPr>
-              <p:cNvPr id="24" name="Connecteur droit 23"/>
-              <p:cNvCxnSpPr>
-                <a:stCxn id="22" idx="0"/>
-              </p:cNvCxnSpPr>
-              <p:nvPr/>
-            </p:nvCxnSpPr>
-            <p:spPr>
-              <a:xfrm flipV="1">
-                <a:off x="2645776" y="1062184"/>
-                <a:ext cx="0" cy="360000"/>
-              </a:xfrm>
-              <a:prstGeom prst="line">
-                <a:avLst/>
-              </a:prstGeom>
-              <a:noFill/>
-              <a:ln w="12700">
-                <a:solidFill>
-                  <a:srgbClr val="0070C0"/>
-                </a:solidFill>
-                <a:headEnd type="none"/>
-                <a:tailEnd type="oval" w="sm" len="sm"/>
-              </a:ln>
-            </p:spPr>
-            <p:style>
-              <a:lnRef idx="2">
-                <a:schemeClr val="accent1">
-                  <a:shade val="50000"/>
-                </a:schemeClr>
-              </a:lnRef>
-              <a:fillRef idx="1">
-                <a:schemeClr val="accent1"/>
-              </a:fillRef>
-              <a:effectRef idx="0">
-                <a:schemeClr val="accent1"/>
-              </a:effectRef>
-              <a:fontRef idx="minor">
-                <a:schemeClr val="lt1"/>
-              </a:fontRef>
-            </p:style>
-          </p:cxnSp>
-        </p:grpSp>
-        <p:grpSp>
-          <p:nvGrpSpPr>
-            <p:cNvPr id="25" name="Groupe 24"/>
-            <p:cNvGrpSpPr/>
+            <a:prstGeom prst="rect">
+              <a:avLst/>
+            </a:prstGeom>
+            <a:noFill/>
+          </p:spPr>
+          <p:txBody>
+            <a:bodyPr wrap="square" rtlCol="0">
+              <a:spAutoFit/>
+            </a:bodyPr>
+            <a:lstStyle/>
+            <a:p>
+              <a:r>
+                <a:rPr lang="fr-FR" sz="1100" dirty="0" smtClean="0"/>
+                <a:t>Alim. Pont –</a:t>
+              </a:r>
+              <a:endParaRPr lang="fr-FR" sz="1100" baseline="-25000" dirty="0"/>
+            </a:p>
+          </p:txBody>
+        </p:sp>
+        <p:sp>
+          <p:nvSpPr>
+            <p:cNvPr id="39" name="ZoneTexte 38"/>
+            <p:cNvSpPr txBox="1"/>
             <p:nvPr/>
-          </p:nvGrpSpPr>
-          <p:grpSpPr>
-            <a:xfrm rot="8100000">
-              <a:off x="1238328" y="1139070"/>
-              <a:ext cx="180000" cy="1080000"/>
-              <a:chOff x="2555776" y="1062184"/>
-              <a:chExt cx="180000" cy="1080000"/>
+          </p:nvSpPr>
+          <p:spPr>
+            <a:xfrm rot="16200000">
+              <a:off x="6106961" y="433723"/>
+              <a:ext cx="1368152" cy="261610"/>
             </a:xfrm>
-          </p:grpSpPr>
-          <p:sp>
-            <p:nvSpPr>
-              <p:cNvPr id="26" name="Rectangle 25"/>
-              <p:cNvSpPr/>
-              <p:nvPr/>
-            </p:nvSpPr>
-            <p:spPr>
-              <a:xfrm>
-                <a:off x="2555776" y="1422184"/>
-                <a:ext cx="180000" cy="360000"/>
-              </a:xfrm>
-              <a:prstGeom prst="rect">
-                <a:avLst/>
-              </a:prstGeom>
-              <a:noFill/>
-              <a:ln w="12700">
-                <a:solidFill>
-                  <a:srgbClr val="0070C0"/>
-                </a:solidFill>
-              </a:ln>
-            </p:spPr>
-            <p:style>
-              <a:lnRef idx="2">
-                <a:schemeClr val="accent1">
-                  <a:shade val="50000"/>
-                </a:schemeClr>
-              </a:lnRef>
-              <a:fillRef idx="1">
-                <a:schemeClr val="accent1"/>
-              </a:fillRef>
-              <a:effectRef idx="0">
-                <a:schemeClr val="accent1"/>
-              </a:effectRef>
-              <a:fontRef idx="minor">
-                <a:schemeClr val="lt1"/>
-              </a:fontRef>
-            </p:style>
-            <p:txBody>
-              <a:bodyPr rtlCol="0" anchor="ctr"/>
-              <a:lstStyle/>
-              <a:p>
-                <a:pPr algn="ctr"/>
-                <a:endParaRPr lang="fr-FR"/>
-              </a:p>
-            </p:txBody>
-          </p:sp>
-          <p:cxnSp>
-            <p:nvCxnSpPr>
-              <p:cNvPr id="27" name="Connecteur droit 26"/>
-              <p:cNvCxnSpPr>
-                <a:endCxn id="26" idx="2"/>
-              </p:cNvCxnSpPr>
-              <p:nvPr/>
-            </p:nvCxnSpPr>
-            <p:spPr>
-              <a:xfrm flipV="1">
-                <a:off x="2645776" y="1782184"/>
-                <a:ext cx="0" cy="360000"/>
-              </a:xfrm>
-              <a:prstGeom prst="line">
-                <a:avLst/>
-              </a:prstGeom>
-              <a:noFill/>
-              <a:ln w="12700">
-                <a:solidFill>
-                  <a:srgbClr val="0070C0"/>
-                </a:solidFill>
-                <a:headEnd type="oval" w="sm" len="sm"/>
-              </a:ln>
-            </p:spPr>
-            <p:style>
-              <a:lnRef idx="2">
-                <a:schemeClr val="accent1">
-                  <a:shade val="50000"/>
-                </a:schemeClr>
-              </a:lnRef>
-              <a:fillRef idx="1">
-                <a:schemeClr val="accent1"/>
-              </a:fillRef>
-              <a:effectRef idx="0">
-                <a:schemeClr val="accent1"/>
-              </a:effectRef>
-              <a:fontRef idx="minor">
-                <a:schemeClr val="lt1"/>
-              </a:fontRef>
-            </p:style>
-          </p:cxnSp>
-          <p:cxnSp>
-            <p:nvCxnSpPr>
-              <p:cNvPr id="28" name="Connecteur droit 27"/>
-              <p:cNvCxnSpPr>
-                <a:stCxn id="26" idx="0"/>
-              </p:cNvCxnSpPr>
-              <p:nvPr/>
-            </p:nvCxnSpPr>
-            <p:spPr>
-              <a:xfrm flipV="1">
-                <a:off x="2645776" y="1062184"/>
-                <a:ext cx="0" cy="360000"/>
-              </a:xfrm>
-              <a:prstGeom prst="line">
-                <a:avLst/>
-              </a:prstGeom>
-              <a:noFill/>
-              <a:ln w="12700">
-                <a:solidFill>
-                  <a:srgbClr val="0070C0"/>
-                </a:solidFill>
-                <a:headEnd type="none"/>
-                <a:tailEnd type="oval" w="sm" len="sm"/>
-              </a:ln>
-            </p:spPr>
-            <p:style>
-              <a:lnRef idx="2">
-                <a:schemeClr val="accent1">
-                  <a:shade val="50000"/>
-                </a:schemeClr>
-              </a:lnRef>
-              <a:fillRef idx="1">
-                <a:schemeClr val="accent1"/>
-              </a:fillRef>
-              <a:effectRef idx="0">
-                <a:schemeClr val="accent1"/>
-              </a:effectRef>
-              <a:fontRef idx="minor">
-                <a:schemeClr val="lt1"/>
-              </a:fontRef>
-            </p:style>
-          </p:cxnSp>
-        </p:grpSp>
-        <p:grpSp>
-          <p:nvGrpSpPr>
-            <p:cNvPr id="29" name="Groupe 28"/>
-            <p:cNvGrpSpPr/>
+            <a:prstGeom prst="rect">
+              <a:avLst/>
+            </a:prstGeom>
+            <a:noFill/>
+          </p:spPr>
+          <p:txBody>
+            <a:bodyPr wrap="square" rtlCol="0">
+              <a:spAutoFit/>
+            </a:bodyPr>
+            <a:lstStyle/>
+            <a:p>
+              <a:r>
+                <a:rPr lang="fr-FR" sz="1100" dirty="0" smtClean="0"/>
+                <a:t>Alim. Pont +</a:t>
+              </a:r>
+              <a:endParaRPr lang="fr-FR" sz="1100" baseline="-25000" dirty="0"/>
+            </a:p>
+          </p:txBody>
+        </p:sp>
+        <p:sp>
+          <p:nvSpPr>
+            <p:cNvPr id="44" name="ZoneTexte 43"/>
+            <p:cNvSpPr txBox="1"/>
             <p:nvPr/>
-          </p:nvGrpSpPr>
-          <p:grpSpPr>
-            <a:xfrm rot="8100000">
-              <a:off x="2003792" y="382251"/>
-              <a:ext cx="180000" cy="1080000"/>
-              <a:chOff x="2555776" y="1062184"/>
-              <a:chExt cx="180000" cy="1080000"/>
+          </p:nvSpPr>
+          <p:spPr>
+            <a:xfrm rot="16200000">
+              <a:off x="4913235" y="433723"/>
+              <a:ext cx="1368152" cy="261610"/>
             </a:xfrm>
-          </p:grpSpPr>
-          <p:sp>
-            <p:nvSpPr>
-              <p:cNvPr id="30" name="Rectangle 29"/>
-              <p:cNvSpPr/>
-              <p:nvPr/>
-            </p:nvSpPr>
-            <p:spPr>
-              <a:xfrm>
-                <a:off x="2555776" y="1422184"/>
-                <a:ext cx="180000" cy="360000"/>
-              </a:xfrm>
-              <a:prstGeom prst="rect">
-                <a:avLst/>
-              </a:prstGeom>
-              <a:noFill/>
-              <a:ln w="12700">
-                <a:solidFill>
-                  <a:srgbClr val="0070C0"/>
-                </a:solidFill>
-              </a:ln>
-            </p:spPr>
-            <p:style>
-              <a:lnRef idx="2">
-                <a:schemeClr val="accent1">
-                  <a:shade val="50000"/>
-                </a:schemeClr>
-              </a:lnRef>
-              <a:fillRef idx="1">
-                <a:schemeClr val="accent1"/>
-              </a:fillRef>
-              <a:effectRef idx="0">
-                <a:schemeClr val="accent1"/>
-              </a:effectRef>
-              <a:fontRef idx="minor">
-                <a:schemeClr val="lt1"/>
-              </a:fontRef>
-            </p:style>
-            <p:txBody>
-              <a:bodyPr rtlCol="0" anchor="ctr"/>
-              <a:lstStyle/>
-              <a:p>
-                <a:pPr algn="ctr"/>
-                <a:endParaRPr lang="fr-FR"/>
-              </a:p>
-            </p:txBody>
-          </p:sp>
-          <p:cxnSp>
-            <p:nvCxnSpPr>
-              <p:cNvPr id="31" name="Connecteur droit 30"/>
-              <p:cNvCxnSpPr>
-                <a:endCxn id="30" idx="2"/>
-              </p:cNvCxnSpPr>
-              <p:nvPr/>
-            </p:nvCxnSpPr>
-            <p:spPr>
-              <a:xfrm flipV="1">
-                <a:off x="2645776" y="1782184"/>
-                <a:ext cx="0" cy="360000"/>
-              </a:xfrm>
-              <a:prstGeom prst="line">
-                <a:avLst/>
-              </a:prstGeom>
-              <a:noFill/>
-              <a:ln w="12700">
-                <a:solidFill>
-                  <a:srgbClr val="0070C0"/>
-                </a:solidFill>
-                <a:headEnd type="oval" w="sm" len="sm"/>
-              </a:ln>
-            </p:spPr>
-            <p:style>
-              <a:lnRef idx="2">
-                <a:schemeClr val="accent1">
-                  <a:shade val="50000"/>
-                </a:schemeClr>
-              </a:lnRef>
-              <a:fillRef idx="1">
-                <a:schemeClr val="accent1"/>
-              </a:fillRef>
-              <a:effectRef idx="0">
-                <a:schemeClr val="accent1"/>
-              </a:effectRef>
-              <a:fontRef idx="minor">
-                <a:schemeClr val="lt1"/>
-              </a:fontRef>
-            </p:style>
-          </p:cxnSp>
-          <p:cxnSp>
-            <p:nvCxnSpPr>
-              <p:cNvPr id="32" name="Connecteur droit 31"/>
-              <p:cNvCxnSpPr>
-                <a:stCxn id="30" idx="0"/>
-              </p:cNvCxnSpPr>
-              <p:nvPr/>
-            </p:nvCxnSpPr>
-            <p:spPr>
-              <a:xfrm flipV="1">
-                <a:off x="2645776" y="1062184"/>
-                <a:ext cx="0" cy="360000"/>
-              </a:xfrm>
-              <a:prstGeom prst="line">
-                <a:avLst/>
-              </a:prstGeom>
-              <a:noFill/>
-              <a:ln w="12700">
-                <a:solidFill>
-                  <a:srgbClr val="0070C0"/>
-                </a:solidFill>
-                <a:headEnd type="none"/>
-                <a:tailEnd type="oval" w="sm" len="sm"/>
-              </a:ln>
-            </p:spPr>
-            <p:style>
-              <a:lnRef idx="2">
-                <a:schemeClr val="accent1">
-                  <a:shade val="50000"/>
-                </a:schemeClr>
-              </a:lnRef>
-              <a:fillRef idx="1">
-                <a:schemeClr val="accent1"/>
-              </a:fillRef>
-              <a:effectRef idx="0">
-                <a:schemeClr val="accent1"/>
-              </a:effectRef>
-              <a:fontRef idx="minor">
-                <a:schemeClr val="lt1"/>
-              </a:fontRef>
-            </p:style>
-          </p:cxnSp>
-        </p:grpSp>
+            <a:prstGeom prst="rect">
+              <a:avLst/>
+            </a:prstGeom>
+            <a:noFill/>
+          </p:spPr>
+          <p:txBody>
+            <a:bodyPr wrap="square" rtlCol="0">
+              <a:spAutoFit/>
+            </a:bodyPr>
+            <a:lstStyle/>
+            <a:p>
+              <a:r>
+                <a:rPr lang="fr-FR" sz="1100" dirty="0" smtClean="0"/>
+                <a:t>Signal –</a:t>
+              </a:r>
+              <a:endParaRPr lang="fr-FR" sz="1100" baseline="-25000" dirty="0"/>
+            </a:p>
+          </p:txBody>
+        </p:sp>
+        <p:sp>
+          <p:nvSpPr>
+            <p:cNvPr id="53" name="ZoneTexte 52"/>
+            <p:cNvSpPr txBox="1"/>
+            <p:nvPr/>
+          </p:nvSpPr>
+          <p:spPr>
+            <a:xfrm rot="16200000">
+              <a:off x="5362959" y="433723"/>
+              <a:ext cx="1368152" cy="261610"/>
+            </a:xfrm>
+            <a:prstGeom prst="rect">
+              <a:avLst/>
+            </a:prstGeom>
+            <a:noFill/>
+          </p:spPr>
+          <p:txBody>
+            <a:bodyPr wrap="square" rtlCol="0">
+              <a:spAutoFit/>
+            </a:bodyPr>
+            <a:lstStyle/>
+            <a:p>
+              <a:r>
+                <a:rPr lang="fr-FR" sz="1100" dirty="0" smtClean="0"/>
+                <a:t>Signal +</a:t>
+              </a:r>
+              <a:endParaRPr lang="fr-FR" sz="1100" baseline="-25000" dirty="0"/>
+            </a:p>
+          </p:txBody>
+        </p:sp>
       </p:grpSp>
-      <p:cxnSp>
-        <p:nvCxnSpPr>
-          <p:cNvPr id="34" name="Connecteur droit 33"/>
-          <p:cNvCxnSpPr/>
+      <p:grpSp>
+        <p:nvGrpSpPr>
+          <p:cNvPr id="12" name="Groupe 11"/>
+          <p:cNvGrpSpPr/>
           <p:nvPr/>
-        </p:nvCxnSpPr>
-        <p:spPr>
-          <a:xfrm flipH="1">
-            <a:off x="1703714" y="1172930"/>
-            <a:ext cx="1439193" cy="449"/>
-          </a:xfrm>
-          <a:prstGeom prst="line">
-            <a:avLst/>
-          </a:prstGeom>
-          <a:noFill/>
-          <a:ln w="12700">
-            <a:solidFill>
-              <a:srgbClr val="0070C0"/>
-            </a:solidFill>
-            <a:headEnd type="none" w="med" len="med"/>
-            <a:tailEnd type="none" w="med" len="med"/>
-          </a:ln>
-        </p:spPr>
-        <p:style>
-          <a:lnRef idx="2">
-            <a:schemeClr val="accent1">
-              <a:shade val="50000"/>
-            </a:schemeClr>
-          </a:lnRef>
-          <a:fillRef idx="1">
-            <a:schemeClr val="accent1"/>
-          </a:fillRef>
-          <a:effectRef idx="0">
-            <a:schemeClr val="accent1"/>
-          </a:effectRef>
-          <a:fontRef idx="minor">
-            <a:schemeClr val="lt1"/>
-          </a:fontRef>
-        </p:style>
-      </p:cxnSp>
-      <p:cxnSp>
-        <p:nvCxnSpPr>
-          <p:cNvPr id="36" name="Connecteur droit 35"/>
-          <p:cNvCxnSpPr/>
-          <p:nvPr/>
-        </p:nvCxnSpPr>
-        <p:spPr>
-          <a:xfrm flipH="1">
-            <a:off x="1703713" y="2697017"/>
-            <a:ext cx="1439193" cy="449"/>
-          </a:xfrm>
-          <a:prstGeom prst="line">
-            <a:avLst/>
-          </a:prstGeom>
-          <a:noFill/>
-          <a:ln w="12700">
-            <a:solidFill>
-              <a:srgbClr val="0070C0"/>
-            </a:solidFill>
-            <a:headEnd type="none" w="med" len="med"/>
-            <a:tailEnd type="none" w="med" len="med"/>
-          </a:ln>
-        </p:spPr>
-        <p:style>
-          <a:lnRef idx="2">
-            <a:schemeClr val="accent1">
-              <a:shade val="50000"/>
-            </a:schemeClr>
-          </a:lnRef>
-          <a:fillRef idx="1">
-            <a:schemeClr val="accent1"/>
-          </a:fillRef>
-          <a:effectRef idx="0">
-            <a:schemeClr val="accent1"/>
-          </a:effectRef>
-          <a:fontRef idx="minor">
-            <a:schemeClr val="lt1"/>
-          </a:fontRef>
-        </p:style>
-      </p:cxnSp>
-      <p:cxnSp>
-        <p:nvCxnSpPr>
-          <p:cNvPr id="37" name="Connecteur droit 36"/>
-          <p:cNvCxnSpPr/>
-          <p:nvPr/>
-        </p:nvCxnSpPr>
-        <p:spPr>
+        </p:nvGrpSpPr>
+        <p:grpSpPr>
           <a:xfrm>
-            <a:off x="1703713" y="1172930"/>
-            <a:ext cx="1" cy="1524536"/>
-          </a:xfrm>
-          <a:prstGeom prst="line">
-            <a:avLst/>
-          </a:prstGeom>
-          <a:noFill/>
-          <a:ln w="12700">
-            <a:solidFill>
-              <a:srgbClr val="0070C0"/>
-            </a:solidFill>
-            <a:headEnd type="none" w="med" len="med"/>
-            <a:tailEnd type="none" w="med" len="med"/>
-          </a:ln>
-        </p:spPr>
-        <p:style>
-          <a:lnRef idx="2">
-            <a:schemeClr val="accent1">
-              <a:shade val="50000"/>
-            </a:schemeClr>
-          </a:lnRef>
-          <a:fillRef idx="1">
-            <a:schemeClr val="accent1"/>
-          </a:fillRef>
-          <a:effectRef idx="0">
-            <a:schemeClr val="accent1"/>
-          </a:effectRef>
-          <a:fontRef idx="minor">
-            <a:schemeClr val="lt1"/>
-          </a:fontRef>
-        </p:style>
-      </p:cxnSp>
+            <a:off x="1949232" y="2510756"/>
+            <a:ext cx="305301" cy="467283"/>
+            <a:chOff x="1949232" y="2510756"/>
+            <a:chExt cx="305301" cy="467283"/>
+          </a:xfrm>
+        </p:grpSpPr>
+        <p:cxnSp>
+          <p:nvCxnSpPr>
+            <p:cNvPr id="9" name="Connecteur droit 8"/>
+            <p:cNvCxnSpPr/>
+            <p:nvPr/>
+          </p:nvCxnSpPr>
+          <p:spPr>
+            <a:xfrm>
+              <a:off x="2254533" y="2510756"/>
+              <a:ext cx="0" cy="463242"/>
+            </a:xfrm>
+            <a:prstGeom prst="line">
+              <a:avLst/>
+            </a:prstGeom>
+            <a:ln w="38100">
+              <a:solidFill>
+                <a:srgbClr val="FF0000"/>
+              </a:solidFill>
+            </a:ln>
+          </p:spPr>
+          <p:style>
+            <a:lnRef idx="1">
+              <a:schemeClr val="accent1"/>
+            </a:lnRef>
+            <a:fillRef idx="0">
+              <a:schemeClr val="accent1"/>
+            </a:fillRef>
+            <a:effectRef idx="0">
+              <a:schemeClr val="accent1"/>
+            </a:effectRef>
+            <a:fontRef idx="minor">
+              <a:schemeClr val="tx1"/>
+            </a:fontRef>
+          </p:style>
+        </p:cxnSp>
+        <p:cxnSp>
+          <p:nvCxnSpPr>
+            <p:cNvPr id="54" name="Connecteur droit 53"/>
+            <p:cNvCxnSpPr/>
+            <p:nvPr/>
+          </p:nvCxnSpPr>
+          <p:spPr>
+            <a:xfrm>
+              <a:off x="1949232" y="2514797"/>
+              <a:ext cx="0" cy="463242"/>
+            </a:xfrm>
+            <a:prstGeom prst="line">
+              <a:avLst/>
+            </a:prstGeom>
+            <a:ln w="38100">
+              <a:solidFill>
+                <a:srgbClr val="FF0000"/>
+              </a:solidFill>
+            </a:ln>
+          </p:spPr>
+          <p:style>
+            <a:lnRef idx="1">
+              <a:schemeClr val="accent1"/>
+            </a:lnRef>
+            <a:fillRef idx="0">
+              <a:schemeClr val="accent1"/>
+            </a:fillRef>
+            <a:effectRef idx="0">
+              <a:schemeClr val="accent1"/>
+            </a:effectRef>
+            <a:fontRef idx="minor">
+              <a:schemeClr val="tx1"/>
+            </a:fontRef>
+          </p:style>
+        </p:cxnSp>
+        <p:cxnSp>
+          <p:nvCxnSpPr>
+            <p:cNvPr id="55" name="Connecteur droit 54"/>
+            <p:cNvCxnSpPr/>
+            <p:nvPr/>
+          </p:nvCxnSpPr>
+          <p:spPr>
+            <a:xfrm flipH="1">
+              <a:off x="1949232" y="2959220"/>
+              <a:ext cx="305301" cy="0"/>
+            </a:xfrm>
+            <a:prstGeom prst="line">
+              <a:avLst/>
+            </a:prstGeom>
+            <a:ln w="38100">
+              <a:solidFill>
+                <a:srgbClr val="FF0000"/>
+              </a:solidFill>
+            </a:ln>
+          </p:spPr>
+          <p:style>
+            <a:lnRef idx="1">
+              <a:schemeClr val="accent1"/>
+            </a:lnRef>
+            <a:fillRef idx="0">
+              <a:schemeClr val="accent1"/>
+            </a:fillRef>
+            <a:effectRef idx="0">
+              <a:schemeClr val="accent1"/>
+            </a:effectRef>
+            <a:fontRef idx="minor">
+              <a:schemeClr val="tx1"/>
+            </a:fontRef>
+          </p:style>
+        </p:cxnSp>
+      </p:grpSp>
       <p:sp>
         <p:nvSpPr>
-          <p:cNvPr id="40" name="Ellipse 39"/>
+          <p:cNvPr id="13" name="Arc 12"/>
           <p:cNvSpPr/>
           <p:nvPr/>
         </p:nvSpPr>
         <p:spPr>
           <a:xfrm>
-            <a:off x="1574652" y="1772816"/>
-            <a:ext cx="270040" cy="270040"/>
-          </a:xfrm>
-          <a:prstGeom prst="ellipse">
-            <a:avLst/>
+            <a:off x="2130780" y="1918700"/>
+            <a:ext cx="5249532" cy="1769756"/>
+          </a:xfrm>
+          <a:prstGeom prst="arc">
+            <a:avLst>
+              <a:gd name="adj1" fmla="val 11243340"/>
+              <a:gd name="adj2" fmla="val 17423694"/>
+            </a:avLst>
           </a:prstGeom>
-          <a:noFill/>
-          <a:ln w="12700">
+          <a:ln>
             <a:solidFill>
-              <a:srgbClr val="0070C0"/>
+              <a:srgbClr val="FF0000"/>
             </a:solidFill>
+            <a:tailEnd type="stealth" w="med" len="lg"/>
           </a:ln>
         </p:spPr>
         <p:style>
-          <a:lnRef idx="2">
-            <a:schemeClr val="accent1">
-              <a:shade val="50000"/>
-            </a:schemeClr>
+          <a:lnRef idx="1">
+            <a:schemeClr val="accent1"/>
           </a:lnRef>
-          <a:fillRef idx="1">
+          <a:fillRef idx="0">
             <a:schemeClr val="accent1"/>
           </a:fillRef>
           <a:effectRef idx="0">
             <a:schemeClr val="accent1"/>
           </a:effectRef>
           <a:fontRef idx="minor">
-            <a:schemeClr val="lt1"/>
+            <a:schemeClr val="tx1"/>
           </a:fontRef>
         </p:style>
         <p:txBody>
@@ -3881,16 +4648,517 @@
           </a:p>
         </p:txBody>
       </p:sp>
+      <p:grpSp>
+        <p:nvGrpSpPr>
+          <p:cNvPr id="56" name="Groupe 55"/>
+          <p:cNvGrpSpPr/>
+          <p:nvPr/>
+        </p:nvGrpSpPr>
+        <p:grpSpPr>
+          <a:xfrm>
+            <a:off x="755506" y="2510756"/>
+            <a:ext cx="305301" cy="467283"/>
+            <a:chOff x="1949232" y="2510756"/>
+            <a:chExt cx="305301" cy="467283"/>
+          </a:xfrm>
+        </p:grpSpPr>
+        <p:cxnSp>
+          <p:nvCxnSpPr>
+            <p:cNvPr id="57" name="Connecteur droit 56"/>
+            <p:cNvCxnSpPr/>
+            <p:nvPr/>
+          </p:nvCxnSpPr>
+          <p:spPr>
+            <a:xfrm>
+              <a:off x="2254533" y="2510756"/>
+              <a:ext cx="0" cy="463242"/>
+            </a:xfrm>
+            <a:prstGeom prst="line">
+              <a:avLst/>
+            </a:prstGeom>
+            <a:ln w="38100">
+              <a:solidFill>
+                <a:srgbClr val="FFC000"/>
+              </a:solidFill>
+            </a:ln>
+          </p:spPr>
+          <p:style>
+            <a:lnRef idx="1">
+              <a:schemeClr val="accent1"/>
+            </a:lnRef>
+            <a:fillRef idx="0">
+              <a:schemeClr val="accent1"/>
+            </a:fillRef>
+            <a:effectRef idx="0">
+              <a:schemeClr val="accent1"/>
+            </a:effectRef>
+            <a:fontRef idx="minor">
+              <a:schemeClr val="tx1"/>
+            </a:fontRef>
+          </p:style>
+        </p:cxnSp>
+        <p:cxnSp>
+          <p:nvCxnSpPr>
+            <p:cNvPr id="58" name="Connecteur droit 57"/>
+            <p:cNvCxnSpPr/>
+            <p:nvPr/>
+          </p:nvCxnSpPr>
+          <p:spPr>
+            <a:xfrm>
+              <a:off x="1949232" y="2514797"/>
+              <a:ext cx="0" cy="463242"/>
+            </a:xfrm>
+            <a:prstGeom prst="line">
+              <a:avLst/>
+            </a:prstGeom>
+            <a:ln w="38100">
+              <a:solidFill>
+                <a:srgbClr val="FFC000"/>
+              </a:solidFill>
+            </a:ln>
+          </p:spPr>
+          <p:style>
+            <a:lnRef idx="1">
+              <a:schemeClr val="accent1"/>
+            </a:lnRef>
+            <a:fillRef idx="0">
+              <a:schemeClr val="accent1"/>
+            </a:fillRef>
+            <a:effectRef idx="0">
+              <a:schemeClr val="accent1"/>
+            </a:effectRef>
+            <a:fontRef idx="minor">
+              <a:schemeClr val="tx1"/>
+            </a:fontRef>
+          </p:style>
+        </p:cxnSp>
+        <p:cxnSp>
+          <p:nvCxnSpPr>
+            <p:cNvPr id="59" name="Connecteur droit 58"/>
+            <p:cNvCxnSpPr/>
+            <p:nvPr/>
+          </p:nvCxnSpPr>
+          <p:spPr>
+            <a:xfrm flipH="1">
+              <a:off x="1949232" y="2959220"/>
+              <a:ext cx="305301" cy="0"/>
+            </a:xfrm>
+            <a:prstGeom prst="line">
+              <a:avLst/>
+            </a:prstGeom>
+            <a:ln w="38100">
+              <a:solidFill>
+                <a:srgbClr val="FFC000"/>
+              </a:solidFill>
+            </a:ln>
+          </p:spPr>
+          <p:style>
+            <a:lnRef idx="1">
+              <a:schemeClr val="accent1"/>
+            </a:lnRef>
+            <a:fillRef idx="0">
+              <a:schemeClr val="accent1"/>
+            </a:fillRef>
+            <a:effectRef idx="0">
+              <a:schemeClr val="accent1"/>
+            </a:effectRef>
+            <a:fontRef idx="minor">
+              <a:schemeClr val="tx1"/>
+            </a:fontRef>
+          </p:style>
+        </p:cxnSp>
+      </p:grpSp>
       <p:sp>
         <p:nvSpPr>
-          <p:cNvPr id="41" name="ZoneTexte 40"/>
+          <p:cNvPr id="60" name="Arc 59"/>
+          <p:cNvSpPr/>
+          <p:nvPr/>
+        </p:nvSpPr>
+        <p:spPr>
+          <a:xfrm flipV="1">
+            <a:off x="467544" y="1663690"/>
+            <a:ext cx="5023747" cy="1621294"/>
+          </a:xfrm>
+          <a:prstGeom prst="arc">
+            <a:avLst>
+              <a:gd name="adj1" fmla="val 11586885"/>
+              <a:gd name="adj2" fmla="val 20843436"/>
+            </a:avLst>
+          </a:prstGeom>
+          <a:ln>
+            <a:solidFill>
+              <a:srgbClr val="FFC000"/>
+            </a:solidFill>
+            <a:tailEnd type="stealth" w="med" len="lg"/>
+          </a:ln>
+        </p:spPr>
+        <p:style>
+          <a:lnRef idx="1">
+            <a:schemeClr val="accent1"/>
+          </a:lnRef>
+          <a:fillRef idx="0">
+            <a:schemeClr val="accent1"/>
+          </a:fillRef>
+          <a:effectRef idx="0">
+            <a:schemeClr val="accent1"/>
+          </a:effectRef>
+          <a:fontRef idx="minor">
+            <a:schemeClr val="tx1"/>
+          </a:fontRef>
+        </p:style>
+        <p:txBody>
+          <a:bodyPr rtlCol="0" anchor="ctr"/>
+          <a:lstStyle/>
+          <a:p>
+            <a:pPr algn="ctr"/>
+            <a:endParaRPr lang="fr-FR"/>
+          </a:p>
+        </p:txBody>
+      </p:sp>
+      <p:grpSp>
+        <p:nvGrpSpPr>
+          <p:cNvPr id="61" name="Groupe 60"/>
+          <p:cNvGrpSpPr/>
+          <p:nvPr/>
+        </p:nvGrpSpPr>
+        <p:grpSpPr>
+          <a:xfrm rot="5400000">
+            <a:off x="755505" y="2490364"/>
+            <a:ext cx="305301" cy="467283"/>
+            <a:chOff x="1949232" y="2510756"/>
+            <a:chExt cx="305301" cy="467283"/>
+          </a:xfrm>
+        </p:grpSpPr>
+        <p:cxnSp>
+          <p:nvCxnSpPr>
+            <p:cNvPr id="62" name="Connecteur droit 61"/>
+            <p:cNvCxnSpPr/>
+            <p:nvPr/>
+          </p:nvCxnSpPr>
+          <p:spPr>
+            <a:xfrm>
+              <a:off x="2254533" y="2510756"/>
+              <a:ext cx="0" cy="463242"/>
+            </a:xfrm>
+            <a:prstGeom prst="line">
+              <a:avLst/>
+            </a:prstGeom>
+            <a:ln w="38100">
+              <a:solidFill>
+                <a:srgbClr val="00B050"/>
+              </a:solidFill>
+            </a:ln>
+          </p:spPr>
+          <p:style>
+            <a:lnRef idx="1">
+              <a:schemeClr val="accent1"/>
+            </a:lnRef>
+            <a:fillRef idx="0">
+              <a:schemeClr val="accent1"/>
+            </a:fillRef>
+            <a:effectRef idx="0">
+              <a:schemeClr val="accent1"/>
+            </a:effectRef>
+            <a:fontRef idx="minor">
+              <a:schemeClr val="tx1"/>
+            </a:fontRef>
+          </p:style>
+        </p:cxnSp>
+        <p:cxnSp>
+          <p:nvCxnSpPr>
+            <p:cNvPr id="63" name="Connecteur droit 62"/>
+            <p:cNvCxnSpPr/>
+            <p:nvPr/>
+          </p:nvCxnSpPr>
+          <p:spPr>
+            <a:xfrm>
+              <a:off x="1949232" y="2514797"/>
+              <a:ext cx="0" cy="463242"/>
+            </a:xfrm>
+            <a:prstGeom prst="line">
+              <a:avLst/>
+            </a:prstGeom>
+            <a:ln w="38100">
+              <a:solidFill>
+                <a:srgbClr val="00B050"/>
+              </a:solidFill>
+            </a:ln>
+          </p:spPr>
+          <p:style>
+            <a:lnRef idx="1">
+              <a:schemeClr val="accent1"/>
+            </a:lnRef>
+            <a:fillRef idx="0">
+              <a:schemeClr val="accent1"/>
+            </a:fillRef>
+            <a:effectRef idx="0">
+              <a:schemeClr val="accent1"/>
+            </a:effectRef>
+            <a:fontRef idx="minor">
+              <a:schemeClr val="tx1"/>
+            </a:fontRef>
+          </p:style>
+        </p:cxnSp>
+        <p:cxnSp>
+          <p:nvCxnSpPr>
+            <p:cNvPr id="64" name="Connecteur droit 63"/>
+            <p:cNvCxnSpPr/>
+            <p:nvPr/>
+          </p:nvCxnSpPr>
+          <p:spPr>
+            <a:xfrm flipH="1">
+              <a:off x="1949232" y="2959220"/>
+              <a:ext cx="305301" cy="0"/>
+            </a:xfrm>
+            <a:prstGeom prst="line">
+              <a:avLst/>
+            </a:prstGeom>
+            <a:ln w="38100">
+              <a:solidFill>
+                <a:srgbClr val="00B050"/>
+              </a:solidFill>
+            </a:ln>
+          </p:spPr>
+          <p:style>
+            <a:lnRef idx="1">
+              <a:schemeClr val="accent1"/>
+            </a:lnRef>
+            <a:fillRef idx="0">
+              <a:schemeClr val="accent1"/>
+            </a:fillRef>
+            <a:effectRef idx="0">
+              <a:schemeClr val="accent1"/>
+            </a:effectRef>
+            <a:fontRef idx="minor">
+              <a:schemeClr val="tx1"/>
+            </a:fontRef>
+          </p:style>
+        </p:cxnSp>
+      </p:grpSp>
+      <p:sp>
+        <p:nvSpPr>
+          <p:cNvPr id="65" name="Arc 64"/>
+          <p:cNvSpPr/>
+          <p:nvPr/>
+        </p:nvSpPr>
+        <p:spPr>
+          <a:xfrm flipV="1">
+            <a:off x="643682" y="1610489"/>
+            <a:ext cx="3949805" cy="1621294"/>
+          </a:xfrm>
+          <a:prstGeom prst="arc">
+            <a:avLst>
+              <a:gd name="adj1" fmla="val 11586885"/>
+              <a:gd name="adj2" fmla="val 20843436"/>
+            </a:avLst>
+          </a:prstGeom>
+          <a:ln>
+            <a:solidFill>
+              <a:srgbClr val="00B050"/>
+            </a:solidFill>
+            <a:tailEnd type="stealth" w="med" len="lg"/>
+          </a:ln>
+        </p:spPr>
+        <p:style>
+          <a:lnRef idx="1">
+            <a:schemeClr val="accent1"/>
+          </a:lnRef>
+          <a:fillRef idx="0">
+            <a:schemeClr val="accent1"/>
+          </a:fillRef>
+          <a:effectRef idx="0">
+            <a:schemeClr val="accent1"/>
+          </a:effectRef>
+          <a:fontRef idx="minor">
+            <a:schemeClr val="tx1"/>
+          </a:fontRef>
+        </p:style>
+        <p:txBody>
+          <a:bodyPr rtlCol="0" anchor="ctr"/>
+          <a:lstStyle/>
+          <a:p>
+            <a:pPr algn="ctr"/>
+            <a:endParaRPr lang="fr-FR"/>
+          </a:p>
+        </p:txBody>
+      </p:sp>
+      <p:grpSp>
+        <p:nvGrpSpPr>
+          <p:cNvPr id="66" name="Groupe 65"/>
+          <p:cNvGrpSpPr/>
+          <p:nvPr/>
+        </p:nvGrpSpPr>
+        <p:grpSpPr>
+          <a:xfrm rot="16200000" flipH="1">
+            <a:off x="1949231" y="2512776"/>
+            <a:ext cx="305301" cy="467283"/>
+            <a:chOff x="1949232" y="2510756"/>
+            <a:chExt cx="305301" cy="467283"/>
+          </a:xfrm>
+        </p:grpSpPr>
+        <p:cxnSp>
+          <p:nvCxnSpPr>
+            <p:cNvPr id="67" name="Connecteur droit 66"/>
+            <p:cNvCxnSpPr/>
+            <p:nvPr/>
+          </p:nvCxnSpPr>
+          <p:spPr>
+            <a:xfrm>
+              <a:off x="2254533" y="2510756"/>
+              <a:ext cx="0" cy="463242"/>
+            </a:xfrm>
+            <a:prstGeom prst="line">
+              <a:avLst/>
+            </a:prstGeom>
+            <a:ln w="38100">
+              <a:solidFill>
+                <a:srgbClr val="7030A0"/>
+              </a:solidFill>
+            </a:ln>
+          </p:spPr>
+          <p:style>
+            <a:lnRef idx="1">
+              <a:schemeClr val="accent1"/>
+            </a:lnRef>
+            <a:fillRef idx="0">
+              <a:schemeClr val="accent1"/>
+            </a:fillRef>
+            <a:effectRef idx="0">
+              <a:schemeClr val="accent1"/>
+            </a:effectRef>
+            <a:fontRef idx="minor">
+              <a:schemeClr val="tx1"/>
+            </a:fontRef>
+          </p:style>
+        </p:cxnSp>
+        <p:cxnSp>
+          <p:nvCxnSpPr>
+            <p:cNvPr id="68" name="Connecteur droit 67"/>
+            <p:cNvCxnSpPr/>
+            <p:nvPr/>
+          </p:nvCxnSpPr>
+          <p:spPr>
+            <a:xfrm>
+              <a:off x="1949232" y="2514797"/>
+              <a:ext cx="0" cy="463242"/>
+            </a:xfrm>
+            <a:prstGeom prst="line">
+              <a:avLst/>
+            </a:prstGeom>
+            <a:ln w="38100">
+              <a:solidFill>
+                <a:srgbClr val="7030A0"/>
+              </a:solidFill>
+            </a:ln>
+          </p:spPr>
+          <p:style>
+            <a:lnRef idx="1">
+              <a:schemeClr val="accent1"/>
+            </a:lnRef>
+            <a:fillRef idx="0">
+              <a:schemeClr val="accent1"/>
+            </a:fillRef>
+            <a:effectRef idx="0">
+              <a:schemeClr val="accent1"/>
+            </a:effectRef>
+            <a:fontRef idx="minor">
+              <a:schemeClr val="tx1"/>
+            </a:fontRef>
+          </p:style>
+        </p:cxnSp>
+        <p:cxnSp>
+          <p:nvCxnSpPr>
+            <p:cNvPr id="69" name="Connecteur droit 68"/>
+            <p:cNvCxnSpPr/>
+            <p:nvPr/>
+          </p:nvCxnSpPr>
+          <p:spPr>
+            <a:xfrm flipH="1">
+              <a:off x="1949232" y="2959220"/>
+              <a:ext cx="305301" cy="0"/>
+            </a:xfrm>
+            <a:prstGeom prst="line">
+              <a:avLst/>
+            </a:prstGeom>
+            <a:ln w="38100">
+              <a:solidFill>
+                <a:srgbClr val="7030A0"/>
+              </a:solidFill>
+            </a:ln>
+          </p:spPr>
+          <p:style>
+            <a:lnRef idx="1">
+              <a:schemeClr val="accent1"/>
+            </a:lnRef>
+            <a:fillRef idx="0">
+              <a:schemeClr val="accent1"/>
+            </a:fillRef>
+            <a:effectRef idx="0">
+              <a:schemeClr val="accent1"/>
+            </a:effectRef>
+            <a:fontRef idx="minor">
+              <a:schemeClr val="tx1"/>
+            </a:fontRef>
+          </p:style>
+        </p:cxnSp>
+      </p:grpSp>
+      <p:sp>
+        <p:nvSpPr>
+          <p:cNvPr id="70" name="Arc 69"/>
+          <p:cNvSpPr/>
+          <p:nvPr/>
+        </p:nvSpPr>
+        <p:spPr>
+          <a:xfrm>
+            <a:off x="2254532" y="2119359"/>
+            <a:ext cx="3901644" cy="1769756"/>
+          </a:xfrm>
+          <a:prstGeom prst="arc">
+            <a:avLst>
+              <a:gd name="adj1" fmla="val 11243340"/>
+              <a:gd name="adj2" fmla="val 16453927"/>
+            </a:avLst>
+          </a:prstGeom>
+          <a:ln>
+            <a:solidFill>
+              <a:srgbClr val="7030A0"/>
+            </a:solidFill>
+            <a:tailEnd type="stealth" w="med" len="lg"/>
+          </a:ln>
+        </p:spPr>
+        <p:style>
+          <a:lnRef idx="1">
+            <a:schemeClr val="accent1"/>
+          </a:lnRef>
+          <a:fillRef idx="0">
+            <a:schemeClr val="accent1"/>
+          </a:fillRef>
+          <a:effectRef idx="0">
+            <a:schemeClr val="accent1"/>
+          </a:effectRef>
+          <a:fontRef idx="minor">
+            <a:schemeClr val="tx1"/>
+          </a:fontRef>
+        </p:style>
+        <p:txBody>
+          <a:bodyPr rtlCol="0" anchor="ctr"/>
+          <a:lstStyle/>
+          <a:p>
+            <a:pPr algn="ctr"/>
+            <a:endParaRPr lang="fr-FR"/>
+          </a:p>
+        </p:txBody>
+      </p:sp>
+      <p:sp>
+        <p:nvSpPr>
+          <p:cNvPr id="14" name="ZoneTexte 13"/>
           <p:cNvSpPr txBox="1"/>
           <p:nvPr/>
         </p:nvSpPr>
         <p:spPr>
           <a:xfrm>
-            <a:off x="1205616" y="1781246"/>
-            <a:ext cx="504056" cy="261610"/>
+            <a:off x="467544" y="3688456"/>
+            <a:ext cx="2085974" cy="523220"/>
           </a:xfrm>
           <a:prstGeom prst="rect">
             <a:avLst/>
@@ -3903,102 +5171,25 @@
           </a:bodyPr>
           <a:lstStyle/>
           <a:p>
+            <a:pPr algn="ctr"/>
             <a:r>
-              <a:rPr lang="fr-FR" sz="1100" dirty="0" smtClean="0"/>
-              <a:t>E</a:t>
+              <a:rPr lang="fr-FR" sz="1400" dirty="0" smtClean="0"/>
+              <a:t>Schéma de câblage électrique</a:t>
             </a:r>
-            <a:endParaRPr lang="fr-FR" sz="1100" baseline="-25000" dirty="0"/>
+            <a:endParaRPr lang="fr-FR" sz="1400" dirty="0"/>
           </a:p>
         </p:txBody>
       </p:sp>
-      <p:cxnSp>
-        <p:nvCxnSpPr>
-          <p:cNvPr id="42" name="Connecteur droit 41"/>
-          <p:cNvCxnSpPr/>
-          <p:nvPr/>
-        </p:nvCxnSpPr>
-        <p:spPr>
-          <a:xfrm flipV="1">
-            <a:off x="1481287" y="1736812"/>
-            <a:ext cx="0" cy="342048"/>
-          </a:xfrm>
-          <a:prstGeom prst="line">
-            <a:avLst/>
-          </a:prstGeom>
-          <a:noFill/>
-          <a:ln w="12700">
-            <a:solidFill>
-              <a:srgbClr val="0070C0"/>
-            </a:solidFill>
-            <a:tailEnd type="stealth" w="med" len="lg"/>
-          </a:ln>
-        </p:spPr>
-        <p:style>
-          <a:lnRef idx="2">
-            <a:schemeClr val="accent1">
-              <a:shade val="50000"/>
-            </a:schemeClr>
-          </a:lnRef>
-          <a:fillRef idx="1">
-            <a:schemeClr val="accent1"/>
-          </a:fillRef>
-          <a:effectRef idx="0">
-            <a:schemeClr val="accent1"/>
-          </a:effectRef>
-          <a:fontRef idx="minor">
-            <a:schemeClr val="lt1"/>
-          </a:fontRef>
-        </p:style>
-      </p:cxnSp>
-      <p:cxnSp>
-        <p:nvCxnSpPr>
-          <p:cNvPr id="43" name="Connecteur droit 42"/>
-          <p:cNvCxnSpPr/>
-          <p:nvPr/>
-        </p:nvCxnSpPr>
-        <p:spPr>
-          <a:xfrm flipV="1">
-            <a:off x="1703714" y="1782212"/>
-            <a:ext cx="0" cy="342048"/>
-          </a:xfrm>
-          <a:prstGeom prst="line">
-            <a:avLst/>
-          </a:prstGeom>
-          <a:noFill/>
-          <a:ln w="12700">
-            <a:solidFill>
-              <a:srgbClr val="0070C0"/>
-            </a:solidFill>
-            <a:tailEnd type="triangle" w="sm" len="sm"/>
-          </a:ln>
-        </p:spPr>
-        <p:style>
-          <a:lnRef idx="2">
-            <a:schemeClr val="accent1">
-              <a:shade val="50000"/>
-            </a:schemeClr>
-          </a:lnRef>
-          <a:fillRef idx="1">
-            <a:schemeClr val="accent1"/>
-          </a:fillRef>
-          <a:effectRef idx="0">
-            <a:schemeClr val="accent1"/>
-          </a:effectRef>
-          <a:fontRef idx="minor">
-            <a:schemeClr val="lt1"/>
-          </a:fontRef>
-        </p:style>
-      </p:cxnSp>
       <p:sp>
         <p:nvSpPr>
-          <p:cNvPr id="45" name="ZoneTexte 44"/>
+          <p:cNvPr id="71" name="ZoneTexte 70"/>
           <p:cNvSpPr txBox="1"/>
           <p:nvPr/>
         </p:nvSpPr>
         <p:spPr>
           <a:xfrm>
-            <a:off x="2379231" y="2304985"/>
-            <a:ext cx="504056" cy="261610"/>
+            <a:off x="3413913" y="3697868"/>
+            <a:ext cx="2211984" cy="523220"/>
           </a:xfrm>
           <a:prstGeom prst="rect">
             <a:avLst/>
@@ -4013,243 +5204,10 @@
           <a:p>
             <a:pPr algn="ctr"/>
             <a:r>
-              <a:rPr lang="fr-FR" sz="1100" dirty="0" smtClean="0"/>
-              <a:t>R</a:t>
+              <a:rPr lang="fr-FR" sz="1400" dirty="0" smtClean="0"/>
+              <a:t>Modélisation par schéma électrique</a:t>
             </a:r>
-            <a:r>
-              <a:rPr lang="fr-FR" sz="1100" baseline="-25000" dirty="0" smtClean="0"/>
-              <a:t>1</a:t>
-            </a:r>
-            <a:endParaRPr lang="fr-FR" sz="1100" baseline="-25000" dirty="0"/>
-          </a:p>
-        </p:txBody>
-      </p:sp>
-      <p:sp>
-        <p:nvSpPr>
-          <p:cNvPr id="46" name="ZoneTexte 45"/>
-          <p:cNvSpPr txBox="1"/>
-          <p:nvPr/>
-        </p:nvSpPr>
-        <p:spPr>
-          <a:xfrm>
-            <a:off x="3411641" y="2304985"/>
-            <a:ext cx="504056" cy="261610"/>
-          </a:xfrm>
-          <a:prstGeom prst="rect">
-            <a:avLst/>
-          </a:prstGeom>
-          <a:noFill/>
-        </p:spPr>
-        <p:txBody>
-          <a:bodyPr wrap="square" rtlCol="0">
-            <a:spAutoFit/>
-          </a:bodyPr>
-          <a:lstStyle/>
-          <a:p>
-            <a:pPr algn="ctr"/>
-            <a:r>
-              <a:rPr lang="fr-FR" sz="1100" dirty="0" smtClean="0"/>
-              <a:t>R</a:t>
-            </a:r>
-            <a:r>
-              <a:rPr lang="fr-FR" sz="1100" baseline="-25000" dirty="0" smtClean="0"/>
-              <a:t>2</a:t>
-            </a:r>
-            <a:endParaRPr lang="fr-FR" sz="1100" baseline="-25000" dirty="0"/>
-          </a:p>
-        </p:txBody>
-      </p:sp>
-      <p:sp>
-        <p:nvSpPr>
-          <p:cNvPr id="47" name="ZoneTexte 46"/>
-          <p:cNvSpPr txBox="1"/>
-          <p:nvPr/>
-        </p:nvSpPr>
-        <p:spPr>
-          <a:xfrm>
-            <a:off x="3411641" y="1268760"/>
-            <a:ext cx="504056" cy="261610"/>
-          </a:xfrm>
-          <a:prstGeom prst="rect">
-            <a:avLst/>
-          </a:prstGeom>
-          <a:noFill/>
-        </p:spPr>
-        <p:txBody>
-          <a:bodyPr wrap="square" rtlCol="0">
-            <a:spAutoFit/>
-          </a:bodyPr>
-          <a:lstStyle/>
-          <a:p>
-            <a:pPr algn="ctr"/>
-            <a:r>
-              <a:rPr lang="fr-FR" sz="1100" dirty="0" smtClean="0"/>
-              <a:t>R</a:t>
-            </a:r>
-            <a:r>
-              <a:rPr lang="fr-FR" sz="1100" baseline="-25000" dirty="0" smtClean="0"/>
-              <a:t>3</a:t>
-            </a:r>
-            <a:endParaRPr lang="fr-FR" sz="1100" baseline="-25000" dirty="0"/>
-          </a:p>
-        </p:txBody>
-      </p:sp>
-      <p:sp>
-        <p:nvSpPr>
-          <p:cNvPr id="48" name="ZoneTexte 47"/>
-          <p:cNvSpPr txBox="1"/>
-          <p:nvPr/>
-        </p:nvSpPr>
-        <p:spPr>
-          <a:xfrm>
-            <a:off x="2295189" y="1341597"/>
-            <a:ext cx="504056" cy="261610"/>
-          </a:xfrm>
-          <a:prstGeom prst="rect">
-            <a:avLst/>
-          </a:prstGeom>
-          <a:noFill/>
-        </p:spPr>
-        <p:txBody>
-          <a:bodyPr wrap="square" rtlCol="0">
-            <a:spAutoFit/>
-          </a:bodyPr>
-          <a:lstStyle/>
-          <a:p>
-            <a:pPr algn="ctr"/>
-            <a:r>
-              <a:rPr lang="fr-FR" sz="1100" dirty="0" smtClean="0"/>
-              <a:t>R</a:t>
-            </a:r>
-            <a:r>
-              <a:rPr lang="fr-FR" sz="1100" baseline="-25000" dirty="0" smtClean="0"/>
-              <a:t>4</a:t>
-            </a:r>
-            <a:endParaRPr lang="fr-FR" sz="1100" baseline="-25000" dirty="0"/>
-          </a:p>
-        </p:txBody>
-      </p:sp>
-      <p:sp>
-        <p:nvSpPr>
-          <p:cNvPr id="49" name="ZoneTexte 48"/>
-          <p:cNvSpPr txBox="1"/>
-          <p:nvPr/>
-        </p:nvSpPr>
-        <p:spPr>
-          <a:xfrm>
-            <a:off x="2890878" y="911770"/>
-            <a:ext cx="504056" cy="261610"/>
-          </a:xfrm>
-          <a:prstGeom prst="rect">
-            <a:avLst/>
-          </a:prstGeom>
-          <a:noFill/>
-        </p:spPr>
-        <p:txBody>
-          <a:bodyPr wrap="square" rtlCol="0">
-            <a:spAutoFit/>
-          </a:bodyPr>
-          <a:lstStyle/>
-          <a:p>
-            <a:pPr algn="ctr"/>
-            <a:r>
-              <a:rPr lang="fr-FR" sz="1100" dirty="0" smtClean="0"/>
-              <a:t>A</a:t>
-            </a:r>
-            <a:endParaRPr lang="fr-FR" sz="1100" baseline="-25000" dirty="0"/>
-          </a:p>
-        </p:txBody>
-      </p:sp>
-      <p:sp>
-        <p:nvSpPr>
-          <p:cNvPr id="50" name="ZoneTexte 49"/>
-          <p:cNvSpPr txBox="1"/>
-          <p:nvPr/>
-        </p:nvSpPr>
-        <p:spPr>
-          <a:xfrm>
-            <a:off x="2890878" y="2697466"/>
-            <a:ext cx="504056" cy="261610"/>
-          </a:xfrm>
-          <a:prstGeom prst="rect">
-            <a:avLst/>
-          </a:prstGeom>
-          <a:noFill/>
-        </p:spPr>
-        <p:txBody>
-          <a:bodyPr wrap="square" rtlCol="0">
-            <a:spAutoFit/>
-          </a:bodyPr>
-          <a:lstStyle/>
-          <a:p>
-            <a:pPr algn="ctr"/>
-            <a:r>
-              <a:rPr lang="fr-FR" sz="1100" dirty="0" smtClean="0"/>
-              <a:t>B</a:t>
-            </a:r>
-            <a:endParaRPr lang="fr-FR" sz="1100" baseline="-25000" dirty="0"/>
-          </a:p>
-        </p:txBody>
-      </p:sp>
-      <p:sp>
-        <p:nvSpPr>
-          <p:cNvPr id="51" name="ZoneTexte 50"/>
-          <p:cNvSpPr txBox="1"/>
-          <p:nvPr/>
-        </p:nvSpPr>
-        <p:spPr>
-          <a:xfrm>
-            <a:off x="2002455" y="1795869"/>
-            <a:ext cx="504056" cy="261610"/>
-          </a:xfrm>
-          <a:prstGeom prst="rect">
-            <a:avLst/>
-          </a:prstGeom>
-          <a:noFill/>
-        </p:spPr>
-        <p:txBody>
-          <a:bodyPr wrap="square" rtlCol="0">
-            <a:spAutoFit/>
-          </a:bodyPr>
-          <a:lstStyle/>
-          <a:p>
-            <a:pPr algn="ctr"/>
-            <a:r>
-              <a:rPr lang="fr-FR" sz="1100" dirty="0" smtClean="0"/>
-              <a:t>C</a:t>
-            </a:r>
-            <a:endParaRPr lang="fr-FR" sz="1100" baseline="-25000" dirty="0"/>
-          </a:p>
-        </p:txBody>
-      </p:sp>
-      <p:sp>
-        <p:nvSpPr>
-          <p:cNvPr id="52" name="ZoneTexte 51"/>
-          <p:cNvSpPr txBox="1"/>
-          <p:nvPr/>
-        </p:nvSpPr>
-        <p:spPr>
-          <a:xfrm>
-            <a:off x="3777199" y="1806251"/>
-            <a:ext cx="504056" cy="261610"/>
-          </a:xfrm>
-          <a:prstGeom prst="rect">
-            <a:avLst/>
-          </a:prstGeom>
-          <a:noFill/>
-        </p:spPr>
-        <p:txBody>
-          <a:bodyPr wrap="square" rtlCol="0">
-            <a:spAutoFit/>
-          </a:bodyPr>
-          <a:lstStyle/>
-          <a:p>
-            <a:pPr algn="ctr"/>
-            <a:r>
-              <a:rPr lang="fr-FR" sz="1100" dirty="0" smtClean="0"/>
-              <a:t>D</a:t>
-            </a:r>
-            <a:endParaRPr lang="fr-FR" sz="1100" baseline="-25000" dirty="0"/>
+            <a:endParaRPr lang="fr-FR" sz="1400" dirty="0"/>
           </a:p>
         </p:txBody>
       </p:sp>

--- a/01_DipolesSources/TD_02_JaugeExtensometrie_Wheatstone/images/Figures.pptx
+++ b/01_DipolesSources/TD_02_JaugeExtensometrie_Wheatstone/images/Figures.pptx
@@ -6,11 +6,13 @@
   </p:sldMasterIdLst>
   <p:sldIdLst>
     <p:sldId id="259" r:id="rId2"/>
-    <p:sldId id="260" r:id="rId3"/>
-    <p:sldId id="261" r:id="rId4"/>
-    <p:sldId id="256" r:id="rId5"/>
-    <p:sldId id="257" r:id="rId6"/>
-    <p:sldId id="258" r:id="rId7"/>
+    <p:sldId id="262" r:id="rId3"/>
+    <p:sldId id="263" r:id="rId4"/>
+    <p:sldId id="260" r:id="rId5"/>
+    <p:sldId id="261" r:id="rId6"/>
+    <p:sldId id="256" r:id="rId7"/>
+    <p:sldId id="257" r:id="rId8"/>
+    <p:sldId id="258" r:id="rId9"/>
   </p:sldIdLst>
   <p:sldSz cx="9144000" cy="6858000" type="screen4x3"/>
   <p:notesSz cx="6858000" cy="9144000"/>
@@ -5241,6 +5243,4604 @@
           <a:chExt cx="0" cy="0"/>
         </a:xfrm>
       </p:grpSpPr>
+      <p:cxnSp>
+        <p:nvCxnSpPr>
+          <p:cNvPr id="6" name="Connecteur droit 5"/>
+          <p:cNvCxnSpPr/>
+          <p:nvPr/>
+        </p:nvCxnSpPr>
+        <p:spPr>
+          <a:xfrm flipH="1">
+            <a:off x="1547157" y="3004722"/>
+            <a:ext cx="288539" cy="0"/>
+          </a:xfrm>
+          <a:prstGeom prst="line">
+            <a:avLst/>
+          </a:prstGeom>
+          <a:noFill/>
+          <a:ln w="12700">
+            <a:solidFill>
+              <a:schemeClr val="tx2"/>
+            </a:solidFill>
+          </a:ln>
+        </p:spPr>
+        <p:style>
+          <a:lnRef idx="2">
+            <a:schemeClr val="accent1">
+              <a:shade val="50000"/>
+            </a:schemeClr>
+          </a:lnRef>
+          <a:fillRef idx="1">
+            <a:schemeClr val="accent1"/>
+          </a:fillRef>
+          <a:effectRef idx="0">
+            <a:schemeClr val="accent1"/>
+          </a:effectRef>
+          <a:fontRef idx="minor">
+            <a:schemeClr val="lt1"/>
+          </a:fontRef>
+        </p:style>
+      </p:cxnSp>
+      <p:cxnSp>
+        <p:nvCxnSpPr>
+          <p:cNvPr id="38" name="Connecteur droit 37"/>
+          <p:cNvCxnSpPr/>
+          <p:nvPr/>
+        </p:nvCxnSpPr>
+        <p:spPr>
+          <a:xfrm flipV="1">
+            <a:off x="660061" y="2124168"/>
+            <a:ext cx="0" cy="332712"/>
+          </a:xfrm>
+          <a:prstGeom prst="line">
+            <a:avLst/>
+          </a:prstGeom>
+          <a:noFill/>
+          <a:ln w="12700">
+            <a:solidFill>
+              <a:schemeClr val="tx2"/>
+            </a:solidFill>
+            <a:tailEnd type="stealth" w="med" len="lg"/>
+          </a:ln>
+        </p:spPr>
+        <p:style>
+          <a:lnRef idx="2">
+            <a:schemeClr val="accent1">
+              <a:shade val="50000"/>
+            </a:schemeClr>
+          </a:lnRef>
+          <a:fillRef idx="1">
+            <a:schemeClr val="accent1"/>
+          </a:fillRef>
+          <a:effectRef idx="0">
+            <a:schemeClr val="accent1"/>
+          </a:effectRef>
+          <a:fontRef idx="minor">
+            <a:schemeClr val="lt1"/>
+          </a:fontRef>
+        </p:style>
+      </p:cxnSp>
+      <p:sp>
+        <p:nvSpPr>
+          <p:cNvPr id="64" name="ZoneTexte 63"/>
+          <p:cNvSpPr txBox="1"/>
+          <p:nvPr/>
+        </p:nvSpPr>
+        <p:spPr>
+          <a:xfrm>
+            <a:off x="228061" y="2136635"/>
+            <a:ext cx="432000" cy="307777"/>
+          </a:xfrm>
+          <a:prstGeom prst="rect">
+            <a:avLst/>
+          </a:prstGeom>
+          <a:noFill/>
+        </p:spPr>
+        <p:txBody>
+          <a:bodyPr wrap="square" rtlCol="0">
+            <a:spAutoFit/>
+          </a:bodyPr>
+          <a:lstStyle/>
+          <a:p>
+            <a:pPr algn="ctr"/>
+            <a:r>
+              <a:rPr lang="fr-FR" sz="1400" dirty="0" smtClean="0"/>
+              <a:t>V</a:t>
+            </a:r>
+            <a:r>
+              <a:rPr lang="fr-FR" sz="1400" baseline="-25000" dirty="0" smtClean="0"/>
+              <a:t>e1</a:t>
+            </a:r>
+            <a:endParaRPr lang="fr-FR" sz="1400" baseline="-25000" dirty="0"/>
+          </a:p>
+        </p:txBody>
+      </p:sp>
+      <p:grpSp>
+        <p:nvGrpSpPr>
+          <p:cNvPr id="78" name="Groupe 77"/>
+          <p:cNvGrpSpPr/>
+          <p:nvPr/>
+        </p:nvGrpSpPr>
+        <p:grpSpPr>
+          <a:xfrm>
+            <a:off x="971600" y="1988840"/>
+            <a:ext cx="720080" cy="720080"/>
+            <a:chOff x="971600" y="1988840"/>
+            <a:chExt cx="720080" cy="720080"/>
+          </a:xfrm>
+        </p:grpSpPr>
+        <p:sp>
+          <p:nvSpPr>
+            <p:cNvPr id="71" name="Rectangle 70"/>
+            <p:cNvSpPr/>
+            <p:nvPr/>
+          </p:nvSpPr>
+          <p:spPr>
+            <a:xfrm>
+              <a:off x="971600" y="1988840"/>
+              <a:ext cx="720080" cy="720080"/>
+            </a:xfrm>
+            <a:prstGeom prst="rect">
+              <a:avLst/>
+            </a:prstGeom>
+            <a:noFill/>
+            <a:ln w="12700">
+              <a:solidFill>
+                <a:schemeClr val="tx2"/>
+              </a:solidFill>
+            </a:ln>
+          </p:spPr>
+          <p:style>
+            <a:lnRef idx="2">
+              <a:schemeClr val="accent1">
+                <a:shade val="50000"/>
+              </a:schemeClr>
+            </a:lnRef>
+            <a:fillRef idx="1">
+              <a:schemeClr val="accent1"/>
+            </a:fillRef>
+            <a:effectRef idx="0">
+              <a:schemeClr val="accent1"/>
+            </a:effectRef>
+            <a:fontRef idx="minor">
+              <a:schemeClr val="lt1"/>
+            </a:fontRef>
+          </p:style>
+          <p:txBody>
+            <a:bodyPr rtlCol="0" anchor="ctr"/>
+            <a:lstStyle/>
+            <a:p>
+              <a:pPr algn="ctr"/>
+              <a:endParaRPr lang="fr-FR"/>
+            </a:p>
+          </p:txBody>
+        </p:sp>
+        <p:sp>
+          <p:nvSpPr>
+            <p:cNvPr id="74" name="ZoneTexte 73"/>
+            <p:cNvSpPr txBox="1"/>
+            <p:nvPr/>
+          </p:nvSpPr>
+          <p:spPr>
+            <a:xfrm>
+              <a:off x="971600" y="2427283"/>
+              <a:ext cx="432000" cy="276999"/>
+            </a:xfrm>
+            <a:prstGeom prst="rect">
+              <a:avLst/>
+            </a:prstGeom>
+            <a:noFill/>
+          </p:spPr>
+          <p:txBody>
+            <a:bodyPr wrap="square" rtlCol="0">
+              <a:spAutoFit/>
+            </a:bodyPr>
+            <a:lstStyle/>
+            <a:p>
+              <a:r>
+                <a:rPr lang="fr-FR" sz="1200" dirty="0" smtClean="0"/>
+                <a:t>–</a:t>
+              </a:r>
+              <a:endParaRPr lang="fr-FR" sz="1200" baseline="-25000" dirty="0"/>
+            </a:p>
+          </p:txBody>
+        </p:sp>
+        <p:sp>
+          <p:nvSpPr>
+            <p:cNvPr id="75" name="ZoneTexte 74"/>
+            <p:cNvSpPr txBox="1"/>
+            <p:nvPr/>
+          </p:nvSpPr>
+          <p:spPr>
+            <a:xfrm>
+              <a:off x="971600" y="1988840"/>
+              <a:ext cx="432000" cy="276999"/>
+            </a:xfrm>
+            <a:prstGeom prst="rect">
+              <a:avLst/>
+            </a:prstGeom>
+            <a:noFill/>
+          </p:spPr>
+          <p:txBody>
+            <a:bodyPr wrap="square" rtlCol="0">
+              <a:spAutoFit/>
+            </a:bodyPr>
+            <a:lstStyle/>
+            <a:p>
+              <a:r>
+                <a:rPr lang="fr-FR" sz="1200" dirty="0" smtClean="0"/>
+                <a:t>+</a:t>
+              </a:r>
+              <a:endParaRPr lang="fr-FR" sz="1200" baseline="-25000" dirty="0"/>
+            </a:p>
+          </p:txBody>
+        </p:sp>
+        <mc:AlternateContent xmlns:mc="http://schemas.openxmlformats.org/markup-compatibility/2006" xmlns:a14="http://schemas.microsoft.com/office/drawing/2010/main">
+          <mc:Choice Requires="a14">
+            <p:sp>
+              <p:nvSpPr>
+                <p:cNvPr id="76" name="ZoneTexte 75"/>
+                <p:cNvSpPr txBox="1"/>
+                <p:nvPr/>
+              </p:nvSpPr>
+              <p:spPr>
+                <a:xfrm>
+                  <a:off x="1331157" y="1988840"/>
+                  <a:ext cx="360523" cy="400110"/>
+                </a:xfrm>
+                <a:prstGeom prst="rect">
+                  <a:avLst/>
+                </a:prstGeom>
+                <a:noFill/>
+              </p:spPr>
+              <p:txBody>
+                <a:bodyPr wrap="square" rtlCol="0">
+                  <a:spAutoFit/>
+                </a:bodyPr>
+                <a:lstStyle/>
+                <a:p>
+                  <a:pPr/>
+                  <a14:m>
+                    <m:oMathPara xmlns:m="http://schemas.openxmlformats.org/officeDocument/2006/math">
+                      <m:oMathParaPr>
+                        <m:jc m:val="centerGroup"/>
+                      </m:oMathParaPr>
+                      <m:oMath xmlns:m="http://schemas.openxmlformats.org/officeDocument/2006/math">
+                        <m:r>
+                          <a:rPr lang="fr-FR" sz="1000" i="1" smtClean="0">
+                            <a:latin typeface="Cambria Math"/>
+                            <a:ea typeface="Cambria Math"/>
+                          </a:rPr>
+                          <m:t>⊳</m:t>
+                        </m:r>
+                      </m:oMath>
+                    </m:oMathPara>
+                  </a14:m>
+                  <a:endParaRPr lang="fr-FR" sz="1000" dirty="0" smtClean="0">
+                    <a:ea typeface="Cambria Math"/>
+                  </a:endParaRPr>
+                </a:p>
+                <a:p>
+                  <a:pPr/>
+                  <a14:m>
+                    <m:oMathPara xmlns:m="http://schemas.openxmlformats.org/officeDocument/2006/math">
+                      <m:oMathParaPr>
+                        <m:jc m:val="centerGroup"/>
+                      </m:oMathParaPr>
+                      <m:oMath xmlns:m="http://schemas.openxmlformats.org/officeDocument/2006/math">
+                        <m:r>
+                          <a:rPr lang="fr-FR" sz="1000" i="1" smtClean="0">
+                            <a:latin typeface="Cambria Math"/>
+                            <a:ea typeface="Cambria Math"/>
+                          </a:rPr>
+                          <m:t>∞</m:t>
+                        </m:r>
+                      </m:oMath>
+                    </m:oMathPara>
+                  </a14:m>
+                  <a:endParaRPr lang="fr-FR" sz="1000" dirty="0" smtClean="0">
+                    <a:ea typeface="Cambria Math"/>
+                  </a:endParaRPr>
+                </a:p>
+              </p:txBody>
+            </p:sp>
+          </mc:Choice>
+          <mc:Fallback xmlns="">
+            <p:sp>
+              <p:nvSpPr>
+                <p:cNvPr id="76" name="ZoneTexte 75"/>
+                <p:cNvSpPr txBox="1">
+                  <a:spLocks noRot="1" noChangeAspect="1" noMove="1" noResize="1" noEditPoints="1" noAdjustHandles="1" noChangeArrowheads="1" noChangeShapeType="1" noTextEdit="1"/>
+                </p:cNvSpPr>
+                <p:nvPr/>
+              </p:nvSpPr>
+              <p:spPr>
+                <a:xfrm>
+                  <a:off x="1331157" y="1988840"/>
+                  <a:ext cx="360523" cy="400110"/>
+                </a:xfrm>
+                <a:prstGeom prst="rect">
+                  <a:avLst/>
+                </a:prstGeom>
+                <a:blipFill rotWithShape="1">
+                  <a:blip r:embed="rId2"/>
+                  <a:stretch>
+                    <a:fillRect/>
+                  </a:stretch>
+                </a:blipFill>
+              </p:spPr>
+              <p:txBody>
+                <a:bodyPr/>
+                <a:lstStyle/>
+                <a:p>
+                  <a:r>
+                    <a:rPr lang="fr-FR">
+                      <a:noFill/>
+                    </a:rPr>
+                    <a:t> </a:t>
+                  </a:r>
+                </a:p>
+              </p:txBody>
+            </p:sp>
+          </mc:Fallback>
+        </mc:AlternateContent>
+      </p:grpSp>
+      <p:grpSp>
+        <p:nvGrpSpPr>
+          <p:cNvPr id="79" name="Groupe 78"/>
+          <p:cNvGrpSpPr/>
+          <p:nvPr/>
+        </p:nvGrpSpPr>
+        <p:grpSpPr>
+          <a:xfrm>
+            <a:off x="971600" y="4143080"/>
+            <a:ext cx="720080" cy="721034"/>
+            <a:chOff x="971600" y="1988840"/>
+            <a:chExt cx="720080" cy="721034"/>
+          </a:xfrm>
+        </p:grpSpPr>
+        <p:sp>
+          <p:nvSpPr>
+            <p:cNvPr id="80" name="Rectangle 79"/>
+            <p:cNvSpPr/>
+            <p:nvPr/>
+          </p:nvSpPr>
+          <p:spPr>
+            <a:xfrm>
+              <a:off x="971600" y="1988840"/>
+              <a:ext cx="720080" cy="720080"/>
+            </a:xfrm>
+            <a:prstGeom prst="rect">
+              <a:avLst/>
+            </a:prstGeom>
+            <a:noFill/>
+            <a:ln w="12700">
+              <a:solidFill>
+                <a:schemeClr val="tx2"/>
+              </a:solidFill>
+            </a:ln>
+          </p:spPr>
+          <p:style>
+            <a:lnRef idx="2">
+              <a:schemeClr val="accent1">
+                <a:shade val="50000"/>
+              </a:schemeClr>
+            </a:lnRef>
+            <a:fillRef idx="1">
+              <a:schemeClr val="accent1"/>
+            </a:fillRef>
+            <a:effectRef idx="0">
+              <a:schemeClr val="accent1"/>
+            </a:effectRef>
+            <a:fontRef idx="minor">
+              <a:schemeClr val="lt1"/>
+            </a:fontRef>
+          </p:style>
+          <p:txBody>
+            <a:bodyPr rtlCol="0" anchor="ctr"/>
+            <a:lstStyle/>
+            <a:p>
+              <a:pPr algn="ctr"/>
+              <a:endParaRPr lang="fr-FR"/>
+            </a:p>
+          </p:txBody>
+        </p:sp>
+        <p:sp>
+          <p:nvSpPr>
+            <p:cNvPr id="81" name="ZoneTexte 80"/>
+            <p:cNvSpPr txBox="1"/>
+            <p:nvPr/>
+          </p:nvSpPr>
+          <p:spPr>
+            <a:xfrm>
+              <a:off x="971600" y="1988840"/>
+              <a:ext cx="432000" cy="276999"/>
+            </a:xfrm>
+            <a:prstGeom prst="rect">
+              <a:avLst/>
+            </a:prstGeom>
+            <a:noFill/>
+          </p:spPr>
+          <p:txBody>
+            <a:bodyPr wrap="square" rtlCol="0">
+              <a:spAutoFit/>
+            </a:bodyPr>
+            <a:lstStyle/>
+            <a:p>
+              <a:r>
+                <a:rPr lang="fr-FR" sz="1200" dirty="0" smtClean="0"/>
+                <a:t>–</a:t>
+              </a:r>
+              <a:endParaRPr lang="fr-FR" sz="1200" baseline="-25000" dirty="0"/>
+            </a:p>
+          </p:txBody>
+        </p:sp>
+        <p:sp>
+          <p:nvSpPr>
+            <p:cNvPr id="82" name="ZoneTexte 81"/>
+            <p:cNvSpPr txBox="1"/>
+            <p:nvPr/>
+          </p:nvSpPr>
+          <p:spPr>
+            <a:xfrm>
+              <a:off x="971600" y="2432875"/>
+              <a:ext cx="432000" cy="276999"/>
+            </a:xfrm>
+            <a:prstGeom prst="rect">
+              <a:avLst/>
+            </a:prstGeom>
+            <a:noFill/>
+          </p:spPr>
+          <p:txBody>
+            <a:bodyPr wrap="square" rtlCol="0">
+              <a:spAutoFit/>
+            </a:bodyPr>
+            <a:lstStyle/>
+            <a:p>
+              <a:r>
+                <a:rPr lang="fr-FR" sz="1200" dirty="0" smtClean="0"/>
+                <a:t>+</a:t>
+              </a:r>
+              <a:endParaRPr lang="fr-FR" sz="1200" baseline="-25000" dirty="0"/>
+            </a:p>
+          </p:txBody>
+        </p:sp>
+        <mc:AlternateContent xmlns:mc="http://schemas.openxmlformats.org/markup-compatibility/2006" xmlns:a14="http://schemas.microsoft.com/office/drawing/2010/main">
+          <mc:Choice Requires="a14">
+            <p:sp>
+              <p:nvSpPr>
+                <p:cNvPr id="83" name="ZoneTexte 82"/>
+                <p:cNvSpPr txBox="1"/>
+                <p:nvPr/>
+              </p:nvSpPr>
+              <p:spPr>
+                <a:xfrm>
+                  <a:off x="1331157" y="1988840"/>
+                  <a:ext cx="360523" cy="400110"/>
+                </a:xfrm>
+                <a:prstGeom prst="rect">
+                  <a:avLst/>
+                </a:prstGeom>
+                <a:noFill/>
+              </p:spPr>
+              <p:txBody>
+                <a:bodyPr wrap="square" rtlCol="0">
+                  <a:spAutoFit/>
+                </a:bodyPr>
+                <a:lstStyle/>
+                <a:p>
+                  <a:pPr/>
+                  <a14:m>
+                    <m:oMathPara xmlns:m="http://schemas.openxmlformats.org/officeDocument/2006/math">
+                      <m:oMathParaPr>
+                        <m:jc m:val="centerGroup"/>
+                      </m:oMathParaPr>
+                      <m:oMath xmlns:m="http://schemas.openxmlformats.org/officeDocument/2006/math">
+                        <m:r>
+                          <a:rPr lang="fr-FR" sz="1000" i="1" smtClean="0">
+                            <a:latin typeface="Cambria Math"/>
+                            <a:ea typeface="Cambria Math"/>
+                          </a:rPr>
+                          <m:t>⊳</m:t>
+                        </m:r>
+                      </m:oMath>
+                    </m:oMathPara>
+                  </a14:m>
+                  <a:endParaRPr lang="fr-FR" sz="1000" dirty="0" smtClean="0">
+                    <a:ea typeface="Cambria Math"/>
+                  </a:endParaRPr>
+                </a:p>
+                <a:p>
+                  <a:pPr/>
+                  <a14:m>
+                    <m:oMathPara xmlns:m="http://schemas.openxmlformats.org/officeDocument/2006/math">
+                      <m:oMathParaPr>
+                        <m:jc m:val="centerGroup"/>
+                      </m:oMathParaPr>
+                      <m:oMath xmlns:m="http://schemas.openxmlformats.org/officeDocument/2006/math">
+                        <m:r>
+                          <a:rPr lang="fr-FR" sz="1000" i="1" smtClean="0">
+                            <a:latin typeface="Cambria Math"/>
+                            <a:ea typeface="Cambria Math"/>
+                          </a:rPr>
+                          <m:t>∞</m:t>
+                        </m:r>
+                      </m:oMath>
+                    </m:oMathPara>
+                  </a14:m>
+                  <a:endParaRPr lang="fr-FR" sz="1000" dirty="0" smtClean="0">
+                    <a:ea typeface="Cambria Math"/>
+                  </a:endParaRPr>
+                </a:p>
+              </p:txBody>
+            </p:sp>
+          </mc:Choice>
+          <mc:Fallback xmlns="">
+            <p:sp>
+              <p:nvSpPr>
+                <p:cNvPr id="83" name="ZoneTexte 82"/>
+                <p:cNvSpPr txBox="1">
+                  <a:spLocks noRot="1" noChangeAspect="1" noMove="1" noResize="1" noEditPoints="1" noAdjustHandles="1" noChangeArrowheads="1" noChangeShapeType="1" noTextEdit="1"/>
+                </p:cNvSpPr>
+                <p:nvPr/>
+              </p:nvSpPr>
+              <p:spPr>
+                <a:xfrm>
+                  <a:off x="1331157" y="1988840"/>
+                  <a:ext cx="360523" cy="400110"/>
+                </a:xfrm>
+                <a:prstGeom prst="rect">
+                  <a:avLst/>
+                </a:prstGeom>
+                <a:blipFill rotWithShape="1">
+                  <a:blip r:embed="rId3"/>
+                  <a:stretch>
+                    <a:fillRect/>
+                  </a:stretch>
+                </a:blipFill>
+              </p:spPr>
+              <p:txBody>
+                <a:bodyPr/>
+                <a:lstStyle/>
+                <a:p>
+                  <a:r>
+                    <a:rPr lang="fr-FR">
+                      <a:noFill/>
+                    </a:rPr>
+                    <a:t> </a:t>
+                  </a:r>
+                </a:p>
+              </p:txBody>
+            </p:sp>
+          </mc:Fallback>
+        </mc:AlternateContent>
+      </p:grpSp>
+      <p:grpSp>
+        <p:nvGrpSpPr>
+          <p:cNvPr id="84" name="Groupe 83"/>
+          <p:cNvGrpSpPr/>
+          <p:nvPr/>
+        </p:nvGrpSpPr>
+        <p:grpSpPr>
+          <a:xfrm>
+            <a:off x="3131840" y="3059982"/>
+            <a:ext cx="720080" cy="721034"/>
+            <a:chOff x="971600" y="1988840"/>
+            <a:chExt cx="720080" cy="721034"/>
+          </a:xfrm>
+        </p:grpSpPr>
+        <p:sp>
+          <p:nvSpPr>
+            <p:cNvPr id="85" name="Rectangle 84"/>
+            <p:cNvSpPr/>
+            <p:nvPr/>
+          </p:nvSpPr>
+          <p:spPr>
+            <a:xfrm>
+              <a:off x="971600" y="1988840"/>
+              <a:ext cx="720080" cy="720080"/>
+            </a:xfrm>
+            <a:prstGeom prst="rect">
+              <a:avLst/>
+            </a:prstGeom>
+            <a:noFill/>
+            <a:ln w="12700">
+              <a:solidFill>
+                <a:schemeClr val="tx2"/>
+              </a:solidFill>
+            </a:ln>
+          </p:spPr>
+          <p:style>
+            <a:lnRef idx="2">
+              <a:schemeClr val="accent1">
+                <a:shade val="50000"/>
+              </a:schemeClr>
+            </a:lnRef>
+            <a:fillRef idx="1">
+              <a:schemeClr val="accent1"/>
+            </a:fillRef>
+            <a:effectRef idx="0">
+              <a:schemeClr val="accent1"/>
+            </a:effectRef>
+            <a:fontRef idx="minor">
+              <a:schemeClr val="lt1"/>
+            </a:fontRef>
+          </p:style>
+          <p:txBody>
+            <a:bodyPr rtlCol="0" anchor="ctr"/>
+            <a:lstStyle/>
+            <a:p>
+              <a:pPr algn="ctr"/>
+              <a:endParaRPr lang="fr-FR"/>
+            </a:p>
+          </p:txBody>
+        </p:sp>
+        <p:sp>
+          <p:nvSpPr>
+            <p:cNvPr id="86" name="ZoneTexte 85"/>
+            <p:cNvSpPr txBox="1"/>
+            <p:nvPr/>
+          </p:nvSpPr>
+          <p:spPr>
+            <a:xfrm>
+              <a:off x="971600" y="1988840"/>
+              <a:ext cx="432000" cy="276999"/>
+            </a:xfrm>
+            <a:prstGeom prst="rect">
+              <a:avLst/>
+            </a:prstGeom>
+            <a:noFill/>
+          </p:spPr>
+          <p:txBody>
+            <a:bodyPr wrap="square" rtlCol="0">
+              <a:spAutoFit/>
+            </a:bodyPr>
+            <a:lstStyle/>
+            <a:p>
+              <a:r>
+                <a:rPr lang="fr-FR" sz="1200" dirty="0" smtClean="0"/>
+                <a:t>–</a:t>
+              </a:r>
+              <a:endParaRPr lang="fr-FR" sz="1200" baseline="-25000" dirty="0"/>
+            </a:p>
+          </p:txBody>
+        </p:sp>
+        <p:sp>
+          <p:nvSpPr>
+            <p:cNvPr id="87" name="ZoneTexte 86"/>
+            <p:cNvSpPr txBox="1"/>
+            <p:nvPr/>
+          </p:nvSpPr>
+          <p:spPr>
+            <a:xfrm>
+              <a:off x="971600" y="2432875"/>
+              <a:ext cx="432000" cy="276999"/>
+            </a:xfrm>
+            <a:prstGeom prst="rect">
+              <a:avLst/>
+            </a:prstGeom>
+            <a:noFill/>
+          </p:spPr>
+          <p:txBody>
+            <a:bodyPr wrap="square" rtlCol="0">
+              <a:spAutoFit/>
+            </a:bodyPr>
+            <a:lstStyle/>
+            <a:p>
+              <a:r>
+                <a:rPr lang="fr-FR" sz="1200" dirty="0" smtClean="0"/>
+                <a:t>+</a:t>
+              </a:r>
+              <a:endParaRPr lang="fr-FR" sz="1200" baseline="-25000" dirty="0"/>
+            </a:p>
+          </p:txBody>
+        </p:sp>
+        <mc:AlternateContent xmlns:mc="http://schemas.openxmlformats.org/markup-compatibility/2006" xmlns:a14="http://schemas.microsoft.com/office/drawing/2010/main">
+          <mc:Choice Requires="a14">
+            <p:sp>
+              <p:nvSpPr>
+                <p:cNvPr id="88" name="ZoneTexte 87"/>
+                <p:cNvSpPr txBox="1"/>
+                <p:nvPr/>
+              </p:nvSpPr>
+              <p:spPr>
+                <a:xfrm>
+                  <a:off x="1331157" y="1988840"/>
+                  <a:ext cx="360523" cy="400110"/>
+                </a:xfrm>
+                <a:prstGeom prst="rect">
+                  <a:avLst/>
+                </a:prstGeom>
+                <a:noFill/>
+              </p:spPr>
+              <p:txBody>
+                <a:bodyPr wrap="square" rtlCol="0">
+                  <a:spAutoFit/>
+                </a:bodyPr>
+                <a:lstStyle/>
+                <a:p>
+                  <a:pPr/>
+                  <a14:m>
+                    <m:oMathPara xmlns:m="http://schemas.openxmlformats.org/officeDocument/2006/math">
+                      <m:oMathParaPr>
+                        <m:jc m:val="centerGroup"/>
+                      </m:oMathParaPr>
+                      <m:oMath xmlns:m="http://schemas.openxmlformats.org/officeDocument/2006/math">
+                        <m:r>
+                          <a:rPr lang="fr-FR" sz="1000" i="1" smtClean="0">
+                            <a:latin typeface="Cambria Math"/>
+                            <a:ea typeface="Cambria Math"/>
+                          </a:rPr>
+                          <m:t>⊳</m:t>
+                        </m:r>
+                      </m:oMath>
+                    </m:oMathPara>
+                  </a14:m>
+                  <a:endParaRPr lang="fr-FR" sz="1000" dirty="0" smtClean="0">
+                    <a:ea typeface="Cambria Math"/>
+                  </a:endParaRPr>
+                </a:p>
+                <a:p>
+                  <a:pPr/>
+                  <a14:m>
+                    <m:oMathPara xmlns:m="http://schemas.openxmlformats.org/officeDocument/2006/math">
+                      <m:oMathParaPr>
+                        <m:jc m:val="centerGroup"/>
+                      </m:oMathParaPr>
+                      <m:oMath xmlns:m="http://schemas.openxmlformats.org/officeDocument/2006/math">
+                        <m:r>
+                          <a:rPr lang="fr-FR" sz="1000" i="1" smtClean="0">
+                            <a:latin typeface="Cambria Math"/>
+                            <a:ea typeface="Cambria Math"/>
+                          </a:rPr>
+                          <m:t>∞</m:t>
+                        </m:r>
+                      </m:oMath>
+                    </m:oMathPara>
+                  </a14:m>
+                  <a:endParaRPr lang="fr-FR" sz="1000" dirty="0" smtClean="0">
+                    <a:ea typeface="Cambria Math"/>
+                  </a:endParaRPr>
+                </a:p>
+              </p:txBody>
+            </p:sp>
+          </mc:Choice>
+          <mc:Fallback xmlns="">
+            <p:sp>
+              <p:nvSpPr>
+                <p:cNvPr id="88" name="ZoneTexte 87"/>
+                <p:cNvSpPr txBox="1">
+                  <a:spLocks noRot="1" noChangeAspect="1" noMove="1" noResize="1" noEditPoints="1" noAdjustHandles="1" noChangeArrowheads="1" noChangeShapeType="1" noTextEdit="1"/>
+                </p:cNvSpPr>
+                <p:nvPr/>
+              </p:nvSpPr>
+              <p:spPr>
+                <a:xfrm>
+                  <a:off x="1331157" y="1988840"/>
+                  <a:ext cx="360523" cy="400110"/>
+                </a:xfrm>
+                <a:prstGeom prst="rect">
+                  <a:avLst/>
+                </a:prstGeom>
+                <a:blipFill rotWithShape="1">
+                  <a:blip r:embed="rId4"/>
+                  <a:stretch>
+                    <a:fillRect/>
+                  </a:stretch>
+                </a:blipFill>
+              </p:spPr>
+              <p:txBody>
+                <a:bodyPr/>
+                <a:lstStyle/>
+                <a:p>
+                  <a:r>
+                    <a:rPr lang="fr-FR">
+                      <a:noFill/>
+                    </a:rPr>
+                    <a:t> </a:t>
+                  </a:r>
+                </a:p>
+              </p:txBody>
+            </p:sp>
+          </mc:Fallback>
+        </mc:AlternateContent>
+      </p:grpSp>
+      <p:sp>
+        <p:nvSpPr>
+          <p:cNvPr id="89" name="Rectangle 88"/>
+          <p:cNvSpPr/>
+          <p:nvPr/>
+        </p:nvSpPr>
+        <p:spPr>
+          <a:xfrm>
+            <a:off x="1115640" y="2896722"/>
+            <a:ext cx="432000" cy="216000"/>
+          </a:xfrm>
+          <a:prstGeom prst="rect">
+            <a:avLst/>
+          </a:prstGeom>
+          <a:noFill/>
+          <a:ln w="12700">
+            <a:solidFill>
+              <a:schemeClr val="tx2"/>
+            </a:solidFill>
+          </a:ln>
+        </p:spPr>
+        <p:style>
+          <a:lnRef idx="2">
+            <a:schemeClr val="accent1">
+              <a:shade val="50000"/>
+            </a:schemeClr>
+          </a:lnRef>
+          <a:fillRef idx="1">
+            <a:schemeClr val="accent1"/>
+          </a:fillRef>
+          <a:effectRef idx="0">
+            <a:schemeClr val="accent1"/>
+          </a:effectRef>
+          <a:fontRef idx="minor">
+            <a:schemeClr val="lt1"/>
+          </a:fontRef>
+        </p:style>
+        <p:txBody>
+          <a:bodyPr rtlCol="0" anchor="ctr"/>
+          <a:lstStyle/>
+          <a:p>
+            <a:pPr algn="ctr"/>
+            <a:endParaRPr lang="fr-FR"/>
+          </a:p>
+        </p:txBody>
+      </p:sp>
+      <p:sp>
+        <p:nvSpPr>
+          <p:cNvPr id="90" name="ZoneTexte 89"/>
+          <p:cNvSpPr txBox="1"/>
+          <p:nvPr/>
+        </p:nvSpPr>
+        <p:spPr>
+          <a:xfrm>
+            <a:off x="1115157" y="3112722"/>
+            <a:ext cx="432000" cy="307777"/>
+          </a:xfrm>
+          <a:prstGeom prst="rect">
+            <a:avLst/>
+          </a:prstGeom>
+          <a:noFill/>
+        </p:spPr>
+        <p:txBody>
+          <a:bodyPr wrap="square" rtlCol="0">
+            <a:spAutoFit/>
+          </a:bodyPr>
+          <a:lstStyle/>
+          <a:p>
+            <a:pPr algn="ctr"/>
+            <a:r>
+              <a:rPr lang="fr-FR" sz="1400" dirty="0" smtClean="0"/>
+              <a:t>R</a:t>
+            </a:r>
+            <a:r>
+              <a:rPr lang="fr-FR" sz="1400" baseline="-25000" dirty="0"/>
+              <a:t>1</a:t>
+            </a:r>
+          </a:p>
+        </p:txBody>
+      </p:sp>
+      <p:sp>
+        <p:nvSpPr>
+          <p:cNvPr id="91" name="Rectangle 90"/>
+          <p:cNvSpPr/>
+          <p:nvPr/>
+        </p:nvSpPr>
+        <p:spPr>
+          <a:xfrm>
+            <a:off x="1115157" y="3714302"/>
+            <a:ext cx="432000" cy="216000"/>
+          </a:xfrm>
+          <a:prstGeom prst="rect">
+            <a:avLst/>
+          </a:prstGeom>
+          <a:noFill/>
+          <a:ln w="12700">
+            <a:solidFill>
+              <a:schemeClr val="tx2"/>
+            </a:solidFill>
+          </a:ln>
+        </p:spPr>
+        <p:style>
+          <a:lnRef idx="2">
+            <a:schemeClr val="accent1">
+              <a:shade val="50000"/>
+            </a:schemeClr>
+          </a:lnRef>
+          <a:fillRef idx="1">
+            <a:schemeClr val="accent1"/>
+          </a:fillRef>
+          <a:effectRef idx="0">
+            <a:schemeClr val="accent1"/>
+          </a:effectRef>
+          <a:fontRef idx="minor">
+            <a:schemeClr val="lt1"/>
+          </a:fontRef>
+        </p:style>
+        <p:txBody>
+          <a:bodyPr rtlCol="0" anchor="ctr"/>
+          <a:lstStyle/>
+          <a:p>
+            <a:pPr algn="ctr"/>
+            <a:endParaRPr lang="fr-FR"/>
+          </a:p>
+        </p:txBody>
+      </p:sp>
+      <p:cxnSp>
+        <p:nvCxnSpPr>
+          <p:cNvPr id="93" name="Connecteur droit 92"/>
+          <p:cNvCxnSpPr/>
+          <p:nvPr/>
+        </p:nvCxnSpPr>
+        <p:spPr>
+          <a:xfrm flipH="1">
+            <a:off x="1547640" y="3822302"/>
+            <a:ext cx="288539" cy="0"/>
+          </a:xfrm>
+          <a:prstGeom prst="line">
+            <a:avLst/>
+          </a:prstGeom>
+          <a:noFill/>
+          <a:ln w="12700">
+            <a:solidFill>
+              <a:schemeClr val="tx2"/>
+            </a:solidFill>
+          </a:ln>
+        </p:spPr>
+        <p:style>
+          <a:lnRef idx="2">
+            <a:schemeClr val="accent1">
+              <a:shade val="50000"/>
+            </a:schemeClr>
+          </a:lnRef>
+          <a:fillRef idx="1">
+            <a:schemeClr val="accent1"/>
+          </a:fillRef>
+          <a:effectRef idx="0">
+            <a:schemeClr val="accent1"/>
+          </a:effectRef>
+          <a:fontRef idx="minor">
+            <a:schemeClr val="lt1"/>
+          </a:fontRef>
+        </p:style>
+      </p:cxnSp>
+      <p:cxnSp>
+        <p:nvCxnSpPr>
+          <p:cNvPr id="94" name="Connecteur droit 93"/>
+          <p:cNvCxnSpPr/>
+          <p:nvPr/>
+        </p:nvCxnSpPr>
+        <p:spPr>
+          <a:xfrm flipH="1">
+            <a:off x="827330" y="3004722"/>
+            <a:ext cx="288539" cy="0"/>
+          </a:xfrm>
+          <a:prstGeom prst="line">
+            <a:avLst/>
+          </a:prstGeom>
+          <a:noFill/>
+          <a:ln w="12700">
+            <a:solidFill>
+              <a:schemeClr val="tx2"/>
+            </a:solidFill>
+          </a:ln>
+        </p:spPr>
+        <p:style>
+          <a:lnRef idx="2">
+            <a:schemeClr val="accent1">
+              <a:shade val="50000"/>
+            </a:schemeClr>
+          </a:lnRef>
+          <a:fillRef idx="1">
+            <a:schemeClr val="accent1"/>
+          </a:fillRef>
+          <a:effectRef idx="0">
+            <a:schemeClr val="accent1"/>
+          </a:effectRef>
+          <a:fontRef idx="minor">
+            <a:schemeClr val="lt1"/>
+          </a:fontRef>
+        </p:style>
+      </p:cxnSp>
+      <p:cxnSp>
+        <p:nvCxnSpPr>
+          <p:cNvPr id="96" name="Connecteur droit 95"/>
+          <p:cNvCxnSpPr/>
+          <p:nvPr/>
+        </p:nvCxnSpPr>
+        <p:spPr>
+          <a:xfrm flipH="1">
+            <a:off x="829650" y="3822302"/>
+            <a:ext cx="288539" cy="0"/>
+          </a:xfrm>
+          <a:prstGeom prst="line">
+            <a:avLst/>
+          </a:prstGeom>
+          <a:noFill/>
+          <a:ln w="12700">
+            <a:solidFill>
+              <a:schemeClr val="tx2"/>
+            </a:solidFill>
+          </a:ln>
+        </p:spPr>
+        <p:style>
+          <a:lnRef idx="2">
+            <a:schemeClr val="accent1">
+              <a:shade val="50000"/>
+            </a:schemeClr>
+          </a:lnRef>
+          <a:fillRef idx="1">
+            <a:schemeClr val="accent1"/>
+          </a:fillRef>
+          <a:effectRef idx="0">
+            <a:schemeClr val="accent1"/>
+          </a:effectRef>
+          <a:fontRef idx="minor">
+            <a:schemeClr val="lt1"/>
+          </a:fontRef>
+        </p:style>
+      </p:cxnSp>
+      <p:sp>
+        <p:nvSpPr>
+          <p:cNvPr id="97" name="ZoneTexte 96"/>
+          <p:cNvSpPr txBox="1"/>
+          <p:nvPr/>
+        </p:nvSpPr>
+        <p:spPr>
+          <a:xfrm>
+            <a:off x="1115157" y="3408226"/>
+            <a:ext cx="432000" cy="307777"/>
+          </a:xfrm>
+          <a:prstGeom prst="rect">
+            <a:avLst/>
+          </a:prstGeom>
+          <a:noFill/>
+        </p:spPr>
+        <p:txBody>
+          <a:bodyPr wrap="square" rtlCol="0">
+            <a:spAutoFit/>
+          </a:bodyPr>
+          <a:lstStyle/>
+          <a:p>
+            <a:pPr algn="ctr"/>
+            <a:r>
+              <a:rPr lang="fr-FR" sz="1400" dirty="0" smtClean="0"/>
+              <a:t>R’</a:t>
+            </a:r>
+            <a:r>
+              <a:rPr lang="fr-FR" sz="1400" baseline="-25000" dirty="0" smtClean="0"/>
+              <a:t>1</a:t>
+            </a:r>
+            <a:endParaRPr lang="fr-FR" sz="1400" baseline="-25000" dirty="0"/>
+          </a:p>
+        </p:txBody>
+      </p:sp>
+      <p:cxnSp>
+        <p:nvCxnSpPr>
+          <p:cNvPr id="98" name="Connecteur droit 97"/>
+          <p:cNvCxnSpPr>
+            <a:endCxn id="114" idx="1"/>
+          </p:cNvCxnSpPr>
+          <p:nvPr/>
+        </p:nvCxnSpPr>
+        <p:spPr>
+          <a:xfrm>
+            <a:off x="827330" y="2565782"/>
+            <a:ext cx="0" cy="649614"/>
+          </a:xfrm>
+          <a:prstGeom prst="line">
+            <a:avLst/>
+          </a:prstGeom>
+          <a:noFill/>
+          <a:ln w="12700">
+            <a:solidFill>
+              <a:schemeClr val="tx2"/>
+            </a:solidFill>
+          </a:ln>
+        </p:spPr>
+        <p:style>
+          <a:lnRef idx="2">
+            <a:schemeClr val="accent1">
+              <a:shade val="50000"/>
+            </a:schemeClr>
+          </a:lnRef>
+          <a:fillRef idx="1">
+            <a:schemeClr val="accent1"/>
+          </a:fillRef>
+          <a:effectRef idx="0">
+            <a:schemeClr val="accent1"/>
+          </a:effectRef>
+          <a:fontRef idx="minor">
+            <a:schemeClr val="lt1"/>
+          </a:fontRef>
+        </p:style>
+      </p:cxnSp>
+      <p:cxnSp>
+        <p:nvCxnSpPr>
+          <p:cNvPr id="100" name="Connecteur droit 99"/>
+          <p:cNvCxnSpPr>
+            <a:endCxn id="74" idx="1"/>
+          </p:cNvCxnSpPr>
+          <p:nvPr/>
+        </p:nvCxnSpPr>
+        <p:spPr>
+          <a:xfrm>
+            <a:off x="827330" y="2565782"/>
+            <a:ext cx="144270" cy="1"/>
+          </a:xfrm>
+          <a:prstGeom prst="line">
+            <a:avLst/>
+          </a:prstGeom>
+          <a:noFill/>
+          <a:ln w="12700">
+            <a:solidFill>
+              <a:schemeClr val="tx2"/>
+            </a:solidFill>
+          </a:ln>
+        </p:spPr>
+        <p:style>
+          <a:lnRef idx="2">
+            <a:schemeClr val="accent1">
+              <a:shade val="50000"/>
+            </a:schemeClr>
+          </a:lnRef>
+          <a:fillRef idx="1">
+            <a:schemeClr val="accent1"/>
+          </a:fillRef>
+          <a:effectRef idx="0">
+            <a:schemeClr val="accent1"/>
+          </a:effectRef>
+          <a:fontRef idx="minor">
+            <a:schemeClr val="lt1"/>
+          </a:fontRef>
+        </p:style>
+      </p:cxnSp>
+      <p:cxnSp>
+        <p:nvCxnSpPr>
+          <p:cNvPr id="104" name="Connecteur droit 103"/>
+          <p:cNvCxnSpPr/>
+          <p:nvPr/>
+        </p:nvCxnSpPr>
+        <p:spPr>
+          <a:xfrm flipH="1">
+            <a:off x="2411252" y="2348880"/>
+            <a:ext cx="288539" cy="0"/>
+          </a:xfrm>
+          <a:prstGeom prst="line">
+            <a:avLst/>
+          </a:prstGeom>
+          <a:noFill/>
+          <a:ln w="12700">
+            <a:solidFill>
+              <a:schemeClr val="tx2"/>
+            </a:solidFill>
+          </a:ln>
+        </p:spPr>
+        <p:style>
+          <a:lnRef idx="2">
+            <a:schemeClr val="accent1">
+              <a:shade val="50000"/>
+            </a:schemeClr>
+          </a:lnRef>
+          <a:fillRef idx="1">
+            <a:schemeClr val="accent1"/>
+          </a:fillRef>
+          <a:effectRef idx="0">
+            <a:schemeClr val="accent1"/>
+          </a:effectRef>
+          <a:fontRef idx="minor">
+            <a:schemeClr val="lt1"/>
+          </a:fontRef>
+        </p:style>
+      </p:cxnSp>
+      <p:sp>
+        <p:nvSpPr>
+          <p:cNvPr id="105" name="Rectangle 104"/>
+          <p:cNvSpPr/>
+          <p:nvPr/>
+        </p:nvSpPr>
+        <p:spPr>
+          <a:xfrm>
+            <a:off x="1979736" y="2240880"/>
+            <a:ext cx="432000" cy="216000"/>
+          </a:xfrm>
+          <a:prstGeom prst="rect">
+            <a:avLst/>
+          </a:prstGeom>
+          <a:noFill/>
+          <a:ln w="12700">
+            <a:solidFill>
+              <a:schemeClr val="tx2"/>
+            </a:solidFill>
+          </a:ln>
+        </p:spPr>
+        <p:style>
+          <a:lnRef idx="2">
+            <a:schemeClr val="accent1">
+              <a:shade val="50000"/>
+            </a:schemeClr>
+          </a:lnRef>
+          <a:fillRef idx="1">
+            <a:schemeClr val="accent1"/>
+          </a:fillRef>
+          <a:effectRef idx="0">
+            <a:schemeClr val="accent1"/>
+          </a:effectRef>
+          <a:fontRef idx="minor">
+            <a:schemeClr val="lt1"/>
+          </a:fontRef>
+        </p:style>
+        <p:txBody>
+          <a:bodyPr rtlCol="0" anchor="ctr"/>
+          <a:lstStyle/>
+          <a:p>
+            <a:pPr algn="ctr"/>
+            <a:endParaRPr lang="fr-FR"/>
+          </a:p>
+        </p:txBody>
+      </p:sp>
+      <p:cxnSp>
+        <p:nvCxnSpPr>
+          <p:cNvPr id="106" name="Connecteur droit 105"/>
+          <p:cNvCxnSpPr>
+            <a:stCxn id="105" idx="1"/>
+            <a:endCxn id="71" idx="3"/>
+          </p:cNvCxnSpPr>
+          <p:nvPr/>
+        </p:nvCxnSpPr>
+        <p:spPr>
+          <a:xfrm flipH="1">
+            <a:off x="1691680" y="2348880"/>
+            <a:ext cx="288056" cy="0"/>
+          </a:xfrm>
+          <a:prstGeom prst="line">
+            <a:avLst/>
+          </a:prstGeom>
+          <a:noFill/>
+          <a:ln w="12700">
+            <a:solidFill>
+              <a:schemeClr val="tx2"/>
+            </a:solidFill>
+          </a:ln>
+        </p:spPr>
+        <p:style>
+          <a:lnRef idx="2">
+            <a:schemeClr val="accent1">
+              <a:shade val="50000"/>
+            </a:schemeClr>
+          </a:lnRef>
+          <a:fillRef idx="1">
+            <a:schemeClr val="accent1"/>
+          </a:fillRef>
+          <a:effectRef idx="0">
+            <a:schemeClr val="accent1"/>
+          </a:effectRef>
+          <a:fontRef idx="minor">
+            <a:schemeClr val="lt1"/>
+          </a:fontRef>
+        </p:style>
+      </p:cxnSp>
+      <p:cxnSp>
+        <p:nvCxnSpPr>
+          <p:cNvPr id="110" name="Connecteur droit 109"/>
+          <p:cNvCxnSpPr/>
+          <p:nvPr/>
+        </p:nvCxnSpPr>
+        <p:spPr>
+          <a:xfrm flipV="1">
+            <a:off x="1835696" y="2348880"/>
+            <a:ext cx="483" cy="655842"/>
+          </a:xfrm>
+          <a:prstGeom prst="line">
+            <a:avLst/>
+          </a:prstGeom>
+          <a:noFill/>
+          <a:ln w="12700">
+            <a:solidFill>
+              <a:schemeClr val="tx2"/>
+            </a:solidFill>
+          </a:ln>
+        </p:spPr>
+        <p:style>
+          <a:lnRef idx="2">
+            <a:schemeClr val="accent1">
+              <a:shade val="50000"/>
+            </a:schemeClr>
+          </a:lnRef>
+          <a:fillRef idx="1">
+            <a:schemeClr val="accent1"/>
+          </a:fillRef>
+          <a:effectRef idx="0">
+            <a:schemeClr val="accent1"/>
+          </a:effectRef>
+          <a:fontRef idx="minor">
+            <a:schemeClr val="lt1"/>
+          </a:fontRef>
+        </p:style>
+      </p:cxnSp>
+      <p:cxnSp>
+        <p:nvCxnSpPr>
+          <p:cNvPr id="113" name="Connecteur droit 112"/>
+          <p:cNvCxnSpPr/>
+          <p:nvPr/>
+        </p:nvCxnSpPr>
+        <p:spPr>
+          <a:xfrm flipH="1">
+            <a:off x="683302" y="2127339"/>
+            <a:ext cx="288056" cy="0"/>
+          </a:xfrm>
+          <a:prstGeom prst="line">
+            <a:avLst/>
+          </a:prstGeom>
+          <a:noFill/>
+          <a:ln w="12700">
+            <a:solidFill>
+              <a:schemeClr val="tx2"/>
+            </a:solidFill>
+          </a:ln>
+        </p:spPr>
+        <p:style>
+          <a:lnRef idx="2">
+            <a:schemeClr val="accent1">
+              <a:shade val="50000"/>
+            </a:schemeClr>
+          </a:lnRef>
+          <a:fillRef idx="1">
+            <a:schemeClr val="accent1"/>
+          </a:fillRef>
+          <a:effectRef idx="0">
+            <a:schemeClr val="accent1"/>
+          </a:effectRef>
+          <a:fontRef idx="minor">
+            <a:schemeClr val="lt1"/>
+          </a:fontRef>
+        </p:style>
+      </p:cxnSp>
+      <p:sp>
+        <p:nvSpPr>
+          <p:cNvPr id="114" name="Rectangle 113"/>
+          <p:cNvSpPr/>
+          <p:nvPr/>
+        </p:nvSpPr>
+        <p:spPr>
+          <a:xfrm rot="5400000">
+            <a:off x="611330" y="3323396"/>
+            <a:ext cx="432000" cy="216000"/>
+          </a:xfrm>
+          <a:prstGeom prst="rect">
+            <a:avLst/>
+          </a:prstGeom>
+          <a:noFill/>
+          <a:ln w="12700">
+            <a:solidFill>
+              <a:schemeClr val="tx2"/>
+            </a:solidFill>
+          </a:ln>
+        </p:spPr>
+        <p:style>
+          <a:lnRef idx="2">
+            <a:schemeClr val="accent1">
+              <a:shade val="50000"/>
+            </a:schemeClr>
+          </a:lnRef>
+          <a:fillRef idx="1">
+            <a:schemeClr val="accent1"/>
+          </a:fillRef>
+          <a:effectRef idx="0">
+            <a:schemeClr val="accent1"/>
+          </a:effectRef>
+          <a:fontRef idx="minor">
+            <a:schemeClr val="lt1"/>
+          </a:fontRef>
+        </p:style>
+        <p:txBody>
+          <a:bodyPr rtlCol="0" anchor="ctr"/>
+          <a:lstStyle/>
+          <a:p>
+            <a:pPr algn="ctr"/>
+            <a:endParaRPr lang="fr-FR"/>
+          </a:p>
+        </p:txBody>
+      </p:sp>
+      <p:cxnSp>
+        <p:nvCxnSpPr>
+          <p:cNvPr id="116" name="Connecteur droit 115"/>
+          <p:cNvCxnSpPr>
+            <a:endCxn id="114" idx="3"/>
+          </p:cNvCxnSpPr>
+          <p:nvPr/>
+        </p:nvCxnSpPr>
+        <p:spPr>
+          <a:xfrm flipH="1" flipV="1">
+            <a:off x="827330" y="3647396"/>
+            <a:ext cx="1160" cy="634184"/>
+          </a:xfrm>
+          <a:prstGeom prst="line">
+            <a:avLst/>
+          </a:prstGeom>
+          <a:noFill/>
+          <a:ln w="12700">
+            <a:solidFill>
+              <a:schemeClr val="tx2"/>
+            </a:solidFill>
+          </a:ln>
+        </p:spPr>
+        <p:style>
+          <a:lnRef idx="2">
+            <a:schemeClr val="accent1">
+              <a:shade val="50000"/>
+            </a:schemeClr>
+          </a:lnRef>
+          <a:fillRef idx="1">
+            <a:schemeClr val="accent1"/>
+          </a:fillRef>
+          <a:effectRef idx="0">
+            <a:schemeClr val="accent1"/>
+          </a:effectRef>
+          <a:fontRef idx="minor">
+            <a:schemeClr val="lt1"/>
+          </a:fontRef>
+        </p:style>
+      </p:cxnSp>
+      <p:cxnSp>
+        <p:nvCxnSpPr>
+          <p:cNvPr id="119" name="Connecteur droit 118"/>
+          <p:cNvCxnSpPr>
+            <a:endCxn id="81" idx="1"/>
+          </p:cNvCxnSpPr>
+          <p:nvPr/>
+        </p:nvCxnSpPr>
+        <p:spPr>
+          <a:xfrm>
+            <a:off x="829650" y="4281580"/>
+            <a:ext cx="141950" cy="0"/>
+          </a:xfrm>
+          <a:prstGeom prst="line">
+            <a:avLst/>
+          </a:prstGeom>
+          <a:noFill/>
+          <a:ln w="12700">
+            <a:solidFill>
+              <a:schemeClr val="tx2"/>
+            </a:solidFill>
+          </a:ln>
+        </p:spPr>
+        <p:style>
+          <a:lnRef idx="2">
+            <a:schemeClr val="accent1">
+              <a:shade val="50000"/>
+            </a:schemeClr>
+          </a:lnRef>
+          <a:fillRef idx="1">
+            <a:schemeClr val="accent1"/>
+          </a:fillRef>
+          <a:effectRef idx="0">
+            <a:schemeClr val="accent1"/>
+          </a:effectRef>
+          <a:fontRef idx="minor">
+            <a:schemeClr val="lt1"/>
+          </a:fontRef>
+        </p:style>
+      </p:cxnSp>
+      <p:sp>
+        <p:nvSpPr>
+          <p:cNvPr id="123" name="ZoneTexte 122"/>
+          <p:cNvSpPr txBox="1"/>
+          <p:nvPr/>
+        </p:nvSpPr>
+        <p:spPr>
+          <a:xfrm>
+            <a:off x="287330" y="3277507"/>
+            <a:ext cx="432000" cy="307777"/>
+          </a:xfrm>
+          <a:prstGeom prst="rect">
+            <a:avLst/>
+          </a:prstGeom>
+          <a:noFill/>
+        </p:spPr>
+        <p:txBody>
+          <a:bodyPr wrap="square" rtlCol="0">
+            <a:spAutoFit/>
+          </a:bodyPr>
+          <a:lstStyle/>
+          <a:p>
+            <a:pPr algn="ctr"/>
+            <a:r>
+              <a:rPr lang="fr-FR" sz="1400" dirty="0" err="1" smtClean="0"/>
+              <a:t>R</a:t>
+            </a:r>
+            <a:r>
+              <a:rPr lang="fr-FR" sz="1400" baseline="-25000" dirty="0" err="1" smtClean="0"/>
+              <a:t>g</a:t>
+            </a:r>
+            <a:endParaRPr lang="fr-FR" sz="1400" baseline="-25000" dirty="0"/>
+          </a:p>
+        </p:txBody>
+      </p:sp>
+      <p:cxnSp>
+        <p:nvCxnSpPr>
+          <p:cNvPr id="124" name="Connecteur droit 123"/>
+          <p:cNvCxnSpPr/>
+          <p:nvPr/>
+        </p:nvCxnSpPr>
+        <p:spPr>
+          <a:xfrm flipH="1">
+            <a:off x="2407351" y="4503597"/>
+            <a:ext cx="288539" cy="0"/>
+          </a:xfrm>
+          <a:prstGeom prst="line">
+            <a:avLst/>
+          </a:prstGeom>
+          <a:noFill/>
+          <a:ln w="12700">
+            <a:solidFill>
+              <a:schemeClr val="tx2"/>
+            </a:solidFill>
+          </a:ln>
+        </p:spPr>
+        <p:style>
+          <a:lnRef idx="2">
+            <a:schemeClr val="accent1">
+              <a:shade val="50000"/>
+            </a:schemeClr>
+          </a:lnRef>
+          <a:fillRef idx="1">
+            <a:schemeClr val="accent1"/>
+          </a:fillRef>
+          <a:effectRef idx="0">
+            <a:schemeClr val="accent1"/>
+          </a:effectRef>
+          <a:fontRef idx="minor">
+            <a:schemeClr val="lt1"/>
+          </a:fontRef>
+        </p:style>
+      </p:cxnSp>
+      <p:sp>
+        <p:nvSpPr>
+          <p:cNvPr id="125" name="Rectangle 124"/>
+          <p:cNvSpPr/>
+          <p:nvPr/>
+        </p:nvSpPr>
+        <p:spPr>
+          <a:xfrm>
+            <a:off x="1975835" y="4395597"/>
+            <a:ext cx="432000" cy="216000"/>
+          </a:xfrm>
+          <a:prstGeom prst="rect">
+            <a:avLst/>
+          </a:prstGeom>
+          <a:noFill/>
+          <a:ln w="12700">
+            <a:solidFill>
+              <a:schemeClr val="tx2"/>
+            </a:solidFill>
+          </a:ln>
+        </p:spPr>
+        <p:style>
+          <a:lnRef idx="2">
+            <a:schemeClr val="accent1">
+              <a:shade val="50000"/>
+            </a:schemeClr>
+          </a:lnRef>
+          <a:fillRef idx="1">
+            <a:schemeClr val="accent1"/>
+          </a:fillRef>
+          <a:effectRef idx="0">
+            <a:schemeClr val="accent1"/>
+          </a:effectRef>
+          <a:fontRef idx="minor">
+            <a:schemeClr val="lt1"/>
+          </a:fontRef>
+        </p:style>
+        <p:txBody>
+          <a:bodyPr rtlCol="0" anchor="ctr"/>
+          <a:lstStyle/>
+          <a:p>
+            <a:pPr algn="ctr"/>
+            <a:endParaRPr lang="fr-FR"/>
+          </a:p>
+        </p:txBody>
+      </p:sp>
+      <p:cxnSp>
+        <p:nvCxnSpPr>
+          <p:cNvPr id="126" name="Connecteur droit 125"/>
+          <p:cNvCxnSpPr>
+            <a:stCxn id="125" idx="1"/>
+          </p:cNvCxnSpPr>
+          <p:nvPr/>
+        </p:nvCxnSpPr>
+        <p:spPr>
+          <a:xfrm flipH="1">
+            <a:off x="1687779" y="4503597"/>
+            <a:ext cx="288056" cy="0"/>
+          </a:xfrm>
+          <a:prstGeom prst="line">
+            <a:avLst/>
+          </a:prstGeom>
+          <a:noFill/>
+          <a:ln w="12700">
+            <a:solidFill>
+              <a:schemeClr val="tx2"/>
+            </a:solidFill>
+          </a:ln>
+        </p:spPr>
+        <p:style>
+          <a:lnRef idx="2">
+            <a:schemeClr val="accent1">
+              <a:shade val="50000"/>
+            </a:schemeClr>
+          </a:lnRef>
+          <a:fillRef idx="1">
+            <a:schemeClr val="accent1"/>
+          </a:fillRef>
+          <a:effectRef idx="0">
+            <a:schemeClr val="accent1"/>
+          </a:effectRef>
+          <a:fontRef idx="minor">
+            <a:schemeClr val="lt1"/>
+          </a:fontRef>
+        </p:style>
+      </p:cxnSp>
+      <p:cxnSp>
+        <p:nvCxnSpPr>
+          <p:cNvPr id="128" name="Connecteur droit 127"/>
+          <p:cNvCxnSpPr/>
+          <p:nvPr/>
+        </p:nvCxnSpPr>
+        <p:spPr>
+          <a:xfrm flipV="1">
+            <a:off x="1838842" y="3822303"/>
+            <a:ext cx="0" cy="680817"/>
+          </a:xfrm>
+          <a:prstGeom prst="line">
+            <a:avLst/>
+          </a:prstGeom>
+          <a:noFill/>
+          <a:ln w="12700">
+            <a:solidFill>
+              <a:schemeClr val="tx2"/>
+            </a:solidFill>
+          </a:ln>
+        </p:spPr>
+        <p:style>
+          <a:lnRef idx="2">
+            <a:schemeClr val="accent1">
+              <a:shade val="50000"/>
+            </a:schemeClr>
+          </a:lnRef>
+          <a:fillRef idx="1">
+            <a:schemeClr val="accent1"/>
+          </a:fillRef>
+          <a:effectRef idx="0">
+            <a:schemeClr val="accent1"/>
+          </a:effectRef>
+          <a:fontRef idx="minor">
+            <a:schemeClr val="lt1"/>
+          </a:fontRef>
+        </p:style>
+      </p:cxnSp>
+      <p:sp>
+        <p:nvSpPr>
+          <p:cNvPr id="131" name="ZoneTexte 130"/>
+          <p:cNvSpPr txBox="1"/>
+          <p:nvPr/>
+        </p:nvSpPr>
+        <p:spPr>
+          <a:xfrm>
+            <a:off x="1979736" y="4087820"/>
+            <a:ext cx="432000" cy="307777"/>
+          </a:xfrm>
+          <a:prstGeom prst="rect">
+            <a:avLst/>
+          </a:prstGeom>
+          <a:noFill/>
+        </p:spPr>
+        <p:txBody>
+          <a:bodyPr wrap="square" rtlCol="0">
+            <a:spAutoFit/>
+          </a:bodyPr>
+          <a:lstStyle/>
+          <a:p>
+            <a:pPr algn="ctr"/>
+            <a:r>
+              <a:rPr lang="fr-FR" sz="1400" dirty="0" smtClean="0"/>
+              <a:t>R’</a:t>
+            </a:r>
+            <a:r>
+              <a:rPr lang="fr-FR" sz="1400" baseline="-25000" dirty="0" smtClean="0"/>
+              <a:t>2</a:t>
+            </a:r>
+            <a:endParaRPr lang="fr-FR" sz="1400" baseline="-25000" dirty="0"/>
+          </a:p>
+        </p:txBody>
+      </p:sp>
+      <p:sp>
+        <p:nvSpPr>
+          <p:cNvPr id="132" name="ZoneTexte 131"/>
+          <p:cNvSpPr txBox="1"/>
+          <p:nvPr/>
+        </p:nvSpPr>
+        <p:spPr>
+          <a:xfrm>
+            <a:off x="1975351" y="1941446"/>
+            <a:ext cx="432000" cy="307777"/>
+          </a:xfrm>
+          <a:prstGeom prst="rect">
+            <a:avLst/>
+          </a:prstGeom>
+          <a:noFill/>
+        </p:spPr>
+        <p:txBody>
+          <a:bodyPr wrap="square" rtlCol="0">
+            <a:spAutoFit/>
+          </a:bodyPr>
+          <a:lstStyle/>
+          <a:p>
+            <a:pPr algn="ctr"/>
+            <a:r>
+              <a:rPr lang="fr-FR" sz="1400" dirty="0" smtClean="0"/>
+              <a:t>R</a:t>
+            </a:r>
+            <a:r>
+              <a:rPr lang="fr-FR" sz="1400" baseline="-25000" dirty="0" smtClean="0"/>
+              <a:t>2</a:t>
+            </a:r>
+            <a:endParaRPr lang="fr-FR" sz="1400" baseline="-25000" dirty="0"/>
+          </a:p>
+        </p:txBody>
+      </p:sp>
+      <p:cxnSp>
+        <p:nvCxnSpPr>
+          <p:cNvPr id="133" name="Connecteur droit 132"/>
+          <p:cNvCxnSpPr/>
+          <p:nvPr/>
+        </p:nvCxnSpPr>
+        <p:spPr>
+          <a:xfrm flipV="1">
+            <a:off x="2700970" y="2348880"/>
+            <a:ext cx="0" cy="854263"/>
+          </a:xfrm>
+          <a:prstGeom prst="line">
+            <a:avLst/>
+          </a:prstGeom>
+          <a:noFill/>
+          <a:ln w="12700">
+            <a:solidFill>
+              <a:schemeClr val="tx2"/>
+            </a:solidFill>
+          </a:ln>
+        </p:spPr>
+        <p:style>
+          <a:lnRef idx="2">
+            <a:schemeClr val="accent1">
+              <a:shade val="50000"/>
+            </a:schemeClr>
+          </a:lnRef>
+          <a:fillRef idx="1">
+            <a:schemeClr val="accent1"/>
+          </a:fillRef>
+          <a:effectRef idx="0">
+            <a:schemeClr val="accent1"/>
+          </a:effectRef>
+          <a:fontRef idx="minor">
+            <a:schemeClr val="lt1"/>
+          </a:fontRef>
+        </p:style>
+      </p:cxnSp>
+      <p:cxnSp>
+        <p:nvCxnSpPr>
+          <p:cNvPr id="134" name="Connecteur droit 133"/>
+          <p:cNvCxnSpPr/>
+          <p:nvPr/>
+        </p:nvCxnSpPr>
+        <p:spPr>
+          <a:xfrm flipV="1">
+            <a:off x="2695407" y="3642516"/>
+            <a:ext cx="0" cy="860604"/>
+          </a:xfrm>
+          <a:prstGeom prst="line">
+            <a:avLst/>
+          </a:prstGeom>
+          <a:noFill/>
+          <a:ln w="12700">
+            <a:solidFill>
+              <a:schemeClr val="tx2"/>
+            </a:solidFill>
+          </a:ln>
+        </p:spPr>
+        <p:style>
+          <a:lnRef idx="2">
+            <a:schemeClr val="accent1">
+              <a:shade val="50000"/>
+            </a:schemeClr>
+          </a:lnRef>
+          <a:fillRef idx="1">
+            <a:schemeClr val="accent1"/>
+          </a:fillRef>
+          <a:effectRef idx="0">
+            <a:schemeClr val="accent1"/>
+          </a:effectRef>
+          <a:fontRef idx="minor">
+            <a:schemeClr val="lt1"/>
+          </a:fontRef>
+        </p:style>
+      </p:cxnSp>
+      <p:cxnSp>
+        <p:nvCxnSpPr>
+          <p:cNvPr id="136" name="Connecteur droit 135"/>
+          <p:cNvCxnSpPr/>
+          <p:nvPr/>
+        </p:nvCxnSpPr>
+        <p:spPr>
+          <a:xfrm flipH="1" flipV="1">
+            <a:off x="2695407" y="3642516"/>
+            <a:ext cx="436435" cy="1"/>
+          </a:xfrm>
+          <a:prstGeom prst="line">
+            <a:avLst/>
+          </a:prstGeom>
+          <a:noFill/>
+          <a:ln w="12700">
+            <a:solidFill>
+              <a:schemeClr val="tx2"/>
+            </a:solidFill>
+          </a:ln>
+        </p:spPr>
+        <p:style>
+          <a:lnRef idx="2">
+            <a:schemeClr val="accent1">
+              <a:shade val="50000"/>
+            </a:schemeClr>
+          </a:lnRef>
+          <a:fillRef idx="1">
+            <a:schemeClr val="accent1"/>
+          </a:fillRef>
+          <a:effectRef idx="0">
+            <a:schemeClr val="accent1"/>
+          </a:effectRef>
+          <a:fontRef idx="minor">
+            <a:schemeClr val="lt1"/>
+          </a:fontRef>
+        </p:style>
+      </p:cxnSp>
+      <p:cxnSp>
+        <p:nvCxnSpPr>
+          <p:cNvPr id="137" name="Connecteur droit 136"/>
+          <p:cNvCxnSpPr/>
+          <p:nvPr/>
+        </p:nvCxnSpPr>
+        <p:spPr>
+          <a:xfrm flipH="1">
+            <a:off x="2695407" y="3203143"/>
+            <a:ext cx="449186" cy="0"/>
+          </a:xfrm>
+          <a:prstGeom prst="line">
+            <a:avLst/>
+          </a:prstGeom>
+          <a:noFill/>
+          <a:ln w="12700">
+            <a:solidFill>
+              <a:schemeClr val="tx2"/>
+            </a:solidFill>
+          </a:ln>
+        </p:spPr>
+        <p:style>
+          <a:lnRef idx="2">
+            <a:schemeClr val="accent1">
+              <a:shade val="50000"/>
+            </a:schemeClr>
+          </a:lnRef>
+          <a:fillRef idx="1">
+            <a:schemeClr val="accent1"/>
+          </a:fillRef>
+          <a:effectRef idx="0">
+            <a:schemeClr val="accent1"/>
+          </a:effectRef>
+          <a:fontRef idx="minor">
+            <a:schemeClr val="lt1"/>
+          </a:fontRef>
+        </p:style>
+      </p:cxnSp>
+      <p:cxnSp>
+        <p:nvCxnSpPr>
+          <p:cNvPr id="145" name="Connecteur droit 144"/>
+          <p:cNvCxnSpPr/>
+          <p:nvPr/>
+        </p:nvCxnSpPr>
+        <p:spPr>
+          <a:xfrm flipH="1">
+            <a:off x="3707650" y="2829026"/>
+            <a:ext cx="288539" cy="0"/>
+          </a:xfrm>
+          <a:prstGeom prst="line">
+            <a:avLst/>
+          </a:prstGeom>
+          <a:noFill/>
+          <a:ln w="12700">
+            <a:solidFill>
+              <a:schemeClr val="tx2"/>
+            </a:solidFill>
+          </a:ln>
+        </p:spPr>
+        <p:style>
+          <a:lnRef idx="2">
+            <a:schemeClr val="accent1">
+              <a:shade val="50000"/>
+            </a:schemeClr>
+          </a:lnRef>
+          <a:fillRef idx="1">
+            <a:schemeClr val="accent1"/>
+          </a:fillRef>
+          <a:effectRef idx="0">
+            <a:schemeClr val="accent1"/>
+          </a:effectRef>
+          <a:fontRef idx="minor">
+            <a:schemeClr val="lt1"/>
+          </a:fontRef>
+        </p:style>
+      </p:cxnSp>
+      <p:sp>
+        <p:nvSpPr>
+          <p:cNvPr id="146" name="Rectangle 145"/>
+          <p:cNvSpPr/>
+          <p:nvPr/>
+        </p:nvSpPr>
+        <p:spPr>
+          <a:xfrm>
+            <a:off x="3276133" y="2721026"/>
+            <a:ext cx="432000" cy="216000"/>
+          </a:xfrm>
+          <a:prstGeom prst="rect">
+            <a:avLst/>
+          </a:prstGeom>
+          <a:noFill/>
+          <a:ln w="12700">
+            <a:solidFill>
+              <a:schemeClr val="tx2"/>
+            </a:solidFill>
+          </a:ln>
+        </p:spPr>
+        <p:style>
+          <a:lnRef idx="2">
+            <a:schemeClr val="accent1">
+              <a:shade val="50000"/>
+            </a:schemeClr>
+          </a:lnRef>
+          <a:fillRef idx="1">
+            <a:schemeClr val="accent1"/>
+          </a:fillRef>
+          <a:effectRef idx="0">
+            <a:schemeClr val="accent1"/>
+          </a:effectRef>
+          <a:fontRef idx="minor">
+            <a:schemeClr val="lt1"/>
+          </a:fontRef>
+        </p:style>
+        <p:txBody>
+          <a:bodyPr rtlCol="0" anchor="ctr"/>
+          <a:lstStyle/>
+          <a:p>
+            <a:pPr algn="ctr"/>
+            <a:endParaRPr lang="fr-FR"/>
+          </a:p>
+        </p:txBody>
+      </p:sp>
+      <p:cxnSp>
+        <p:nvCxnSpPr>
+          <p:cNvPr id="147" name="Connecteur droit 146"/>
+          <p:cNvCxnSpPr/>
+          <p:nvPr/>
+        </p:nvCxnSpPr>
+        <p:spPr>
+          <a:xfrm flipH="1">
+            <a:off x="2987823" y="2829026"/>
+            <a:ext cx="288539" cy="0"/>
+          </a:xfrm>
+          <a:prstGeom prst="line">
+            <a:avLst/>
+          </a:prstGeom>
+          <a:noFill/>
+          <a:ln w="12700">
+            <a:solidFill>
+              <a:schemeClr val="tx2"/>
+            </a:solidFill>
+          </a:ln>
+        </p:spPr>
+        <p:style>
+          <a:lnRef idx="2">
+            <a:schemeClr val="accent1">
+              <a:shade val="50000"/>
+            </a:schemeClr>
+          </a:lnRef>
+          <a:fillRef idx="1">
+            <a:schemeClr val="accent1"/>
+          </a:fillRef>
+          <a:effectRef idx="0">
+            <a:schemeClr val="accent1"/>
+          </a:effectRef>
+          <a:fontRef idx="minor">
+            <a:schemeClr val="lt1"/>
+          </a:fontRef>
+        </p:style>
+      </p:cxnSp>
+      <p:cxnSp>
+        <p:nvCxnSpPr>
+          <p:cNvPr id="148" name="Connecteur droit 147"/>
+          <p:cNvCxnSpPr/>
+          <p:nvPr/>
+        </p:nvCxnSpPr>
+        <p:spPr>
+          <a:xfrm flipH="1">
+            <a:off x="3708133" y="3988900"/>
+            <a:ext cx="288539" cy="0"/>
+          </a:xfrm>
+          <a:prstGeom prst="line">
+            <a:avLst/>
+          </a:prstGeom>
+          <a:noFill/>
+          <a:ln w="12700">
+            <a:solidFill>
+              <a:schemeClr val="tx2"/>
+            </a:solidFill>
+          </a:ln>
+        </p:spPr>
+        <p:style>
+          <a:lnRef idx="2">
+            <a:schemeClr val="accent1">
+              <a:shade val="50000"/>
+            </a:schemeClr>
+          </a:lnRef>
+          <a:fillRef idx="1">
+            <a:schemeClr val="accent1"/>
+          </a:fillRef>
+          <a:effectRef idx="0">
+            <a:schemeClr val="accent1"/>
+          </a:effectRef>
+          <a:fontRef idx="minor">
+            <a:schemeClr val="lt1"/>
+          </a:fontRef>
+        </p:style>
+      </p:cxnSp>
+      <p:sp>
+        <p:nvSpPr>
+          <p:cNvPr id="149" name="Rectangle 148"/>
+          <p:cNvSpPr/>
+          <p:nvPr/>
+        </p:nvSpPr>
+        <p:spPr>
+          <a:xfrm>
+            <a:off x="3276616" y="3880900"/>
+            <a:ext cx="432000" cy="216000"/>
+          </a:xfrm>
+          <a:prstGeom prst="rect">
+            <a:avLst/>
+          </a:prstGeom>
+          <a:noFill/>
+          <a:ln w="12700">
+            <a:solidFill>
+              <a:schemeClr val="tx2"/>
+            </a:solidFill>
+          </a:ln>
+        </p:spPr>
+        <p:style>
+          <a:lnRef idx="2">
+            <a:schemeClr val="accent1">
+              <a:shade val="50000"/>
+            </a:schemeClr>
+          </a:lnRef>
+          <a:fillRef idx="1">
+            <a:schemeClr val="accent1"/>
+          </a:fillRef>
+          <a:effectRef idx="0">
+            <a:schemeClr val="accent1"/>
+          </a:effectRef>
+          <a:fontRef idx="minor">
+            <a:schemeClr val="lt1"/>
+          </a:fontRef>
+        </p:style>
+        <p:txBody>
+          <a:bodyPr rtlCol="0" anchor="ctr"/>
+          <a:lstStyle/>
+          <a:p>
+            <a:pPr algn="ctr"/>
+            <a:endParaRPr lang="fr-FR"/>
+          </a:p>
+        </p:txBody>
+      </p:sp>
+      <p:cxnSp>
+        <p:nvCxnSpPr>
+          <p:cNvPr id="150" name="Connecteur droit 149"/>
+          <p:cNvCxnSpPr/>
+          <p:nvPr/>
+        </p:nvCxnSpPr>
+        <p:spPr>
+          <a:xfrm flipH="1">
+            <a:off x="2988306" y="3988900"/>
+            <a:ext cx="288539" cy="0"/>
+          </a:xfrm>
+          <a:prstGeom prst="line">
+            <a:avLst/>
+          </a:prstGeom>
+          <a:noFill/>
+          <a:ln w="12700">
+            <a:solidFill>
+              <a:schemeClr val="tx2"/>
+            </a:solidFill>
+          </a:ln>
+        </p:spPr>
+        <p:style>
+          <a:lnRef idx="2">
+            <a:schemeClr val="accent1">
+              <a:shade val="50000"/>
+            </a:schemeClr>
+          </a:lnRef>
+          <a:fillRef idx="1">
+            <a:schemeClr val="accent1"/>
+          </a:fillRef>
+          <a:effectRef idx="0">
+            <a:schemeClr val="accent1"/>
+          </a:effectRef>
+          <a:fontRef idx="minor">
+            <a:schemeClr val="lt1"/>
+          </a:fontRef>
+        </p:style>
+      </p:cxnSp>
+      <p:cxnSp>
+        <p:nvCxnSpPr>
+          <p:cNvPr id="151" name="Connecteur droit 150"/>
+          <p:cNvCxnSpPr/>
+          <p:nvPr/>
+        </p:nvCxnSpPr>
+        <p:spPr>
+          <a:xfrm>
+            <a:off x="2991928" y="2829026"/>
+            <a:ext cx="0" cy="369455"/>
+          </a:xfrm>
+          <a:prstGeom prst="line">
+            <a:avLst/>
+          </a:prstGeom>
+          <a:noFill/>
+          <a:ln w="12700">
+            <a:solidFill>
+              <a:schemeClr val="tx2"/>
+            </a:solidFill>
+          </a:ln>
+        </p:spPr>
+        <p:style>
+          <a:lnRef idx="2">
+            <a:schemeClr val="accent1">
+              <a:shade val="50000"/>
+            </a:schemeClr>
+          </a:lnRef>
+          <a:fillRef idx="1">
+            <a:schemeClr val="accent1"/>
+          </a:fillRef>
+          <a:effectRef idx="0">
+            <a:schemeClr val="accent1"/>
+          </a:effectRef>
+          <a:fontRef idx="minor">
+            <a:schemeClr val="lt1"/>
+          </a:fontRef>
+        </p:style>
+      </p:cxnSp>
+      <p:cxnSp>
+        <p:nvCxnSpPr>
+          <p:cNvPr id="153" name="Connecteur droit 152"/>
+          <p:cNvCxnSpPr/>
+          <p:nvPr/>
+        </p:nvCxnSpPr>
+        <p:spPr>
+          <a:xfrm flipH="1">
+            <a:off x="2987823" y="3642516"/>
+            <a:ext cx="483" cy="346384"/>
+          </a:xfrm>
+          <a:prstGeom prst="line">
+            <a:avLst/>
+          </a:prstGeom>
+          <a:noFill/>
+          <a:ln w="12700">
+            <a:solidFill>
+              <a:schemeClr val="tx2"/>
+            </a:solidFill>
+          </a:ln>
+        </p:spPr>
+        <p:style>
+          <a:lnRef idx="2">
+            <a:schemeClr val="accent1">
+              <a:shade val="50000"/>
+            </a:schemeClr>
+          </a:lnRef>
+          <a:fillRef idx="1">
+            <a:schemeClr val="accent1"/>
+          </a:fillRef>
+          <a:effectRef idx="0">
+            <a:schemeClr val="accent1"/>
+          </a:effectRef>
+          <a:fontRef idx="minor">
+            <a:schemeClr val="lt1"/>
+          </a:fontRef>
+        </p:style>
+      </p:cxnSp>
+      <p:sp>
+        <p:nvSpPr>
+          <p:cNvPr id="155" name="ZoneTexte 154"/>
+          <p:cNvSpPr txBox="1"/>
+          <p:nvPr/>
+        </p:nvSpPr>
+        <p:spPr>
+          <a:xfrm>
+            <a:off x="3275397" y="4103849"/>
+            <a:ext cx="432000" cy="307777"/>
+          </a:xfrm>
+          <a:prstGeom prst="rect">
+            <a:avLst/>
+          </a:prstGeom>
+          <a:noFill/>
+        </p:spPr>
+        <p:txBody>
+          <a:bodyPr wrap="square" rtlCol="0">
+            <a:spAutoFit/>
+          </a:bodyPr>
+          <a:lstStyle/>
+          <a:p>
+            <a:pPr algn="ctr"/>
+            <a:r>
+              <a:rPr lang="fr-FR" sz="1400" dirty="0" smtClean="0"/>
+              <a:t>R’</a:t>
+            </a:r>
+            <a:r>
+              <a:rPr lang="fr-FR" sz="1400" baseline="-25000" dirty="0" smtClean="0"/>
+              <a:t>3</a:t>
+            </a:r>
+            <a:endParaRPr lang="fr-FR" sz="1400" baseline="-25000" dirty="0"/>
+          </a:p>
+        </p:txBody>
+      </p:sp>
+      <p:sp>
+        <p:nvSpPr>
+          <p:cNvPr id="156" name="ZoneTexte 155"/>
+          <p:cNvSpPr txBox="1"/>
+          <p:nvPr/>
+        </p:nvSpPr>
+        <p:spPr>
+          <a:xfrm>
+            <a:off x="3275397" y="2396505"/>
+            <a:ext cx="432000" cy="307777"/>
+          </a:xfrm>
+          <a:prstGeom prst="rect">
+            <a:avLst/>
+          </a:prstGeom>
+          <a:noFill/>
+        </p:spPr>
+        <p:txBody>
+          <a:bodyPr wrap="square" rtlCol="0">
+            <a:spAutoFit/>
+          </a:bodyPr>
+          <a:lstStyle/>
+          <a:p>
+            <a:pPr algn="ctr"/>
+            <a:r>
+              <a:rPr lang="fr-FR" sz="1400" dirty="0" smtClean="0"/>
+              <a:t>R</a:t>
+            </a:r>
+            <a:r>
+              <a:rPr lang="fr-FR" sz="1400" baseline="-25000" dirty="0" smtClean="0"/>
+              <a:t>3</a:t>
+            </a:r>
+            <a:endParaRPr lang="fr-FR" sz="1400" baseline="-25000" dirty="0"/>
+          </a:p>
+        </p:txBody>
+      </p:sp>
+      <p:cxnSp>
+        <p:nvCxnSpPr>
+          <p:cNvPr id="158" name="Connecteur droit 157"/>
+          <p:cNvCxnSpPr/>
+          <p:nvPr/>
+        </p:nvCxnSpPr>
+        <p:spPr>
+          <a:xfrm flipH="1">
+            <a:off x="3860051" y="3420022"/>
+            <a:ext cx="711949" cy="0"/>
+          </a:xfrm>
+          <a:prstGeom prst="line">
+            <a:avLst/>
+          </a:prstGeom>
+          <a:noFill/>
+          <a:ln w="12700">
+            <a:solidFill>
+              <a:schemeClr val="tx2"/>
+            </a:solidFill>
+          </a:ln>
+        </p:spPr>
+        <p:style>
+          <a:lnRef idx="2">
+            <a:schemeClr val="accent1">
+              <a:shade val="50000"/>
+            </a:schemeClr>
+          </a:lnRef>
+          <a:fillRef idx="1">
+            <a:schemeClr val="accent1"/>
+          </a:fillRef>
+          <a:effectRef idx="0">
+            <a:schemeClr val="accent1"/>
+          </a:effectRef>
+          <a:fontRef idx="minor">
+            <a:schemeClr val="lt1"/>
+          </a:fontRef>
+        </p:style>
+      </p:cxnSp>
+      <p:cxnSp>
+        <p:nvCxnSpPr>
+          <p:cNvPr id="160" name="Connecteur droit 159"/>
+          <p:cNvCxnSpPr/>
+          <p:nvPr/>
+        </p:nvCxnSpPr>
+        <p:spPr>
+          <a:xfrm>
+            <a:off x="3996672" y="2833688"/>
+            <a:ext cx="0" cy="597708"/>
+          </a:xfrm>
+          <a:prstGeom prst="line">
+            <a:avLst/>
+          </a:prstGeom>
+          <a:noFill/>
+          <a:ln w="12700">
+            <a:solidFill>
+              <a:schemeClr val="tx2"/>
+            </a:solidFill>
+          </a:ln>
+        </p:spPr>
+        <p:style>
+          <a:lnRef idx="2">
+            <a:schemeClr val="accent1">
+              <a:shade val="50000"/>
+            </a:schemeClr>
+          </a:lnRef>
+          <a:fillRef idx="1">
+            <a:schemeClr val="accent1"/>
+          </a:fillRef>
+          <a:effectRef idx="0">
+            <a:schemeClr val="accent1"/>
+          </a:effectRef>
+          <a:fontRef idx="minor">
+            <a:schemeClr val="lt1"/>
+          </a:fontRef>
+        </p:style>
+      </p:cxnSp>
+      <p:cxnSp>
+        <p:nvCxnSpPr>
+          <p:cNvPr id="165" name="Connecteur droit 164"/>
+          <p:cNvCxnSpPr/>
+          <p:nvPr/>
+        </p:nvCxnSpPr>
+        <p:spPr>
+          <a:xfrm flipV="1">
+            <a:off x="660303" y="4717794"/>
+            <a:ext cx="0" cy="332712"/>
+          </a:xfrm>
+          <a:prstGeom prst="line">
+            <a:avLst/>
+          </a:prstGeom>
+          <a:noFill/>
+          <a:ln w="12700">
+            <a:solidFill>
+              <a:schemeClr val="tx2"/>
+            </a:solidFill>
+            <a:tailEnd type="stealth" w="med" len="lg"/>
+          </a:ln>
+        </p:spPr>
+        <p:style>
+          <a:lnRef idx="2">
+            <a:schemeClr val="accent1">
+              <a:shade val="50000"/>
+            </a:schemeClr>
+          </a:lnRef>
+          <a:fillRef idx="1">
+            <a:schemeClr val="accent1"/>
+          </a:fillRef>
+          <a:effectRef idx="0">
+            <a:schemeClr val="accent1"/>
+          </a:effectRef>
+          <a:fontRef idx="minor">
+            <a:schemeClr val="lt1"/>
+          </a:fontRef>
+        </p:style>
+      </p:cxnSp>
+      <p:sp>
+        <p:nvSpPr>
+          <p:cNvPr id="166" name="ZoneTexte 165"/>
+          <p:cNvSpPr txBox="1"/>
+          <p:nvPr/>
+        </p:nvSpPr>
+        <p:spPr>
+          <a:xfrm>
+            <a:off x="228303" y="4730261"/>
+            <a:ext cx="432000" cy="307777"/>
+          </a:xfrm>
+          <a:prstGeom prst="rect">
+            <a:avLst/>
+          </a:prstGeom>
+          <a:noFill/>
+        </p:spPr>
+        <p:txBody>
+          <a:bodyPr wrap="square" rtlCol="0">
+            <a:spAutoFit/>
+          </a:bodyPr>
+          <a:lstStyle/>
+          <a:p>
+            <a:pPr algn="ctr"/>
+            <a:r>
+              <a:rPr lang="fr-FR" sz="1400" dirty="0" smtClean="0"/>
+              <a:t>V</a:t>
+            </a:r>
+            <a:r>
+              <a:rPr lang="fr-FR" sz="1400" baseline="-25000" dirty="0" smtClean="0"/>
+              <a:t>e2</a:t>
+            </a:r>
+            <a:endParaRPr lang="fr-FR" sz="1400" baseline="-25000" dirty="0"/>
+          </a:p>
+        </p:txBody>
+      </p:sp>
+      <p:cxnSp>
+        <p:nvCxnSpPr>
+          <p:cNvPr id="167" name="Connecteur droit 166"/>
+          <p:cNvCxnSpPr/>
+          <p:nvPr/>
+        </p:nvCxnSpPr>
+        <p:spPr>
+          <a:xfrm flipH="1">
+            <a:off x="683544" y="4720965"/>
+            <a:ext cx="288056" cy="0"/>
+          </a:xfrm>
+          <a:prstGeom prst="line">
+            <a:avLst/>
+          </a:prstGeom>
+          <a:noFill/>
+          <a:ln w="12700">
+            <a:solidFill>
+              <a:schemeClr val="tx2"/>
+            </a:solidFill>
+          </a:ln>
+        </p:spPr>
+        <p:style>
+          <a:lnRef idx="2">
+            <a:schemeClr val="accent1">
+              <a:shade val="50000"/>
+            </a:schemeClr>
+          </a:lnRef>
+          <a:fillRef idx="1">
+            <a:schemeClr val="accent1"/>
+          </a:fillRef>
+          <a:effectRef idx="0">
+            <a:schemeClr val="accent1"/>
+          </a:effectRef>
+          <a:fontRef idx="minor">
+            <a:schemeClr val="lt1"/>
+          </a:fontRef>
+        </p:style>
+      </p:cxnSp>
+      <p:grpSp>
+        <p:nvGrpSpPr>
+          <p:cNvPr id="168" name="Groupe 167"/>
+          <p:cNvGrpSpPr/>
+          <p:nvPr/>
+        </p:nvGrpSpPr>
+        <p:grpSpPr>
+          <a:xfrm>
+            <a:off x="516045" y="5083466"/>
+            <a:ext cx="288032" cy="144016"/>
+            <a:chOff x="1907704" y="4221088"/>
+            <a:chExt cx="288032" cy="144016"/>
+          </a:xfrm>
+        </p:grpSpPr>
+        <p:sp>
+          <p:nvSpPr>
+            <p:cNvPr id="169" name="Rectangle 168"/>
+            <p:cNvSpPr/>
+            <p:nvPr/>
+          </p:nvSpPr>
+          <p:spPr>
+            <a:xfrm>
+              <a:off x="1907704" y="4221088"/>
+              <a:ext cx="288032" cy="144016"/>
+            </a:xfrm>
+            <a:prstGeom prst="rect">
+              <a:avLst/>
+            </a:prstGeom>
+            <a:pattFill prst="wdUpDiag">
+              <a:fgClr>
+                <a:srgbClr val="002060"/>
+              </a:fgClr>
+              <a:bgClr>
+                <a:schemeClr val="bg1"/>
+              </a:bgClr>
+            </a:pattFill>
+            <a:ln w="12700">
+              <a:noFill/>
+            </a:ln>
+          </p:spPr>
+          <p:style>
+            <a:lnRef idx="2">
+              <a:schemeClr val="accent1">
+                <a:shade val="50000"/>
+              </a:schemeClr>
+            </a:lnRef>
+            <a:fillRef idx="1">
+              <a:schemeClr val="accent1"/>
+            </a:fillRef>
+            <a:effectRef idx="0">
+              <a:schemeClr val="accent1"/>
+            </a:effectRef>
+            <a:fontRef idx="minor">
+              <a:schemeClr val="lt1"/>
+            </a:fontRef>
+          </p:style>
+          <p:txBody>
+            <a:bodyPr rtlCol="0" anchor="ctr"/>
+            <a:lstStyle/>
+            <a:p>
+              <a:pPr algn="ctr"/>
+              <a:endParaRPr lang="fr-FR"/>
+            </a:p>
+          </p:txBody>
+        </p:sp>
+        <p:cxnSp>
+          <p:nvCxnSpPr>
+            <p:cNvPr id="170" name="Connecteur droit 169"/>
+            <p:cNvCxnSpPr/>
+            <p:nvPr/>
+          </p:nvCxnSpPr>
+          <p:spPr>
+            <a:xfrm>
+              <a:off x="1907704" y="4221088"/>
+              <a:ext cx="288000" cy="0"/>
+            </a:xfrm>
+            <a:prstGeom prst="line">
+              <a:avLst/>
+            </a:prstGeom>
+            <a:noFill/>
+            <a:ln w="12700">
+              <a:solidFill>
+                <a:schemeClr val="tx2"/>
+              </a:solidFill>
+            </a:ln>
+          </p:spPr>
+          <p:style>
+            <a:lnRef idx="2">
+              <a:schemeClr val="accent1">
+                <a:shade val="50000"/>
+              </a:schemeClr>
+            </a:lnRef>
+            <a:fillRef idx="1">
+              <a:schemeClr val="accent1"/>
+            </a:fillRef>
+            <a:effectRef idx="0">
+              <a:schemeClr val="accent1"/>
+            </a:effectRef>
+            <a:fontRef idx="minor">
+              <a:schemeClr val="lt1"/>
+            </a:fontRef>
+          </p:style>
+        </p:cxnSp>
+      </p:grpSp>
+      <p:grpSp>
+        <p:nvGrpSpPr>
+          <p:cNvPr id="171" name="Groupe 170"/>
+          <p:cNvGrpSpPr/>
+          <p:nvPr/>
+        </p:nvGrpSpPr>
+        <p:grpSpPr>
+          <a:xfrm>
+            <a:off x="3860051" y="4323589"/>
+            <a:ext cx="288032" cy="144016"/>
+            <a:chOff x="1907704" y="4221088"/>
+            <a:chExt cx="288032" cy="144016"/>
+          </a:xfrm>
+        </p:grpSpPr>
+        <p:sp>
+          <p:nvSpPr>
+            <p:cNvPr id="172" name="Rectangle 171"/>
+            <p:cNvSpPr/>
+            <p:nvPr/>
+          </p:nvSpPr>
+          <p:spPr>
+            <a:xfrm>
+              <a:off x="1907704" y="4221088"/>
+              <a:ext cx="288032" cy="144016"/>
+            </a:xfrm>
+            <a:prstGeom prst="rect">
+              <a:avLst/>
+            </a:prstGeom>
+            <a:pattFill prst="wdUpDiag">
+              <a:fgClr>
+                <a:srgbClr val="002060"/>
+              </a:fgClr>
+              <a:bgClr>
+                <a:schemeClr val="bg1"/>
+              </a:bgClr>
+            </a:pattFill>
+            <a:ln w="12700">
+              <a:noFill/>
+            </a:ln>
+          </p:spPr>
+          <p:style>
+            <a:lnRef idx="2">
+              <a:schemeClr val="accent1">
+                <a:shade val="50000"/>
+              </a:schemeClr>
+            </a:lnRef>
+            <a:fillRef idx="1">
+              <a:schemeClr val="accent1"/>
+            </a:fillRef>
+            <a:effectRef idx="0">
+              <a:schemeClr val="accent1"/>
+            </a:effectRef>
+            <a:fontRef idx="minor">
+              <a:schemeClr val="lt1"/>
+            </a:fontRef>
+          </p:style>
+          <p:txBody>
+            <a:bodyPr rtlCol="0" anchor="ctr"/>
+            <a:lstStyle/>
+            <a:p>
+              <a:pPr algn="ctr"/>
+              <a:endParaRPr lang="fr-FR"/>
+            </a:p>
+          </p:txBody>
+        </p:sp>
+        <p:cxnSp>
+          <p:nvCxnSpPr>
+            <p:cNvPr id="173" name="Connecteur droit 172"/>
+            <p:cNvCxnSpPr/>
+            <p:nvPr/>
+          </p:nvCxnSpPr>
+          <p:spPr>
+            <a:xfrm>
+              <a:off x="1907704" y="4221088"/>
+              <a:ext cx="288000" cy="0"/>
+            </a:xfrm>
+            <a:prstGeom prst="line">
+              <a:avLst/>
+            </a:prstGeom>
+            <a:noFill/>
+            <a:ln w="12700">
+              <a:solidFill>
+                <a:schemeClr val="tx2"/>
+              </a:solidFill>
+            </a:ln>
+          </p:spPr>
+          <p:style>
+            <a:lnRef idx="2">
+              <a:schemeClr val="accent1">
+                <a:shade val="50000"/>
+              </a:schemeClr>
+            </a:lnRef>
+            <a:fillRef idx="1">
+              <a:schemeClr val="accent1"/>
+            </a:fillRef>
+            <a:effectRef idx="0">
+              <a:schemeClr val="accent1"/>
+            </a:effectRef>
+            <a:fontRef idx="minor">
+              <a:schemeClr val="lt1"/>
+            </a:fontRef>
+          </p:style>
+        </p:cxnSp>
+      </p:grpSp>
+      <p:grpSp>
+        <p:nvGrpSpPr>
+          <p:cNvPr id="174" name="Groupe 173"/>
+          <p:cNvGrpSpPr/>
+          <p:nvPr/>
+        </p:nvGrpSpPr>
+        <p:grpSpPr>
+          <a:xfrm>
+            <a:off x="516013" y="2493775"/>
+            <a:ext cx="288032" cy="144016"/>
+            <a:chOff x="1907704" y="4221088"/>
+            <a:chExt cx="288032" cy="144016"/>
+          </a:xfrm>
+        </p:grpSpPr>
+        <p:sp>
+          <p:nvSpPr>
+            <p:cNvPr id="175" name="Rectangle 174"/>
+            <p:cNvSpPr/>
+            <p:nvPr/>
+          </p:nvSpPr>
+          <p:spPr>
+            <a:xfrm>
+              <a:off x="1907704" y="4221088"/>
+              <a:ext cx="288032" cy="144016"/>
+            </a:xfrm>
+            <a:prstGeom prst="rect">
+              <a:avLst/>
+            </a:prstGeom>
+            <a:pattFill prst="wdUpDiag">
+              <a:fgClr>
+                <a:srgbClr val="002060"/>
+              </a:fgClr>
+              <a:bgClr>
+                <a:schemeClr val="bg1"/>
+              </a:bgClr>
+            </a:pattFill>
+            <a:ln w="12700">
+              <a:noFill/>
+            </a:ln>
+          </p:spPr>
+          <p:style>
+            <a:lnRef idx="2">
+              <a:schemeClr val="accent1">
+                <a:shade val="50000"/>
+              </a:schemeClr>
+            </a:lnRef>
+            <a:fillRef idx="1">
+              <a:schemeClr val="accent1"/>
+            </a:fillRef>
+            <a:effectRef idx="0">
+              <a:schemeClr val="accent1"/>
+            </a:effectRef>
+            <a:fontRef idx="minor">
+              <a:schemeClr val="lt1"/>
+            </a:fontRef>
+          </p:style>
+          <p:txBody>
+            <a:bodyPr rtlCol="0" anchor="ctr"/>
+            <a:lstStyle/>
+            <a:p>
+              <a:pPr algn="ctr"/>
+              <a:endParaRPr lang="fr-FR"/>
+            </a:p>
+          </p:txBody>
+        </p:sp>
+        <p:cxnSp>
+          <p:nvCxnSpPr>
+            <p:cNvPr id="176" name="Connecteur droit 175"/>
+            <p:cNvCxnSpPr/>
+            <p:nvPr/>
+          </p:nvCxnSpPr>
+          <p:spPr>
+            <a:xfrm>
+              <a:off x="1907704" y="4221088"/>
+              <a:ext cx="288000" cy="0"/>
+            </a:xfrm>
+            <a:prstGeom prst="line">
+              <a:avLst/>
+            </a:prstGeom>
+            <a:noFill/>
+            <a:ln w="12700">
+              <a:solidFill>
+                <a:schemeClr val="tx2"/>
+              </a:solidFill>
+            </a:ln>
+          </p:spPr>
+          <p:style>
+            <a:lnRef idx="2">
+              <a:schemeClr val="accent1">
+                <a:shade val="50000"/>
+              </a:schemeClr>
+            </a:lnRef>
+            <a:fillRef idx="1">
+              <a:schemeClr val="accent1"/>
+            </a:fillRef>
+            <a:effectRef idx="0">
+              <a:schemeClr val="accent1"/>
+            </a:effectRef>
+            <a:fontRef idx="minor">
+              <a:schemeClr val="lt1"/>
+            </a:fontRef>
+          </p:style>
+        </p:cxnSp>
+      </p:grpSp>
+      <p:cxnSp>
+        <p:nvCxnSpPr>
+          <p:cNvPr id="177" name="Connecteur droit 176"/>
+          <p:cNvCxnSpPr/>
+          <p:nvPr/>
+        </p:nvCxnSpPr>
+        <p:spPr>
+          <a:xfrm flipH="1">
+            <a:off x="3998407" y="3988900"/>
+            <a:ext cx="483" cy="346384"/>
+          </a:xfrm>
+          <a:prstGeom prst="line">
+            <a:avLst/>
+          </a:prstGeom>
+          <a:noFill/>
+          <a:ln w="12700">
+            <a:solidFill>
+              <a:schemeClr val="tx2"/>
+            </a:solidFill>
+          </a:ln>
+        </p:spPr>
+        <p:style>
+          <a:lnRef idx="2">
+            <a:schemeClr val="accent1">
+              <a:shade val="50000"/>
+            </a:schemeClr>
+          </a:lnRef>
+          <a:fillRef idx="1">
+            <a:schemeClr val="accent1"/>
+          </a:fillRef>
+          <a:effectRef idx="0">
+            <a:schemeClr val="accent1"/>
+          </a:effectRef>
+          <a:fontRef idx="minor">
+            <a:schemeClr val="lt1"/>
+          </a:fontRef>
+        </p:style>
+      </p:cxnSp>
+      <p:cxnSp>
+        <p:nvCxnSpPr>
+          <p:cNvPr id="178" name="Connecteur droit 177"/>
+          <p:cNvCxnSpPr/>
+          <p:nvPr/>
+        </p:nvCxnSpPr>
+        <p:spPr>
+          <a:xfrm flipV="1">
+            <a:off x="4205683" y="3460092"/>
+            <a:ext cx="0" cy="797645"/>
+          </a:xfrm>
+          <a:prstGeom prst="line">
+            <a:avLst/>
+          </a:prstGeom>
+          <a:noFill/>
+          <a:ln w="12700">
+            <a:solidFill>
+              <a:schemeClr val="tx2"/>
+            </a:solidFill>
+            <a:tailEnd type="stealth" w="med" len="lg"/>
+          </a:ln>
+        </p:spPr>
+        <p:style>
+          <a:lnRef idx="2">
+            <a:schemeClr val="accent1">
+              <a:shade val="50000"/>
+            </a:schemeClr>
+          </a:lnRef>
+          <a:fillRef idx="1">
+            <a:schemeClr val="accent1"/>
+          </a:fillRef>
+          <a:effectRef idx="0">
+            <a:schemeClr val="accent1"/>
+          </a:effectRef>
+          <a:fontRef idx="minor">
+            <a:schemeClr val="lt1"/>
+          </a:fontRef>
+        </p:style>
+      </p:cxnSp>
+      <p:sp>
+        <p:nvSpPr>
+          <p:cNvPr id="179" name="ZoneTexte 178"/>
+          <p:cNvSpPr txBox="1"/>
+          <p:nvPr/>
+        </p:nvSpPr>
+        <p:spPr>
+          <a:xfrm>
+            <a:off x="4235645" y="3705025"/>
+            <a:ext cx="432000" cy="307777"/>
+          </a:xfrm>
+          <a:prstGeom prst="rect">
+            <a:avLst/>
+          </a:prstGeom>
+          <a:noFill/>
+        </p:spPr>
+        <p:txBody>
+          <a:bodyPr wrap="square" rtlCol="0">
+            <a:spAutoFit/>
+          </a:bodyPr>
+          <a:lstStyle/>
+          <a:p>
+            <a:pPr algn="ctr"/>
+            <a:r>
+              <a:rPr lang="fr-FR" sz="1400" dirty="0" smtClean="0"/>
+              <a:t>V</a:t>
+            </a:r>
+            <a:r>
+              <a:rPr lang="fr-FR" sz="1400" baseline="-25000" dirty="0" smtClean="0"/>
+              <a:t>S</a:t>
+            </a:r>
+            <a:endParaRPr lang="fr-FR" sz="1400" baseline="-25000" dirty="0"/>
+          </a:p>
+        </p:txBody>
+      </p:sp>
+      <p:sp>
+        <p:nvSpPr>
+          <p:cNvPr id="77" name="ZoneTexte 76"/>
+          <p:cNvSpPr txBox="1"/>
+          <p:nvPr/>
+        </p:nvSpPr>
+        <p:spPr>
+          <a:xfrm>
+            <a:off x="3428051" y="3495441"/>
+            <a:ext cx="432000" cy="276999"/>
+          </a:xfrm>
+          <a:prstGeom prst="rect">
+            <a:avLst/>
+          </a:prstGeom>
+          <a:noFill/>
+        </p:spPr>
+        <p:txBody>
+          <a:bodyPr wrap="square" rtlCol="0">
+            <a:spAutoFit/>
+          </a:bodyPr>
+          <a:lstStyle/>
+          <a:p>
+            <a:r>
+              <a:rPr lang="fr-FR" sz="1200" dirty="0" smtClean="0"/>
+              <a:t>A3</a:t>
+            </a:r>
+            <a:endParaRPr lang="fr-FR" sz="1200" baseline="-25000" dirty="0"/>
+          </a:p>
+        </p:txBody>
+      </p:sp>
+    </p:spTree>
+    <p:extLst>
+      <p:ext uri="{BB962C8B-B14F-4D97-AF65-F5344CB8AC3E}">
+        <p14:creationId xmlns:p14="http://schemas.microsoft.com/office/powerpoint/2010/main" val="2061004914"/>
+      </p:ext>
+    </p:extLst>
+  </p:cSld>
+  <p:clrMapOvr>
+    <a:masterClrMapping/>
+  </p:clrMapOvr>
+</p:sld>
+</file>
+
+<file path=ppt/slides/slide3.xml><?xml version="1.0" encoding="utf-8"?>
+<p:sld xmlns:a="http://schemas.openxmlformats.org/drawingml/2006/main" xmlns:r="http://schemas.openxmlformats.org/officeDocument/2006/relationships" xmlns:p="http://schemas.openxmlformats.org/presentationml/2006/main">
+  <p:cSld>
+    <p:spTree>
+      <p:nvGrpSpPr>
+        <p:cNvPr id="1" name=""/>
+        <p:cNvGrpSpPr/>
+        <p:nvPr/>
+      </p:nvGrpSpPr>
+      <p:grpSpPr>
+        <a:xfrm>
+          <a:off x="0" y="0"/>
+          <a:ext cx="0" cy="0"/>
+          <a:chOff x="0" y="0"/>
+          <a:chExt cx="0" cy="0"/>
+        </a:xfrm>
+      </p:grpSpPr>
+      <p:sp>
+        <p:nvSpPr>
+          <p:cNvPr id="4" name="Rectangle 3"/>
+          <p:cNvSpPr/>
+          <p:nvPr/>
+        </p:nvSpPr>
+        <p:spPr>
+          <a:xfrm>
+            <a:off x="1852112" y="2624704"/>
+            <a:ext cx="432000" cy="216000"/>
+          </a:xfrm>
+          <a:prstGeom prst="rect">
+            <a:avLst/>
+          </a:prstGeom>
+          <a:noFill/>
+          <a:ln w="12700">
+            <a:solidFill>
+              <a:schemeClr val="tx2"/>
+            </a:solidFill>
+          </a:ln>
+        </p:spPr>
+        <p:style>
+          <a:lnRef idx="2">
+            <a:schemeClr val="accent1">
+              <a:shade val="50000"/>
+            </a:schemeClr>
+          </a:lnRef>
+          <a:fillRef idx="1">
+            <a:schemeClr val="accent1"/>
+          </a:fillRef>
+          <a:effectRef idx="0">
+            <a:schemeClr val="accent1"/>
+          </a:effectRef>
+          <a:fontRef idx="minor">
+            <a:schemeClr val="lt1"/>
+          </a:fontRef>
+        </p:style>
+        <p:txBody>
+          <a:bodyPr rtlCol="0" anchor="ctr"/>
+          <a:lstStyle/>
+          <a:p>
+            <a:pPr algn="ctr"/>
+            <a:endParaRPr lang="fr-FR"/>
+          </a:p>
+        </p:txBody>
+      </p:sp>
+      <p:cxnSp>
+        <p:nvCxnSpPr>
+          <p:cNvPr id="6" name="Connecteur droit 5"/>
+          <p:cNvCxnSpPr>
+            <a:stCxn id="4" idx="1"/>
+          </p:cNvCxnSpPr>
+          <p:nvPr/>
+        </p:nvCxnSpPr>
+        <p:spPr>
+          <a:xfrm flipH="1">
+            <a:off x="1331640" y="2732704"/>
+            <a:ext cx="520472" cy="0"/>
+          </a:xfrm>
+          <a:prstGeom prst="line">
+            <a:avLst/>
+          </a:prstGeom>
+          <a:noFill/>
+          <a:ln w="12700">
+            <a:solidFill>
+              <a:schemeClr val="tx2"/>
+            </a:solidFill>
+          </a:ln>
+        </p:spPr>
+        <p:style>
+          <a:lnRef idx="2">
+            <a:schemeClr val="accent1">
+              <a:shade val="50000"/>
+            </a:schemeClr>
+          </a:lnRef>
+          <a:fillRef idx="1">
+            <a:schemeClr val="accent1"/>
+          </a:fillRef>
+          <a:effectRef idx="0">
+            <a:schemeClr val="accent1"/>
+          </a:effectRef>
+          <a:fontRef idx="minor">
+            <a:schemeClr val="lt1"/>
+          </a:fontRef>
+        </p:style>
+      </p:cxnSp>
+      <p:cxnSp>
+        <p:nvCxnSpPr>
+          <p:cNvPr id="8" name="Connecteur droit 7"/>
+          <p:cNvCxnSpPr/>
+          <p:nvPr/>
+        </p:nvCxnSpPr>
+        <p:spPr>
+          <a:xfrm flipH="1">
+            <a:off x="2284112" y="2712720"/>
+            <a:ext cx="855328" cy="1868"/>
+          </a:xfrm>
+          <a:prstGeom prst="line">
+            <a:avLst/>
+          </a:prstGeom>
+          <a:noFill/>
+          <a:ln w="12700">
+            <a:solidFill>
+              <a:schemeClr val="tx2"/>
+            </a:solidFill>
+          </a:ln>
+        </p:spPr>
+        <p:style>
+          <a:lnRef idx="2">
+            <a:schemeClr val="accent1">
+              <a:shade val="50000"/>
+            </a:schemeClr>
+          </a:lnRef>
+          <a:fillRef idx="1">
+            <a:schemeClr val="accent1"/>
+          </a:fillRef>
+          <a:effectRef idx="0">
+            <a:schemeClr val="accent1"/>
+          </a:effectRef>
+          <a:fontRef idx="minor">
+            <a:schemeClr val="lt1"/>
+          </a:fontRef>
+        </p:style>
+      </p:cxnSp>
+      <p:sp>
+        <p:nvSpPr>
+          <p:cNvPr id="10" name="Rectangle 9"/>
+          <p:cNvSpPr/>
+          <p:nvPr/>
+        </p:nvSpPr>
+        <p:spPr>
+          <a:xfrm>
+            <a:off x="1852112" y="2972112"/>
+            <a:ext cx="432000" cy="216000"/>
+          </a:xfrm>
+          <a:prstGeom prst="rect">
+            <a:avLst/>
+          </a:prstGeom>
+          <a:noFill/>
+          <a:ln w="12700">
+            <a:solidFill>
+              <a:schemeClr val="tx2"/>
+            </a:solidFill>
+          </a:ln>
+        </p:spPr>
+        <p:style>
+          <a:lnRef idx="2">
+            <a:schemeClr val="accent1">
+              <a:shade val="50000"/>
+            </a:schemeClr>
+          </a:lnRef>
+          <a:fillRef idx="1">
+            <a:schemeClr val="accent1"/>
+          </a:fillRef>
+          <a:effectRef idx="0">
+            <a:schemeClr val="accent1"/>
+          </a:effectRef>
+          <a:fontRef idx="minor">
+            <a:schemeClr val="lt1"/>
+          </a:fontRef>
+        </p:style>
+        <p:txBody>
+          <a:bodyPr rtlCol="0" anchor="ctr"/>
+          <a:lstStyle/>
+          <a:p>
+            <a:pPr algn="ctr"/>
+            <a:endParaRPr lang="fr-FR"/>
+          </a:p>
+        </p:txBody>
+      </p:sp>
+      <p:cxnSp>
+        <p:nvCxnSpPr>
+          <p:cNvPr id="11" name="Connecteur droit 10"/>
+          <p:cNvCxnSpPr>
+            <a:stCxn id="10" idx="1"/>
+          </p:cNvCxnSpPr>
+          <p:nvPr/>
+        </p:nvCxnSpPr>
+        <p:spPr>
+          <a:xfrm flipH="1">
+            <a:off x="1700228" y="3080112"/>
+            <a:ext cx="151884" cy="0"/>
+          </a:xfrm>
+          <a:prstGeom prst="line">
+            <a:avLst/>
+          </a:prstGeom>
+          <a:noFill/>
+          <a:ln w="12700">
+            <a:solidFill>
+              <a:schemeClr val="tx2"/>
+            </a:solidFill>
+          </a:ln>
+        </p:spPr>
+        <p:style>
+          <a:lnRef idx="2">
+            <a:schemeClr val="accent1">
+              <a:shade val="50000"/>
+            </a:schemeClr>
+          </a:lnRef>
+          <a:fillRef idx="1">
+            <a:schemeClr val="accent1"/>
+          </a:fillRef>
+          <a:effectRef idx="0">
+            <a:schemeClr val="accent1"/>
+          </a:effectRef>
+          <a:fontRef idx="minor">
+            <a:schemeClr val="lt1"/>
+          </a:fontRef>
+        </p:style>
+      </p:cxnSp>
+      <p:cxnSp>
+        <p:nvCxnSpPr>
+          <p:cNvPr id="12" name="Connecteur droit 11"/>
+          <p:cNvCxnSpPr>
+            <a:endCxn id="10" idx="3"/>
+          </p:cNvCxnSpPr>
+          <p:nvPr/>
+        </p:nvCxnSpPr>
+        <p:spPr>
+          <a:xfrm flipH="1">
+            <a:off x="2284112" y="3078245"/>
+            <a:ext cx="846764" cy="0"/>
+          </a:xfrm>
+          <a:prstGeom prst="line">
+            <a:avLst/>
+          </a:prstGeom>
+          <a:noFill/>
+          <a:ln w="12700">
+            <a:solidFill>
+              <a:schemeClr val="tx2"/>
+            </a:solidFill>
+          </a:ln>
+        </p:spPr>
+        <p:style>
+          <a:lnRef idx="2">
+            <a:schemeClr val="accent1">
+              <a:shade val="50000"/>
+            </a:schemeClr>
+          </a:lnRef>
+          <a:fillRef idx="1">
+            <a:schemeClr val="accent1"/>
+          </a:fillRef>
+          <a:effectRef idx="0">
+            <a:schemeClr val="accent1"/>
+          </a:effectRef>
+          <a:fontRef idx="minor">
+            <a:schemeClr val="lt1"/>
+          </a:fontRef>
+        </p:style>
+      </p:cxnSp>
+      <p:cxnSp>
+        <p:nvCxnSpPr>
+          <p:cNvPr id="14" name="Connecteur droit 13"/>
+          <p:cNvCxnSpPr/>
+          <p:nvPr/>
+        </p:nvCxnSpPr>
+        <p:spPr>
+          <a:xfrm rot="5400000" flipH="1">
+            <a:off x="2572024" y="3210230"/>
+            <a:ext cx="260236" cy="0"/>
+          </a:xfrm>
+          <a:prstGeom prst="line">
+            <a:avLst/>
+          </a:prstGeom>
+          <a:noFill/>
+          <a:ln w="12700">
+            <a:solidFill>
+              <a:schemeClr val="tx2"/>
+            </a:solidFill>
+          </a:ln>
+        </p:spPr>
+        <p:style>
+          <a:lnRef idx="2">
+            <a:schemeClr val="accent1">
+              <a:shade val="50000"/>
+            </a:schemeClr>
+          </a:lnRef>
+          <a:fillRef idx="1">
+            <a:schemeClr val="accent1"/>
+          </a:fillRef>
+          <a:effectRef idx="0">
+            <a:schemeClr val="accent1"/>
+          </a:effectRef>
+          <a:fontRef idx="minor">
+            <a:schemeClr val="lt1"/>
+          </a:fontRef>
+        </p:style>
+      </p:cxnSp>
+      <p:sp>
+        <p:nvSpPr>
+          <p:cNvPr id="15" name="Rectangle 14"/>
+          <p:cNvSpPr/>
+          <p:nvPr/>
+        </p:nvSpPr>
+        <p:spPr>
+          <a:xfrm rot="5400000">
+            <a:off x="2495776" y="3448348"/>
+            <a:ext cx="432000" cy="216000"/>
+          </a:xfrm>
+          <a:prstGeom prst="rect">
+            <a:avLst/>
+          </a:prstGeom>
+          <a:noFill/>
+          <a:ln w="12700">
+            <a:solidFill>
+              <a:schemeClr val="tx2"/>
+            </a:solidFill>
+          </a:ln>
+        </p:spPr>
+        <p:style>
+          <a:lnRef idx="2">
+            <a:schemeClr val="accent1">
+              <a:shade val="50000"/>
+            </a:schemeClr>
+          </a:lnRef>
+          <a:fillRef idx="1">
+            <a:schemeClr val="accent1"/>
+          </a:fillRef>
+          <a:effectRef idx="0">
+            <a:schemeClr val="accent1"/>
+          </a:effectRef>
+          <a:fontRef idx="minor">
+            <a:schemeClr val="lt1"/>
+          </a:fontRef>
+        </p:style>
+        <p:txBody>
+          <a:bodyPr rtlCol="0" anchor="ctr"/>
+          <a:lstStyle/>
+          <a:p>
+            <a:pPr algn="ctr"/>
+            <a:endParaRPr lang="fr-FR"/>
+          </a:p>
+        </p:txBody>
+      </p:sp>
+      <p:sp>
+        <p:nvSpPr>
+          <p:cNvPr id="16" name="Rectangle 15"/>
+          <p:cNvSpPr/>
+          <p:nvPr/>
+        </p:nvSpPr>
+        <p:spPr>
+          <a:xfrm rot="5400000">
+            <a:off x="2951338" y="2528418"/>
+            <a:ext cx="1080120" cy="721044"/>
+          </a:xfrm>
+          <a:prstGeom prst="rect">
+            <a:avLst/>
+          </a:prstGeom>
+          <a:noFill/>
+          <a:ln w="12700">
+            <a:solidFill>
+              <a:schemeClr val="tx2"/>
+            </a:solidFill>
+          </a:ln>
+        </p:spPr>
+        <p:style>
+          <a:lnRef idx="2">
+            <a:schemeClr val="accent1">
+              <a:shade val="50000"/>
+            </a:schemeClr>
+          </a:lnRef>
+          <a:fillRef idx="1">
+            <a:schemeClr val="accent1"/>
+          </a:fillRef>
+          <a:effectRef idx="0">
+            <a:schemeClr val="accent1"/>
+          </a:effectRef>
+          <a:fontRef idx="minor">
+            <a:schemeClr val="lt1"/>
+          </a:fontRef>
+        </p:style>
+        <p:txBody>
+          <a:bodyPr rtlCol="0" anchor="ctr"/>
+          <a:lstStyle/>
+          <a:p>
+            <a:pPr algn="ctr"/>
+            <a:endParaRPr lang="fr-FR"/>
+          </a:p>
+        </p:txBody>
+      </p:sp>
+      <p:sp>
+        <p:nvSpPr>
+          <p:cNvPr id="18" name="Rectangle 17"/>
+          <p:cNvSpPr/>
+          <p:nvPr/>
+        </p:nvSpPr>
+        <p:spPr>
+          <a:xfrm>
+            <a:off x="3275398" y="1988840"/>
+            <a:ext cx="432000" cy="216000"/>
+          </a:xfrm>
+          <a:prstGeom prst="rect">
+            <a:avLst/>
+          </a:prstGeom>
+          <a:noFill/>
+          <a:ln w="12700">
+            <a:solidFill>
+              <a:schemeClr val="tx2"/>
+            </a:solidFill>
+          </a:ln>
+        </p:spPr>
+        <p:style>
+          <a:lnRef idx="2">
+            <a:schemeClr val="accent1">
+              <a:shade val="50000"/>
+            </a:schemeClr>
+          </a:lnRef>
+          <a:fillRef idx="1">
+            <a:schemeClr val="accent1"/>
+          </a:fillRef>
+          <a:effectRef idx="0">
+            <a:schemeClr val="accent1"/>
+          </a:effectRef>
+          <a:fontRef idx="minor">
+            <a:schemeClr val="lt1"/>
+          </a:fontRef>
+        </p:style>
+        <p:txBody>
+          <a:bodyPr rtlCol="0" anchor="ctr"/>
+          <a:lstStyle/>
+          <a:p>
+            <a:pPr algn="ctr"/>
+            <a:endParaRPr lang="fr-FR"/>
+          </a:p>
+        </p:txBody>
+      </p:sp>
+      <p:cxnSp>
+        <p:nvCxnSpPr>
+          <p:cNvPr id="19" name="Connecteur droit 18"/>
+          <p:cNvCxnSpPr/>
+          <p:nvPr/>
+        </p:nvCxnSpPr>
+        <p:spPr>
+          <a:xfrm flipV="1">
+            <a:off x="2699184" y="2096840"/>
+            <a:ext cx="0" cy="615880"/>
+          </a:xfrm>
+          <a:prstGeom prst="line">
+            <a:avLst/>
+          </a:prstGeom>
+          <a:noFill/>
+          <a:ln w="12700">
+            <a:solidFill>
+              <a:schemeClr val="tx2"/>
+            </a:solidFill>
+          </a:ln>
+        </p:spPr>
+        <p:style>
+          <a:lnRef idx="2">
+            <a:schemeClr val="accent1">
+              <a:shade val="50000"/>
+            </a:schemeClr>
+          </a:lnRef>
+          <a:fillRef idx="1">
+            <a:schemeClr val="accent1"/>
+          </a:fillRef>
+          <a:effectRef idx="0">
+            <a:schemeClr val="accent1"/>
+          </a:effectRef>
+          <a:fontRef idx="minor">
+            <a:schemeClr val="lt1"/>
+          </a:fontRef>
+        </p:style>
+      </p:cxnSp>
+      <p:cxnSp>
+        <p:nvCxnSpPr>
+          <p:cNvPr id="20" name="Connecteur droit 19"/>
+          <p:cNvCxnSpPr/>
+          <p:nvPr/>
+        </p:nvCxnSpPr>
+        <p:spPr>
+          <a:xfrm flipH="1">
+            <a:off x="2699184" y="2096840"/>
+            <a:ext cx="576214" cy="0"/>
+          </a:xfrm>
+          <a:prstGeom prst="line">
+            <a:avLst/>
+          </a:prstGeom>
+          <a:noFill/>
+          <a:ln w="12700">
+            <a:solidFill>
+              <a:schemeClr val="tx2"/>
+            </a:solidFill>
+          </a:ln>
+        </p:spPr>
+        <p:style>
+          <a:lnRef idx="2">
+            <a:schemeClr val="accent1">
+              <a:shade val="50000"/>
+            </a:schemeClr>
+          </a:lnRef>
+          <a:fillRef idx="1">
+            <a:schemeClr val="accent1"/>
+          </a:fillRef>
+          <a:effectRef idx="0">
+            <a:schemeClr val="accent1"/>
+          </a:effectRef>
+          <a:fontRef idx="minor">
+            <a:schemeClr val="lt1"/>
+          </a:fontRef>
+        </p:style>
+      </p:cxnSp>
+      <p:cxnSp>
+        <p:nvCxnSpPr>
+          <p:cNvPr id="23" name="Connecteur droit 22"/>
+          <p:cNvCxnSpPr/>
+          <p:nvPr/>
+        </p:nvCxnSpPr>
+        <p:spPr>
+          <a:xfrm flipH="1">
+            <a:off x="3851921" y="2888940"/>
+            <a:ext cx="720079" cy="0"/>
+          </a:xfrm>
+          <a:prstGeom prst="line">
+            <a:avLst/>
+          </a:prstGeom>
+          <a:noFill/>
+          <a:ln w="12700">
+            <a:solidFill>
+              <a:schemeClr val="tx2"/>
+            </a:solidFill>
+          </a:ln>
+        </p:spPr>
+        <p:style>
+          <a:lnRef idx="2">
+            <a:schemeClr val="accent1">
+              <a:shade val="50000"/>
+            </a:schemeClr>
+          </a:lnRef>
+          <a:fillRef idx="1">
+            <a:schemeClr val="accent1"/>
+          </a:fillRef>
+          <a:effectRef idx="0">
+            <a:schemeClr val="accent1"/>
+          </a:effectRef>
+          <a:fontRef idx="minor">
+            <a:schemeClr val="lt1"/>
+          </a:fontRef>
+        </p:style>
+      </p:cxnSp>
+      <p:cxnSp>
+        <p:nvCxnSpPr>
+          <p:cNvPr id="24" name="Connecteur droit 23"/>
+          <p:cNvCxnSpPr/>
+          <p:nvPr/>
+        </p:nvCxnSpPr>
+        <p:spPr>
+          <a:xfrm flipH="1">
+            <a:off x="3707398" y="2096840"/>
+            <a:ext cx="576214" cy="0"/>
+          </a:xfrm>
+          <a:prstGeom prst="line">
+            <a:avLst/>
+          </a:prstGeom>
+          <a:noFill/>
+          <a:ln w="12700">
+            <a:solidFill>
+              <a:schemeClr val="tx2"/>
+            </a:solidFill>
+          </a:ln>
+        </p:spPr>
+        <p:style>
+          <a:lnRef idx="2">
+            <a:schemeClr val="accent1">
+              <a:shade val="50000"/>
+            </a:schemeClr>
+          </a:lnRef>
+          <a:fillRef idx="1">
+            <a:schemeClr val="accent1"/>
+          </a:fillRef>
+          <a:effectRef idx="0">
+            <a:schemeClr val="accent1"/>
+          </a:effectRef>
+          <a:fontRef idx="minor">
+            <a:schemeClr val="lt1"/>
+          </a:fontRef>
+        </p:style>
+      </p:cxnSp>
+      <p:cxnSp>
+        <p:nvCxnSpPr>
+          <p:cNvPr id="25" name="Connecteur droit 24"/>
+          <p:cNvCxnSpPr/>
+          <p:nvPr/>
+        </p:nvCxnSpPr>
+        <p:spPr>
+          <a:xfrm flipV="1">
+            <a:off x="4283612" y="2096840"/>
+            <a:ext cx="0" cy="792100"/>
+          </a:xfrm>
+          <a:prstGeom prst="line">
+            <a:avLst/>
+          </a:prstGeom>
+          <a:noFill/>
+          <a:ln w="12700">
+            <a:solidFill>
+              <a:schemeClr val="tx2"/>
+            </a:solidFill>
+          </a:ln>
+        </p:spPr>
+        <p:style>
+          <a:lnRef idx="2">
+            <a:schemeClr val="accent1">
+              <a:shade val="50000"/>
+            </a:schemeClr>
+          </a:lnRef>
+          <a:fillRef idx="1">
+            <a:schemeClr val="accent1"/>
+          </a:fillRef>
+          <a:effectRef idx="0">
+            <a:schemeClr val="accent1"/>
+          </a:effectRef>
+          <a:fontRef idx="minor">
+            <a:schemeClr val="lt1"/>
+          </a:fontRef>
+        </p:style>
+      </p:cxnSp>
+      <p:cxnSp>
+        <p:nvCxnSpPr>
+          <p:cNvPr id="28" name="Connecteur droit 27"/>
+          <p:cNvCxnSpPr>
+            <a:stCxn id="52" idx="0"/>
+          </p:cNvCxnSpPr>
+          <p:nvPr/>
+        </p:nvCxnSpPr>
+        <p:spPr>
+          <a:xfrm flipV="1">
+            <a:off x="2675760" y="3770340"/>
+            <a:ext cx="0" cy="373871"/>
+          </a:xfrm>
+          <a:prstGeom prst="line">
+            <a:avLst/>
+          </a:prstGeom>
+          <a:noFill/>
+          <a:ln w="12700">
+            <a:solidFill>
+              <a:schemeClr val="tx2"/>
+            </a:solidFill>
+          </a:ln>
+        </p:spPr>
+        <p:style>
+          <a:lnRef idx="2">
+            <a:schemeClr val="accent1">
+              <a:shade val="50000"/>
+            </a:schemeClr>
+          </a:lnRef>
+          <a:fillRef idx="1">
+            <a:schemeClr val="accent1"/>
+          </a:fillRef>
+          <a:effectRef idx="0">
+            <a:schemeClr val="accent1"/>
+          </a:effectRef>
+          <a:fontRef idx="minor">
+            <a:schemeClr val="lt1"/>
+          </a:fontRef>
+        </p:style>
+      </p:cxnSp>
+      <p:grpSp>
+        <p:nvGrpSpPr>
+          <p:cNvPr id="37" name="Groupe 36"/>
+          <p:cNvGrpSpPr/>
+          <p:nvPr/>
+        </p:nvGrpSpPr>
+        <p:grpSpPr>
+          <a:xfrm>
+            <a:off x="1187624" y="4149080"/>
+            <a:ext cx="288032" cy="144016"/>
+            <a:chOff x="1907704" y="4221088"/>
+            <a:chExt cx="288032" cy="144016"/>
+          </a:xfrm>
+        </p:grpSpPr>
+        <p:sp>
+          <p:nvSpPr>
+            <p:cNvPr id="29" name="Rectangle 28"/>
+            <p:cNvSpPr/>
+            <p:nvPr/>
+          </p:nvSpPr>
+          <p:spPr>
+            <a:xfrm>
+              <a:off x="1907704" y="4221088"/>
+              <a:ext cx="288032" cy="144016"/>
+            </a:xfrm>
+            <a:prstGeom prst="rect">
+              <a:avLst/>
+            </a:prstGeom>
+            <a:pattFill prst="wdUpDiag">
+              <a:fgClr>
+                <a:srgbClr val="002060"/>
+              </a:fgClr>
+              <a:bgClr>
+                <a:schemeClr val="bg1"/>
+              </a:bgClr>
+            </a:pattFill>
+            <a:ln w="12700">
+              <a:noFill/>
+            </a:ln>
+          </p:spPr>
+          <p:style>
+            <a:lnRef idx="2">
+              <a:schemeClr val="accent1">
+                <a:shade val="50000"/>
+              </a:schemeClr>
+            </a:lnRef>
+            <a:fillRef idx="1">
+              <a:schemeClr val="accent1"/>
+            </a:fillRef>
+            <a:effectRef idx="0">
+              <a:schemeClr val="accent1"/>
+            </a:effectRef>
+            <a:fontRef idx="minor">
+              <a:schemeClr val="lt1"/>
+            </a:fontRef>
+          </p:style>
+          <p:txBody>
+            <a:bodyPr rtlCol="0" anchor="ctr"/>
+            <a:lstStyle/>
+            <a:p>
+              <a:pPr algn="ctr"/>
+              <a:endParaRPr lang="fr-FR"/>
+            </a:p>
+          </p:txBody>
+        </p:sp>
+        <p:cxnSp>
+          <p:nvCxnSpPr>
+            <p:cNvPr id="30" name="Connecteur droit 29"/>
+            <p:cNvCxnSpPr/>
+            <p:nvPr/>
+          </p:nvCxnSpPr>
+          <p:spPr>
+            <a:xfrm>
+              <a:off x="1907704" y="4221088"/>
+              <a:ext cx="288000" cy="0"/>
+            </a:xfrm>
+            <a:prstGeom prst="line">
+              <a:avLst/>
+            </a:prstGeom>
+            <a:noFill/>
+            <a:ln w="12700">
+              <a:solidFill>
+                <a:schemeClr val="tx2"/>
+              </a:solidFill>
+            </a:ln>
+          </p:spPr>
+          <p:style>
+            <a:lnRef idx="2">
+              <a:schemeClr val="accent1">
+                <a:shade val="50000"/>
+              </a:schemeClr>
+            </a:lnRef>
+            <a:fillRef idx="1">
+              <a:schemeClr val="accent1"/>
+            </a:fillRef>
+            <a:effectRef idx="0">
+              <a:schemeClr val="accent1"/>
+            </a:effectRef>
+            <a:fontRef idx="minor">
+              <a:schemeClr val="lt1"/>
+            </a:fontRef>
+          </p:style>
+        </p:cxnSp>
+      </p:grpSp>
+      <p:cxnSp>
+        <p:nvCxnSpPr>
+          <p:cNvPr id="38" name="Connecteur droit 37"/>
+          <p:cNvCxnSpPr/>
+          <p:nvPr/>
+        </p:nvCxnSpPr>
+        <p:spPr>
+          <a:xfrm flipV="1">
+            <a:off x="1331640" y="2793013"/>
+            <a:ext cx="0" cy="1284059"/>
+          </a:xfrm>
+          <a:prstGeom prst="line">
+            <a:avLst/>
+          </a:prstGeom>
+          <a:noFill/>
+          <a:ln w="12700">
+            <a:solidFill>
+              <a:schemeClr val="tx2"/>
+            </a:solidFill>
+            <a:tailEnd type="stealth" w="med" len="lg"/>
+          </a:ln>
+        </p:spPr>
+        <p:style>
+          <a:lnRef idx="2">
+            <a:schemeClr val="accent1">
+              <a:shade val="50000"/>
+            </a:schemeClr>
+          </a:lnRef>
+          <a:fillRef idx="1">
+            <a:schemeClr val="accent1"/>
+          </a:fillRef>
+          <a:effectRef idx="0">
+            <a:schemeClr val="accent1"/>
+          </a:effectRef>
+          <a:fontRef idx="minor">
+            <a:schemeClr val="lt1"/>
+          </a:fontRef>
+        </p:style>
+      </p:cxnSp>
+      <p:grpSp>
+        <p:nvGrpSpPr>
+          <p:cNvPr id="40" name="Groupe 39"/>
+          <p:cNvGrpSpPr/>
+          <p:nvPr/>
+        </p:nvGrpSpPr>
+        <p:grpSpPr>
+          <a:xfrm>
+            <a:off x="1547664" y="4146219"/>
+            <a:ext cx="288032" cy="144016"/>
+            <a:chOff x="1907704" y="4221088"/>
+            <a:chExt cx="288032" cy="144016"/>
+          </a:xfrm>
+        </p:grpSpPr>
+        <p:sp>
+          <p:nvSpPr>
+            <p:cNvPr id="41" name="Rectangle 40"/>
+            <p:cNvSpPr/>
+            <p:nvPr/>
+          </p:nvSpPr>
+          <p:spPr>
+            <a:xfrm>
+              <a:off x="1907704" y="4221088"/>
+              <a:ext cx="288032" cy="144016"/>
+            </a:xfrm>
+            <a:prstGeom prst="rect">
+              <a:avLst/>
+            </a:prstGeom>
+            <a:pattFill prst="wdUpDiag">
+              <a:fgClr>
+                <a:srgbClr val="002060"/>
+              </a:fgClr>
+              <a:bgClr>
+                <a:schemeClr val="bg1"/>
+              </a:bgClr>
+            </a:pattFill>
+            <a:ln w="12700">
+              <a:noFill/>
+            </a:ln>
+          </p:spPr>
+          <p:style>
+            <a:lnRef idx="2">
+              <a:schemeClr val="accent1">
+                <a:shade val="50000"/>
+              </a:schemeClr>
+            </a:lnRef>
+            <a:fillRef idx="1">
+              <a:schemeClr val="accent1"/>
+            </a:fillRef>
+            <a:effectRef idx="0">
+              <a:schemeClr val="accent1"/>
+            </a:effectRef>
+            <a:fontRef idx="minor">
+              <a:schemeClr val="lt1"/>
+            </a:fontRef>
+          </p:style>
+          <p:txBody>
+            <a:bodyPr rtlCol="0" anchor="ctr"/>
+            <a:lstStyle/>
+            <a:p>
+              <a:pPr algn="ctr"/>
+              <a:endParaRPr lang="fr-FR"/>
+            </a:p>
+          </p:txBody>
+        </p:sp>
+        <p:cxnSp>
+          <p:nvCxnSpPr>
+            <p:cNvPr id="42" name="Connecteur droit 41"/>
+            <p:cNvCxnSpPr/>
+            <p:nvPr/>
+          </p:nvCxnSpPr>
+          <p:spPr>
+            <a:xfrm>
+              <a:off x="1907704" y="4221088"/>
+              <a:ext cx="288000" cy="0"/>
+            </a:xfrm>
+            <a:prstGeom prst="line">
+              <a:avLst/>
+            </a:prstGeom>
+            <a:noFill/>
+            <a:ln w="12700">
+              <a:solidFill>
+                <a:schemeClr val="tx2"/>
+              </a:solidFill>
+            </a:ln>
+          </p:spPr>
+          <p:style>
+            <a:lnRef idx="2">
+              <a:schemeClr val="accent1">
+                <a:shade val="50000"/>
+              </a:schemeClr>
+            </a:lnRef>
+            <a:fillRef idx="1">
+              <a:schemeClr val="accent1"/>
+            </a:fillRef>
+            <a:effectRef idx="0">
+              <a:schemeClr val="accent1"/>
+            </a:effectRef>
+            <a:fontRef idx="minor">
+              <a:schemeClr val="lt1"/>
+            </a:fontRef>
+          </p:style>
+        </p:cxnSp>
+      </p:grpSp>
+      <p:cxnSp>
+        <p:nvCxnSpPr>
+          <p:cNvPr id="43" name="Connecteur droit 42"/>
+          <p:cNvCxnSpPr/>
+          <p:nvPr/>
+        </p:nvCxnSpPr>
+        <p:spPr>
+          <a:xfrm flipH="1" flipV="1">
+            <a:off x="1691664" y="3140968"/>
+            <a:ext cx="16" cy="936106"/>
+          </a:xfrm>
+          <a:prstGeom prst="line">
+            <a:avLst/>
+          </a:prstGeom>
+          <a:noFill/>
+          <a:ln w="12700">
+            <a:solidFill>
+              <a:schemeClr val="tx2"/>
+            </a:solidFill>
+            <a:tailEnd type="stealth" w="med" len="lg"/>
+          </a:ln>
+        </p:spPr>
+        <p:style>
+          <a:lnRef idx="2">
+            <a:schemeClr val="accent1">
+              <a:shade val="50000"/>
+            </a:schemeClr>
+          </a:lnRef>
+          <a:fillRef idx="1">
+            <a:schemeClr val="accent1"/>
+          </a:fillRef>
+          <a:effectRef idx="0">
+            <a:schemeClr val="accent1"/>
+          </a:effectRef>
+          <a:fontRef idx="minor">
+            <a:schemeClr val="lt1"/>
+          </a:fontRef>
+        </p:style>
+      </p:cxnSp>
+      <p:grpSp>
+        <p:nvGrpSpPr>
+          <p:cNvPr id="51" name="Groupe 50"/>
+          <p:cNvGrpSpPr/>
+          <p:nvPr/>
+        </p:nvGrpSpPr>
+        <p:grpSpPr>
+          <a:xfrm>
+            <a:off x="2531744" y="4144211"/>
+            <a:ext cx="288032" cy="144016"/>
+            <a:chOff x="1907704" y="4221088"/>
+            <a:chExt cx="288032" cy="144016"/>
+          </a:xfrm>
+        </p:grpSpPr>
+        <p:sp>
+          <p:nvSpPr>
+            <p:cNvPr id="52" name="Rectangle 51"/>
+            <p:cNvSpPr/>
+            <p:nvPr/>
+          </p:nvSpPr>
+          <p:spPr>
+            <a:xfrm>
+              <a:off x="1907704" y="4221088"/>
+              <a:ext cx="288032" cy="144016"/>
+            </a:xfrm>
+            <a:prstGeom prst="rect">
+              <a:avLst/>
+            </a:prstGeom>
+            <a:pattFill prst="wdUpDiag">
+              <a:fgClr>
+                <a:srgbClr val="002060"/>
+              </a:fgClr>
+              <a:bgClr>
+                <a:schemeClr val="bg1"/>
+              </a:bgClr>
+            </a:pattFill>
+            <a:ln w="12700">
+              <a:noFill/>
+            </a:ln>
+          </p:spPr>
+          <p:style>
+            <a:lnRef idx="2">
+              <a:schemeClr val="accent1">
+                <a:shade val="50000"/>
+              </a:schemeClr>
+            </a:lnRef>
+            <a:fillRef idx="1">
+              <a:schemeClr val="accent1"/>
+            </a:fillRef>
+            <a:effectRef idx="0">
+              <a:schemeClr val="accent1"/>
+            </a:effectRef>
+            <a:fontRef idx="minor">
+              <a:schemeClr val="lt1"/>
+            </a:fontRef>
+          </p:style>
+          <p:txBody>
+            <a:bodyPr rtlCol="0" anchor="ctr"/>
+            <a:lstStyle/>
+            <a:p>
+              <a:pPr algn="ctr"/>
+              <a:endParaRPr lang="fr-FR"/>
+            </a:p>
+          </p:txBody>
+        </p:sp>
+        <p:cxnSp>
+          <p:nvCxnSpPr>
+            <p:cNvPr id="53" name="Connecteur droit 52"/>
+            <p:cNvCxnSpPr/>
+            <p:nvPr/>
+          </p:nvCxnSpPr>
+          <p:spPr>
+            <a:xfrm>
+              <a:off x="1907704" y="4221088"/>
+              <a:ext cx="288000" cy="0"/>
+            </a:xfrm>
+            <a:prstGeom prst="line">
+              <a:avLst/>
+            </a:prstGeom>
+            <a:noFill/>
+            <a:ln w="12700">
+              <a:solidFill>
+                <a:schemeClr val="tx2"/>
+              </a:solidFill>
+            </a:ln>
+          </p:spPr>
+          <p:style>
+            <a:lnRef idx="2">
+              <a:schemeClr val="accent1">
+                <a:shade val="50000"/>
+              </a:schemeClr>
+            </a:lnRef>
+            <a:fillRef idx="1">
+              <a:schemeClr val="accent1"/>
+            </a:fillRef>
+            <a:effectRef idx="0">
+              <a:schemeClr val="accent1"/>
+            </a:effectRef>
+            <a:fontRef idx="minor">
+              <a:schemeClr val="lt1"/>
+            </a:fontRef>
+          </p:style>
+        </p:cxnSp>
+      </p:grpSp>
+      <p:cxnSp>
+        <p:nvCxnSpPr>
+          <p:cNvPr id="55" name="Connecteur droit 54"/>
+          <p:cNvCxnSpPr/>
+          <p:nvPr/>
+        </p:nvCxnSpPr>
+        <p:spPr>
+          <a:xfrm flipV="1">
+            <a:off x="4572000" y="2960947"/>
+            <a:ext cx="0" cy="1116127"/>
+          </a:xfrm>
+          <a:prstGeom prst="line">
+            <a:avLst/>
+          </a:prstGeom>
+          <a:noFill/>
+          <a:ln w="12700">
+            <a:solidFill>
+              <a:schemeClr val="tx2"/>
+            </a:solidFill>
+            <a:tailEnd type="stealth" w="med" len="lg"/>
+          </a:ln>
+        </p:spPr>
+        <p:style>
+          <a:lnRef idx="2">
+            <a:schemeClr val="accent1">
+              <a:shade val="50000"/>
+            </a:schemeClr>
+          </a:lnRef>
+          <a:fillRef idx="1">
+            <a:schemeClr val="accent1"/>
+          </a:fillRef>
+          <a:effectRef idx="0">
+            <a:schemeClr val="accent1"/>
+          </a:effectRef>
+          <a:fontRef idx="minor">
+            <a:schemeClr val="lt1"/>
+          </a:fontRef>
+        </p:style>
+      </p:cxnSp>
+      <p:grpSp>
+        <p:nvGrpSpPr>
+          <p:cNvPr id="56" name="Groupe 55"/>
+          <p:cNvGrpSpPr/>
+          <p:nvPr/>
+        </p:nvGrpSpPr>
+        <p:grpSpPr>
+          <a:xfrm>
+            <a:off x="4427984" y="4158692"/>
+            <a:ext cx="288032" cy="144016"/>
+            <a:chOff x="1907704" y="4221088"/>
+            <a:chExt cx="288032" cy="144016"/>
+          </a:xfrm>
+        </p:grpSpPr>
+        <p:sp>
+          <p:nvSpPr>
+            <p:cNvPr id="57" name="Rectangle 56"/>
+            <p:cNvSpPr/>
+            <p:nvPr/>
+          </p:nvSpPr>
+          <p:spPr>
+            <a:xfrm>
+              <a:off x="1907704" y="4221088"/>
+              <a:ext cx="288032" cy="144016"/>
+            </a:xfrm>
+            <a:prstGeom prst="rect">
+              <a:avLst/>
+            </a:prstGeom>
+            <a:pattFill prst="wdUpDiag">
+              <a:fgClr>
+                <a:srgbClr val="002060"/>
+              </a:fgClr>
+              <a:bgClr>
+                <a:schemeClr val="bg1"/>
+              </a:bgClr>
+            </a:pattFill>
+            <a:ln w="12700">
+              <a:noFill/>
+            </a:ln>
+          </p:spPr>
+          <p:style>
+            <a:lnRef idx="2">
+              <a:schemeClr val="accent1">
+                <a:shade val="50000"/>
+              </a:schemeClr>
+            </a:lnRef>
+            <a:fillRef idx="1">
+              <a:schemeClr val="accent1"/>
+            </a:fillRef>
+            <a:effectRef idx="0">
+              <a:schemeClr val="accent1"/>
+            </a:effectRef>
+            <a:fontRef idx="minor">
+              <a:schemeClr val="lt1"/>
+            </a:fontRef>
+          </p:style>
+          <p:txBody>
+            <a:bodyPr rtlCol="0" anchor="ctr"/>
+            <a:lstStyle/>
+            <a:p>
+              <a:pPr algn="ctr"/>
+              <a:endParaRPr lang="fr-FR"/>
+            </a:p>
+          </p:txBody>
+        </p:sp>
+        <p:cxnSp>
+          <p:nvCxnSpPr>
+            <p:cNvPr id="58" name="Connecteur droit 57"/>
+            <p:cNvCxnSpPr/>
+            <p:nvPr/>
+          </p:nvCxnSpPr>
+          <p:spPr>
+            <a:xfrm>
+              <a:off x="1907704" y="4221088"/>
+              <a:ext cx="288000" cy="0"/>
+            </a:xfrm>
+            <a:prstGeom prst="line">
+              <a:avLst/>
+            </a:prstGeom>
+            <a:noFill/>
+            <a:ln w="12700">
+              <a:solidFill>
+                <a:schemeClr val="tx2"/>
+              </a:solidFill>
+            </a:ln>
+          </p:spPr>
+          <p:style>
+            <a:lnRef idx="2">
+              <a:schemeClr val="accent1">
+                <a:shade val="50000"/>
+              </a:schemeClr>
+            </a:lnRef>
+            <a:fillRef idx="1">
+              <a:schemeClr val="accent1"/>
+            </a:fillRef>
+            <a:effectRef idx="0">
+              <a:schemeClr val="accent1"/>
+            </a:effectRef>
+            <a:fontRef idx="minor">
+              <a:schemeClr val="lt1"/>
+            </a:fontRef>
+          </p:style>
+        </p:cxnSp>
+      </p:grpSp>
+      <p:sp>
+        <p:nvSpPr>
+          <p:cNvPr id="60" name="ZoneTexte 59"/>
+          <p:cNvSpPr txBox="1"/>
+          <p:nvPr/>
+        </p:nvSpPr>
+        <p:spPr>
+          <a:xfrm>
+            <a:off x="1852112" y="2318012"/>
+            <a:ext cx="432000" cy="307777"/>
+          </a:xfrm>
+          <a:prstGeom prst="rect">
+            <a:avLst/>
+          </a:prstGeom>
+          <a:noFill/>
+        </p:spPr>
+        <p:txBody>
+          <a:bodyPr wrap="square" rtlCol="0">
+            <a:spAutoFit/>
+          </a:bodyPr>
+          <a:lstStyle/>
+          <a:p>
+            <a:pPr algn="ctr"/>
+            <a:r>
+              <a:rPr lang="fr-FR" sz="1400" dirty="0" smtClean="0"/>
+              <a:t>R</a:t>
+            </a:r>
+            <a:r>
+              <a:rPr lang="fr-FR" sz="1400" baseline="-25000" dirty="0" smtClean="0"/>
+              <a:t>A</a:t>
+            </a:r>
+            <a:endParaRPr lang="fr-FR" sz="1400" baseline="-25000" dirty="0"/>
+          </a:p>
+        </p:txBody>
+      </p:sp>
+      <p:sp>
+        <p:nvSpPr>
+          <p:cNvPr id="61" name="ZoneTexte 60"/>
+          <p:cNvSpPr txBox="1"/>
+          <p:nvPr/>
+        </p:nvSpPr>
+        <p:spPr>
+          <a:xfrm>
+            <a:off x="3275398" y="1681063"/>
+            <a:ext cx="432000" cy="307777"/>
+          </a:xfrm>
+          <a:prstGeom prst="rect">
+            <a:avLst/>
+          </a:prstGeom>
+          <a:noFill/>
+        </p:spPr>
+        <p:txBody>
+          <a:bodyPr wrap="square" rtlCol="0">
+            <a:spAutoFit/>
+          </a:bodyPr>
+          <a:lstStyle/>
+          <a:p>
+            <a:pPr algn="ctr"/>
+            <a:r>
+              <a:rPr lang="fr-FR" sz="1400" dirty="0" smtClean="0"/>
+              <a:t>R</a:t>
+            </a:r>
+            <a:r>
+              <a:rPr lang="fr-FR" sz="1400" baseline="-25000" dirty="0" smtClean="0"/>
+              <a:t>B</a:t>
+            </a:r>
+            <a:endParaRPr lang="fr-FR" sz="1400" baseline="-25000" dirty="0"/>
+          </a:p>
+        </p:txBody>
+      </p:sp>
+      <p:sp>
+        <p:nvSpPr>
+          <p:cNvPr id="62" name="ZoneTexte 61"/>
+          <p:cNvSpPr txBox="1"/>
+          <p:nvPr/>
+        </p:nvSpPr>
+        <p:spPr>
+          <a:xfrm>
+            <a:off x="1852202" y="3186459"/>
+            <a:ext cx="432000" cy="307777"/>
+          </a:xfrm>
+          <a:prstGeom prst="rect">
+            <a:avLst/>
+          </a:prstGeom>
+          <a:noFill/>
+        </p:spPr>
+        <p:txBody>
+          <a:bodyPr wrap="square" rtlCol="0">
+            <a:spAutoFit/>
+          </a:bodyPr>
+          <a:lstStyle/>
+          <a:p>
+            <a:pPr algn="ctr"/>
+            <a:r>
+              <a:rPr lang="fr-FR" sz="1400" dirty="0" smtClean="0"/>
+              <a:t>R</a:t>
+            </a:r>
+            <a:r>
+              <a:rPr lang="fr-FR" sz="1400" baseline="-25000" dirty="0" smtClean="0"/>
+              <a:t>C</a:t>
+            </a:r>
+            <a:endParaRPr lang="fr-FR" sz="1400" baseline="-25000" dirty="0"/>
+          </a:p>
+        </p:txBody>
+      </p:sp>
+      <p:sp>
+        <p:nvSpPr>
+          <p:cNvPr id="63" name="ZoneTexte 62"/>
+          <p:cNvSpPr txBox="1"/>
+          <p:nvPr/>
+        </p:nvSpPr>
+        <p:spPr>
+          <a:xfrm>
+            <a:off x="2771800" y="3402459"/>
+            <a:ext cx="432000" cy="307777"/>
+          </a:xfrm>
+          <a:prstGeom prst="rect">
+            <a:avLst/>
+          </a:prstGeom>
+          <a:noFill/>
+        </p:spPr>
+        <p:txBody>
+          <a:bodyPr wrap="square" rtlCol="0">
+            <a:spAutoFit/>
+          </a:bodyPr>
+          <a:lstStyle/>
+          <a:p>
+            <a:pPr algn="ctr"/>
+            <a:r>
+              <a:rPr lang="fr-FR" sz="1400" dirty="0" smtClean="0"/>
+              <a:t>R</a:t>
+            </a:r>
+            <a:r>
+              <a:rPr lang="fr-FR" sz="1400" baseline="-25000" dirty="0" smtClean="0"/>
+              <a:t>D</a:t>
+            </a:r>
+            <a:endParaRPr lang="fr-FR" sz="1400" baseline="-25000" dirty="0"/>
+          </a:p>
+        </p:txBody>
+      </p:sp>
+      <p:sp>
+        <p:nvSpPr>
+          <p:cNvPr id="64" name="ZoneTexte 63"/>
+          <p:cNvSpPr txBox="1"/>
+          <p:nvPr/>
+        </p:nvSpPr>
+        <p:spPr>
+          <a:xfrm>
+            <a:off x="899640" y="3275111"/>
+            <a:ext cx="432000" cy="307777"/>
+          </a:xfrm>
+          <a:prstGeom prst="rect">
+            <a:avLst/>
+          </a:prstGeom>
+          <a:noFill/>
+        </p:spPr>
+        <p:txBody>
+          <a:bodyPr wrap="square" rtlCol="0">
+            <a:spAutoFit/>
+          </a:bodyPr>
+          <a:lstStyle/>
+          <a:p>
+            <a:pPr algn="ctr"/>
+            <a:r>
+              <a:rPr lang="fr-FR" sz="1400" dirty="0" smtClean="0"/>
+              <a:t>V</a:t>
+            </a:r>
+            <a:r>
+              <a:rPr lang="fr-FR" sz="1400" baseline="-25000" dirty="0" smtClean="0"/>
+              <a:t>e1</a:t>
+            </a:r>
+            <a:endParaRPr lang="fr-FR" sz="1400" baseline="-25000" dirty="0"/>
+          </a:p>
+        </p:txBody>
+      </p:sp>
+      <p:sp>
+        <p:nvSpPr>
+          <p:cNvPr id="65" name="ZoneTexte 64"/>
+          <p:cNvSpPr txBox="1"/>
+          <p:nvPr/>
+        </p:nvSpPr>
+        <p:spPr>
+          <a:xfrm>
+            <a:off x="1331640" y="3455540"/>
+            <a:ext cx="432000" cy="307777"/>
+          </a:xfrm>
+          <a:prstGeom prst="rect">
+            <a:avLst/>
+          </a:prstGeom>
+          <a:noFill/>
+        </p:spPr>
+        <p:txBody>
+          <a:bodyPr wrap="square" rtlCol="0">
+            <a:spAutoFit/>
+          </a:bodyPr>
+          <a:lstStyle/>
+          <a:p>
+            <a:pPr algn="ctr"/>
+            <a:r>
+              <a:rPr lang="fr-FR" sz="1400" dirty="0" smtClean="0"/>
+              <a:t>V</a:t>
+            </a:r>
+            <a:r>
+              <a:rPr lang="fr-FR" sz="1400" baseline="-25000" dirty="0" smtClean="0"/>
+              <a:t>e2</a:t>
+            </a:r>
+            <a:endParaRPr lang="fr-FR" sz="1400" baseline="-25000" dirty="0"/>
+          </a:p>
+        </p:txBody>
+      </p:sp>
+      <p:sp>
+        <p:nvSpPr>
+          <p:cNvPr id="66" name="ZoneTexte 65"/>
+          <p:cNvSpPr txBox="1"/>
+          <p:nvPr/>
+        </p:nvSpPr>
+        <p:spPr>
+          <a:xfrm>
+            <a:off x="4572000" y="3409904"/>
+            <a:ext cx="432000" cy="307777"/>
+          </a:xfrm>
+          <a:prstGeom prst="rect">
+            <a:avLst/>
+          </a:prstGeom>
+          <a:noFill/>
+        </p:spPr>
+        <p:txBody>
+          <a:bodyPr wrap="square" rtlCol="0">
+            <a:spAutoFit/>
+          </a:bodyPr>
+          <a:lstStyle/>
+          <a:p>
+            <a:pPr algn="ctr"/>
+            <a:r>
+              <a:rPr lang="fr-FR" sz="1400" dirty="0" smtClean="0"/>
+              <a:t>V</a:t>
+            </a:r>
+            <a:r>
+              <a:rPr lang="fr-FR" sz="1400" baseline="-25000" dirty="0" smtClean="0"/>
+              <a:t>s</a:t>
+            </a:r>
+            <a:endParaRPr lang="fr-FR" sz="1400" baseline="-25000" dirty="0"/>
+          </a:p>
+        </p:txBody>
+      </p:sp>
+      <p:sp>
+        <p:nvSpPr>
+          <p:cNvPr id="67" name="ZoneTexte 66"/>
+          <p:cNvSpPr txBox="1"/>
+          <p:nvPr/>
+        </p:nvSpPr>
+        <p:spPr>
+          <a:xfrm>
+            <a:off x="3139440" y="2574220"/>
+            <a:ext cx="432000" cy="276999"/>
+          </a:xfrm>
+          <a:prstGeom prst="rect">
+            <a:avLst/>
+          </a:prstGeom>
+          <a:noFill/>
+        </p:spPr>
+        <p:txBody>
+          <a:bodyPr wrap="square" rtlCol="0">
+            <a:spAutoFit/>
+          </a:bodyPr>
+          <a:lstStyle/>
+          <a:p>
+            <a:r>
+              <a:rPr lang="fr-FR" sz="1200" dirty="0" smtClean="0"/>
+              <a:t>–</a:t>
+            </a:r>
+            <a:endParaRPr lang="fr-FR" sz="1200" baseline="-25000" dirty="0"/>
+          </a:p>
+        </p:txBody>
+      </p:sp>
+      <p:sp>
+        <p:nvSpPr>
+          <p:cNvPr id="68" name="ZoneTexte 67"/>
+          <p:cNvSpPr txBox="1"/>
+          <p:nvPr/>
+        </p:nvSpPr>
+        <p:spPr>
+          <a:xfrm>
+            <a:off x="3130876" y="2941612"/>
+            <a:ext cx="432000" cy="276999"/>
+          </a:xfrm>
+          <a:prstGeom prst="rect">
+            <a:avLst/>
+          </a:prstGeom>
+          <a:noFill/>
+        </p:spPr>
+        <p:txBody>
+          <a:bodyPr wrap="square" rtlCol="0">
+            <a:spAutoFit/>
+          </a:bodyPr>
+          <a:lstStyle/>
+          <a:p>
+            <a:r>
+              <a:rPr lang="fr-FR" sz="1200" dirty="0" smtClean="0"/>
+              <a:t>+</a:t>
+            </a:r>
+            <a:endParaRPr lang="fr-FR" sz="1200" baseline="-25000" dirty="0"/>
+          </a:p>
+        </p:txBody>
+      </p:sp>
+      <mc:AlternateContent xmlns:mc="http://schemas.openxmlformats.org/markup-compatibility/2006" xmlns:a14="http://schemas.microsoft.com/office/drawing/2010/main">
+        <mc:Choice Requires="a14">
+          <p:sp>
+            <p:nvSpPr>
+              <p:cNvPr id="70" name="ZoneTexte 69"/>
+              <p:cNvSpPr txBox="1"/>
+              <p:nvPr/>
+            </p:nvSpPr>
+            <p:spPr>
+              <a:xfrm>
+                <a:off x="3491397" y="2345256"/>
+                <a:ext cx="360523" cy="400110"/>
+              </a:xfrm>
+              <a:prstGeom prst="rect">
+                <a:avLst/>
+              </a:prstGeom>
+              <a:noFill/>
+            </p:spPr>
+            <p:txBody>
+              <a:bodyPr wrap="square" rtlCol="0">
+                <a:spAutoFit/>
+              </a:bodyPr>
+              <a:lstStyle/>
+              <a:p>
+                <a:pPr/>
+                <a14:m>
+                  <m:oMathPara xmlns:m="http://schemas.openxmlformats.org/officeDocument/2006/math">
+                    <m:oMathParaPr>
+                      <m:jc m:val="centerGroup"/>
+                    </m:oMathParaPr>
+                    <m:oMath xmlns:m="http://schemas.openxmlformats.org/officeDocument/2006/math">
+                      <m:r>
+                        <a:rPr lang="fr-FR" sz="1000" i="1" smtClean="0">
+                          <a:latin typeface="Cambria Math"/>
+                          <a:ea typeface="Cambria Math"/>
+                        </a:rPr>
+                        <m:t>⊳</m:t>
+                      </m:r>
+                    </m:oMath>
+                  </m:oMathPara>
+                </a14:m>
+                <a:endParaRPr lang="fr-FR" sz="1000" dirty="0" smtClean="0">
+                  <a:ea typeface="Cambria Math"/>
+                </a:endParaRPr>
+              </a:p>
+              <a:p>
+                <a:pPr/>
+                <a14:m>
+                  <m:oMathPara xmlns:m="http://schemas.openxmlformats.org/officeDocument/2006/math">
+                    <m:oMathParaPr>
+                      <m:jc m:val="centerGroup"/>
+                    </m:oMathParaPr>
+                    <m:oMath xmlns:m="http://schemas.openxmlformats.org/officeDocument/2006/math">
+                      <m:r>
+                        <a:rPr lang="fr-FR" sz="1000" i="1" smtClean="0">
+                          <a:latin typeface="Cambria Math"/>
+                          <a:ea typeface="Cambria Math"/>
+                        </a:rPr>
+                        <m:t>∞</m:t>
+                      </m:r>
+                    </m:oMath>
+                  </m:oMathPara>
+                </a14:m>
+                <a:endParaRPr lang="fr-FR" sz="1000" dirty="0" smtClean="0">
+                  <a:ea typeface="Cambria Math"/>
+                </a:endParaRPr>
+              </a:p>
+            </p:txBody>
+          </p:sp>
+        </mc:Choice>
+        <mc:Fallback xmlns="">
+          <p:sp>
+            <p:nvSpPr>
+              <p:cNvPr id="70" name="ZoneTexte 69"/>
+              <p:cNvSpPr txBox="1">
+                <a:spLocks noRot="1" noChangeAspect="1" noMove="1" noResize="1" noEditPoints="1" noAdjustHandles="1" noChangeArrowheads="1" noChangeShapeType="1" noTextEdit="1"/>
+              </p:cNvSpPr>
+              <p:nvPr/>
+            </p:nvSpPr>
+            <p:spPr>
+              <a:xfrm>
+                <a:off x="3491397" y="2345256"/>
+                <a:ext cx="360523" cy="400110"/>
+              </a:xfrm>
+              <a:prstGeom prst="rect">
+                <a:avLst/>
+              </a:prstGeom>
+              <a:blipFill rotWithShape="1">
+                <a:blip r:embed="rId2"/>
+                <a:stretch>
+                  <a:fillRect/>
+                </a:stretch>
+              </a:blipFill>
+            </p:spPr>
+            <p:txBody>
+              <a:bodyPr/>
+              <a:lstStyle/>
+              <a:p>
+                <a:r>
+                  <a:rPr lang="fr-FR">
+                    <a:noFill/>
+                  </a:rPr>
+                  <a:t> </a:t>
+                </a:r>
+              </a:p>
+            </p:txBody>
+          </p:sp>
+        </mc:Fallback>
+      </mc:AlternateContent>
+    </p:spTree>
+    <p:extLst>
+      <p:ext uri="{BB962C8B-B14F-4D97-AF65-F5344CB8AC3E}">
+        <p14:creationId xmlns:p14="http://schemas.microsoft.com/office/powerpoint/2010/main" val="902991357"/>
+      </p:ext>
+    </p:extLst>
+  </p:cSld>
+  <p:clrMapOvr>
+    <a:masterClrMapping/>
+  </p:clrMapOvr>
+</p:sld>
+</file>
+
+<file path=ppt/slides/slide4.xml><?xml version="1.0" encoding="utf-8"?>
+<p:sld xmlns:a="http://schemas.openxmlformats.org/drawingml/2006/main" xmlns:r="http://schemas.openxmlformats.org/officeDocument/2006/relationships" xmlns:p="http://schemas.openxmlformats.org/presentationml/2006/main">
+  <p:cSld>
+    <p:spTree>
+      <p:nvGrpSpPr>
+        <p:cNvPr id="1" name=""/>
+        <p:cNvGrpSpPr/>
+        <p:nvPr/>
+      </p:nvGrpSpPr>
+      <p:grpSpPr>
+        <a:xfrm>
+          <a:off x="0" y="0"/>
+          <a:ext cx="0" cy="0"/>
+          <a:chOff x="0" y="0"/>
+          <a:chExt cx="0" cy="0"/>
+        </a:xfrm>
+      </p:grpSpPr>
       <p:grpSp>
         <p:nvGrpSpPr>
           <p:cNvPr id="35" name="Groupe 34"/>
@@ -6600,7 +11200,7 @@
 </p:sld>
 </file>
 
-<file path=ppt/slides/slide3.xml><?xml version="1.0" encoding="utf-8"?>
+<file path=ppt/slides/slide5.xml><?xml version="1.0" encoding="utf-8"?>
 <p:sld xmlns:a="http://schemas.openxmlformats.org/drawingml/2006/main" xmlns:r="http://schemas.openxmlformats.org/officeDocument/2006/relationships" xmlns:p="http://schemas.openxmlformats.org/presentationml/2006/main">
   <p:cSld>
     <p:spTree>
@@ -6694,7 +11294,7 @@
 </p:sld>
 </file>
 
-<file path=ppt/slides/slide4.xml><?xml version="1.0" encoding="utf-8"?>
+<file path=ppt/slides/slide6.xml><?xml version="1.0" encoding="utf-8"?>
 <p:sld xmlns:a="http://schemas.openxmlformats.org/drawingml/2006/main" xmlns:r="http://schemas.openxmlformats.org/officeDocument/2006/relationships" xmlns:p="http://schemas.openxmlformats.org/presentationml/2006/main">
   <p:cSld>
     <p:spTree>
@@ -7803,7 +12403,7 @@
 </p:sld>
 </file>
 
-<file path=ppt/slides/slide5.xml><?xml version="1.0" encoding="utf-8"?>
+<file path=ppt/slides/slide7.xml><?xml version="1.0" encoding="utf-8"?>
 <p:sld xmlns:a="http://schemas.openxmlformats.org/drawingml/2006/main" xmlns:r="http://schemas.openxmlformats.org/officeDocument/2006/relationships" xmlns:p="http://schemas.openxmlformats.org/presentationml/2006/main">
   <p:cSld>
     <p:spTree>
@@ -9296,7 +13896,7 @@
 </p:sld>
 </file>
 
-<file path=ppt/slides/slide6.xml><?xml version="1.0" encoding="utf-8"?>
+<file path=ppt/slides/slide8.xml><?xml version="1.0" encoding="utf-8"?>
 <p:sld xmlns:a="http://schemas.openxmlformats.org/drawingml/2006/main" xmlns:r="http://schemas.openxmlformats.org/officeDocument/2006/relationships" xmlns:p="http://schemas.openxmlformats.org/presentationml/2006/main">
   <p:cSld>
     <p:spTree>
